--- a/Foundation/新建Microsoft PowerPoint 演示文稿.pptx
+++ b/Foundation/新建Microsoft PowerPoint 演示文稿.pptx
@@ -7,8 +7,10 @@
   <p:sldIdLst>
     <p:sldId id="256" r:id="rId2"/>
     <p:sldId id="257" r:id="rId3"/>
-    <p:sldId id="258" r:id="rId4"/>
-    <p:sldId id="259" r:id="rId5"/>
+    <p:sldId id="260" r:id="rId4"/>
+    <p:sldId id="258" r:id="rId5"/>
+    <p:sldId id="259" r:id="rId6"/>
+    <p:sldId id="261" r:id="rId7"/>
   </p:sldIdLst>
   <p:sldSz cx="12192000" cy="6858000"/>
   <p:notesSz cx="6858000" cy="9144000"/>
@@ -107,6 +109,11 @@
       </a:defRPr>
     </a:lvl9pPr>
   </p:defaultTextStyle>
+  <p:extLst>
+    <p:ext uri="{EFAFB233-063F-42B5-8137-9DF3F51BA10A}">
+      <p15:sldGuideLst xmlns:p15="http://schemas.microsoft.com/office/powerpoint/2012/main"/>
+    </p:ext>
+  </p:extLst>
 </p:presentation>
 </file>
 
@@ -257,7 +264,7 @@
           <a:p>
             <a:fld id="{017490EB-DE0A-4655-82EB-3694282D5344}" type="datetimeFigureOut">
               <a:rPr lang="zh-CN" altLang="en-US" smtClean="0"/>
-              <a:t>2024/8/15</a:t>
+              <a:t>2024/8/30</a:t>
             </a:fld>
             <a:endParaRPr lang="zh-CN" altLang="en-US"/>
           </a:p>
@@ -455,7 +462,7 @@
           <a:p>
             <a:fld id="{017490EB-DE0A-4655-82EB-3694282D5344}" type="datetimeFigureOut">
               <a:rPr lang="zh-CN" altLang="en-US" smtClean="0"/>
-              <a:t>2024/8/15</a:t>
+              <a:t>2024/8/30</a:t>
             </a:fld>
             <a:endParaRPr lang="zh-CN" altLang="en-US"/>
           </a:p>
@@ -663,7 +670,7 @@
           <a:p>
             <a:fld id="{017490EB-DE0A-4655-82EB-3694282D5344}" type="datetimeFigureOut">
               <a:rPr lang="zh-CN" altLang="en-US" smtClean="0"/>
-              <a:t>2024/8/15</a:t>
+              <a:t>2024/8/30</a:t>
             </a:fld>
             <a:endParaRPr lang="zh-CN" altLang="en-US"/>
           </a:p>
@@ -861,7 +868,7 @@
           <a:p>
             <a:fld id="{017490EB-DE0A-4655-82EB-3694282D5344}" type="datetimeFigureOut">
               <a:rPr lang="zh-CN" altLang="en-US" smtClean="0"/>
-              <a:t>2024/8/15</a:t>
+              <a:t>2024/8/30</a:t>
             </a:fld>
             <a:endParaRPr lang="zh-CN" altLang="en-US"/>
           </a:p>
@@ -1136,7 +1143,7 @@
           <a:p>
             <a:fld id="{017490EB-DE0A-4655-82EB-3694282D5344}" type="datetimeFigureOut">
               <a:rPr lang="zh-CN" altLang="en-US" smtClean="0"/>
-              <a:t>2024/8/15</a:t>
+              <a:t>2024/8/30</a:t>
             </a:fld>
             <a:endParaRPr lang="zh-CN" altLang="en-US"/>
           </a:p>
@@ -1401,7 +1408,7 @@
           <a:p>
             <a:fld id="{017490EB-DE0A-4655-82EB-3694282D5344}" type="datetimeFigureOut">
               <a:rPr lang="zh-CN" altLang="en-US" smtClean="0"/>
-              <a:t>2024/8/15</a:t>
+              <a:t>2024/8/30</a:t>
             </a:fld>
             <a:endParaRPr lang="zh-CN" altLang="en-US"/>
           </a:p>
@@ -1813,7 +1820,7 @@
           <a:p>
             <a:fld id="{017490EB-DE0A-4655-82EB-3694282D5344}" type="datetimeFigureOut">
               <a:rPr lang="zh-CN" altLang="en-US" smtClean="0"/>
-              <a:t>2024/8/15</a:t>
+              <a:t>2024/8/30</a:t>
             </a:fld>
             <a:endParaRPr lang="zh-CN" altLang="en-US"/>
           </a:p>
@@ -1954,7 +1961,7 @@
           <a:p>
             <a:fld id="{017490EB-DE0A-4655-82EB-3694282D5344}" type="datetimeFigureOut">
               <a:rPr lang="zh-CN" altLang="en-US" smtClean="0"/>
-              <a:t>2024/8/15</a:t>
+              <a:t>2024/8/30</a:t>
             </a:fld>
             <a:endParaRPr lang="zh-CN" altLang="en-US"/>
           </a:p>
@@ -2067,7 +2074,7 @@
           <a:p>
             <a:fld id="{017490EB-DE0A-4655-82EB-3694282D5344}" type="datetimeFigureOut">
               <a:rPr lang="zh-CN" altLang="en-US" smtClean="0"/>
-              <a:t>2024/8/15</a:t>
+              <a:t>2024/8/30</a:t>
             </a:fld>
             <a:endParaRPr lang="zh-CN" altLang="en-US"/>
           </a:p>
@@ -2378,7 +2385,7 @@
           <a:p>
             <a:fld id="{017490EB-DE0A-4655-82EB-3694282D5344}" type="datetimeFigureOut">
               <a:rPr lang="zh-CN" altLang="en-US" smtClean="0"/>
-              <a:t>2024/8/15</a:t>
+              <a:t>2024/8/30</a:t>
             </a:fld>
             <a:endParaRPr lang="zh-CN" altLang="en-US"/>
           </a:p>
@@ -2666,7 +2673,7 @@
           <a:p>
             <a:fld id="{017490EB-DE0A-4655-82EB-3694282D5344}" type="datetimeFigureOut">
               <a:rPr lang="zh-CN" altLang="en-US" smtClean="0"/>
-              <a:t>2024/8/15</a:t>
+              <a:t>2024/8/30</a:t>
             </a:fld>
             <a:endParaRPr lang="zh-CN" altLang="en-US"/>
           </a:p>
@@ -2907,7 +2914,7 @@
           <a:p>
             <a:fld id="{017490EB-DE0A-4655-82EB-3694282D5344}" type="datetimeFigureOut">
               <a:rPr lang="zh-CN" altLang="en-US" smtClean="0"/>
-              <a:t>2024/8/15</a:t>
+              <a:t>2024/8/30</a:t>
             </a:fld>
             <a:endParaRPr lang="zh-CN" altLang="en-US"/>
           </a:p>
@@ -3324,6 +3331,671 @@
           <a:chExt cx="0" cy="0"/>
         </a:xfrm>
       </p:grpSpPr>
+      <p:grpSp>
+        <p:nvGrpSpPr>
+          <p:cNvPr id="28" name="组合 27">
+            <a:extLst>
+              <a:ext uri="{FF2B5EF4-FFF2-40B4-BE49-F238E27FC236}">
+                <a16:creationId xmlns:a16="http://schemas.microsoft.com/office/drawing/2014/main" id="{8620FB7E-E3A1-1F15-21C8-3D14DC59FBD9}"/>
+              </a:ext>
+            </a:extLst>
+          </p:cNvPr>
+          <p:cNvGrpSpPr/>
+          <p:nvPr/>
+        </p:nvGrpSpPr>
+        <p:grpSpPr>
+          <a:xfrm>
+            <a:off x="3005729" y="1563289"/>
+            <a:ext cx="5054296" cy="2935449"/>
+            <a:chOff x="3005729" y="1563289"/>
+            <a:chExt cx="5054296" cy="2935449"/>
+          </a:xfrm>
+        </p:grpSpPr>
+        <p:sp>
+          <p:nvSpPr>
+            <p:cNvPr id="14" name="文本框 13">
+              <a:extLst>
+                <a:ext uri="{FF2B5EF4-FFF2-40B4-BE49-F238E27FC236}">
+                  <a16:creationId xmlns:a16="http://schemas.microsoft.com/office/drawing/2014/main" id="{88B82717-4383-7EC8-BEE8-91C1F8C239BD}"/>
+                </a:ext>
+              </a:extLst>
+            </p:cNvPr>
+            <p:cNvSpPr txBox="1"/>
+            <p:nvPr/>
+          </p:nvSpPr>
+          <p:spPr>
+            <a:xfrm>
+              <a:off x="3990327" y="4129406"/>
+              <a:ext cx="2973891" cy="369332"/>
+            </a:xfrm>
+            <a:prstGeom prst="rect">
+              <a:avLst/>
+            </a:prstGeom>
+            <a:noFill/>
+          </p:spPr>
+          <p:txBody>
+            <a:bodyPr wrap="none" rtlCol="0">
+              <a:spAutoFit/>
+            </a:bodyPr>
+            <a:lstStyle/>
+            <a:p>
+              <a:r>
+                <a:rPr lang="zh-CN" altLang="en-US" b="1" dirty="0">
+                  <a:latin typeface="宋体" panose="02010600030101010101" pitchFamily="2" charset="-122"/>
+                  <a:ea typeface="宋体" panose="02010600030101010101" pitchFamily="2" charset="-122"/>
+                </a:rPr>
+                <a:t>三立柱柱墩计算参数示意图</a:t>
+              </a:r>
+            </a:p>
+          </p:txBody>
+        </p:sp>
+        <p:grpSp>
+          <p:nvGrpSpPr>
+            <p:cNvPr id="27" name="组合 26">
+              <a:extLst>
+                <a:ext uri="{FF2B5EF4-FFF2-40B4-BE49-F238E27FC236}">
+                  <a16:creationId xmlns:a16="http://schemas.microsoft.com/office/drawing/2014/main" id="{F34134A1-7683-A33A-C6EC-CB2FFF75D2BA}"/>
+                </a:ext>
+              </a:extLst>
+            </p:cNvPr>
+            <p:cNvGrpSpPr/>
+            <p:nvPr/>
+          </p:nvGrpSpPr>
+          <p:grpSpPr>
+            <a:xfrm>
+              <a:off x="3005729" y="1563289"/>
+              <a:ext cx="5054296" cy="2493361"/>
+              <a:chOff x="3005729" y="1563289"/>
+              <a:chExt cx="5054296" cy="2493361"/>
+            </a:xfrm>
+          </p:grpSpPr>
+          <p:pic>
+            <p:nvPicPr>
+              <p:cNvPr id="3" name="图片 2">
+                <a:extLst>
+                  <a:ext uri="{FF2B5EF4-FFF2-40B4-BE49-F238E27FC236}">
+                    <a16:creationId xmlns:a16="http://schemas.microsoft.com/office/drawing/2014/main" id="{4CAA1C50-02C8-432A-1C9D-A8E6321DBBF2}"/>
+                  </a:ext>
+                </a:extLst>
+              </p:cNvPr>
+              <p:cNvPicPr>
+                <a:picLocks noChangeAspect="1"/>
+              </p:cNvPicPr>
+              <p:nvPr/>
+            </p:nvPicPr>
+            <p:blipFill>
+              <a:blip r:embed="rId2">
+                <a:extLst>
+                  <a:ext uri="{28A0092B-C50C-407E-A947-70E740481C1C}">
+                    <a14:useLocalDpi xmlns:a14="http://schemas.microsoft.com/office/drawing/2010/main" val="0"/>
+                  </a:ext>
+                </a:extLst>
+              </a:blip>
+              <a:stretch>
+                <a:fillRect/>
+              </a:stretch>
+            </p:blipFill>
+            <p:spPr>
+              <a:xfrm>
+                <a:off x="3777672" y="1563289"/>
+                <a:ext cx="4282353" cy="1997650"/>
+              </a:xfrm>
+              <a:prstGeom prst="rect">
+                <a:avLst/>
+              </a:prstGeom>
+            </p:spPr>
+          </p:pic>
+          <p:grpSp>
+            <p:nvGrpSpPr>
+              <p:cNvPr id="8" name="组合 7">
+                <a:extLst>
+                  <a:ext uri="{FF2B5EF4-FFF2-40B4-BE49-F238E27FC236}">
+                    <a16:creationId xmlns:a16="http://schemas.microsoft.com/office/drawing/2014/main" id="{6E061B92-6BBF-66B8-D26B-D609DCE24E4E}"/>
+                  </a:ext>
+                </a:extLst>
+              </p:cNvPr>
+              <p:cNvGrpSpPr/>
+              <p:nvPr/>
+            </p:nvGrpSpPr>
+            <p:grpSpPr>
+              <a:xfrm rot="4998888">
+                <a:off x="5286341" y="2302079"/>
+                <a:ext cx="233834" cy="1976878"/>
+                <a:chOff x="3776337" y="848410"/>
+                <a:chExt cx="300338" cy="1023950"/>
+              </a:xfrm>
+            </p:grpSpPr>
+            <p:cxnSp>
+              <p:nvCxnSpPr>
+                <p:cNvPr id="18" name="直接箭头连接符 17">
+                  <a:extLst>
+                    <a:ext uri="{FF2B5EF4-FFF2-40B4-BE49-F238E27FC236}">
+                      <a16:creationId xmlns:a16="http://schemas.microsoft.com/office/drawing/2014/main" id="{ADC5367D-5B9E-32B7-DC9B-790DBBF050B7}"/>
+                    </a:ext>
+                  </a:extLst>
+                </p:cNvPr>
+                <p:cNvCxnSpPr/>
+                <p:nvPr/>
+              </p:nvCxnSpPr>
+              <p:spPr>
+                <a:xfrm>
+                  <a:off x="3926506" y="848703"/>
+                  <a:ext cx="0" cy="1022199"/>
+                </a:xfrm>
+                <a:prstGeom prst="straightConnector1">
+                  <a:avLst/>
+                </a:prstGeom>
+                <a:ln w="12700">
+                  <a:solidFill>
+                    <a:srgbClr val="FF0000"/>
+                  </a:solidFill>
+                  <a:headEnd type="triangle" w="med" len="med"/>
+                  <a:tailEnd type="triangle" w="med" len="med"/>
+                </a:ln>
+              </p:spPr>
+              <p:style>
+                <a:lnRef idx="1">
+                  <a:schemeClr val="accent1"/>
+                </a:lnRef>
+                <a:fillRef idx="0">
+                  <a:schemeClr val="accent1"/>
+                </a:fillRef>
+                <a:effectRef idx="0">
+                  <a:schemeClr val="accent1"/>
+                </a:effectRef>
+                <a:fontRef idx="minor">
+                  <a:schemeClr val="tx1"/>
+                </a:fontRef>
+              </p:style>
+            </p:cxnSp>
+            <p:cxnSp>
+              <p:nvCxnSpPr>
+                <p:cNvPr id="19" name="直接连接符 18">
+                  <a:extLst>
+                    <a:ext uri="{FF2B5EF4-FFF2-40B4-BE49-F238E27FC236}">
+                      <a16:creationId xmlns:a16="http://schemas.microsoft.com/office/drawing/2014/main" id="{8BD3B8FF-B3E1-2A33-9CF6-A987B28CD0B7}"/>
+                    </a:ext>
+                  </a:extLst>
+                </p:cNvPr>
+                <p:cNvCxnSpPr/>
+                <p:nvPr/>
+              </p:nvCxnSpPr>
+              <p:spPr>
+                <a:xfrm>
+                  <a:off x="3776337" y="848410"/>
+                  <a:ext cx="300338" cy="0"/>
+                </a:xfrm>
+                <a:prstGeom prst="line">
+                  <a:avLst/>
+                </a:prstGeom>
+                <a:ln w="12700">
+                  <a:solidFill>
+                    <a:srgbClr val="FF0000"/>
+                  </a:solidFill>
+                </a:ln>
+              </p:spPr>
+              <p:style>
+                <a:lnRef idx="1">
+                  <a:schemeClr val="accent1"/>
+                </a:lnRef>
+                <a:fillRef idx="0">
+                  <a:schemeClr val="accent1"/>
+                </a:fillRef>
+                <a:effectRef idx="0">
+                  <a:schemeClr val="accent1"/>
+                </a:effectRef>
+                <a:fontRef idx="minor">
+                  <a:schemeClr val="tx1"/>
+                </a:fontRef>
+              </p:style>
+            </p:cxnSp>
+            <p:cxnSp>
+              <p:nvCxnSpPr>
+                <p:cNvPr id="20" name="直接连接符 19">
+                  <a:extLst>
+                    <a:ext uri="{FF2B5EF4-FFF2-40B4-BE49-F238E27FC236}">
+                      <a16:creationId xmlns:a16="http://schemas.microsoft.com/office/drawing/2014/main" id="{43DA7E90-6589-681B-70F7-5211BCA73DFA}"/>
+                    </a:ext>
+                  </a:extLst>
+                </p:cNvPr>
+                <p:cNvCxnSpPr/>
+                <p:nvPr/>
+              </p:nvCxnSpPr>
+              <p:spPr>
+                <a:xfrm>
+                  <a:off x="3776337" y="1872360"/>
+                  <a:ext cx="300338" cy="0"/>
+                </a:xfrm>
+                <a:prstGeom prst="line">
+                  <a:avLst/>
+                </a:prstGeom>
+                <a:ln w="12700">
+                  <a:solidFill>
+                    <a:srgbClr val="FF0000"/>
+                  </a:solidFill>
+                </a:ln>
+              </p:spPr>
+              <p:style>
+                <a:lnRef idx="1">
+                  <a:schemeClr val="accent1"/>
+                </a:lnRef>
+                <a:fillRef idx="0">
+                  <a:schemeClr val="accent1"/>
+                </a:fillRef>
+                <a:effectRef idx="0">
+                  <a:schemeClr val="accent1"/>
+                </a:effectRef>
+                <a:fontRef idx="minor">
+                  <a:schemeClr val="tx1"/>
+                </a:fontRef>
+              </p:style>
+            </p:cxnSp>
+          </p:grpSp>
+          <p:sp>
+            <p:nvSpPr>
+              <p:cNvPr id="9" name="文本框 8">
+                <a:extLst>
+                  <a:ext uri="{FF2B5EF4-FFF2-40B4-BE49-F238E27FC236}">
+                    <a16:creationId xmlns:a16="http://schemas.microsoft.com/office/drawing/2014/main" id="{078FF8B5-886B-E728-1579-A1029B92497B}"/>
+                  </a:ext>
+                </a:extLst>
+              </p:cNvPr>
+              <p:cNvSpPr txBox="1"/>
+              <p:nvPr/>
+            </p:nvSpPr>
+            <p:spPr>
+              <a:xfrm>
+                <a:off x="3005729" y="3687318"/>
+                <a:ext cx="1760235" cy="369332"/>
+              </a:xfrm>
+              <a:prstGeom prst="rect">
+                <a:avLst/>
+              </a:prstGeom>
+              <a:noFill/>
+            </p:spPr>
+            <p:txBody>
+              <a:bodyPr wrap="square" rtlCol="0">
+                <a:spAutoFit/>
+              </a:bodyPr>
+              <a:lstStyle/>
+              <a:p>
+                <a:r>
+                  <a:rPr lang="zh-CN" altLang="en-US" dirty="0">
+                    <a:solidFill>
+                      <a:srgbClr val="FF0000"/>
+                    </a:solidFill>
+                    <a:latin typeface="宋体" panose="02010600030101010101" pitchFamily="2" charset="-122"/>
+                    <a:ea typeface="宋体" panose="02010600030101010101" pitchFamily="2" charset="-122"/>
+                  </a:rPr>
+                  <a:t>立柱间距</a:t>
+                </a:r>
+              </a:p>
+            </p:txBody>
+          </p:sp>
+          <p:cxnSp>
+            <p:nvCxnSpPr>
+              <p:cNvPr id="10" name="直接箭头连接符 9">
+                <a:extLst>
+                  <a:ext uri="{FF2B5EF4-FFF2-40B4-BE49-F238E27FC236}">
+                    <a16:creationId xmlns:a16="http://schemas.microsoft.com/office/drawing/2014/main" id="{165F6747-BE0D-C3C0-D42E-5D2E1FD1812D}"/>
+                  </a:ext>
+                </a:extLst>
+              </p:cNvPr>
+              <p:cNvCxnSpPr>
+                <a:cxnSpLocks/>
+              </p:cNvCxnSpPr>
+              <p:nvPr/>
+            </p:nvCxnSpPr>
+            <p:spPr>
+              <a:xfrm flipH="1" flipV="1">
+                <a:off x="5713917" y="3269164"/>
+                <a:ext cx="204931" cy="308304"/>
+              </a:xfrm>
+              <a:prstGeom prst="straightConnector1">
+                <a:avLst/>
+              </a:prstGeom>
+              <a:ln>
+                <a:solidFill>
+                  <a:srgbClr val="FF0000"/>
+                </a:solidFill>
+                <a:headEnd w="sm" len="sm"/>
+                <a:tailEnd type="triangle" w="sm" len="sm"/>
+              </a:ln>
+            </p:spPr>
+            <p:style>
+              <a:lnRef idx="1">
+                <a:schemeClr val="accent1"/>
+              </a:lnRef>
+              <a:fillRef idx="0">
+                <a:schemeClr val="accent1"/>
+              </a:fillRef>
+              <a:effectRef idx="0">
+                <a:schemeClr val="accent1"/>
+              </a:effectRef>
+              <a:fontRef idx="minor">
+                <a:schemeClr val="tx1"/>
+              </a:fontRef>
+            </p:style>
+          </p:cxnSp>
+          <p:grpSp>
+            <p:nvGrpSpPr>
+              <p:cNvPr id="11" name="组合 10">
+                <a:extLst>
+                  <a:ext uri="{FF2B5EF4-FFF2-40B4-BE49-F238E27FC236}">
+                    <a16:creationId xmlns:a16="http://schemas.microsoft.com/office/drawing/2014/main" id="{2E101ED6-5962-C4D1-68A8-EEC1E3D5F3ED}"/>
+                  </a:ext>
+                </a:extLst>
+              </p:cNvPr>
+              <p:cNvGrpSpPr/>
+              <p:nvPr/>
+            </p:nvGrpSpPr>
+            <p:grpSpPr>
+              <a:xfrm rot="9386867">
+                <a:off x="4048129" y="2802905"/>
+                <a:ext cx="136773" cy="486656"/>
+                <a:chOff x="3776337" y="848410"/>
+                <a:chExt cx="300338" cy="1023950"/>
+              </a:xfrm>
+            </p:grpSpPr>
+            <p:cxnSp>
+              <p:nvCxnSpPr>
+                <p:cNvPr id="15" name="直接箭头连接符 14">
+                  <a:extLst>
+                    <a:ext uri="{FF2B5EF4-FFF2-40B4-BE49-F238E27FC236}">
+                      <a16:creationId xmlns:a16="http://schemas.microsoft.com/office/drawing/2014/main" id="{EE45F914-1A97-7DBC-D6E7-9DA7479F0CFB}"/>
+                    </a:ext>
+                  </a:extLst>
+                </p:cNvPr>
+                <p:cNvCxnSpPr/>
+                <p:nvPr/>
+              </p:nvCxnSpPr>
+              <p:spPr>
+                <a:xfrm>
+                  <a:off x="3926506" y="848703"/>
+                  <a:ext cx="0" cy="1022199"/>
+                </a:xfrm>
+                <a:prstGeom prst="straightConnector1">
+                  <a:avLst/>
+                </a:prstGeom>
+                <a:ln w="12700">
+                  <a:solidFill>
+                    <a:srgbClr val="FF0000"/>
+                  </a:solidFill>
+                  <a:headEnd type="triangle" w="med" len="med"/>
+                  <a:tailEnd type="triangle" w="med" len="med"/>
+                </a:ln>
+              </p:spPr>
+              <p:style>
+                <a:lnRef idx="1">
+                  <a:schemeClr val="accent1"/>
+                </a:lnRef>
+                <a:fillRef idx="0">
+                  <a:schemeClr val="accent1"/>
+                </a:fillRef>
+                <a:effectRef idx="0">
+                  <a:schemeClr val="accent1"/>
+                </a:effectRef>
+                <a:fontRef idx="minor">
+                  <a:schemeClr val="tx1"/>
+                </a:fontRef>
+              </p:style>
+            </p:cxnSp>
+            <p:cxnSp>
+              <p:nvCxnSpPr>
+                <p:cNvPr id="16" name="直接连接符 15">
+                  <a:extLst>
+                    <a:ext uri="{FF2B5EF4-FFF2-40B4-BE49-F238E27FC236}">
+                      <a16:creationId xmlns:a16="http://schemas.microsoft.com/office/drawing/2014/main" id="{12CF15E4-2B66-064D-B9C2-D71039D113F7}"/>
+                    </a:ext>
+                  </a:extLst>
+                </p:cNvPr>
+                <p:cNvCxnSpPr/>
+                <p:nvPr/>
+              </p:nvCxnSpPr>
+              <p:spPr>
+                <a:xfrm>
+                  <a:off x="3776337" y="848410"/>
+                  <a:ext cx="300338" cy="0"/>
+                </a:xfrm>
+                <a:prstGeom prst="line">
+                  <a:avLst/>
+                </a:prstGeom>
+                <a:ln w="12700">
+                  <a:solidFill>
+                    <a:srgbClr val="FF0000"/>
+                  </a:solidFill>
+                </a:ln>
+              </p:spPr>
+              <p:style>
+                <a:lnRef idx="1">
+                  <a:schemeClr val="accent1"/>
+                </a:lnRef>
+                <a:fillRef idx="0">
+                  <a:schemeClr val="accent1"/>
+                </a:fillRef>
+                <a:effectRef idx="0">
+                  <a:schemeClr val="accent1"/>
+                </a:effectRef>
+                <a:fontRef idx="minor">
+                  <a:schemeClr val="tx1"/>
+                </a:fontRef>
+              </p:style>
+            </p:cxnSp>
+            <p:cxnSp>
+              <p:nvCxnSpPr>
+                <p:cNvPr id="17" name="直接连接符 16">
+                  <a:extLst>
+                    <a:ext uri="{FF2B5EF4-FFF2-40B4-BE49-F238E27FC236}">
+                      <a16:creationId xmlns:a16="http://schemas.microsoft.com/office/drawing/2014/main" id="{277A210C-F28E-FA0E-0621-15A04B50F39D}"/>
+                    </a:ext>
+                  </a:extLst>
+                </p:cNvPr>
+                <p:cNvCxnSpPr/>
+                <p:nvPr/>
+              </p:nvCxnSpPr>
+              <p:spPr>
+                <a:xfrm>
+                  <a:off x="3776337" y="1872360"/>
+                  <a:ext cx="300338" cy="0"/>
+                </a:xfrm>
+                <a:prstGeom prst="line">
+                  <a:avLst/>
+                </a:prstGeom>
+                <a:ln w="12700">
+                  <a:solidFill>
+                    <a:srgbClr val="FF0000"/>
+                  </a:solidFill>
+                </a:ln>
+              </p:spPr>
+              <p:style>
+                <a:lnRef idx="1">
+                  <a:schemeClr val="accent1"/>
+                </a:lnRef>
+                <a:fillRef idx="0">
+                  <a:schemeClr val="accent1"/>
+                </a:fillRef>
+                <a:effectRef idx="0">
+                  <a:schemeClr val="accent1"/>
+                </a:effectRef>
+                <a:fontRef idx="minor">
+                  <a:schemeClr val="tx1"/>
+                </a:fontRef>
+              </p:style>
+            </p:cxnSp>
+          </p:grpSp>
+          <p:sp>
+            <p:nvSpPr>
+              <p:cNvPr id="12" name="文本框 11">
+                <a:extLst>
+                  <a:ext uri="{FF2B5EF4-FFF2-40B4-BE49-F238E27FC236}">
+                    <a16:creationId xmlns:a16="http://schemas.microsoft.com/office/drawing/2014/main" id="{638FE97D-482E-174E-EA4A-58C26772E6A3}"/>
+                  </a:ext>
+                </a:extLst>
+              </p:cNvPr>
+              <p:cNvSpPr txBox="1"/>
+              <p:nvPr/>
+            </p:nvSpPr>
+            <p:spPr>
+              <a:xfrm>
+                <a:off x="4897457" y="3550781"/>
+                <a:ext cx="1587135" cy="369332"/>
+              </a:xfrm>
+              <a:prstGeom prst="rect">
+                <a:avLst/>
+              </a:prstGeom>
+              <a:noFill/>
+            </p:spPr>
+            <p:txBody>
+              <a:bodyPr wrap="square" rtlCol="0">
+                <a:spAutoFit/>
+              </a:bodyPr>
+              <a:lstStyle/>
+              <a:p>
+                <a:r>
+                  <a:rPr lang="zh-CN" altLang="en-US" dirty="0">
+                    <a:solidFill>
+                      <a:srgbClr val="FF0000"/>
+                    </a:solidFill>
+                    <a:latin typeface="宋体" panose="02010600030101010101" pitchFamily="2" charset="-122"/>
+                    <a:ea typeface="宋体" panose="02010600030101010101" pitchFamily="2" charset="-122"/>
+                  </a:rPr>
+                  <a:t>支架纵向间距</a:t>
+                </a:r>
+              </a:p>
+            </p:txBody>
+          </p:sp>
+          <p:cxnSp>
+            <p:nvCxnSpPr>
+              <p:cNvPr id="13" name="直接箭头连接符 12">
+                <a:extLst>
+                  <a:ext uri="{FF2B5EF4-FFF2-40B4-BE49-F238E27FC236}">
+                    <a16:creationId xmlns:a16="http://schemas.microsoft.com/office/drawing/2014/main" id="{55B3AD1A-0656-2C54-5185-611331D4FDE6}"/>
+                  </a:ext>
+                </a:extLst>
+              </p:cNvPr>
+              <p:cNvCxnSpPr>
+                <a:cxnSpLocks/>
+              </p:cNvCxnSpPr>
+              <p:nvPr/>
+            </p:nvCxnSpPr>
+            <p:spPr>
+              <a:xfrm flipV="1">
+                <a:off x="3712722" y="3241964"/>
+                <a:ext cx="243873" cy="436675"/>
+              </a:xfrm>
+              <a:prstGeom prst="straightConnector1">
+                <a:avLst/>
+              </a:prstGeom>
+              <a:ln>
+                <a:solidFill>
+                  <a:srgbClr val="FF0000"/>
+                </a:solidFill>
+                <a:headEnd w="sm" len="sm"/>
+                <a:tailEnd type="triangle" w="sm" len="sm"/>
+              </a:ln>
+            </p:spPr>
+            <p:style>
+              <a:lnRef idx="1">
+                <a:schemeClr val="accent1"/>
+              </a:lnRef>
+              <a:fillRef idx="0">
+                <a:schemeClr val="accent1"/>
+              </a:fillRef>
+              <a:effectRef idx="0">
+                <a:schemeClr val="accent1"/>
+              </a:effectRef>
+              <a:fontRef idx="minor">
+                <a:schemeClr val="tx1"/>
+              </a:fontRef>
+            </p:style>
+          </p:cxnSp>
+          <p:cxnSp>
+            <p:nvCxnSpPr>
+              <p:cNvPr id="24" name="直接箭头连接符 23">
+                <a:extLst>
+                  <a:ext uri="{FF2B5EF4-FFF2-40B4-BE49-F238E27FC236}">
+                    <a16:creationId xmlns:a16="http://schemas.microsoft.com/office/drawing/2014/main" id="{7E9B5BB0-82F3-0601-79AD-44441D0EEDFD}"/>
+                  </a:ext>
+                </a:extLst>
+              </p:cNvPr>
+              <p:cNvCxnSpPr>
+                <a:cxnSpLocks/>
+              </p:cNvCxnSpPr>
+              <p:nvPr/>
+            </p:nvCxnSpPr>
+            <p:spPr>
+              <a:xfrm flipH="1" flipV="1">
+                <a:off x="6437284" y="3026859"/>
+                <a:ext cx="526934" cy="370840"/>
+              </a:xfrm>
+              <a:prstGeom prst="straightConnector1">
+                <a:avLst/>
+              </a:prstGeom>
+              <a:ln w="19050">
+                <a:solidFill>
+                  <a:srgbClr val="FF0000"/>
+                </a:solidFill>
+                <a:tailEnd type="triangle"/>
+              </a:ln>
+            </p:spPr>
+            <p:style>
+              <a:lnRef idx="1">
+                <a:schemeClr val="accent1"/>
+              </a:lnRef>
+              <a:fillRef idx="0">
+                <a:schemeClr val="accent1"/>
+              </a:fillRef>
+              <a:effectRef idx="0">
+                <a:schemeClr val="accent1"/>
+              </a:effectRef>
+              <a:fontRef idx="minor">
+                <a:schemeClr val="tx1"/>
+              </a:fontRef>
+            </p:style>
+          </p:cxnSp>
+          <p:sp>
+            <p:nvSpPr>
+              <p:cNvPr id="26" name="文本框 25">
+                <a:extLst>
+                  <a:ext uri="{FF2B5EF4-FFF2-40B4-BE49-F238E27FC236}">
+                    <a16:creationId xmlns:a16="http://schemas.microsoft.com/office/drawing/2014/main" id="{B3ED73BD-9113-395B-B01E-6CCDE725C566}"/>
+                  </a:ext>
+                </a:extLst>
+              </p:cNvPr>
+              <p:cNvSpPr txBox="1"/>
+              <p:nvPr/>
+            </p:nvSpPr>
+            <p:spPr>
+              <a:xfrm>
+                <a:off x="6549542" y="3376273"/>
+                <a:ext cx="1119395" cy="369332"/>
+              </a:xfrm>
+              <a:prstGeom prst="rect">
+                <a:avLst/>
+              </a:prstGeom>
+              <a:noFill/>
+            </p:spPr>
+            <p:txBody>
+              <a:bodyPr wrap="square" rtlCol="0">
+                <a:spAutoFit/>
+              </a:bodyPr>
+              <a:lstStyle/>
+              <a:p>
+                <a:r>
+                  <a:rPr lang="zh-CN" altLang="en-US" dirty="0">
+                    <a:solidFill>
+                      <a:srgbClr val="FF0000"/>
+                    </a:solidFill>
+                    <a:latin typeface="宋体" panose="02010600030101010101" pitchFamily="2" charset="-122"/>
+                    <a:ea typeface="宋体" panose="02010600030101010101" pitchFamily="2" charset="-122"/>
+                  </a:rPr>
+                  <a:t>条基外伸</a:t>
+                </a:r>
+              </a:p>
+            </p:txBody>
+          </p:sp>
+        </p:grpSp>
+      </p:grpSp>
     </p:spTree>
     <p:extLst>
       <p:ext uri="{BB962C8B-B14F-4D97-AF65-F5344CB8AC3E}">
@@ -3354,6 +4026,558 @@
           <a:chExt cx="0" cy="0"/>
         </a:xfrm>
       </p:grpSpPr>
+      <p:grpSp>
+        <p:nvGrpSpPr>
+          <p:cNvPr id="28" name="组合 27">
+            <a:extLst>
+              <a:ext uri="{FF2B5EF4-FFF2-40B4-BE49-F238E27FC236}">
+                <a16:creationId xmlns:a16="http://schemas.microsoft.com/office/drawing/2014/main" id="{EF106753-FBFD-A02A-E124-DEB7C6EA47BB}"/>
+              </a:ext>
+            </a:extLst>
+          </p:cNvPr>
+          <p:cNvGrpSpPr/>
+          <p:nvPr/>
+        </p:nvGrpSpPr>
+        <p:grpSpPr>
+          <a:xfrm>
+            <a:off x="3531803" y="1108364"/>
+            <a:ext cx="5510597" cy="2585999"/>
+            <a:chOff x="2888053" y="2733964"/>
+            <a:chExt cx="5510597" cy="2585999"/>
+          </a:xfrm>
+        </p:grpSpPr>
+        <p:pic>
+          <p:nvPicPr>
+            <p:cNvPr id="8" name="图片 7">
+              <a:extLst>
+                <a:ext uri="{FF2B5EF4-FFF2-40B4-BE49-F238E27FC236}">
+                  <a16:creationId xmlns:a16="http://schemas.microsoft.com/office/drawing/2014/main" id="{287AAE1B-B1C1-074D-272D-5BFA502BCDF9}"/>
+                </a:ext>
+              </a:extLst>
+            </p:cNvPr>
+            <p:cNvPicPr>
+              <a:picLocks noChangeAspect="1"/>
+            </p:cNvPicPr>
+            <p:nvPr/>
+          </p:nvPicPr>
+          <p:blipFill rotWithShape="1">
+            <a:blip r:embed="rId2"/>
+            <a:srcRect l="5653" t="26481" r="9678" b="29120"/>
+            <a:stretch/>
+          </p:blipFill>
+          <p:spPr>
+            <a:xfrm>
+              <a:off x="2888053" y="2733964"/>
+              <a:ext cx="4760426" cy="1714069"/>
+            </a:xfrm>
+            <a:prstGeom prst="rect">
+              <a:avLst/>
+            </a:prstGeom>
+          </p:spPr>
+        </p:pic>
+        <p:grpSp>
+          <p:nvGrpSpPr>
+            <p:cNvPr id="12" name="组合 11">
+              <a:extLst>
+                <a:ext uri="{FF2B5EF4-FFF2-40B4-BE49-F238E27FC236}">
+                  <a16:creationId xmlns:a16="http://schemas.microsoft.com/office/drawing/2014/main" id="{1D6BA34C-9888-FD28-585F-9E7DA385D180}"/>
+                </a:ext>
+              </a:extLst>
+            </p:cNvPr>
+            <p:cNvGrpSpPr/>
+            <p:nvPr/>
+          </p:nvGrpSpPr>
+          <p:grpSpPr>
+            <a:xfrm rot="3194057">
+              <a:off x="6814343" y="3875611"/>
+              <a:ext cx="165291" cy="716333"/>
+              <a:chOff x="3776337" y="848410"/>
+              <a:chExt cx="300338" cy="1023950"/>
+            </a:xfrm>
+          </p:grpSpPr>
+          <p:cxnSp>
+            <p:nvCxnSpPr>
+              <p:cNvPr id="9" name="直接箭头连接符 8">
+                <a:extLst>
+                  <a:ext uri="{FF2B5EF4-FFF2-40B4-BE49-F238E27FC236}">
+                    <a16:creationId xmlns:a16="http://schemas.microsoft.com/office/drawing/2014/main" id="{9DCBD022-DF59-1441-7D50-DA23155CC2FC}"/>
+                  </a:ext>
+                </a:extLst>
+              </p:cNvPr>
+              <p:cNvCxnSpPr/>
+              <p:nvPr/>
+            </p:nvCxnSpPr>
+            <p:spPr>
+              <a:xfrm>
+                <a:off x="3926506" y="848703"/>
+                <a:ext cx="0" cy="1022199"/>
+              </a:xfrm>
+              <a:prstGeom prst="straightConnector1">
+                <a:avLst/>
+              </a:prstGeom>
+              <a:ln w="12700">
+                <a:solidFill>
+                  <a:srgbClr val="FF0000"/>
+                </a:solidFill>
+                <a:headEnd type="triangle" w="med" len="med"/>
+                <a:tailEnd type="triangle" w="med" len="med"/>
+              </a:ln>
+            </p:spPr>
+            <p:style>
+              <a:lnRef idx="1">
+                <a:schemeClr val="accent1"/>
+              </a:lnRef>
+              <a:fillRef idx="0">
+                <a:schemeClr val="accent1"/>
+              </a:fillRef>
+              <a:effectRef idx="0">
+                <a:schemeClr val="accent1"/>
+              </a:effectRef>
+              <a:fontRef idx="minor">
+                <a:schemeClr val="tx1"/>
+              </a:fontRef>
+            </p:style>
+          </p:cxnSp>
+          <p:cxnSp>
+            <p:nvCxnSpPr>
+              <p:cNvPr id="10" name="直接连接符 9">
+                <a:extLst>
+                  <a:ext uri="{FF2B5EF4-FFF2-40B4-BE49-F238E27FC236}">
+                    <a16:creationId xmlns:a16="http://schemas.microsoft.com/office/drawing/2014/main" id="{1CC1E11F-201F-7E7C-D624-B3D699C57165}"/>
+                  </a:ext>
+                </a:extLst>
+              </p:cNvPr>
+              <p:cNvCxnSpPr/>
+              <p:nvPr/>
+            </p:nvCxnSpPr>
+            <p:spPr>
+              <a:xfrm>
+                <a:off x="3776337" y="848410"/>
+                <a:ext cx="300338" cy="0"/>
+              </a:xfrm>
+              <a:prstGeom prst="line">
+                <a:avLst/>
+              </a:prstGeom>
+              <a:ln w="12700">
+                <a:solidFill>
+                  <a:srgbClr val="FF0000"/>
+                </a:solidFill>
+              </a:ln>
+            </p:spPr>
+            <p:style>
+              <a:lnRef idx="1">
+                <a:schemeClr val="accent1"/>
+              </a:lnRef>
+              <a:fillRef idx="0">
+                <a:schemeClr val="accent1"/>
+              </a:fillRef>
+              <a:effectRef idx="0">
+                <a:schemeClr val="accent1"/>
+              </a:effectRef>
+              <a:fontRef idx="minor">
+                <a:schemeClr val="tx1"/>
+              </a:fontRef>
+            </p:style>
+          </p:cxnSp>
+          <p:cxnSp>
+            <p:nvCxnSpPr>
+              <p:cNvPr id="11" name="直接连接符 10">
+                <a:extLst>
+                  <a:ext uri="{FF2B5EF4-FFF2-40B4-BE49-F238E27FC236}">
+                    <a16:creationId xmlns:a16="http://schemas.microsoft.com/office/drawing/2014/main" id="{0F15FEEB-AD2C-96BC-1EA1-DA009FB633E5}"/>
+                  </a:ext>
+                </a:extLst>
+              </p:cNvPr>
+              <p:cNvCxnSpPr/>
+              <p:nvPr/>
+            </p:nvCxnSpPr>
+            <p:spPr>
+              <a:xfrm>
+                <a:off x="3776337" y="1872360"/>
+                <a:ext cx="300338" cy="0"/>
+              </a:xfrm>
+              <a:prstGeom prst="line">
+                <a:avLst/>
+              </a:prstGeom>
+              <a:ln w="12700">
+                <a:solidFill>
+                  <a:srgbClr val="FF0000"/>
+                </a:solidFill>
+              </a:ln>
+            </p:spPr>
+            <p:style>
+              <a:lnRef idx="1">
+                <a:schemeClr val="accent1"/>
+              </a:lnRef>
+              <a:fillRef idx="0">
+                <a:schemeClr val="accent1"/>
+              </a:fillRef>
+              <a:effectRef idx="0">
+                <a:schemeClr val="accent1"/>
+              </a:effectRef>
+              <a:fontRef idx="minor">
+                <a:schemeClr val="tx1"/>
+              </a:fontRef>
+            </p:style>
+          </p:cxnSp>
+        </p:grpSp>
+        <p:sp>
+          <p:nvSpPr>
+            <p:cNvPr id="13" name="文本框 12">
+              <a:extLst>
+                <a:ext uri="{FF2B5EF4-FFF2-40B4-BE49-F238E27FC236}">
+                  <a16:creationId xmlns:a16="http://schemas.microsoft.com/office/drawing/2014/main" id="{73C68535-1219-7793-C34C-0241A3208321}"/>
+                </a:ext>
+              </a:extLst>
+            </p:cNvPr>
+            <p:cNvSpPr txBox="1"/>
+            <p:nvPr/>
+          </p:nvSpPr>
+          <p:spPr>
+            <a:xfrm>
+              <a:off x="6638415" y="4514363"/>
+              <a:ext cx="1760235" cy="369332"/>
+            </a:xfrm>
+            <a:prstGeom prst="rect">
+              <a:avLst/>
+            </a:prstGeom>
+            <a:noFill/>
+          </p:spPr>
+          <p:txBody>
+            <a:bodyPr wrap="square" rtlCol="0">
+              <a:spAutoFit/>
+            </a:bodyPr>
+            <a:lstStyle/>
+            <a:p>
+              <a:r>
+                <a:rPr lang="zh-CN" altLang="en-US" dirty="0">
+                  <a:solidFill>
+                    <a:srgbClr val="FF0000"/>
+                  </a:solidFill>
+                  <a:latin typeface="宋体" panose="02010600030101010101" pitchFamily="2" charset="-122"/>
+                  <a:ea typeface="宋体" panose="02010600030101010101" pitchFamily="2" charset="-122"/>
+                </a:rPr>
+                <a:t>前后立柱间距</a:t>
+              </a:r>
+            </a:p>
+          </p:txBody>
+        </p:sp>
+        <p:cxnSp>
+          <p:nvCxnSpPr>
+            <p:cNvPr id="15" name="直接箭头连接符 14">
+              <a:extLst>
+                <a:ext uri="{FF2B5EF4-FFF2-40B4-BE49-F238E27FC236}">
+                  <a16:creationId xmlns:a16="http://schemas.microsoft.com/office/drawing/2014/main" id="{071A7B94-80F4-939E-E737-5ACE98B1E6A0}"/>
+                </a:ext>
+              </a:extLst>
+            </p:cNvPr>
+            <p:cNvCxnSpPr>
+              <a:cxnSpLocks/>
+            </p:cNvCxnSpPr>
+            <p:nvPr/>
+          </p:nvCxnSpPr>
+          <p:spPr>
+            <a:xfrm flipH="1" flipV="1">
+              <a:off x="7056624" y="4279900"/>
+              <a:ext cx="204931" cy="308304"/>
+            </a:xfrm>
+            <a:prstGeom prst="straightConnector1">
+              <a:avLst/>
+            </a:prstGeom>
+            <a:ln>
+              <a:solidFill>
+                <a:srgbClr val="FF0000"/>
+              </a:solidFill>
+              <a:headEnd w="sm" len="sm"/>
+              <a:tailEnd type="triangle" w="sm" len="sm"/>
+            </a:ln>
+          </p:spPr>
+          <p:style>
+            <a:lnRef idx="1">
+              <a:schemeClr val="accent1"/>
+            </a:lnRef>
+            <a:fillRef idx="0">
+              <a:schemeClr val="accent1"/>
+            </a:fillRef>
+            <a:effectRef idx="0">
+              <a:schemeClr val="accent1"/>
+            </a:effectRef>
+            <a:fontRef idx="minor">
+              <a:schemeClr val="tx1"/>
+            </a:fontRef>
+          </p:style>
+        </p:cxnSp>
+        <p:grpSp>
+          <p:nvGrpSpPr>
+            <p:cNvPr id="17" name="组合 16">
+              <a:extLst>
+                <a:ext uri="{FF2B5EF4-FFF2-40B4-BE49-F238E27FC236}">
+                  <a16:creationId xmlns:a16="http://schemas.microsoft.com/office/drawing/2014/main" id="{FE887B3F-CB7A-2413-586F-853B566CDD92}"/>
+                </a:ext>
+              </a:extLst>
+            </p:cNvPr>
+            <p:cNvGrpSpPr/>
+            <p:nvPr/>
+          </p:nvGrpSpPr>
+          <p:grpSpPr>
+            <a:xfrm rot="5982251">
+              <a:off x="5605416" y="3603590"/>
+              <a:ext cx="254111" cy="1470828"/>
+              <a:chOff x="3776337" y="848410"/>
+              <a:chExt cx="300338" cy="1023950"/>
+            </a:xfrm>
+          </p:grpSpPr>
+          <p:cxnSp>
+            <p:nvCxnSpPr>
+              <p:cNvPr id="18" name="直接箭头连接符 17">
+                <a:extLst>
+                  <a:ext uri="{FF2B5EF4-FFF2-40B4-BE49-F238E27FC236}">
+                    <a16:creationId xmlns:a16="http://schemas.microsoft.com/office/drawing/2014/main" id="{FF16A569-0278-A116-43BC-8EE0478A51A9}"/>
+                  </a:ext>
+                </a:extLst>
+              </p:cNvPr>
+              <p:cNvCxnSpPr/>
+              <p:nvPr/>
+            </p:nvCxnSpPr>
+            <p:spPr>
+              <a:xfrm>
+                <a:off x="3926506" y="848703"/>
+                <a:ext cx="0" cy="1022199"/>
+              </a:xfrm>
+              <a:prstGeom prst="straightConnector1">
+                <a:avLst/>
+              </a:prstGeom>
+              <a:ln w="12700">
+                <a:solidFill>
+                  <a:srgbClr val="FF0000"/>
+                </a:solidFill>
+                <a:headEnd type="triangle" w="med" len="med"/>
+                <a:tailEnd type="triangle" w="med" len="med"/>
+              </a:ln>
+            </p:spPr>
+            <p:style>
+              <a:lnRef idx="1">
+                <a:schemeClr val="accent1"/>
+              </a:lnRef>
+              <a:fillRef idx="0">
+                <a:schemeClr val="accent1"/>
+              </a:fillRef>
+              <a:effectRef idx="0">
+                <a:schemeClr val="accent1"/>
+              </a:effectRef>
+              <a:fontRef idx="minor">
+                <a:schemeClr val="tx1"/>
+              </a:fontRef>
+            </p:style>
+          </p:cxnSp>
+          <p:cxnSp>
+            <p:nvCxnSpPr>
+              <p:cNvPr id="19" name="直接连接符 18">
+                <a:extLst>
+                  <a:ext uri="{FF2B5EF4-FFF2-40B4-BE49-F238E27FC236}">
+                    <a16:creationId xmlns:a16="http://schemas.microsoft.com/office/drawing/2014/main" id="{3B59FBFD-3E5C-3C26-B0D7-7C34382ADE0E}"/>
+                  </a:ext>
+                </a:extLst>
+              </p:cNvPr>
+              <p:cNvCxnSpPr/>
+              <p:nvPr/>
+            </p:nvCxnSpPr>
+            <p:spPr>
+              <a:xfrm>
+                <a:off x="3776337" y="848410"/>
+                <a:ext cx="300338" cy="0"/>
+              </a:xfrm>
+              <a:prstGeom prst="line">
+                <a:avLst/>
+              </a:prstGeom>
+              <a:ln w="12700">
+                <a:solidFill>
+                  <a:srgbClr val="FF0000"/>
+                </a:solidFill>
+              </a:ln>
+            </p:spPr>
+            <p:style>
+              <a:lnRef idx="1">
+                <a:schemeClr val="accent1"/>
+              </a:lnRef>
+              <a:fillRef idx="0">
+                <a:schemeClr val="accent1"/>
+              </a:fillRef>
+              <a:effectRef idx="0">
+                <a:schemeClr val="accent1"/>
+              </a:effectRef>
+              <a:fontRef idx="minor">
+                <a:schemeClr val="tx1"/>
+              </a:fontRef>
+            </p:style>
+          </p:cxnSp>
+          <p:cxnSp>
+            <p:nvCxnSpPr>
+              <p:cNvPr id="20" name="直接连接符 19">
+                <a:extLst>
+                  <a:ext uri="{FF2B5EF4-FFF2-40B4-BE49-F238E27FC236}">
+                    <a16:creationId xmlns:a16="http://schemas.microsoft.com/office/drawing/2014/main" id="{A57821B7-17B2-DFB7-EF7B-9401C540B625}"/>
+                  </a:ext>
+                </a:extLst>
+              </p:cNvPr>
+              <p:cNvCxnSpPr/>
+              <p:nvPr/>
+            </p:nvCxnSpPr>
+            <p:spPr>
+              <a:xfrm>
+                <a:off x="3776337" y="1872360"/>
+                <a:ext cx="300338" cy="0"/>
+              </a:xfrm>
+              <a:prstGeom prst="line">
+                <a:avLst/>
+              </a:prstGeom>
+              <a:ln w="12700">
+                <a:solidFill>
+                  <a:srgbClr val="FF0000"/>
+                </a:solidFill>
+              </a:ln>
+            </p:spPr>
+            <p:style>
+              <a:lnRef idx="1">
+                <a:schemeClr val="accent1"/>
+              </a:lnRef>
+              <a:fillRef idx="0">
+                <a:schemeClr val="accent1"/>
+              </a:fillRef>
+              <a:effectRef idx="0">
+                <a:schemeClr val="accent1"/>
+              </a:effectRef>
+              <a:fontRef idx="minor">
+                <a:schemeClr val="tx1"/>
+              </a:fontRef>
+            </p:style>
+          </p:cxnSp>
+        </p:grpSp>
+        <p:sp>
+          <p:nvSpPr>
+            <p:cNvPr id="23" name="文本框 22">
+              <a:extLst>
+                <a:ext uri="{FF2B5EF4-FFF2-40B4-BE49-F238E27FC236}">
+                  <a16:creationId xmlns:a16="http://schemas.microsoft.com/office/drawing/2014/main" id="{E751FFAD-EDFF-2A13-66DD-2BD08E610F6B}"/>
+                </a:ext>
+              </a:extLst>
+            </p:cNvPr>
+            <p:cNvSpPr txBox="1"/>
+            <p:nvPr/>
+          </p:nvSpPr>
+          <p:spPr>
+            <a:xfrm>
+              <a:off x="4848809" y="4498819"/>
+              <a:ext cx="1587135" cy="369332"/>
+            </a:xfrm>
+            <a:prstGeom prst="rect">
+              <a:avLst/>
+            </a:prstGeom>
+            <a:noFill/>
+          </p:spPr>
+          <p:txBody>
+            <a:bodyPr wrap="square" rtlCol="0">
+              <a:spAutoFit/>
+            </a:bodyPr>
+            <a:lstStyle/>
+            <a:p>
+              <a:r>
+                <a:rPr lang="zh-CN" altLang="en-US" dirty="0">
+                  <a:solidFill>
+                    <a:srgbClr val="FF0000"/>
+                  </a:solidFill>
+                  <a:latin typeface="宋体" panose="02010600030101010101" pitchFamily="2" charset="-122"/>
+                  <a:ea typeface="宋体" panose="02010600030101010101" pitchFamily="2" charset="-122"/>
+                </a:rPr>
+                <a:t>支架纵向间距</a:t>
+              </a:r>
+            </a:p>
+          </p:txBody>
+        </p:sp>
+        <p:cxnSp>
+          <p:nvCxnSpPr>
+            <p:cNvPr id="24" name="直接箭头连接符 23">
+              <a:extLst>
+                <a:ext uri="{FF2B5EF4-FFF2-40B4-BE49-F238E27FC236}">
+                  <a16:creationId xmlns:a16="http://schemas.microsoft.com/office/drawing/2014/main" id="{27EA3DDE-6DB9-96B1-5D38-D4A9562DE5B0}"/>
+                </a:ext>
+              </a:extLst>
+            </p:cNvPr>
+            <p:cNvCxnSpPr>
+              <a:cxnSpLocks/>
+            </p:cNvCxnSpPr>
+            <p:nvPr/>
+          </p:nvCxnSpPr>
+          <p:spPr>
+            <a:xfrm flipV="1">
+              <a:off x="5474740" y="4323998"/>
+              <a:ext cx="129900" cy="220107"/>
+            </a:xfrm>
+            <a:prstGeom prst="straightConnector1">
+              <a:avLst/>
+            </a:prstGeom>
+            <a:ln>
+              <a:solidFill>
+                <a:srgbClr val="FF0000"/>
+              </a:solidFill>
+              <a:headEnd w="sm" len="sm"/>
+              <a:tailEnd type="triangle" w="sm" len="sm"/>
+            </a:ln>
+          </p:spPr>
+          <p:style>
+            <a:lnRef idx="1">
+              <a:schemeClr val="accent1"/>
+            </a:lnRef>
+            <a:fillRef idx="0">
+              <a:schemeClr val="accent1"/>
+            </a:fillRef>
+            <a:effectRef idx="0">
+              <a:schemeClr val="accent1"/>
+            </a:effectRef>
+            <a:fontRef idx="minor">
+              <a:schemeClr val="tx1"/>
+            </a:fontRef>
+          </p:style>
+        </p:cxnSp>
+        <p:sp>
+          <p:nvSpPr>
+            <p:cNvPr id="27" name="文本框 26">
+              <a:extLst>
+                <a:ext uri="{FF2B5EF4-FFF2-40B4-BE49-F238E27FC236}">
+                  <a16:creationId xmlns:a16="http://schemas.microsoft.com/office/drawing/2014/main" id="{21E7FFC9-15B3-164D-DF50-5FAEA1D0D00F}"/>
+                </a:ext>
+              </a:extLst>
+            </p:cNvPr>
+            <p:cNvSpPr txBox="1"/>
+            <p:nvPr/>
+          </p:nvSpPr>
+          <p:spPr>
+            <a:xfrm>
+              <a:off x="3664524" y="4950631"/>
+              <a:ext cx="2973891" cy="369332"/>
+            </a:xfrm>
+            <a:prstGeom prst="rect">
+              <a:avLst/>
+            </a:prstGeom>
+            <a:noFill/>
+          </p:spPr>
+          <p:txBody>
+            <a:bodyPr wrap="none" rtlCol="0">
+              <a:spAutoFit/>
+            </a:bodyPr>
+            <a:lstStyle/>
+            <a:p>
+              <a:r>
+                <a:rPr lang="zh-CN" altLang="en-US" b="1" dirty="0">
+                  <a:latin typeface="宋体" panose="02010600030101010101" pitchFamily="2" charset="-122"/>
+                  <a:ea typeface="宋体" panose="02010600030101010101" pitchFamily="2" charset="-122"/>
+                </a:rPr>
+                <a:t>单立柱柱墩计算参数示意图</a:t>
+              </a:r>
+            </a:p>
+          </p:txBody>
+        </p:sp>
+      </p:grpSp>
     </p:spTree>
     <p:extLst>
       <p:ext uri="{BB962C8B-B14F-4D97-AF65-F5344CB8AC3E}">
@@ -3384,6 +4608,3991 @@
           <a:chExt cx="0" cy="0"/>
         </a:xfrm>
       </p:grpSpPr>
+      <p:grpSp>
+        <p:nvGrpSpPr>
+          <p:cNvPr id="33" name="组合 32">
+            <a:extLst>
+              <a:ext uri="{FF2B5EF4-FFF2-40B4-BE49-F238E27FC236}">
+                <a16:creationId xmlns:a16="http://schemas.microsoft.com/office/drawing/2014/main" id="{04B24508-F5A3-8970-08CC-EECDC06899E6}"/>
+              </a:ext>
+            </a:extLst>
+          </p:cNvPr>
+          <p:cNvGrpSpPr/>
+          <p:nvPr/>
+        </p:nvGrpSpPr>
+        <p:grpSpPr>
+          <a:xfrm>
+            <a:off x="3234748" y="2005443"/>
+            <a:ext cx="4659142" cy="3082616"/>
+            <a:chOff x="3234748" y="2005443"/>
+            <a:chExt cx="4659142" cy="3082616"/>
+          </a:xfrm>
+        </p:grpSpPr>
+        <p:grpSp>
+          <p:nvGrpSpPr>
+            <p:cNvPr id="31" name="组合 30">
+              <a:extLst>
+                <a:ext uri="{FF2B5EF4-FFF2-40B4-BE49-F238E27FC236}">
+                  <a16:creationId xmlns:a16="http://schemas.microsoft.com/office/drawing/2014/main" id="{1A3FFD5B-CC94-2F78-D618-DBD7CE581DBE}"/>
+                </a:ext>
+              </a:extLst>
+            </p:cNvPr>
+            <p:cNvGrpSpPr/>
+            <p:nvPr/>
+          </p:nvGrpSpPr>
+          <p:grpSpPr>
+            <a:xfrm>
+              <a:off x="3234748" y="2005443"/>
+              <a:ext cx="4659142" cy="2881890"/>
+              <a:chOff x="3234748" y="2005443"/>
+              <a:chExt cx="4659142" cy="2881890"/>
+            </a:xfrm>
+          </p:grpSpPr>
+          <p:pic>
+            <p:nvPicPr>
+              <p:cNvPr id="3" name="图片 2">
+                <a:extLst>
+                  <a:ext uri="{FF2B5EF4-FFF2-40B4-BE49-F238E27FC236}">
+                    <a16:creationId xmlns:a16="http://schemas.microsoft.com/office/drawing/2014/main" id="{8D9E4749-23FF-3479-3306-8B60B16FF0DC}"/>
+                  </a:ext>
+                </a:extLst>
+              </p:cNvPr>
+              <p:cNvPicPr>
+                <a:picLocks noChangeAspect="1"/>
+              </p:cNvPicPr>
+              <p:nvPr/>
+            </p:nvPicPr>
+            <p:blipFill>
+              <a:blip r:embed="rId2">
+                <a:extLst>
+                  <a:ext uri="{28A0092B-C50C-407E-A947-70E740481C1C}">
+                    <a14:useLocalDpi xmlns:a14="http://schemas.microsoft.com/office/drawing/2010/main" val="0"/>
+                  </a:ext>
+                </a:extLst>
+              </a:blip>
+              <a:stretch>
+                <a:fillRect/>
+              </a:stretch>
+            </p:blipFill>
+            <p:spPr>
+              <a:xfrm>
+                <a:off x="3880828" y="2005443"/>
+                <a:ext cx="3833646" cy="2881890"/>
+              </a:xfrm>
+              <a:prstGeom prst="rect">
+                <a:avLst/>
+              </a:prstGeom>
+            </p:spPr>
+          </p:pic>
+          <p:grpSp>
+            <p:nvGrpSpPr>
+              <p:cNvPr id="11" name="组合 10">
+                <a:extLst>
+                  <a:ext uri="{FF2B5EF4-FFF2-40B4-BE49-F238E27FC236}">
+                    <a16:creationId xmlns:a16="http://schemas.microsoft.com/office/drawing/2014/main" id="{4437302F-B61E-AF9A-E3E9-361955A583EE}"/>
+                  </a:ext>
+                </a:extLst>
+              </p:cNvPr>
+              <p:cNvGrpSpPr/>
+              <p:nvPr/>
+            </p:nvGrpSpPr>
+            <p:grpSpPr>
+              <a:xfrm rot="18071018">
+                <a:off x="6040547" y="3003124"/>
+                <a:ext cx="159829" cy="657928"/>
+                <a:chOff x="5021771" y="2519841"/>
+                <a:chExt cx="184796" cy="1654488"/>
+              </a:xfrm>
+            </p:grpSpPr>
+            <p:cxnSp>
+              <p:nvCxnSpPr>
+                <p:cNvPr id="8" name="直接箭头连接符 7">
+                  <a:extLst>
+                    <a:ext uri="{FF2B5EF4-FFF2-40B4-BE49-F238E27FC236}">
+                      <a16:creationId xmlns:a16="http://schemas.microsoft.com/office/drawing/2014/main" id="{1FF0560B-98EF-9EB1-D31D-930132E41281}"/>
+                    </a:ext>
+                  </a:extLst>
+                </p:cNvPr>
+                <p:cNvCxnSpPr/>
+                <p:nvPr/>
+              </p:nvCxnSpPr>
+              <p:spPr>
+                <a:xfrm>
+                  <a:off x="5114169" y="2519841"/>
+                  <a:ext cx="0" cy="1654488"/>
+                </a:xfrm>
+                <a:prstGeom prst="straightConnector1">
+                  <a:avLst/>
+                </a:prstGeom>
+                <a:ln w="12700">
+                  <a:solidFill>
+                    <a:srgbClr val="FF0000"/>
+                  </a:solidFill>
+                  <a:headEnd type="triangle" w="med" len="med"/>
+                  <a:tailEnd type="triangle" w="med" len="med"/>
+                </a:ln>
+              </p:spPr>
+              <p:style>
+                <a:lnRef idx="1">
+                  <a:schemeClr val="accent1"/>
+                </a:lnRef>
+                <a:fillRef idx="0">
+                  <a:schemeClr val="accent1"/>
+                </a:fillRef>
+                <a:effectRef idx="0">
+                  <a:schemeClr val="accent1"/>
+                </a:effectRef>
+                <a:fontRef idx="minor">
+                  <a:schemeClr val="tx1"/>
+                </a:fontRef>
+              </p:style>
+            </p:cxnSp>
+            <p:cxnSp>
+              <p:nvCxnSpPr>
+                <p:cNvPr id="9" name="直接连接符 8">
+                  <a:extLst>
+                    <a:ext uri="{FF2B5EF4-FFF2-40B4-BE49-F238E27FC236}">
+                      <a16:creationId xmlns:a16="http://schemas.microsoft.com/office/drawing/2014/main" id="{3ED82A16-DE0D-E4C9-0EEE-28A67926F16E}"/>
+                    </a:ext>
+                  </a:extLst>
+                </p:cNvPr>
+                <p:cNvCxnSpPr/>
+                <p:nvPr/>
+              </p:nvCxnSpPr>
+              <p:spPr>
+                <a:xfrm>
+                  <a:off x="5021771" y="4174329"/>
+                  <a:ext cx="184796" cy="0"/>
+                </a:xfrm>
+                <a:prstGeom prst="line">
+                  <a:avLst/>
+                </a:prstGeom>
+                <a:ln w="12700">
+                  <a:solidFill>
+                    <a:srgbClr val="FF0000"/>
+                  </a:solidFill>
+                </a:ln>
+              </p:spPr>
+              <p:style>
+                <a:lnRef idx="1">
+                  <a:schemeClr val="accent1"/>
+                </a:lnRef>
+                <a:fillRef idx="0">
+                  <a:schemeClr val="accent1"/>
+                </a:fillRef>
+                <a:effectRef idx="0">
+                  <a:schemeClr val="accent1"/>
+                </a:effectRef>
+                <a:fontRef idx="minor">
+                  <a:schemeClr val="tx1"/>
+                </a:fontRef>
+              </p:style>
+            </p:cxnSp>
+            <p:cxnSp>
+              <p:nvCxnSpPr>
+                <p:cNvPr id="10" name="直接连接符 9">
+                  <a:extLst>
+                    <a:ext uri="{FF2B5EF4-FFF2-40B4-BE49-F238E27FC236}">
+                      <a16:creationId xmlns:a16="http://schemas.microsoft.com/office/drawing/2014/main" id="{6AFE6801-F381-054A-7C1F-42E76AFCF700}"/>
+                    </a:ext>
+                  </a:extLst>
+                </p:cNvPr>
+                <p:cNvCxnSpPr/>
+                <p:nvPr/>
+              </p:nvCxnSpPr>
+              <p:spPr>
+                <a:xfrm>
+                  <a:off x="5021771" y="2524700"/>
+                  <a:ext cx="184796" cy="0"/>
+                </a:xfrm>
+                <a:prstGeom prst="line">
+                  <a:avLst/>
+                </a:prstGeom>
+                <a:ln w="12700">
+                  <a:solidFill>
+                    <a:srgbClr val="FF0000"/>
+                  </a:solidFill>
+                </a:ln>
+              </p:spPr>
+              <p:style>
+                <a:lnRef idx="1">
+                  <a:schemeClr val="accent1"/>
+                </a:lnRef>
+                <a:fillRef idx="0">
+                  <a:schemeClr val="accent1"/>
+                </a:fillRef>
+                <a:effectRef idx="0">
+                  <a:schemeClr val="accent1"/>
+                </a:effectRef>
+                <a:fontRef idx="minor">
+                  <a:schemeClr val="tx1"/>
+                </a:fontRef>
+              </p:style>
+            </p:cxnSp>
+          </p:grpSp>
+          <p:sp>
+            <p:nvSpPr>
+              <p:cNvPr id="12" name="文本框 11">
+                <a:extLst>
+                  <a:ext uri="{FF2B5EF4-FFF2-40B4-BE49-F238E27FC236}">
+                    <a16:creationId xmlns:a16="http://schemas.microsoft.com/office/drawing/2014/main" id="{044F4E20-23F1-2EB0-3DCA-FAD812C9C2E1}"/>
+                  </a:ext>
+                </a:extLst>
+              </p:cNvPr>
+              <p:cNvSpPr txBox="1"/>
+              <p:nvPr/>
+            </p:nvSpPr>
+            <p:spPr>
+              <a:xfrm>
+                <a:off x="6719140" y="3865145"/>
+                <a:ext cx="1174750" cy="369332"/>
+              </a:xfrm>
+              <a:prstGeom prst="rect">
+                <a:avLst/>
+              </a:prstGeom>
+              <a:noFill/>
+            </p:spPr>
+            <p:txBody>
+              <a:bodyPr wrap="square" rtlCol="0">
+                <a:spAutoFit/>
+              </a:bodyPr>
+              <a:lstStyle/>
+              <a:p>
+                <a:r>
+                  <a:rPr lang="zh-CN" altLang="en-US" dirty="0">
+                    <a:solidFill>
+                      <a:srgbClr val="FF0000"/>
+                    </a:solidFill>
+                    <a:latin typeface="宋体" panose="02010600030101010101" pitchFamily="2" charset="-122"/>
+                    <a:ea typeface="宋体" panose="02010600030101010101" pitchFamily="2" charset="-122"/>
+                  </a:rPr>
+                  <a:t>横梁跨度</a:t>
+                </a:r>
+              </a:p>
+            </p:txBody>
+          </p:sp>
+          <p:cxnSp>
+            <p:nvCxnSpPr>
+              <p:cNvPr id="13" name="直接箭头连接符 12">
+                <a:extLst>
+                  <a:ext uri="{FF2B5EF4-FFF2-40B4-BE49-F238E27FC236}">
+                    <a16:creationId xmlns:a16="http://schemas.microsoft.com/office/drawing/2014/main" id="{90E0D6D7-92C4-1B77-956C-2B230283DD21}"/>
+                  </a:ext>
+                </a:extLst>
+              </p:cNvPr>
+              <p:cNvCxnSpPr>
+                <a:cxnSpLocks/>
+              </p:cNvCxnSpPr>
+              <p:nvPr/>
+            </p:nvCxnSpPr>
+            <p:spPr>
+              <a:xfrm flipH="1" flipV="1">
+                <a:off x="6433592" y="3502420"/>
+                <a:ext cx="489790" cy="362725"/>
+              </a:xfrm>
+              <a:prstGeom prst="straightConnector1">
+                <a:avLst/>
+              </a:prstGeom>
+              <a:ln>
+                <a:solidFill>
+                  <a:srgbClr val="FF0000"/>
+                </a:solidFill>
+                <a:headEnd w="sm" len="sm"/>
+                <a:tailEnd type="triangle" w="sm" len="sm"/>
+              </a:ln>
+            </p:spPr>
+            <p:style>
+              <a:lnRef idx="1">
+                <a:schemeClr val="accent1"/>
+              </a:lnRef>
+              <a:fillRef idx="0">
+                <a:schemeClr val="accent1"/>
+              </a:fillRef>
+              <a:effectRef idx="0">
+                <a:schemeClr val="accent1"/>
+              </a:effectRef>
+              <a:fontRef idx="minor">
+                <a:schemeClr val="tx1"/>
+              </a:fontRef>
+            </p:style>
+          </p:cxnSp>
+          <p:grpSp>
+            <p:nvGrpSpPr>
+              <p:cNvPr id="16" name="组合 15">
+                <a:extLst>
+                  <a:ext uri="{FF2B5EF4-FFF2-40B4-BE49-F238E27FC236}">
+                    <a16:creationId xmlns:a16="http://schemas.microsoft.com/office/drawing/2014/main" id="{BDA1D974-3171-BA2E-0BD4-7FBF2EE9D9C5}"/>
+                  </a:ext>
+                </a:extLst>
+              </p:cNvPr>
+              <p:cNvGrpSpPr/>
+              <p:nvPr/>
+            </p:nvGrpSpPr>
+            <p:grpSpPr>
+              <a:xfrm rot="18275281">
+                <a:off x="4380564" y="3023024"/>
+                <a:ext cx="159829" cy="811951"/>
+                <a:chOff x="5021771" y="2519841"/>
+                <a:chExt cx="184796" cy="1654488"/>
+              </a:xfrm>
+            </p:grpSpPr>
+            <p:cxnSp>
+              <p:nvCxnSpPr>
+                <p:cNvPr id="17" name="直接箭头连接符 16">
+                  <a:extLst>
+                    <a:ext uri="{FF2B5EF4-FFF2-40B4-BE49-F238E27FC236}">
+                      <a16:creationId xmlns:a16="http://schemas.microsoft.com/office/drawing/2014/main" id="{49989225-6DD6-C5DD-26DC-AD8CCEBFAC81}"/>
+                    </a:ext>
+                  </a:extLst>
+                </p:cNvPr>
+                <p:cNvCxnSpPr/>
+                <p:nvPr/>
+              </p:nvCxnSpPr>
+              <p:spPr>
+                <a:xfrm>
+                  <a:off x="5114169" y="2519841"/>
+                  <a:ext cx="0" cy="1654488"/>
+                </a:xfrm>
+                <a:prstGeom prst="straightConnector1">
+                  <a:avLst/>
+                </a:prstGeom>
+                <a:ln w="12700">
+                  <a:solidFill>
+                    <a:srgbClr val="FF0000"/>
+                  </a:solidFill>
+                  <a:headEnd type="triangle" w="med" len="med"/>
+                  <a:tailEnd type="triangle" w="med" len="med"/>
+                </a:ln>
+              </p:spPr>
+              <p:style>
+                <a:lnRef idx="1">
+                  <a:schemeClr val="accent1"/>
+                </a:lnRef>
+                <a:fillRef idx="0">
+                  <a:schemeClr val="accent1"/>
+                </a:fillRef>
+                <a:effectRef idx="0">
+                  <a:schemeClr val="accent1"/>
+                </a:effectRef>
+                <a:fontRef idx="minor">
+                  <a:schemeClr val="tx1"/>
+                </a:fontRef>
+              </p:style>
+            </p:cxnSp>
+            <p:cxnSp>
+              <p:nvCxnSpPr>
+                <p:cNvPr id="18" name="直接连接符 17">
+                  <a:extLst>
+                    <a:ext uri="{FF2B5EF4-FFF2-40B4-BE49-F238E27FC236}">
+                      <a16:creationId xmlns:a16="http://schemas.microsoft.com/office/drawing/2014/main" id="{D2ADF1A5-BD1B-68F5-F13B-E8042C67D845}"/>
+                    </a:ext>
+                  </a:extLst>
+                </p:cNvPr>
+                <p:cNvCxnSpPr/>
+                <p:nvPr/>
+              </p:nvCxnSpPr>
+              <p:spPr>
+                <a:xfrm>
+                  <a:off x="5021771" y="4174329"/>
+                  <a:ext cx="184796" cy="0"/>
+                </a:xfrm>
+                <a:prstGeom prst="line">
+                  <a:avLst/>
+                </a:prstGeom>
+                <a:ln w="12700">
+                  <a:solidFill>
+                    <a:srgbClr val="FF0000"/>
+                  </a:solidFill>
+                </a:ln>
+              </p:spPr>
+              <p:style>
+                <a:lnRef idx="1">
+                  <a:schemeClr val="accent1"/>
+                </a:lnRef>
+                <a:fillRef idx="0">
+                  <a:schemeClr val="accent1"/>
+                </a:fillRef>
+                <a:effectRef idx="0">
+                  <a:schemeClr val="accent1"/>
+                </a:effectRef>
+                <a:fontRef idx="minor">
+                  <a:schemeClr val="tx1"/>
+                </a:fontRef>
+              </p:style>
+            </p:cxnSp>
+            <p:cxnSp>
+              <p:nvCxnSpPr>
+                <p:cNvPr id="19" name="直接连接符 18">
+                  <a:extLst>
+                    <a:ext uri="{FF2B5EF4-FFF2-40B4-BE49-F238E27FC236}">
+                      <a16:creationId xmlns:a16="http://schemas.microsoft.com/office/drawing/2014/main" id="{0106FE6C-1AA0-2030-ACFC-AD2AF43E348F}"/>
+                    </a:ext>
+                  </a:extLst>
+                </p:cNvPr>
+                <p:cNvCxnSpPr/>
+                <p:nvPr/>
+              </p:nvCxnSpPr>
+              <p:spPr>
+                <a:xfrm>
+                  <a:off x="5021771" y="2524700"/>
+                  <a:ext cx="184796" cy="0"/>
+                </a:xfrm>
+                <a:prstGeom prst="line">
+                  <a:avLst/>
+                </a:prstGeom>
+                <a:ln w="12700">
+                  <a:solidFill>
+                    <a:srgbClr val="FF0000"/>
+                  </a:solidFill>
+                </a:ln>
+              </p:spPr>
+              <p:style>
+                <a:lnRef idx="1">
+                  <a:schemeClr val="accent1"/>
+                </a:lnRef>
+                <a:fillRef idx="0">
+                  <a:schemeClr val="accent1"/>
+                </a:fillRef>
+                <a:effectRef idx="0">
+                  <a:schemeClr val="accent1"/>
+                </a:effectRef>
+                <a:fontRef idx="minor">
+                  <a:schemeClr val="tx1"/>
+                </a:fontRef>
+              </p:style>
+            </p:cxnSp>
+          </p:grpSp>
+          <p:sp>
+            <p:nvSpPr>
+              <p:cNvPr id="20" name="文本框 19">
+                <a:extLst>
+                  <a:ext uri="{FF2B5EF4-FFF2-40B4-BE49-F238E27FC236}">
+                    <a16:creationId xmlns:a16="http://schemas.microsoft.com/office/drawing/2014/main" id="{34976579-26D1-34CC-CBB5-B6B8CFC9843B}"/>
+                  </a:ext>
+                </a:extLst>
+              </p:cNvPr>
+              <p:cNvSpPr txBox="1"/>
+              <p:nvPr/>
+            </p:nvSpPr>
+            <p:spPr>
+              <a:xfrm>
+                <a:off x="3701412" y="3757370"/>
+                <a:ext cx="1616623" cy="369332"/>
+              </a:xfrm>
+              <a:prstGeom prst="rect">
+                <a:avLst/>
+              </a:prstGeom>
+              <a:noFill/>
+            </p:spPr>
+            <p:txBody>
+              <a:bodyPr wrap="square" rtlCol="0">
+                <a:spAutoFit/>
+              </a:bodyPr>
+              <a:lstStyle/>
+              <a:p>
+                <a:r>
+                  <a:rPr lang="zh-CN" altLang="en-US" dirty="0">
+                    <a:solidFill>
+                      <a:srgbClr val="FF0000"/>
+                    </a:solidFill>
+                    <a:latin typeface="宋体" panose="02010600030101010101" pitchFamily="2" charset="-122"/>
+                    <a:ea typeface="宋体" panose="02010600030101010101" pitchFamily="2" charset="-122"/>
+                  </a:rPr>
+                  <a:t>平行横梁长度</a:t>
+                </a:r>
+              </a:p>
+            </p:txBody>
+          </p:sp>
+          <p:cxnSp>
+            <p:nvCxnSpPr>
+              <p:cNvPr id="21" name="直接箭头连接符 20">
+                <a:extLst>
+                  <a:ext uri="{FF2B5EF4-FFF2-40B4-BE49-F238E27FC236}">
+                    <a16:creationId xmlns:a16="http://schemas.microsoft.com/office/drawing/2014/main" id="{DD8CB9BD-CF9D-4886-36A6-0FD97661711A}"/>
+                  </a:ext>
+                </a:extLst>
+              </p:cNvPr>
+              <p:cNvCxnSpPr>
+                <a:cxnSpLocks/>
+              </p:cNvCxnSpPr>
+              <p:nvPr/>
+            </p:nvCxnSpPr>
+            <p:spPr>
+              <a:xfrm flipV="1">
+                <a:off x="4248437" y="3510994"/>
+                <a:ext cx="212041" cy="298119"/>
+              </a:xfrm>
+              <a:prstGeom prst="straightConnector1">
+                <a:avLst/>
+              </a:prstGeom>
+              <a:ln>
+                <a:solidFill>
+                  <a:srgbClr val="FF0000"/>
+                </a:solidFill>
+                <a:headEnd w="sm" len="sm"/>
+                <a:tailEnd type="triangle" w="sm" len="sm"/>
+              </a:ln>
+            </p:spPr>
+            <p:style>
+              <a:lnRef idx="1">
+                <a:schemeClr val="accent1"/>
+              </a:lnRef>
+              <a:fillRef idx="0">
+                <a:schemeClr val="accent1"/>
+              </a:fillRef>
+              <a:effectRef idx="0">
+                <a:schemeClr val="accent1"/>
+              </a:effectRef>
+              <a:fontRef idx="minor">
+                <a:schemeClr val="tx1"/>
+              </a:fontRef>
+            </p:style>
+          </p:cxnSp>
+          <p:grpSp>
+            <p:nvGrpSpPr>
+              <p:cNvPr id="23" name="组合 22">
+                <a:extLst>
+                  <a:ext uri="{FF2B5EF4-FFF2-40B4-BE49-F238E27FC236}">
+                    <a16:creationId xmlns:a16="http://schemas.microsoft.com/office/drawing/2014/main" id="{47A08CD1-1CA3-6919-86C1-F4A27C3C8356}"/>
+                  </a:ext>
+                </a:extLst>
+              </p:cNvPr>
+              <p:cNvGrpSpPr/>
+              <p:nvPr/>
+            </p:nvGrpSpPr>
+            <p:grpSpPr>
+              <a:xfrm rot="3290090">
+                <a:off x="4666791" y="1810764"/>
+                <a:ext cx="177692" cy="1520772"/>
+                <a:chOff x="5021771" y="2519841"/>
+                <a:chExt cx="184796" cy="1654488"/>
+              </a:xfrm>
+            </p:grpSpPr>
+            <p:cxnSp>
+              <p:nvCxnSpPr>
+                <p:cNvPr id="24" name="直接箭头连接符 23">
+                  <a:extLst>
+                    <a:ext uri="{FF2B5EF4-FFF2-40B4-BE49-F238E27FC236}">
+                      <a16:creationId xmlns:a16="http://schemas.microsoft.com/office/drawing/2014/main" id="{855EAC52-73A5-AAB2-B669-358D6C0006F8}"/>
+                    </a:ext>
+                  </a:extLst>
+                </p:cNvPr>
+                <p:cNvCxnSpPr/>
+                <p:nvPr/>
+              </p:nvCxnSpPr>
+              <p:spPr>
+                <a:xfrm>
+                  <a:off x="5114169" y="2519841"/>
+                  <a:ext cx="0" cy="1654488"/>
+                </a:xfrm>
+                <a:prstGeom prst="straightConnector1">
+                  <a:avLst/>
+                </a:prstGeom>
+                <a:ln w="12700">
+                  <a:solidFill>
+                    <a:srgbClr val="FF0000"/>
+                  </a:solidFill>
+                  <a:headEnd type="triangle" w="med" len="med"/>
+                  <a:tailEnd type="triangle" w="med" len="med"/>
+                </a:ln>
+              </p:spPr>
+              <p:style>
+                <a:lnRef idx="1">
+                  <a:schemeClr val="accent1"/>
+                </a:lnRef>
+                <a:fillRef idx="0">
+                  <a:schemeClr val="accent1"/>
+                </a:fillRef>
+                <a:effectRef idx="0">
+                  <a:schemeClr val="accent1"/>
+                </a:effectRef>
+                <a:fontRef idx="minor">
+                  <a:schemeClr val="tx1"/>
+                </a:fontRef>
+              </p:style>
+            </p:cxnSp>
+            <p:cxnSp>
+              <p:nvCxnSpPr>
+                <p:cNvPr id="25" name="直接连接符 24">
+                  <a:extLst>
+                    <a:ext uri="{FF2B5EF4-FFF2-40B4-BE49-F238E27FC236}">
+                      <a16:creationId xmlns:a16="http://schemas.microsoft.com/office/drawing/2014/main" id="{51CFC7D5-55DF-6C6F-C4F4-EC21B5C3FF2F}"/>
+                    </a:ext>
+                  </a:extLst>
+                </p:cNvPr>
+                <p:cNvCxnSpPr/>
+                <p:nvPr/>
+              </p:nvCxnSpPr>
+              <p:spPr>
+                <a:xfrm>
+                  <a:off x="5021771" y="4174329"/>
+                  <a:ext cx="184796" cy="0"/>
+                </a:xfrm>
+                <a:prstGeom prst="line">
+                  <a:avLst/>
+                </a:prstGeom>
+                <a:ln w="12700">
+                  <a:solidFill>
+                    <a:srgbClr val="FF0000"/>
+                  </a:solidFill>
+                </a:ln>
+              </p:spPr>
+              <p:style>
+                <a:lnRef idx="1">
+                  <a:schemeClr val="accent1"/>
+                </a:lnRef>
+                <a:fillRef idx="0">
+                  <a:schemeClr val="accent1"/>
+                </a:fillRef>
+                <a:effectRef idx="0">
+                  <a:schemeClr val="accent1"/>
+                </a:effectRef>
+                <a:fontRef idx="minor">
+                  <a:schemeClr val="tx1"/>
+                </a:fontRef>
+              </p:style>
+            </p:cxnSp>
+            <p:cxnSp>
+              <p:nvCxnSpPr>
+                <p:cNvPr id="26" name="直接连接符 25">
+                  <a:extLst>
+                    <a:ext uri="{FF2B5EF4-FFF2-40B4-BE49-F238E27FC236}">
+                      <a16:creationId xmlns:a16="http://schemas.microsoft.com/office/drawing/2014/main" id="{6C1D51FD-BA9A-3CAC-2A39-868AF741906A}"/>
+                    </a:ext>
+                  </a:extLst>
+                </p:cNvPr>
+                <p:cNvCxnSpPr/>
+                <p:nvPr/>
+              </p:nvCxnSpPr>
+              <p:spPr>
+                <a:xfrm>
+                  <a:off x="5021771" y="2524700"/>
+                  <a:ext cx="184796" cy="0"/>
+                </a:xfrm>
+                <a:prstGeom prst="line">
+                  <a:avLst/>
+                </a:prstGeom>
+                <a:ln w="12700">
+                  <a:solidFill>
+                    <a:srgbClr val="FF0000"/>
+                  </a:solidFill>
+                </a:ln>
+              </p:spPr>
+              <p:style>
+                <a:lnRef idx="1">
+                  <a:schemeClr val="accent1"/>
+                </a:lnRef>
+                <a:fillRef idx="0">
+                  <a:schemeClr val="accent1"/>
+                </a:fillRef>
+                <a:effectRef idx="0">
+                  <a:schemeClr val="accent1"/>
+                </a:effectRef>
+                <a:fontRef idx="minor">
+                  <a:schemeClr val="tx1"/>
+                </a:fontRef>
+              </p:style>
+            </p:cxnSp>
+          </p:grpSp>
+          <p:sp>
+            <p:nvSpPr>
+              <p:cNvPr id="27" name="文本框 26">
+                <a:extLst>
+                  <a:ext uri="{FF2B5EF4-FFF2-40B4-BE49-F238E27FC236}">
+                    <a16:creationId xmlns:a16="http://schemas.microsoft.com/office/drawing/2014/main" id="{42CA08FD-AD51-BBC7-E02C-F1AEF4F87265}"/>
+                  </a:ext>
+                </a:extLst>
+              </p:cNvPr>
+              <p:cNvSpPr txBox="1"/>
+              <p:nvPr/>
+            </p:nvSpPr>
+            <p:spPr>
+              <a:xfrm>
+                <a:off x="3234748" y="2296088"/>
+                <a:ext cx="1616623" cy="369332"/>
+              </a:xfrm>
+              <a:prstGeom prst="rect">
+                <a:avLst/>
+              </a:prstGeom>
+              <a:noFill/>
+            </p:spPr>
+            <p:txBody>
+              <a:bodyPr wrap="square" rtlCol="0">
+                <a:spAutoFit/>
+              </a:bodyPr>
+              <a:lstStyle/>
+              <a:p>
+                <a:r>
+                  <a:rPr lang="zh-CN" altLang="en-US" dirty="0">
+                    <a:solidFill>
+                      <a:srgbClr val="FF0000"/>
+                    </a:solidFill>
+                    <a:latin typeface="宋体" panose="02010600030101010101" pitchFamily="2" charset="-122"/>
+                    <a:ea typeface="宋体" panose="02010600030101010101" pitchFamily="2" charset="-122"/>
+                  </a:rPr>
+                  <a:t>垂直横梁长度</a:t>
+                </a:r>
+              </a:p>
+            </p:txBody>
+          </p:sp>
+          <p:cxnSp>
+            <p:nvCxnSpPr>
+              <p:cNvPr id="28" name="直接箭头连接符 27">
+                <a:extLst>
+                  <a:ext uri="{FF2B5EF4-FFF2-40B4-BE49-F238E27FC236}">
+                    <a16:creationId xmlns:a16="http://schemas.microsoft.com/office/drawing/2014/main" id="{DBB6C42C-5273-7E21-A240-03944180004F}"/>
+                  </a:ext>
+                </a:extLst>
+              </p:cNvPr>
+              <p:cNvCxnSpPr>
+                <a:cxnSpLocks/>
+                <a:stCxn id="27" idx="2"/>
+              </p:cNvCxnSpPr>
+              <p:nvPr/>
+            </p:nvCxnSpPr>
+            <p:spPr>
+              <a:xfrm>
+                <a:off x="4043060" y="2665420"/>
+                <a:ext cx="417418" cy="105912"/>
+              </a:xfrm>
+              <a:prstGeom prst="straightConnector1">
+                <a:avLst/>
+              </a:prstGeom>
+              <a:ln>
+                <a:solidFill>
+                  <a:srgbClr val="FF0000"/>
+                </a:solidFill>
+                <a:headEnd w="sm" len="sm"/>
+                <a:tailEnd type="triangle" w="sm" len="sm"/>
+              </a:ln>
+            </p:spPr>
+            <p:style>
+              <a:lnRef idx="1">
+                <a:schemeClr val="accent1"/>
+              </a:lnRef>
+              <a:fillRef idx="0">
+                <a:schemeClr val="accent1"/>
+              </a:fillRef>
+              <a:effectRef idx="0">
+                <a:schemeClr val="accent1"/>
+              </a:effectRef>
+              <a:fontRef idx="minor">
+                <a:schemeClr val="tx1"/>
+              </a:fontRef>
+            </p:style>
+          </p:cxnSp>
+        </p:grpSp>
+        <p:sp>
+          <p:nvSpPr>
+            <p:cNvPr id="32" name="文本框 31">
+              <a:extLst>
+                <a:ext uri="{FF2B5EF4-FFF2-40B4-BE49-F238E27FC236}">
+                  <a16:creationId xmlns:a16="http://schemas.microsoft.com/office/drawing/2014/main" id="{B3FCB087-2524-3CD2-4919-3B941D01B467}"/>
+                </a:ext>
+              </a:extLst>
+            </p:cNvPr>
+            <p:cNvSpPr txBox="1"/>
+            <p:nvPr/>
+          </p:nvSpPr>
+          <p:spPr>
+            <a:xfrm>
+              <a:off x="3810841" y="4718727"/>
+              <a:ext cx="3903633" cy="369332"/>
+            </a:xfrm>
+            <a:prstGeom prst="rect">
+              <a:avLst/>
+            </a:prstGeom>
+            <a:noFill/>
+          </p:spPr>
+          <p:txBody>
+            <a:bodyPr wrap="none" rtlCol="0">
+              <a:spAutoFit/>
+            </a:bodyPr>
+            <a:lstStyle/>
+            <a:p>
+              <a:r>
+                <a:rPr lang="zh-CN" altLang="en-US" b="1" dirty="0">
+                  <a:latin typeface="宋体" panose="02010600030101010101" pitchFamily="2" charset="-122"/>
+                  <a:ea typeface="宋体" panose="02010600030101010101" pitchFamily="2" charset="-122"/>
+                </a:rPr>
+                <a:t>彩钢瓦屋面光伏支架计算参数示意图</a:t>
+              </a:r>
+            </a:p>
+          </p:txBody>
+        </p:sp>
+      </p:grpSp>
+    </p:spTree>
+    <p:extLst>
+      <p:ext uri="{BB962C8B-B14F-4D97-AF65-F5344CB8AC3E}">
+        <p14:creationId xmlns:p14="http://schemas.microsoft.com/office/powerpoint/2010/main" val="3490098585"/>
+      </p:ext>
+    </p:extLst>
+  </p:cSld>
+  <p:clrMapOvr>
+    <a:masterClrMapping/>
+  </p:clrMapOvr>
+</p:sld>
+</file>
+
+<file path=ppt/slides/slide4.xml><?xml version="1.0" encoding="utf-8"?>
+<p:sld xmlns:a="http://schemas.openxmlformats.org/drawingml/2006/main" xmlns:r="http://schemas.openxmlformats.org/officeDocument/2006/relationships" xmlns:p="http://schemas.openxmlformats.org/presentationml/2006/main">
+  <p:cSld>
+    <p:spTree>
+      <p:nvGrpSpPr>
+        <p:cNvPr id="1" name=""/>
+        <p:cNvGrpSpPr/>
+        <p:nvPr/>
+      </p:nvGrpSpPr>
+      <p:grpSpPr>
+        <a:xfrm>
+          <a:off x="0" y="0"/>
+          <a:ext cx="0" cy="0"/>
+          <a:chOff x="0" y="0"/>
+          <a:chExt cx="0" cy="0"/>
+        </a:xfrm>
+      </p:grpSpPr>
+      <p:grpSp>
+        <p:nvGrpSpPr>
+          <p:cNvPr id="111" name="组合 110">
+            <a:extLst>
+              <a:ext uri="{FF2B5EF4-FFF2-40B4-BE49-F238E27FC236}">
+                <a16:creationId xmlns:a16="http://schemas.microsoft.com/office/drawing/2014/main" id="{995D7D64-412D-3D0D-2A16-93FEAB339D7A}"/>
+              </a:ext>
+            </a:extLst>
+          </p:cNvPr>
+          <p:cNvGrpSpPr/>
+          <p:nvPr/>
+        </p:nvGrpSpPr>
+        <p:grpSpPr>
+          <a:xfrm>
+            <a:off x="3009900" y="694521"/>
+            <a:ext cx="3706864" cy="4112215"/>
+            <a:chOff x="3009900" y="694521"/>
+            <a:chExt cx="3706864" cy="4112215"/>
+          </a:xfrm>
+        </p:grpSpPr>
+        <p:sp>
+          <p:nvSpPr>
+            <p:cNvPr id="98" name="矩形 97">
+              <a:extLst>
+                <a:ext uri="{FF2B5EF4-FFF2-40B4-BE49-F238E27FC236}">
+                  <a16:creationId xmlns:a16="http://schemas.microsoft.com/office/drawing/2014/main" id="{CEE61DBD-F79A-D8BF-1150-26F944D5BF4F}"/>
+                </a:ext>
+              </a:extLst>
+            </p:cNvPr>
+            <p:cNvSpPr/>
+            <p:nvPr/>
+          </p:nvSpPr>
+          <p:spPr>
+            <a:xfrm>
+              <a:off x="3009900" y="3459458"/>
+              <a:ext cx="3686175" cy="987183"/>
+            </a:xfrm>
+            <a:prstGeom prst="rect">
+              <a:avLst/>
+            </a:prstGeom>
+            <a:solidFill>
+              <a:schemeClr val="accent2">
+                <a:lumMod val="20000"/>
+                <a:lumOff val="80000"/>
+              </a:schemeClr>
+            </a:solidFill>
+            <a:ln>
+              <a:noFill/>
+            </a:ln>
+          </p:spPr>
+          <p:style>
+            <a:lnRef idx="2">
+              <a:schemeClr val="accent1">
+                <a:shade val="15000"/>
+              </a:schemeClr>
+            </a:lnRef>
+            <a:fillRef idx="1">
+              <a:schemeClr val="accent1"/>
+            </a:fillRef>
+            <a:effectRef idx="0">
+              <a:schemeClr val="accent1"/>
+            </a:effectRef>
+            <a:fontRef idx="minor">
+              <a:schemeClr val="lt1"/>
+            </a:fontRef>
+          </p:style>
+          <p:txBody>
+            <a:bodyPr rtlCol="0" anchor="ctr"/>
+            <a:lstStyle/>
+            <a:p>
+              <a:pPr algn="ctr"/>
+              <a:endParaRPr lang="zh-CN" altLang="en-US"/>
+            </a:p>
+          </p:txBody>
+        </p:sp>
+        <p:sp>
+          <p:nvSpPr>
+            <p:cNvPr id="97" name="矩形 96">
+              <a:extLst>
+                <a:ext uri="{FF2B5EF4-FFF2-40B4-BE49-F238E27FC236}">
+                  <a16:creationId xmlns:a16="http://schemas.microsoft.com/office/drawing/2014/main" id="{4B0C5CA4-0E62-9A91-F72F-B47288EB1778}"/>
+                </a:ext>
+              </a:extLst>
+            </p:cNvPr>
+            <p:cNvSpPr/>
+            <p:nvPr/>
+          </p:nvSpPr>
+          <p:spPr>
+            <a:xfrm>
+              <a:off x="3009900" y="2667899"/>
+              <a:ext cx="3686175" cy="793824"/>
+            </a:xfrm>
+            <a:prstGeom prst="rect">
+              <a:avLst/>
+            </a:prstGeom>
+            <a:solidFill>
+              <a:schemeClr val="accent5">
+                <a:lumMod val="20000"/>
+                <a:lumOff val="80000"/>
+              </a:schemeClr>
+            </a:solidFill>
+            <a:ln>
+              <a:noFill/>
+            </a:ln>
+          </p:spPr>
+          <p:style>
+            <a:lnRef idx="2">
+              <a:schemeClr val="accent1">
+                <a:shade val="15000"/>
+              </a:schemeClr>
+            </a:lnRef>
+            <a:fillRef idx="1">
+              <a:schemeClr val="accent1"/>
+            </a:fillRef>
+            <a:effectRef idx="0">
+              <a:schemeClr val="accent1"/>
+            </a:effectRef>
+            <a:fontRef idx="minor">
+              <a:schemeClr val="lt1"/>
+            </a:fontRef>
+          </p:style>
+          <p:txBody>
+            <a:bodyPr rtlCol="0" anchor="ctr"/>
+            <a:lstStyle/>
+            <a:p>
+              <a:pPr algn="ctr"/>
+              <a:endParaRPr lang="zh-CN" altLang="en-US"/>
+            </a:p>
+          </p:txBody>
+        </p:sp>
+        <p:sp>
+          <p:nvSpPr>
+            <p:cNvPr id="91" name="矩形 90">
+              <a:extLst>
+                <a:ext uri="{FF2B5EF4-FFF2-40B4-BE49-F238E27FC236}">
+                  <a16:creationId xmlns:a16="http://schemas.microsoft.com/office/drawing/2014/main" id="{013F1E79-4B6B-58AF-BD85-2EC3E42C6CD1}"/>
+                </a:ext>
+              </a:extLst>
+            </p:cNvPr>
+            <p:cNvSpPr/>
+            <p:nvPr/>
+          </p:nvSpPr>
+          <p:spPr>
+            <a:xfrm>
+              <a:off x="3009900" y="1874954"/>
+              <a:ext cx="3686175" cy="793824"/>
+            </a:xfrm>
+            <a:prstGeom prst="rect">
+              <a:avLst/>
+            </a:prstGeom>
+            <a:solidFill>
+              <a:schemeClr val="bg2"/>
+            </a:solidFill>
+            <a:ln>
+              <a:noFill/>
+            </a:ln>
+          </p:spPr>
+          <p:style>
+            <a:lnRef idx="2">
+              <a:schemeClr val="accent1">
+                <a:shade val="15000"/>
+              </a:schemeClr>
+            </a:lnRef>
+            <a:fillRef idx="1">
+              <a:schemeClr val="accent1"/>
+            </a:fillRef>
+            <a:effectRef idx="0">
+              <a:schemeClr val="accent1"/>
+            </a:effectRef>
+            <a:fontRef idx="minor">
+              <a:schemeClr val="lt1"/>
+            </a:fontRef>
+          </p:style>
+          <p:txBody>
+            <a:bodyPr rtlCol="0" anchor="ctr"/>
+            <a:lstStyle/>
+            <a:p>
+              <a:pPr algn="ctr"/>
+              <a:endParaRPr lang="zh-CN" altLang="en-US"/>
+            </a:p>
+          </p:txBody>
+        </p:sp>
+        <p:cxnSp>
+          <p:nvCxnSpPr>
+            <p:cNvPr id="4" name="直接连接符 3">
+              <a:extLst>
+                <a:ext uri="{FF2B5EF4-FFF2-40B4-BE49-F238E27FC236}">
+                  <a16:creationId xmlns:a16="http://schemas.microsoft.com/office/drawing/2014/main" id="{4BD2CC37-DCDD-F144-E4AA-5DB2935CF703}"/>
+                </a:ext>
+              </a:extLst>
+            </p:cNvPr>
+            <p:cNvCxnSpPr>
+              <a:cxnSpLocks/>
+            </p:cNvCxnSpPr>
+            <p:nvPr/>
+          </p:nvCxnSpPr>
+          <p:spPr>
+            <a:xfrm>
+              <a:off x="3009900" y="1876711"/>
+              <a:ext cx="3686175" cy="0"/>
+            </a:xfrm>
+            <a:prstGeom prst="line">
+              <a:avLst/>
+            </a:prstGeom>
+            <a:ln w="28575"/>
+          </p:spPr>
+          <p:style>
+            <a:lnRef idx="1">
+              <a:schemeClr val="dk1"/>
+            </a:lnRef>
+            <a:fillRef idx="0">
+              <a:schemeClr val="dk1"/>
+            </a:fillRef>
+            <a:effectRef idx="0">
+              <a:schemeClr val="dk1"/>
+            </a:effectRef>
+            <a:fontRef idx="minor">
+              <a:schemeClr val="tx1"/>
+            </a:fontRef>
+          </p:style>
+        </p:cxnSp>
+        <p:sp>
+          <p:nvSpPr>
+            <p:cNvPr id="2" name="矩形 1">
+              <a:extLst>
+                <a:ext uri="{FF2B5EF4-FFF2-40B4-BE49-F238E27FC236}">
+                  <a16:creationId xmlns:a16="http://schemas.microsoft.com/office/drawing/2014/main" id="{5338E3B2-1C15-68AB-10FC-E63A4AC0A18E}"/>
+                </a:ext>
+              </a:extLst>
+            </p:cNvPr>
+            <p:cNvSpPr/>
+            <p:nvPr/>
+          </p:nvSpPr>
+          <p:spPr>
+            <a:xfrm>
+              <a:off x="4810957" y="848410"/>
+              <a:ext cx="275208" cy="3453414"/>
+            </a:xfrm>
+            <a:prstGeom prst="rect">
+              <a:avLst/>
+            </a:prstGeom>
+            <a:solidFill>
+              <a:schemeClr val="bg1"/>
+            </a:solidFill>
+            <a:ln w="28575">
+              <a:solidFill>
+                <a:schemeClr val="tx1"/>
+              </a:solidFill>
+            </a:ln>
+          </p:spPr>
+          <p:style>
+            <a:lnRef idx="2">
+              <a:schemeClr val="accent1">
+                <a:shade val="15000"/>
+              </a:schemeClr>
+            </a:lnRef>
+            <a:fillRef idx="1">
+              <a:schemeClr val="accent1"/>
+            </a:fillRef>
+            <a:effectRef idx="0">
+              <a:schemeClr val="accent1"/>
+            </a:effectRef>
+            <a:fontRef idx="minor">
+              <a:schemeClr val="lt1"/>
+            </a:fontRef>
+          </p:style>
+          <p:txBody>
+            <a:bodyPr rtlCol="0" anchor="ctr"/>
+            <a:lstStyle/>
+            <a:p>
+              <a:pPr algn="ctr"/>
+              <a:endParaRPr lang="zh-CN" altLang="en-US"/>
+            </a:p>
+          </p:txBody>
+        </p:sp>
+        <p:grpSp>
+          <p:nvGrpSpPr>
+            <p:cNvPr id="28" name="组合 27">
+              <a:extLst>
+                <a:ext uri="{FF2B5EF4-FFF2-40B4-BE49-F238E27FC236}">
+                  <a16:creationId xmlns:a16="http://schemas.microsoft.com/office/drawing/2014/main" id="{FBAF2C4D-59F2-C824-F929-15F0A2B07DBE}"/>
+                </a:ext>
+              </a:extLst>
+            </p:cNvPr>
+            <p:cNvGrpSpPr/>
+            <p:nvPr/>
+          </p:nvGrpSpPr>
+          <p:grpSpPr>
+            <a:xfrm>
+              <a:off x="3131690" y="1876711"/>
+              <a:ext cx="275208" cy="195929"/>
+              <a:chOff x="2342318" y="1907191"/>
+              <a:chExt cx="426060" cy="252254"/>
+            </a:xfrm>
+          </p:grpSpPr>
+          <p:cxnSp>
+            <p:nvCxnSpPr>
+              <p:cNvPr id="29" name="直接连接符 28">
+                <a:extLst>
+                  <a:ext uri="{FF2B5EF4-FFF2-40B4-BE49-F238E27FC236}">
+                    <a16:creationId xmlns:a16="http://schemas.microsoft.com/office/drawing/2014/main" id="{151C58AB-1FB5-F0B1-B9EF-49A0329781E2}"/>
+                  </a:ext>
+                </a:extLst>
+              </p:cNvPr>
+              <p:cNvCxnSpPr>
+                <a:cxnSpLocks/>
+              </p:cNvCxnSpPr>
+              <p:nvPr/>
+            </p:nvCxnSpPr>
+            <p:spPr>
+              <a:xfrm>
+                <a:off x="2342318" y="1909454"/>
+                <a:ext cx="249991" cy="249991"/>
+              </a:xfrm>
+              <a:prstGeom prst="line">
+                <a:avLst/>
+              </a:prstGeom>
+              <a:ln>
+                <a:solidFill>
+                  <a:schemeClr val="bg2">
+                    <a:lumMod val="50000"/>
+                  </a:schemeClr>
+                </a:solidFill>
+              </a:ln>
+            </p:spPr>
+            <p:style>
+              <a:lnRef idx="1">
+                <a:schemeClr val="accent1"/>
+              </a:lnRef>
+              <a:fillRef idx="0">
+                <a:schemeClr val="accent1"/>
+              </a:fillRef>
+              <a:effectRef idx="0">
+                <a:schemeClr val="accent1"/>
+              </a:effectRef>
+              <a:fontRef idx="minor">
+                <a:schemeClr val="tx1"/>
+              </a:fontRef>
+            </p:style>
+          </p:cxnSp>
+          <p:cxnSp>
+            <p:nvCxnSpPr>
+              <p:cNvPr id="30" name="直接连接符 29">
+                <a:extLst>
+                  <a:ext uri="{FF2B5EF4-FFF2-40B4-BE49-F238E27FC236}">
+                    <a16:creationId xmlns:a16="http://schemas.microsoft.com/office/drawing/2014/main" id="{43772075-C11D-4592-D0E0-BE5C30009A9F}"/>
+                  </a:ext>
+                </a:extLst>
+              </p:cNvPr>
+              <p:cNvCxnSpPr>
+                <a:cxnSpLocks/>
+              </p:cNvCxnSpPr>
+              <p:nvPr/>
+            </p:nvCxnSpPr>
+            <p:spPr>
+              <a:xfrm>
+                <a:off x="2429429" y="1909453"/>
+                <a:ext cx="228046" cy="228046"/>
+              </a:xfrm>
+              <a:prstGeom prst="line">
+                <a:avLst/>
+              </a:prstGeom>
+              <a:ln>
+                <a:solidFill>
+                  <a:schemeClr val="bg2">
+                    <a:lumMod val="50000"/>
+                  </a:schemeClr>
+                </a:solidFill>
+              </a:ln>
+            </p:spPr>
+            <p:style>
+              <a:lnRef idx="1">
+                <a:schemeClr val="accent1"/>
+              </a:lnRef>
+              <a:fillRef idx="0">
+                <a:schemeClr val="accent1"/>
+              </a:fillRef>
+              <a:effectRef idx="0">
+                <a:schemeClr val="accent1"/>
+              </a:effectRef>
+              <a:fontRef idx="minor">
+                <a:schemeClr val="tx1"/>
+              </a:fontRef>
+            </p:style>
+          </p:cxnSp>
+          <p:cxnSp>
+            <p:nvCxnSpPr>
+              <p:cNvPr id="31" name="直接连接符 30">
+                <a:extLst>
+                  <a:ext uri="{FF2B5EF4-FFF2-40B4-BE49-F238E27FC236}">
+                    <a16:creationId xmlns:a16="http://schemas.microsoft.com/office/drawing/2014/main" id="{698E11AC-8C45-426A-7392-348FCDE106BA}"/>
+                  </a:ext>
+                </a:extLst>
+              </p:cNvPr>
+              <p:cNvCxnSpPr>
+                <a:cxnSpLocks/>
+              </p:cNvCxnSpPr>
+              <p:nvPr/>
+            </p:nvCxnSpPr>
+            <p:spPr>
+              <a:xfrm flipV="1">
+                <a:off x="2509451" y="1908699"/>
+                <a:ext cx="68002" cy="75696"/>
+              </a:xfrm>
+              <a:prstGeom prst="line">
+                <a:avLst/>
+              </a:prstGeom>
+              <a:ln>
+                <a:solidFill>
+                  <a:schemeClr val="bg2">
+                    <a:lumMod val="50000"/>
+                  </a:schemeClr>
+                </a:solidFill>
+              </a:ln>
+            </p:spPr>
+            <p:style>
+              <a:lnRef idx="1">
+                <a:schemeClr val="accent1"/>
+              </a:lnRef>
+              <a:fillRef idx="0">
+                <a:schemeClr val="accent1"/>
+              </a:fillRef>
+              <a:effectRef idx="0">
+                <a:schemeClr val="accent1"/>
+              </a:effectRef>
+              <a:fontRef idx="minor">
+                <a:schemeClr val="tx1"/>
+              </a:fontRef>
+            </p:style>
+          </p:cxnSp>
+          <p:cxnSp>
+            <p:nvCxnSpPr>
+              <p:cNvPr id="32" name="直接连接符 31">
+                <a:extLst>
+                  <a:ext uri="{FF2B5EF4-FFF2-40B4-BE49-F238E27FC236}">
+                    <a16:creationId xmlns:a16="http://schemas.microsoft.com/office/drawing/2014/main" id="{98803346-02EF-7C1E-5730-D3A3A71A2C6F}"/>
+                  </a:ext>
+                </a:extLst>
+              </p:cNvPr>
+              <p:cNvCxnSpPr>
+                <a:cxnSpLocks/>
+              </p:cNvCxnSpPr>
+              <p:nvPr/>
+            </p:nvCxnSpPr>
+            <p:spPr>
+              <a:xfrm flipV="1">
+                <a:off x="2556699" y="1907945"/>
+                <a:ext cx="115632" cy="126127"/>
+              </a:xfrm>
+              <a:prstGeom prst="line">
+                <a:avLst/>
+              </a:prstGeom>
+              <a:ln>
+                <a:solidFill>
+                  <a:schemeClr val="bg2">
+                    <a:lumMod val="50000"/>
+                  </a:schemeClr>
+                </a:solidFill>
+              </a:ln>
+            </p:spPr>
+            <p:style>
+              <a:lnRef idx="1">
+                <a:schemeClr val="accent1"/>
+              </a:lnRef>
+              <a:fillRef idx="0">
+                <a:schemeClr val="accent1"/>
+              </a:fillRef>
+              <a:effectRef idx="0">
+                <a:schemeClr val="accent1"/>
+              </a:effectRef>
+              <a:fontRef idx="minor">
+                <a:schemeClr val="tx1"/>
+              </a:fontRef>
+            </p:style>
+          </p:cxnSp>
+          <p:cxnSp>
+            <p:nvCxnSpPr>
+              <p:cNvPr id="33" name="直接连接符 32">
+                <a:extLst>
+                  <a:ext uri="{FF2B5EF4-FFF2-40B4-BE49-F238E27FC236}">
+                    <a16:creationId xmlns:a16="http://schemas.microsoft.com/office/drawing/2014/main" id="{3A275AA2-5EB6-7B8C-BAD4-1D71F444C10C}"/>
+                  </a:ext>
+                </a:extLst>
+              </p:cNvPr>
+              <p:cNvCxnSpPr>
+                <a:cxnSpLocks/>
+              </p:cNvCxnSpPr>
+              <p:nvPr/>
+            </p:nvCxnSpPr>
+            <p:spPr>
+              <a:xfrm flipV="1">
+                <a:off x="2607937" y="1907191"/>
+                <a:ext cx="160441" cy="178595"/>
+              </a:xfrm>
+              <a:prstGeom prst="line">
+                <a:avLst/>
+              </a:prstGeom>
+              <a:ln>
+                <a:solidFill>
+                  <a:schemeClr val="bg2">
+                    <a:lumMod val="50000"/>
+                  </a:schemeClr>
+                </a:solidFill>
+              </a:ln>
+            </p:spPr>
+            <p:style>
+              <a:lnRef idx="1">
+                <a:schemeClr val="accent1"/>
+              </a:lnRef>
+              <a:fillRef idx="0">
+                <a:schemeClr val="accent1"/>
+              </a:fillRef>
+              <a:effectRef idx="0">
+                <a:schemeClr val="accent1"/>
+              </a:effectRef>
+              <a:fontRef idx="minor">
+                <a:schemeClr val="tx1"/>
+              </a:fontRef>
+            </p:style>
+          </p:cxnSp>
+        </p:grpSp>
+        <p:grpSp>
+          <p:nvGrpSpPr>
+            <p:cNvPr id="34" name="组合 33">
+              <a:extLst>
+                <a:ext uri="{FF2B5EF4-FFF2-40B4-BE49-F238E27FC236}">
+                  <a16:creationId xmlns:a16="http://schemas.microsoft.com/office/drawing/2014/main" id="{F9400AAD-4804-FD50-E79D-7628B1C16296}"/>
+                </a:ext>
+              </a:extLst>
+            </p:cNvPr>
+            <p:cNvGrpSpPr/>
+            <p:nvPr/>
+          </p:nvGrpSpPr>
+          <p:grpSpPr>
+            <a:xfrm>
+              <a:off x="3567493" y="1876711"/>
+              <a:ext cx="275208" cy="195929"/>
+              <a:chOff x="2342318" y="1907191"/>
+              <a:chExt cx="426060" cy="252254"/>
+            </a:xfrm>
+          </p:grpSpPr>
+          <p:cxnSp>
+            <p:nvCxnSpPr>
+              <p:cNvPr id="35" name="直接连接符 34">
+                <a:extLst>
+                  <a:ext uri="{FF2B5EF4-FFF2-40B4-BE49-F238E27FC236}">
+                    <a16:creationId xmlns:a16="http://schemas.microsoft.com/office/drawing/2014/main" id="{D1005EB3-2F9B-634C-77BB-F7B46DFB0078}"/>
+                  </a:ext>
+                </a:extLst>
+              </p:cNvPr>
+              <p:cNvCxnSpPr>
+                <a:cxnSpLocks/>
+              </p:cNvCxnSpPr>
+              <p:nvPr/>
+            </p:nvCxnSpPr>
+            <p:spPr>
+              <a:xfrm>
+                <a:off x="2342318" y="1909454"/>
+                <a:ext cx="249991" cy="249991"/>
+              </a:xfrm>
+              <a:prstGeom prst="line">
+                <a:avLst/>
+              </a:prstGeom>
+              <a:ln>
+                <a:solidFill>
+                  <a:schemeClr val="bg2">
+                    <a:lumMod val="50000"/>
+                  </a:schemeClr>
+                </a:solidFill>
+              </a:ln>
+            </p:spPr>
+            <p:style>
+              <a:lnRef idx="1">
+                <a:schemeClr val="accent1"/>
+              </a:lnRef>
+              <a:fillRef idx="0">
+                <a:schemeClr val="accent1"/>
+              </a:fillRef>
+              <a:effectRef idx="0">
+                <a:schemeClr val="accent1"/>
+              </a:effectRef>
+              <a:fontRef idx="minor">
+                <a:schemeClr val="tx1"/>
+              </a:fontRef>
+            </p:style>
+          </p:cxnSp>
+          <p:cxnSp>
+            <p:nvCxnSpPr>
+              <p:cNvPr id="36" name="直接连接符 35">
+                <a:extLst>
+                  <a:ext uri="{FF2B5EF4-FFF2-40B4-BE49-F238E27FC236}">
+                    <a16:creationId xmlns:a16="http://schemas.microsoft.com/office/drawing/2014/main" id="{1B114DAD-5257-38D6-EC2E-D24FA1CB58D6}"/>
+                  </a:ext>
+                </a:extLst>
+              </p:cNvPr>
+              <p:cNvCxnSpPr>
+                <a:cxnSpLocks/>
+              </p:cNvCxnSpPr>
+              <p:nvPr/>
+            </p:nvCxnSpPr>
+            <p:spPr>
+              <a:xfrm>
+                <a:off x="2429429" y="1909453"/>
+                <a:ext cx="228046" cy="228046"/>
+              </a:xfrm>
+              <a:prstGeom prst="line">
+                <a:avLst/>
+              </a:prstGeom>
+              <a:ln>
+                <a:solidFill>
+                  <a:schemeClr val="bg2">
+                    <a:lumMod val="50000"/>
+                  </a:schemeClr>
+                </a:solidFill>
+              </a:ln>
+            </p:spPr>
+            <p:style>
+              <a:lnRef idx="1">
+                <a:schemeClr val="accent1"/>
+              </a:lnRef>
+              <a:fillRef idx="0">
+                <a:schemeClr val="accent1"/>
+              </a:fillRef>
+              <a:effectRef idx="0">
+                <a:schemeClr val="accent1"/>
+              </a:effectRef>
+              <a:fontRef idx="minor">
+                <a:schemeClr val="tx1"/>
+              </a:fontRef>
+            </p:style>
+          </p:cxnSp>
+          <p:cxnSp>
+            <p:nvCxnSpPr>
+              <p:cNvPr id="37" name="直接连接符 36">
+                <a:extLst>
+                  <a:ext uri="{FF2B5EF4-FFF2-40B4-BE49-F238E27FC236}">
+                    <a16:creationId xmlns:a16="http://schemas.microsoft.com/office/drawing/2014/main" id="{A44E8B1F-0F88-26DE-6558-61F8C92071B5}"/>
+                  </a:ext>
+                </a:extLst>
+              </p:cNvPr>
+              <p:cNvCxnSpPr>
+                <a:cxnSpLocks/>
+              </p:cNvCxnSpPr>
+              <p:nvPr/>
+            </p:nvCxnSpPr>
+            <p:spPr>
+              <a:xfrm flipV="1">
+                <a:off x="2509451" y="1908699"/>
+                <a:ext cx="68002" cy="75696"/>
+              </a:xfrm>
+              <a:prstGeom prst="line">
+                <a:avLst/>
+              </a:prstGeom>
+              <a:ln>
+                <a:solidFill>
+                  <a:schemeClr val="bg2">
+                    <a:lumMod val="50000"/>
+                  </a:schemeClr>
+                </a:solidFill>
+              </a:ln>
+            </p:spPr>
+            <p:style>
+              <a:lnRef idx="1">
+                <a:schemeClr val="accent1"/>
+              </a:lnRef>
+              <a:fillRef idx="0">
+                <a:schemeClr val="accent1"/>
+              </a:fillRef>
+              <a:effectRef idx="0">
+                <a:schemeClr val="accent1"/>
+              </a:effectRef>
+              <a:fontRef idx="minor">
+                <a:schemeClr val="tx1"/>
+              </a:fontRef>
+            </p:style>
+          </p:cxnSp>
+          <p:cxnSp>
+            <p:nvCxnSpPr>
+              <p:cNvPr id="38" name="直接连接符 37">
+                <a:extLst>
+                  <a:ext uri="{FF2B5EF4-FFF2-40B4-BE49-F238E27FC236}">
+                    <a16:creationId xmlns:a16="http://schemas.microsoft.com/office/drawing/2014/main" id="{07EE147C-5AA0-2328-341A-5BB9770F2D9D}"/>
+                  </a:ext>
+                </a:extLst>
+              </p:cNvPr>
+              <p:cNvCxnSpPr>
+                <a:cxnSpLocks/>
+              </p:cNvCxnSpPr>
+              <p:nvPr/>
+            </p:nvCxnSpPr>
+            <p:spPr>
+              <a:xfrm flipV="1">
+                <a:off x="2556699" y="1907945"/>
+                <a:ext cx="115632" cy="126127"/>
+              </a:xfrm>
+              <a:prstGeom prst="line">
+                <a:avLst/>
+              </a:prstGeom>
+              <a:ln>
+                <a:solidFill>
+                  <a:schemeClr val="bg2">
+                    <a:lumMod val="50000"/>
+                  </a:schemeClr>
+                </a:solidFill>
+              </a:ln>
+            </p:spPr>
+            <p:style>
+              <a:lnRef idx="1">
+                <a:schemeClr val="accent1"/>
+              </a:lnRef>
+              <a:fillRef idx="0">
+                <a:schemeClr val="accent1"/>
+              </a:fillRef>
+              <a:effectRef idx="0">
+                <a:schemeClr val="accent1"/>
+              </a:effectRef>
+              <a:fontRef idx="minor">
+                <a:schemeClr val="tx1"/>
+              </a:fontRef>
+            </p:style>
+          </p:cxnSp>
+          <p:cxnSp>
+            <p:nvCxnSpPr>
+              <p:cNvPr id="39" name="直接连接符 38">
+                <a:extLst>
+                  <a:ext uri="{FF2B5EF4-FFF2-40B4-BE49-F238E27FC236}">
+                    <a16:creationId xmlns:a16="http://schemas.microsoft.com/office/drawing/2014/main" id="{32107E17-FCA7-F4C0-408C-F4E5AC38C995}"/>
+                  </a:ext>
+                </a:extLst>
+              </p:cNvPr>
+              <p:cNvCxnSpPr>
+                <a:cxnSpLocks/>
+              </p:cNvCxnSpPr>
+              <p:nvPr/>
+            </p:nvCxnSpPr>
+            <p:spPr>
+              <a:xfrm flipV="1">
+                <a:off x="2607937" y="1907191"/>
+                <a:ext cx="160441" cy="178595"/>
+              </a:xfrm>
+              <a:prstGeom prst="line">
+                <a:avLst/>
+              </a:prstGeom>
+              <a:ln>
+                <a:solidFill>
+                  <a:schemeClr val="bg2">
+                    <a:lumMod val="50000"/>
+                  </a:schemeClr>
+                </a:solidFill>
+              </a:ln>
+            </p:spPr>
+            <p:style>
+              <a:lnRef idx="1">
+                <a:schemeClr val="accent1"/>
+              </a:lnRef>
+              <a:fillRef idx="0">
+                <a:schemeClr val="accent1"/>
+              </a:fillRef>
+              <a:effectRef idx="0">
+                <a:schemeClr val="accent1"/>
+              </a:effectRef>
+              <a:fontRef idx="minor">
+                <a:schemeClr val="tx1"/>
+              </a:fontRef>
+            </p:style>
+          </p:cxnSp>
+        </p:grpSp>
+        <p:grpSp>
+          <p:nvGrpSpPr>
+            <p:cNvPr id="40" name="组合 39">
+              <a:extLst>
+                <a:ext uri="{FF2B5EF4-FFF2-40B4-BE49-F238E27FC236}">
+                  <a16:creationId xmlns:a16="http://schemas.microsoft.com/office/drawing/2014/main" id="{00282FEB-46D9-7A57-4B8F-172FE7476D83}"/>
+                </a:ext>
+              </a:extLst>
+            </p:cNvPr>
+            <p:cNvGrpSpPr/>
+            <p:nvPr/>
+          </p:nvGrpSpPr>
+          <p:grpSpPr>
+            <a:xfrm>
+              <a:off x="3969733" y="1876711"/>
+              <a:ext cx="275208" cy="195929"/>
+              <a:chOff x="2342318" y="1907191"/>
+              <a:chExt cx="426060" cy="252254"/>
+            </a:xfrm>
+          </p:grpSpPr>
+          <p:cxnSp>
+            <p:nvCxnSpPr>
+              <p:cNvPr id="41" name="直接连接符 40">
+                <a:extLst>
+                  <a:ext uri="{FF2B5EF4-FFF2-40B4-BE49-F238E27FC236}">
+                    <a16:creationId xmlns:a16="http://schemas.microsoft.com/office/drawing/2014/main" id="{C55EFAEC-764B-74F9-626B-CF9461F894B8}"/>
+                  </a:ext>
+                </a:extLst>
+              </p:cNvPr>
+              <p:cNvCxnSpPr>
+                <a:cxnSpLocks/>
+              </p:cNvCxnSpPr>
+              <p:nvPr/>
+            </p:nvCxnSpPr>
+            <p:spPr>
+              <a:xfrm>
+                <a:off x="2342318" y="1909454"/>
+                <a:ext cx="249991" cy="249991"/>
+              </a:xfrm>
+              <a:prstGeom prst="line">
+                <a:avLst/>
+              </a:prstGeom>
+              <a:ln>
+                <a:solidFill>
+                  <a:schemeClr val="bg2">
+                    <a:lumMod val="50000"/>
+                  </a:schemeClr>
+                </a:solidFill>
+              </a:ln>
+            </p:spPr>
+            <p:style>
+              <a:lnRef idx="1">
+                <a:schemeClr val="accent1"/>
+              </a:lnRef>
+              <a:fillRef idx="0">
+                <a:schemeClr val="accent1"/>
+              </a:fillRef>
+              <a:effectRef idx="0">
+                <a:schemeClr val="accent1"/>
+              </a:effectRef>
+              <a:fontRef idx="minor">
+                <a:schemeClr val="tx1"/>
+              </a:fontRef>
+            </p:style>
+          </p:cxnSp>
+          <p:cxnSp>
+            <p:nvCxnSpPr>
+              <p:cNvPr id="42" name="直接连接符 41">
+                <a:extLst>
+                  <a:ext uri="{FF2B5EF4-FFF2-40B4-BE49-F238E27FC236}">
+                    <a16:creationId xmlns:a16="http://schemas.microsoft.com/office/drawing/2014/main" id="{DD102715-5A9A-D100-3311-BE013772C22C}"/>
+                  </a:ext>
+                </a:extLst>
+              </p:cNvPr>
+              <p:cNvCxnSpPr>
+                <a:cxnSpLocks/>
+              </p:cNvCxnSpPr>
+              <p:nvPr/>
+            </p:nvCxnSpPr>
+            <p:spPr>
+              <a:xfrm>
+                <a:off x="2429429" y="1909453"/>
+                <a:ext cx="228046" cy="228046"/>
+              </a:xfrm>
+              <a:prstGeom prst="line">
+                <a:avLst/>
+              </a:prstGeom>
+              <a:ln>
+                <a:solidFill>
+                  <a:schemeClr val="bg2">
+                    <a:lumMod val="50000"/>
+                  </a:schemeClr>
+                </a:solidFill>
+              </a:ln>
+            </p:spPr>
+            <p:style>
+              <a:lnRef idx="1">
+                <a:schemeClr val="accent1"/>
+              </a:lnRef>
+              <a:fillRef idx="0">
+                <a:schemeClr val="accent1"/>
+              </a:fillRef>
+              <a:effectRef idx="0">
+                <a:schemeClr val="accent1"/>
+              </a:effectRef>
+              <a:fontRef idx="minor">
+                <a:schemeClr val="tx1"/>
+              </a:fontRef>
+            </p:style>
+          </p:cxnSp>
+          <p:cxnSp>
+            <p:nvCxnSpPr>
+              <p:cNvPr id="43" name="直接连接符 42">
+                <a:extLst>
+                  <a:ext uri="{FF2B5EF4-FFF2-40B4-BE49-F238E27FC236}">
+                    <a16:creationId xmlns:a16="http://schemas.microsoft.com/office/drawing/2014/main" id="{A5371028-ECFF-BEF7-E36C-F35B25989DF1}"/>
+                  </a:ext>
+                </a:extLst>
+              </p:cNvPr>
+              <p:cNvCxnSpPr>
+                <a:cxnSpLocks/>
+              </p:cNvCxnSpPr>
+              <p:nvPr/>
+            </p:nvCxnSpPr>
+            <p:spPr>
+              <a:xfrm flipV="1">
+                <a:off x="2509451" y="1908699"/>
+                <a:ext cx="68002" cy="75696"/>
+              </a:xfrm>
+              <a:prstGeom prst="line">
+                <a:avLst/>
+              </a:prstGeom>
+              <a:ln>
+                <a:solidFill>
+                  <a:schemeClr val="bg2">
+                    <a:lumMod val="50000"/>
+                  </a:schemeClr>
+                </a:solidFill>
+              </a:ln>
+            </p:spPr>
+            <p:style>
+              <a:lnRef idx="1">
+                <a:schemeClr val="accent1"/>
+              </a:lnRef>
+              <a:fillRef idx="0">
+                <a:schemeClr val="accent1"/>
+              </a:fillRef>
+              <a:effectRef idx="0">
+                <a:schemeClr val="accent1"/>
+              </a:effectRef>
+              <a:fontRef idx="minor">
+                <a:schemeClr val="tx1"/>
+              </a:fontRef>
+            </p:style>
+          </p:cxnSp>
+          <p:cxnSp>
+            <p:nvCxnSpPr>
+              <p:cNvPr id="44" name="直接连接符 43">
+                <a:extLst>
+                  <a:ext uri="{FF2B5EF4-FFF2-40B4-BE49-F238E27FC236}">
+                    <a16:creationId xmlns:a16="http://schemas.microsoft.com/office/drawing/2014/main" id="{1BB0A8F5-B6D6-C73C-442D-292C9EECA191}"/>
+                  </a:ext>
+                </a:extLst>
+              </p:cNvPr>
+              <p:cNvCxnSpPr>
+                <a:cxnSpLocks/>
+              </p:cNvCxnSpPr>
+              <p:nvPr/>
+            </p:nvCxnSpPr>
+            <p:spPr>
+              <a:xfrm flipV="1">
+                <a:off x="2556699" y="1907945"/>
+                <a:ext cx="115632" cy="126127"/>
+              </a:xfrm>
+              <a:prstGeom prst="line">
+                <a:avLst/>
+              </a:prstGeom>
+              <a:ln>
+                <a:solidFill>
+                  <a:schemeClr val="bg2">
+                    <a:lumMod val="50000"/>
+                  </a:schemeClr>
+                </a:solidFill>
+              </a:ln>
+            </p:spPr>
+            <p:style>
+              <a:lnRef idx="1">
+                <a:schemeClr val="accent1"/>
+              </a:lnRef>
+              <a:fillRef idx="0">
+                <a:schemeClr val="accent1"/>
+              </a:fillRef>
+              <a:effectRef idx="0">
+                <a:schemeClr val="accent1"/>
+              </a:effectRef>
+              <a:fontRef idx="minor">
+                <a:schemeClr val="tx1"/>
+              </a:fontRef>
+            </p:style>
+          </p:cxnSp>
+          <p:cxnSp>
+            <p:nvCxnSpPr>
+              <p:cNvPr id="45" name="直接连接符 44">
+                <a:extLst>
+                  <a:ext uri="{FF2B5EF4-FFF2-40B4-BE49-F238E27FC236}">
+                    <a16:creationId xmlns:a16="http://schemas.microsoft.com/office/drawing/2014/main" id="{C230E649-6E23-0867-7D39-5FE815B5B133}"/>
+                  </a:ext>
+                </a:extLst>
+              </p:cNvPr>
+              <p:cNvCxnSpPr>
+                <a:cxnSpLocks/>
+              </p:cNvCxnSpPr>
+              <p:nvPr/>
+            </p:nvCxnSpPr>
+            <p:spPr>
+              <a:xfrm flipV="1">
+                <a:off x="2607937" y="1907191"/>
+                <a:ext cx="160441" cy="178595"/>
+              </a:xfrm>
+              <a:prstGeom prst="line">
+                <a:avLst/>
+              </a:prstGeom>
+              <a:ln>
+                <a:solidFill>
+                  <a:schemeClr val="bg2">
+                    <a:lumMod val="50000"/>
+                  </a:schemeClr>
+                </a:solidFill>
+              </a:ln>
+            </p:spPr>
+            <p:style>
+              <a:lnRef idx="1">
+                <a:schemeClr val="accent1"/>
+              </a:lnRef>
+              <a:fillRef idx="0">
+                <a:schemeClr val="accent1"/>
+              </a:fillRef>
+              <a:effectRef idx="0">
+                <a:schemeClr val="accent1"/>
+              </a:effectRef>
+              <a:fontRef idx="minor">
+                <a:schemeClr val="tx1"/>
+              </a:fontRef>
+            </p:style>
+          </p:cxnSp>
+        </p:grpSp>
+        <p:grpSp>
+          <p:nvGrpSpPr>
+            <p:cNvPr id="46" name="组合 45">
+              <a:extLst>
+                <a:ext uri="{FF2B5EF4-FFF2-40B4-BE49-F238E27FC236}">
+                  <a16:creationId xmlns:a16="http://schemas.microsoft.com/office/drawing/2014/main" id="{DC66B6BD-DE0F-04D8-2D28-0997D2755378}"/>
+                </a:ext>
+              </a:extLst>
+            </p:cNvPr>
+            <p:cNvGrpSpPr/>
+            <p:nvPr/>
+          </p:nvGrpSpPr>
+          <p:grpSpPr>
+            <a:xfrm>
+              <a:off x="4360492" y="1876711"/>
+              <a:ext cx="275208" cy="195929"/>
+              <a:chOff x="2342318" y="1907191"/>
+              <a:chExt cx="426060" cy="252254"/>
+            </a:xfrm>
+          </p:grpSpPr>
+          <p:cxnSp>
+            <p:nvCxnSpPr>
+              <p:cNvPr id="47" name="直接连接符 46">
+                <a:extLst>
+                  <a:ext uri="{FF2B5EF4-FFF2-40B4-BE49-F238E27FC236}">
+                    <a16:creationId xmlns:a16="http://schemas.microsoft.com/office/drawing/2014/main" id="{9DAAF466-BFDA-9A94-D384-952F0692E8D1}"/>
+                  </a:ext>
+                </a:extLst>
+              </p:cNvPr>
+              <p:cNvCxnSpPr>
+                <a:cxnSpLocks/>
+              </p:cNvCxnSpPr>
+              <p:nvPr/>
+            </p:nvCxnSpPr>
+            <p:spPr>
+              <a:xfrm>
+                <a:off x="2342318" y="1909454"/>
+                <a:ext cx="249991" cy="249991"/>
+              </a:xfrm>
+              <a:prstGeom prst="line">
+                <a:avLst/>
+              </a:prstGeom>
+              <a:ln>
+                <a:solidFill>
+                  <a:schemeClr val="bg2">
+                    <a:lumMod val="50000"/>
+                  </a:schemeClr>
+                </a:solidFill>
+              </a:ln>
+            </p:spPr>
+            <p:style>
+              <a:lnRef idx="1">
+                <a:schemeClr val="accent1"/>
+              </a:lnRef>
+              <a:fillRef idx="0">
+                <a:schemeClr val="accent1"/>
+              </a:fillRef>
+              <a:effectRef idx="0">
+                <a:schemeClr val="accent1"/>
+              </a:effectRef>
+              <a:fontRef idx="minor">
+                <a:schemeClr val="tx1"/>
+              </a:fontRef>
+            </p:style>
+          </p:cxnSp>
+          <p:cxnSp>
+            <p:nvCxnSpPr>
+              <p:cNvPr id="48" name="直接连接符 47">
+                <a:extLst>
+                  <a:ext uri="{FF2B5EF4-FFF2-40B4-BE49-F238E27FC236}">
+                    <a16:creationId xmlns:a16="http://schemas.microsoft.com/office/drawing/2014/main" id="{0FD80BB8-3617-4AD6-6549-9294E7E12B53}"/>
+                  </a:ext>
+                </a:extLst>
+              </p:cNvPr>
+              <p:cNvCxnSpPr>
+                <a:cxnSpLocks/>
+              </p:cNvCxnSpPr>
+              <p:nvPr/>
+            </p:nvCxnSpPr>
+            <p:spPr>
+              <a:xfrm>
+                <a:off x="2429429" y="1909453"/>
+                <a:ext cx="228046" cy="228046"/>
+              </a:xfrm>
+              <a:prstGeom prst="line">
+                <a:avLst/>
+              </a:prstGeom>
+              <a:ln>
+                <a:solidFill>
+                  <a:schemeClr val="bg2">
+                    <a:lumMod val="50000"/>
+                  </a:schemeClr>
+                </a:solidFill>
+              </a:ln>
+            </p:spPr>
+            <p:style>
+              <a:lnRef idx="1">
+                <a:schemeClr val="accent1"/>
+              </a:lnRef>
+              <a:fillRef idx="0">
+                <a:schemeClr val="accent1"/>
+              </a:fillRef>
+              <a:effectRef idx="0">
+                <a:schemeClr val="accent1"/>
+              </a:effectRef>
+              <a:fontRef idx="minor">
+                <a:schemeClr val="tx1"/>
+              </a:fontRef>
+            </p:style>
+          </p:cxnSp>
+          <p:cxnSp>
+            <p:nvCxnSpPr>
+              <p:cNvPr id="49" name="直接连接符 48">
+                <a:extLst>
+                  <a:ext uri="{FF2B5EF4-FFF2-40B4-BE49-F238E27FC236}">
+                    <a16:creationId xmlns:a16="http://schemas.microsoft.com/office/drawing/2014/main" id="{654CA395-8A52-FB26-984F-E0C850FFD2CB}"/>
+                  </a:ext>
+                </a:extLst>
+              </p:cNvPr>
+              <p:cNvCxnSpPr>
+                <a:cxnSpLocks/>
+              </p:cNvCxnSpPr>
+              <p:nvPr/>
+            </p:nvCxnSpPr>
+            <p:spPr>
+              <a:xfrm flipV="1">
+                <a:off x="2509451" y="1908699"/>
+                <a:ext cx="68002" cy="75696"/>
+              </a:xfrm>
+              <a:prstGeom prst="line">
+                <a:avLst/>
+              </a:prstGeom>
+              <a:ln>
+                <a:solidFill>
+                  <a:schemeClr val="bg2">
+                    <a:lumMod val="50000"/>
+                  </a:schemeClr>
+                </a:solidFill>
+              </a:ln>
+            </p:spPr>
+            <p:style>
+              <a:lnRef idx="1">
+                <a:schemeClr val="accent1"/>
+              </a:lnRef>
+              <a:fillRef idx="0">
+                <a:schemeClr val="accent1"/>
+              </a:fillRef>
+              <a:effectRef idx="0">
+                <a:schemeClr val="accent1"/>
+              </a:effectRef>
+              <a:fontRef idx="minor">
+                <a:schemeClr val="tx1"/>
+              </a:fontRef>
+            </p:style>
+          </p:cxnSp>
+          <p:cxnSp>
+            <p:nvCxnSpPr>
+              <p:cNvPr id="50" name="直接连接符 49">
+                <a:extLst>
+                  <a:ext uri="{FF2B5EF4-FFF2-40B4-BE49-F238E27FC236}">
+                    <a16:creationId xmlns:a16="http://schemas.microsoft.com/office/drawing/2014/main" id="{ACF0D0EC-E2AC-C42A-54D1-20754F8D75FF}"/>
+                  </a:ext>
+                </a:extLst>
+              </p:cNvPr>
+              <p:cNvCxnSpPr>
+                <a:cxnSpLocks/>
+              </p:cNvCxnSpPr>
+              <p:nvPr/>
+            </p:nvCxnSpPr>
+            <p:spPr>
+              <a:xfrm flipV="1">
+                <a:off x="2556699" y="1907945"/>
+                <a:ext cx="115632" cy="126127"/>
+              </a:xfrm>
+              <a:prstGeom prst="line">
+                <a:avLst/>
+              </a:prstGeom>
+              <a:ln>
+                <a:solidFill>
+                  <a:schemeClr val="bg2">
+                    <a:lumMod val="50000"/>
+                  </a:schemeClr>
+                </a:solidFill>
+              </a:ln>
+            </p:spPr>
+            <p:style>
+              <a:lnRef idx="1">
+                <a:schemeClr val="accent1"/>
+              </a:lnRef>
+              <a:fillRef idx="0">
+                <a:schemeClr val="accent1"/>
+              </a:fillRef>
+              <a:effectRef idx="0">
+                <a:schemeClr val="accent1"/>
+              </a:effectRef>
+              <a:fontRef idx="minor">
+                <a:schemeClr val="tx1"/>
+              </a:fontRef>
+            </p:style>
+          </p:cxnSp>
+          <p:cxnSp>
+            <p:nvCxnSpPr>
+              <p:cNvPr id="51" name="直接连接符 50">
+                <a:extLst>
+                  <a:ext uri="{FF2B5EF4-FFF2-40B4-BE49-F238E27FC236}">
+                    <a16:creationId xmlns:a16="http://schemas.microsoft.com/office/drawing/2014/main" id="{6850CAC0-608A-1E68-5A36-4794114CE897}"/>
+                  </a:ext>
+                </a:extLst>
+              </p:cNvPr>
+              <p:cNvCxnSpPr>
+                <a:cxnSpLocks/>
+              </p:cNvCxnSpPr>
+              <p:nvPr/>
+            </p:nvCxnSpPr>
+            <p:spPr>
+              <a:xfrm flipV="1">
+                <a:off x="2607937" y="1907191"/>
+                <a:ext cx="160441" cy="178595"/>
+              </a:xfrm>
+              <a:prstGeom prst="line">
+                <a:avLst/>
+              </a:prstGeom>
+              <a:ln>
+                <a:solidFill>
+                  <a:schemeClr val="bg2">
+                    <a:lumMod val="50000"/>
+                  </a:schemeClr>
+                </a:solidFill>
+              </a:ln>
+            </p:spPr>
+            <p:style>
+              <a:lnRef idx="1">
+                <a:schemeClr val="accent1"/>
+              </a:lnRef>
+              <a:fillRef idx="0">
+                <a:schemeClr val="accent1"/>
+              </a:fillRef>
+              <a:effectRef idx="0">
+                <a:schemeClr val="accent1"/>
+              </a:effectRef>
+              <a:fontRef idx="minor">
+                <a:schemeClr val="tx1"/>
+              </a:fontRef>
+            </p:style>
+          </p:cxnSp>
+        </p:grpSp>
+        <p:grpSp>
+          <p:nvGrpSpPr>
+            <p:cNvPr id="52" name="组合 51">
+              <a:extLst>
+                <a:ext uri="{FF2B5EF4-FFF2-40B4-BE49-F238E27FC236}">
+                  <a16:creationId xmlns:a16="http://schemas.microsoft.com/office/drawing/2014/main" id="{EB84A41F-E884-0848-BF7C-B59F5C6838E9}"/>
+                </a:ext>
+              </a:extLst>
+            </p:cNvPr>
+            <p:cNvGrpSpPr/>
+            <p:nvPr/>
+          </p:nvGrpSpPr>
+          <p:grpSpPr>
+            <a:xfrm>
+              <a:off x="5186201" y="1876711"/>
+              <a:ext cx="275208" cy="195929"/>
+              <a:chOff x="2342318" y="1907191"/>
+              <a:chExt cx="426060" cy="252254"/>
+            </a:xfrm>
+          </p:grpSpPr>
+          <p:cxnSp>
+            <p:nvCxnSpPr>
+              <p:cNvPr id="53" name="直接连接符 52">
+                <a:extLst>
+                  <a:ext uri="{FF2B5EF4-FFF2-40B4-BE49-F238E27FC236}">
+                    <a16:creationId xmlns:a16="http://schemas.microsoft.com/office/drawing/2014/main" id="{6CBC6C1D-ECEB-5000-F36A-BC27788E7507}"/>
+                  </a:ext>
+                </a:extLst>
+              </p:cNvPr>
+              <p:cNvCxnSpPr>
+                <a:cxnSpLocks/>
+              </p:cNvCxnSpPr>
+              <p:nvPr/>
+            </p:nvCxnSpPr>
+            <p:spPr>
+              <a:xfrm>
+                <a:off x="2342318" y="1909454"/>
+                <a:ext cx="249991" cy="249991"/>
+              </a:xfrm>
+              <a:prstGeom prst="line">
+                <a:avLst/>
+              </a:prstGeom>
+              <a:ln>
+                <a:solidFill>
+                  <a:schemeClr val="bg2">
+                    <a:lumMod val="50000"/>
+                  </a:schemeClr>
+                </a:solidFill>
+              </a:ln>
+            </p:spPr>
+            <p:style>
+              <a:lnRef idx="1">
+                <a:schemeClr val="accent1"/>
+              </a:lnRef>
+              <a:fillRef idx="0">
+                <a:schemeClr val="accent1"/>
+              </a:fillRef>
+              <a:effectRef idx="0">
+                <a:schemeClr val="accent1"/>
+              </a:effectRef>
+              <a:fontRef idx="minor">
+                <a:schemeClr val="tx1"/>
+              </a:fontRef>
+            </p:style>
+          </p:cxnSp>
+          <p:cxnSp>
+            <p:nvCxnSpPr>
+              <p:cNvPr id="54" name="直接连接符 53">
+                <a:extLst>
+                  <a:ext uri="{FF2B5EF4-FFF2-40B4-BE49-F238E27FC236}">
+                    <a16:creationId xmlns:a16="http://schemas.microsoft.com/office/drawing/2014/main" id="{4D3CB7B0-71CB-B8FE-9CB3-AD258B061441}"/>
+                  </a:ext>
+                </a:extLst>
+              </p:cNvPr>
+              <p:cNvCxnSpPr>
+                <a:cxnSpLocks/>
+              </p:cNvCxnSpPr>
+              <p:nvPr/>
+            </p:nvCxnSpPr>
+            <p:spPr>
+              <a:xfrm>
+                <a:off x="2429429" y="1909453"/>
+                <a:ext cx="228046" cy="228046"/>
+              </a:xfrm>
+              <a:prstGeom prst="line">
+                <a:avLst/>
+              </a:prstGeom>
+              <a:ln>
+                <a:solidFill>
+                  <a:schemeClr val="bg2">
+                    <a:lumMod val="50000"/>
+                  </a:schemeClr>
+                </a:solidFill>
+              </a:ln>
+            </p:spPr>
+            <p:style>
+              <a:lnRef idx="1">
+                <a:schemeClr val="accent1"/>
+              </a:lnRef>
+              <a:fillRef idx="0">
+                <a:schemeClr val="accent1"/>
+              </a:fillRef>
+              <a:effectRef idx="0">
+                <a:schemeClr val="accent1"/>
+              </a:effectRef>
+              <a:fontRef idx="minor">
+                <a:schemeClr val="tx1"/>
+              </a:fontRef>
+            </p:style>
+          </p:cxnSp>
+          <p:cxnSp>
+            <p:nvCxnSpPr>
+              <p:cNvPr id="55" name="直接连接符 54">
+                <a:extLst>
+                  <a:ext uri="{FF2B5EF4-FFF2-40B4-BE49-F238E27FC236}">
+                    <a16:creationId xmlns:a16="http://schemas.microsoft.com/office/drawing/2014/main" id="{984C2C98-9296-B04D-7E19-0E08A1D13C54}"/>
+                  </a:ext>
+                </a:extLst>
+              </p:cNvPr>
+              <p:cNvCxnSpPr>
+                <a:cxnSpLocks/>
+              </p:cNvCxnSpPr>
+              <p:nvPr/>
+            </p:nvCxnSpPr>
+            <p:spPr>
+              <a:xfrm flipV="1">
+                <a:off x="2509451" y="1908699"/>
+                <a:ext cx="68002" cy="75696"/>
+              </a:xfrm>
+              <a:prstGeom prst="line">
+                <a:avLst/>
+              </a:prstGeom>
+              <a:ln>
+                <a:solidFill>
+                  <a:schemeClr val="bg2">
+                    <a:lumMod val="50000"/>
+                  </a:schemeClr>
+                </a:solidFill>
+              </a:ln>
+            </p:spPr>
+            <p:style>
+              <a:lnRef idx="1">
+                <a:schemeClr val="accent1"/>
+              </a:lnRef>
+              <a:fillRef idx="0">
+                <a:schemeClr val="accent1"/>
+              </a:fillRef>
+              <a:effectRef idx="0">
+                <a:schemeClr val="accent1"/>
+              </a:effectRef>
+              <a:fontRef idx="minor">
+                <a:schemeClr val="tx1"/>
+              </a:fontRef>
+            </p:style>
+          </p:cxnSp>
+          <p:cxnSp>
+            <p:nvCxnSpPr>
+              <p:cNvPr id="56" name="直接连接符 55">
+                <a:extLst>
+                  <a:ext uri="{FF2B5EF4-FFF2-40B4-BE49-F238E27FC236}">
+                    <a16:creationId xmlns:a16="http://schemas.microsoft.com/office/drawing/2014/main" id="{E5C21179-3FB1-34C9-1C70-60691C736DC9}"/>
+                  </a:ext>
+                </a:extLst>
+              </p:cNvPr>
+              <p:cNvCxnSpPr>
+                <a:cxnSpLocks/>
+              </p:cNvCxnSpPr>
+              <p:nvPr/>
+            </p:nvCxnSpPr>
+            <p:spPr>
+              <a:xfrm flipV="1">
+                <a:off x="2556699" y="1907945"/>
+                <a:ext cx="115632" cy="126127"/>
+              </a:xfrm>
+              <a:prstGeom prst="line">
+                <a:avLst/>
+              </a:prstGeom>
+              <a:ln>
+                <a:solidFill>
+                  <a:schemeClr val="bg2">
+                    <a:lumMod val="50000"/>
+                  </a:schemeClr>
+                </a:solidFill>
+              </a:ln>
+            </p:spPr>
+            <p:style>
+              <a:lnRef idx="1">
+                <a:schemeClr val="accent1"/>
+              </a:lnRef>
+              <a:fillRef idx="0">
+                <a:schemeClr val="accent1"/>
+              </a:fillRef>
+              <a:effectRef idx="0">
+                <a:schemeClr val="accent1"/>
+              </a:effectRef>
+              <a:fontRef idx="minor">
+                <a:schemeClr val="tx1"/>
+              </a:fontRef>
+            </p:style>
+          </p:cxnSp>
+          <p:cxnSp>
+            <p:nvCxnSpPr>
+              <p:cNvPr id="57" name="直接连接符 56">
+                <a:extLst>
+                  <a:ext uri="{FF2B5EF4-FFF2-40B4-BE49-F238E27FC236}">
+                    <a16:creationId xmlns:a16="http://schemas.microsoft.com/office/drawing/2014/main" id="{1F580DD4-DCC7-186B-3DD7-01F58355CC7F}"/>
+                  </a:ext>
+                </a:extLst>
+              </p:cNvPr>
+              <p:cNvCxnSpPr>
+                <a:cxnSpLocks/>
+              </p:cNvCxnSpPr>
+              <p:nvPr/>
+            </p:nvCxnSpPr>
+            <p:spPr>
+              <a:xfrm flipV="1">
+                <a:off x="2607937" y="1907191"/>
+                <a:ext cx="160441" cy="178595"/>
+              </a:xfrm>
+              <a:prstGeom prst="line">
+                <a:avLst/>
+              </a:prstGeom>
+              <a:ln>
+                <a:solidFill>
+                  <a:schemeClr val="bg2">
+                    <a:lumMod val="50000"/>
+                  </a:schemeClr>
+                </a:solidFill>
+              </a:ln>
+            </p:spPr>
+            <p:style>
+              <a:lnRef idx="1">
+                <a:schemeClr val="accent1"/>
+              </a:lnRef>
+              <a:fillRef idx="0">
+                <a:schemeClr val="accent1"/>
+              </a:fillRef>
+              <a:effectRef idx="0">
+                <a:schemeClr val="accent1"/>
+              </a:effectRef>
+              <a:fontRef idx="minor">
+                <a:schemeClr val="tx1"/>
+              </a:fontRef>
+            </p:style>
+          </p:cxnSp>
+        </p:grpSp>
+        <p:grpSp>
+          <p:nvGrpSpPr>
+            <p:cNvPr id="58" name="组合 57">
+              <a:extLst>
+                <a:ext uri="{FF2B5EF4-FFF2-40B4-BE49-F238E27FC236}">
+                  <a16:creationId xmlns:a16="http://schemas.microsoft.com/office/drawing/2014/main" id="{82758192-BA99-4BD8-48DA-B54AA3A1669C}"/>
+                </a:ext>
+              </a:extLst>
+            </p:cNvPr>
+            <p:cNvGrpSpPr/>
+            <p:nvPr/>
+          </p:nvGrpSpPr>
+          <p:grpSpPr>
+            <a:xfrm>
+              <a:off x="5559621" y="1876711"/>
+              <a:ext cx="275208" cy="195929"/>
+              <a:chOff x="2342318" y="1907191"/>
+              <a:chExt cx="426060" cy="252254"/>
+            </a:xfrm>
+          </p:grpSpPr>
+          <p:cxnSp>
+            <p:nvCxnSpPr>
+              <p:cNvPr id="59" name="直接连接符 58">
+                <a:extLst>
+                  <a:ext uri="{FF2B5EF4-FFF2-40B4-BE49-F238E27FC236}">
+                    <a16:creationId xmlns:a16="http://schemas.microsoft.com/office/drawing/2014/main" id="{58EDC155-9AEC-3064-18E2-9EA8D77D1CAC}"/>
+                  </a:ext>
+                </a:extLst>
+              </p:cNvPr>
+              <p:cNvCxnSpPr>
+                <a:cxnSpLocks/>
+              </p:cNvCxnSpPr>
+              <p:nvPr/>
+            </p:nvCxnSpPr>
+            <p:spPr>
+              <a:xfrm>
+                <a:off x="2342318" y="1909454"/>
+                <a:ext cx="249991" cy="249991"/>
+              </a:xfrm>
+              <a:prstGeom prst="line">
+                <a:avLst/>
+              </a:prstGeom>
+              <a:ln>
+                <a:solidFill>
+                  <a:schemeClr val="bg2">
+                    <a:lumMod val="50000"/>
+                  </a:schemeClr>
+                </a:solidFill>
+              </a:ln>
+            </p:spPr>
+            <p:style>
+              <a:lnRef idx="1">
+                <a:schemeClr val="accent1"/>
+              </a:lnRef>
+              <a:fillRef idx="0">
+                <a:schemeClr val="accent1"/>
+              </a:fillRef>
+              <a:effectRef idx="0">
+                <a:schemeClr val="accent1"/>
+              </a:effectRef>
+              <a:fontRef idx="minor">
+                <a:schemeClr val="tx1"/>
+              </a:fontRef>
+            </p:style>
+          </p:cxnSp>
+          <p:cxnSp>
+            <p:nvCxnSpPr>
+              <p:cNvPr id="60" name="直接连接符 59">
+                <a:extLst>
+                  <a:ext uri="{FF2B5EF4-FFF2-40B4-BE49-F238E27FC236}">
+                    <a16:creationId xmlns:a16="http://schemas.microsoft.com/office/drawing/2014/main" id="{262510DC-F08B-7AE2-2A09-1434ECE65166}"/>
+                  </a:ext>
+                </a:extLst>
+              </p:cNvPr>
+              <p:cNvCxnSpPr>
+                <a:cxnSpLocks/>
+              </p:cNvCxnSpPr>
+              <p:nvPr/>
+            </p:nvCxnSpPr>
+            <p:spPr>
+              <a:xfrm>
+                <a:off x="2429429" y="1909453"/>
+                <a:ext cx="228046" cy="228046"/>
+              </a:xfrm>
+              <a:prstGeom prst="line">
+                <a:avLst/>
+              </a:prstGeom>
+              <a:ln>
+                <a:solidFill>
+                  <a:schemeClr val="bg2">
+                    <a:lumMod val="50000"/>
+                  </a:schemeClr>
+                </a:solidFill>
+              </a:ln>
+            </p:spPr>
+            <p:style>
+              <a:lnRef idx="1">
+                <a:schemeClr val="accent1"/>
+              </a:lnRef>
+              <a:fillRef idx="0">
+                <a:schemeClr val="accent1"/>
+              </a:fillRef>
+              <a:effectRef idx="0">
+                <a:schemeClr val="accent1"/>
+              </a:effectRef>
+              <a:fontRef idx="minor">
+                <a:schemeClr val="tx1"/>
+              </a:fontRef>
+            </p:style>
+          </p:cxnSp>
+          <p:cxnSp>
+            <p:nvCxnSpPr>
+              <p:cNvPr id="61" name="直接连接符 60">
+                <a:extLst>
+                  <a:ext uri="{FF2B5EF4-FFF2-40B4-BE49-F238E27FC236}">
+                    <a16:creationId xmlns:a16="http://schemas.microsoft.com/office/drawing/2014/main" id="{4C67BF09-F95E-C238-E69A-A88429989B0C}"/>
+                  </a:ext>
+                </a:extLst>
+              </p:cNvPr>
+              <p:cNvCxnSpPr>
+                <a:cxnSpLocks/>
+              </p:cNvCxnSpPr>
+              <p:nvPr/>
+            </p:nvCxnSpPr>
+            <p:spPr>
+              <a:xfrm flipV="1">
+                <a:off x="2509451" y="1908699"/>
+                <a:ext cx="68002" cy="75696"/>
+              </a:xfrm>
+              <a:prstGeom prst="line">
+                <a:avLst/>
+              </a:prstGeom>
+              <a:ln>
+                <a:solidFill>
+                  <a:schemeClr val="bg2">
+                    <a:lumMod val="50000"/>
+                  </a:schemeClr>
+                </a:solidFill>
+              </a:ln>
+            </p:spPr>
+            <p:style>
+              <a:lnRef idx="1">
+                <a:schemeClr val="accent1"/>
+              </a:lnRef>
+              <a:fillRef idx="0">
+                <a:schemeClr val="accent1"/>
+              </a:fillRef>
+              <a:effectRef idx="0">
+                <a:schemeClr val="accent1"/>
+              </a:effectRef>
+              <a:fontRef idx="minor">
+                <a:schemeClr val="tx1"/>
+              </a:fontRef>
+            </p:style>
+          </p:cxnSp>
+          <p:cxnSp>
+            <p:nvCxnSpPr>
+              <p:cNvPr id="62" name="直接连接符 61">
+                <a:extLst>
+                  <a:ext uri="{FF2B5EF4-FFF2-40B4-BE49-F238E27FC236}">
+                    <a16:creationId xmlns:a16="http://schemas.microsoft.com/office/drawing/2014/main" id="{5B89995F-50CD-EC60-7DA3-7AAA7F5CABCC}"/>
+                  </a:ext>
+                </a:extLst>
+              </p:cNvPr>
+              <p:cNvCxnSpPr>
+                <a:cxnSpLocks/>
+              </p:cNvCxnSpPr>
+              <p:nvPr/>
+            </p:nvCxnSpPr>
+            <p:spPr>
+              <a:xfrm flipV="1">
+                <a:off x="2556699" y="1907945"/>
+                <a:ext cx="115632" cy="126127"/>
+              </a:xfrm>
+              <a:prstGeom prst="line">
+                <a:avLst/>
+              </a:prstGeom>
+              <a:ln>
+                <a:solidFill>
+                  <a:schemeClr val="bg2">
+                    <a:lumMod val="50000"/>
+                  </a:schemeClr>
+                </a:solidFill>
+              </a:ln>
+            </p:spPr>
+            <p:style>
+              <a:lnRef idx="1">
+                <a:schemeClr val="accent1"/>
+              </a:lnRef>
+              <a:fillRef idx="0">
+                <a:schemeClr val="accent1"/>
+              </a:fillRef>
+              <a:effectRef idx="0">
+                <a:schemeClr val="accent1"/>
+              </a:effectRef>
+              <a:fontRef idx="minor">
+                <a:schemeClr val="tx1"/>
+              </a:fontRef>
+            </p:style>
+          </p:cxnSp>
+          <p:cxnSp>
+            <p:nvCxnSpPr>
+              <p:cNvPr id="63" name="直接连接符 62">
+                <a:extLst>
+                  <a:ext uri="{FF2B5EF4-FFF2-40B4-BE49-F238E27FC236}">
+                    <a16:creationId xmlns:a16="http://schemas.microsoft.com/office/drawing/2014/main" id="{56F498B8-46CF-8846-F501-EB44E1E61F4D}"/>
+                  </a:ext>
+                </a:extLst>
+              </p:cNvPr>
+              <p:cNvCxnSpPr>
+                <a:cxnSpLocks/>
+              </p:cNvCxnSpPr>
+              <p:nvPr/>
+            </p:nvCxnSpPr>
+            <p:spPr>
+              <a:xfrm flipV="1">
+                <a:off x="2607937" y="1907191"/>
+                <a:ext cx="160441" cy="178595"/>
+              </a:xfrm>
+              <a:prstGeom prst="line">
+                <a:avLst/>
+              </a:prstGeom>
+              <a:ln>
+                <a:solidFill>
+                  <a:schemeClr val="bg2">
+                    <a:lumMod val="50000"/>
+                  </a:schemeClr>
+                </a:solidFill>
+              </a:ln>
+            </p:spPr>
+            <p:style>
+              <a:lnRef idx="1">
+                <a:schemeClr val="accent1"/>
+              </a:lnRef>
+              <a:fillRef idx="0">
+                <a:schemeClr val="accent1"/>
+              </a:fillRef>
+              <a:effectRef idx="0">
+                <a:schemeClr val="accent1"/>
+              </a:effectRef>
+              <a:fontRef idx="minor">
+                <a:schemeClr val="tx1"/>
+              </a:fontRef>
+            </p:style>
+          </p:cxnSp>
+        </p:grpSp>
+        <p:grpSp>
+          <p:nvGrpSpPr>
+            <p:cNvPr id="64" name="组合 63">
+              <a:extLst>
+                <a:ext uri="{FF2B5EF4-FFF2-40B4-BE49-F238E27FC236}">
+                  <a16:creationId xmlns:a16="http://schemas.microsoft.com/office/drawing/2014/main" id="{61233EA5-180C-3507-7E17-1186EE7A3BA2}"/>
+                </a:ext>
+              </a:extLst>
+            </p:cNvPr>
+            <p:cNvGrpSpPr/>
+            <p:nvPr/>
+          </p:nvGrpSpPr>
+          <p:grpSpPr>
+            <a:xfrm>
+              <a:off x="5923874" y="1876711"/>
+              <a:ext cx="275208" cy="195929"/>
+              <a:chOff x="2342318" y="1907191"/>
+              <a:chExt cx="426060" cy="252254"/>
+            </a:xfrm>
+          </p:grpSpPr>
+          <p:cxnSp>
+            <p:nvCxnSpPr>
+              <p:cNvPr id="65" name="直接连接符 64">
+                <a:extLst>
+                  <a:ext uri="{FF2B5EF4-FFF2-40B4-BE49-F238E27FC236}">
+                    <a16:creationId xmlns:a16="http://schemas.microsoft.com/office/drawing/2014/main" id="{5472D2FB-6BDF-A9ED-78F5-870305ABC784}"/>
+                  </a:ext>
+                </a:extLst>
+              </p:cNvPr>
+              <p:cNvCxnSpPr>
+                <a:cxnSpLocks/>
+              </p:cNvCxnSpPr>
+              <p:nvPr/>
+            </p:nvCxnSpPr>
+            <p:spPr>
+              <a:xfrm>
+                <a:off x="2342318" y="1909454"/>
+                <a:ext cx="249991" cy="249991"/>
+              </a:xfrm>
+              <a:prstGeom prst="line">
+                <a:avLst/>
+              </a:prstGeom>
+              <a:ln>
+                <a:solidFill>
+                  <a:schemeClr val="bg2">
+                    <a:lumMod val="50000"/>
+                  </a:schemeClr>
+                </a:solidFill>
+              </a:ln>
+            </p:spPr>
+            <p:style>
+              <a:lnRef idx="1">
+                <a:schemeClr val="accent1"/>
+              </a:lnRef>
+              <a:fillRef idx="0">
+                <a:schemeClr val="accent1"/>
+              </a:fillRef>
+              <a:effectRef idx="0">
+                <a:schemeClr val="accent1"/>
+              </a:effectRef>
+              <a:fontRef idx="minor">
+                <a:schemeClr val="tx1"/>
+              </a:fontRef>
+            </p:style>
+          </p:cxnSp>
+          <p:cxnSp>
+            <p:nvCxnSpPr>
+              <p:cNvPr id="66" name="直接连接符 65">
+                <a:extLst>
+                  <a:ext uri="{FF2B5EF4-FFF2-40B4-BE49-F238E27FC236}">
+                    <a16:creationId xmlns:a16="http://schemas.microsoft.com/office/drawing/2014/main" id="{D9CD05CD-E4E0-055F-A1BD-2AB3C1654EFA}"/>
+                  </a:ext>
+                </a:extLst>
+              </p:cNvPr>
+              <p:cNvCxnSpPr>
+                <a:cxnSpLocks/>
+              </p:cNvCxnSpPr>
+              <p:nvPr/>
+            </p:nvCxnSpPr>
+            <p:spPr>
+              <a:xfrm>
+                <a:off x="2429429" y="1909453"/>
+                <a:ext cx="228046" cy="228046"/>
+              </a:xfrm>
+              <a:prstGeom prst="line">
+                <a:avLst/>
+              </a:prstGeom>
+              <a:ln>
+                <a:solidFill>
+                  <a:schemeClr val="bg2">
+                    <a:lumMod val="50000"/>
+                  </a:schemeClr>
+                </a:solidFill>
+              </a:ln>
+            </p:spPr>
+            <p:style>
+              <a:lnRef idx="1">
+                <a:schemeClr val="accent1"/>
+              </a:lnRef>
+              <a:fillRef idx="0">
+                <a:schemeClr val="accent1"/>
+              </a:fillRef>
+              <a:effectRef idx="0">
+                <a:schemeClr val="accent1"/>
+              </a:effectRef>
+              <a:fontRef idx="minor">
+                <a:schemeClr val="tx1"/>
+              </a:fontRef>
+            </p:style>
+          </p:cxnSp>
+          <p:cxnSp>
+            <p:nvCxnSpPr>
+              <p:cNvPr id="67" name="直接连接符 66">
+                <a:extLst>
+                  <a:ext uri="{FF2B5EF4-FFF2-40B4-BE49-F238E27FC236}">
+                    <a16:creationId xmlns:a16="http://schemas.microsoft.com/office/drawing/2014/main" id="{714BBA5E-75B1-5864-932C-CE1B9ED00B55}"/>
+                  </a:ext>
+                </a:extLst>
+              </p:cNvPr>
+              <p:cNvCxnSpPr>
+                <a:cxnSpLocks/>
+              </p:cNvCxnSpPr>
+              <p:nvPr/>
+            </p:nvCxnSpPr>
+            <p:spPr>
+              <a:xfrm flipV="1">
+                <a:off x="2509451" y="1908699"/>
+                <a:ext cx="68002" cy="75696"/>
+              </a:xfrm>
+              <a:prstGeom prst="line">
+                <a:avLst/>
+              </a:prstGeom>
+              <a:ln>
+                <a:solidFill>
+                  <a:schemeClr val="bg2">
+                    <a:lumMod val="50000"/>
+                  </a:schemeClr>
+                </a:solidFill>
+              </a:ln>
+            </p:spPr>
+            <p:style>
+              <a:lnRef idx="1">
+                <a:schemeClr val="accent1"/>
+              </a:lnRef>
+              <a:fillRef idx="0">
+                <a:schemeClr val="accent1"/>
+              </a:fillRef>
+              <a:effectRef idx="0">
+                <a:schemeClr val="accent1"/>
+              </a:effectRef>
+              <a:fontRef idx="minor">
+                <a:schemeClr val="tx1"/>
+              </a:fontRef>
+            </p:style>
+          </p:cxnSp>
+          <p:cxnSp>
+            <p:nvCxnSpPr>
+              <p:cNvPr id="68" name="直接连接符 67">
+                <a:extLst>
+                  <a:ext uri="{FF2B5EF4-FFF2-40B4-BE49-F238E27FC236}">
+                    <a16:creationId xmlns:a16="http://schemas.microsoft.com/office/drawing/2014/main" id="{8DD7ABC2-D65A-8D44-8C91-B39E30D535DC}"/>
+                  </a:ext>
+                </a:extLst>
+              </p:cNvPr>
+              <p:cNvCxnSpPr>
+                <a:cxnSpLocks/>
+              </p:cNvCxnSpPr>
+              <p:nvPr/>
+            </p:nvCxnSpPr>
+            <p:spPr>
+              <a:xfrm flipV="1">
+                <a:off x="2556699" y="1907945"/>
+                <a:ext cx="115632" cy="126127"/>
+              </a:xfrm>
+              <a:prstGeom prst="line">
+                <a:avLst/>
+              </a:prstGeom>
+              <a:ln>
+                <a:solidFill>
+                  <a:schemeClr val="bg2">
+                    <a:lumMod val="50000"/>
+                  </a:schemeClr>
+                </a:solidFill>
+              </a:ln>
+            </p:spPr>
+            <p:style>
+              <a:lnRef idx="1">
+                <a:schemeClr val="accent1"/>
+              </a:lnRef>
+              <a:fillRef idx="0">
+                <a:schemeClr val="accent1"/>
+              </a:fillRef>
+              <a:effectRef idx="0">
+                <a:schemeClr val="accent1"/>
+              </a:effectRef>
+              <a:fontRef idx="minor">
+                <a:schemeClr val="tx1"/>
+              </a:fontRef>
+            </p:style>
+          </p:cxnSp>
+          <p:cxnSp>
+            <p:nvCxnSpPr>
+              <p:cNvPr id="69" name="直接连接符 68">
+                <a:extLst>
+                  <a:ext uri="{FF2B5EF4-FFF2-40B4-BE49-F238E27FC236}">
+                    <a16:creationId xmlns:a16="http://schemas.microsoft.com/office/drawing/2014/main" id="{C52461E9-FBE4-A56B-26BF-5631E0DED28C}"/>
+                  </a:ext>
+                </a:extLst>
+              </p:cNvPr>
+              <p:cNvCxnSpPr>
+                <a:cxnSpLocks/>
+              </p:cNvCxnSpPr>
+              <p:nvPr/>
+            </p:nvCxnSpPr>
+            <p:spPr>
+              <a:xfrm flipV="1">
+                <a:off x="2607937" y="1907191"/>
+                <a:ext cx="160441" cy="178595"/>
+              </a:xfrm>
+              <a:prstGeom prst="line">
+                <a:avLst/>
+              </a:prstGeom>
+              <a:ln>
+                <a:solidFill>
+                  <a:schemeClr val="bg2">
+                    <a:lumMod val="50000"/>
+                  </a:schemeClr>
+                </a:solidFill>
+              </a:ln>
+            </p:spPr>
+            <p:style>
+              <a:lnRef idx="1">
+                <a:schemeClr val="accent1"/>
+              </a:lnRef>
+              <a:fillRef idx="0">
+                <a:schemeClr val="accent1"/>
+              </a:fillRef>
+              <a:effectRef idx="0">
+                <a:schemeClr val="accent1"/>
+              </a:effectRef>
+              <a:fontRef idx="minor">
+                <a:schemeClr val="tx1"/>
+              </a:fontRef>
+            </p:style>
+          </p:cxnSp>
+        </p:grpSp>
+        <p:grpSp>
+          <p:nvGrpSpPr>
+            <p:cNvPr id="70" name="组合 69">
+              <a:extLst>
+                <a:ext uri="{FF2B5EF4-FFF2-40B4-BE49-F238E27FC236}">
+                  <a16:creationId xmlns:a16="http://schemas.microsoft.com/office/drawing/2014/main" id="{A87A5EC2-C1D2-A8BD-5091-23D291DB2AB2}"/>
+                </a:ext>
+              </a:extLst>
+            </p:cNvPr>
+            <p:cNvGrpSpPr/>
+            <p:nvPr/>
+          </p:nvGrpSpPr>
+          <p:grpSpPr>
+            <a:xfrm>
+              <a:off x="6300930" y="1876711"/>
+              <a:ext cx="275208" cy="195929"/>
+              <a:chOff x="2342318" y="1907191"/>
+              <a:chExt cx="426060" cy="252254"/>
+            </a:xfrm>
+          </p:grpSpPr>
+          <p:cxnSp>
+            <p:nvCxnSpPr>
+              <p:cNvPr id="71" name="直接连接符 70">
+                <a:extLst>
+                  <a:ext uri="{FF2B5EF4-FFF2-40B4-BE49-F238E27FC236}">
+                    <a16:creationId xmlns:a16="http://schemas.microsoft.com/office/drawing/2014/main" id="{D8BA15F5-90A8-E0CD-B5CC-165601EF2662}"/>
+                  </a:ext>
+                </a:extLst>
+              </p:cNvPr>
+              <p:cNvCxnSpPr>
+                <a:cxnSpLocks/>
+              </p:cNvCxnSpPr>
+              <p:nvPr/>
+            </p:nvCxnSpPr>
+            <p:spPr>
+              <a:xfrm>
+                <a:off x="2342318" y="1909454"/>
+                <a:ext cx="249991" cy="249991"/>
+              </a:xfrm>
+              <a:prstGeom prst="line">
+                <a:avLst/>
+              </a:prstGeom>
+              <a:ln>
+                <a:solidFill>
+                  <a:schemeClr val="bg2">
+                    <a:lumMod val="50000"/>
+                  </a:schemeClr>
+                </a:solidFill>
+              </a:ln>
+            </p:spPr>
+            <p:style>
+              <a:lnRef idx="1">
+                <a:schemeClr val="accent1"/>
+              </a:lnRef>
+              <a:fillRef idx="0">
+                <a:schemeClr val="accent1"/>
+              </a:fillRef>
+              <a:effectRef idx="0">
+                <a:schemeClr val="accent1"/>
+              </a:effectRef>
+              <a:fontRef idx="minor">
+                <a:schemeClr val="tx1"/>
+              </a:fontRef>
+            </p:style>
+          </p:cxnSp>
+          <p:cxnSp>
+            <p:nvCxnSpPr>
+              <p:cNvPr id="72" name="直接连接符 71">
+                <a:extLst>
+                  <a:ext uri="{FF2B5EF4-FFF2-40B4-BE49-F238E27FC236}">
+                    <a16:creationId xmlns:a16="http://schemas.microsoft.com/office/drawing/2014/main" id="{8ED56E2D-E55D-9D6F-7687-F9B51D441603}"/>
+                  </a:ext>
+                </a:extLst>
+              </p:cNvPr>
+              <p:cNvCxnSpPr>
+                <a:cxnSpLocks/>
+              </p:cNvCxnSpPr>
+              <p:nvPr/>
+            </p:nvCxnSpPr>
+            <p:spPr>
+              <a:xfrm>
+                <a:off x="2429429" y="1909453"/>
+                <a:ext cx="228046" cy="228046"/>
+              </a:xfrm>
+              <a:prstGeom prst="line">
+                <a:avLst/>
+              </a:prstGeom>
+              <a:ln>
+                <a:solidFill>
+                  <a:schemeClr val="bg2">
+                    <a:lumMod val="50000"/>
+                  </a:schemeClr>
+                </a:solidFill>
+              </a:ln>
+            </p:spPr>
+            <p:style>
+              <a:lnRef idx="1">
+                <a:schemeClr val="accent1"/>
+              </a:lnRef>
+              <a:fillRef idx="0">
+                <a:schemeClr val="accent1"/>
+              </a:fillRef>
+              <a:effectRef idx="0">
+                <a:schemeClr val="accent1"/>
+              </a:effectRef>
+              <a:fontRef idx="minor">
+                <a:schemeClr val="tx1"/>
+              </a:fontRef>
+            </p:style>
+          </p:cxnSp>
+          <p:cxnSp>
+            <p:nvCxnSpPr>
+              <p:cNvPr id="73" name="直接连接符 72">
+                <a:extLst>
+                  <a:ext uri="{FF2B5EF4-FFF2-40B4-BE49-F238E27FC236}">
+                    <a16:creationId xmlns:a16="http://schemas.microsoft.com/office/drawing/2014/main" id="{B7E5037F-5E4A-4BE2-9507-72398CF61A22}"/>
+                  </a:ext>
+                </a:extLst>
+              </p:cNvPr>
+              <p:cNvCxnSpPr>
+                <a:cxnSpLocks/>
+              </p:cNvCxnSpPr>
+              <p:nvPr/>
+            </p:nvCxnSpPr>
+            <p:spPr>
+              <a:xfrm flipV="1">
+                <a:off x="2509451" y="1908699"/>
+                <a:ext cx="68002" cy="75696"/>
+              </a:xfrm>
+              <a:prstGeom prst="line">
+                <a:avLst/>
+              </a:prstGeom>
+              <a:ln>
+                <a:solidFill>
+                  <a:schemeClr val="bg2">
+                    <a:lumMod val="50000"/>
+                  </a:schemeClr>
+                </a:solidFill>
+              </a:ln>
+            </p:spPr>
+            <p:style>
+              <a:lnRef idx="1">
+                <a:schemeClr val="accent1"/>
+              </a:lnRef>
+              <a:fillRef idx="0">
+                <a:schemeClr val="accent1"/>
+              </a:fillRef>
+              <a:effectRef idx="0">
+                <a:schemeClr val="accent1"/>
+              </a:effectRef>
+              <a:fontRef idx="minor">
+                <a:schemeClr val="tx1"/>
+              </a:fontRef>
+            </p:style>
+          </p:cxnSp>
+          <p:cxnSp>
+            <p:nvCxnSpPr>
+              <p:cNvPr id="74" name="直接连接符 73">
+                <a:extLst>
+                  <a:ext uri="{FF2B5EF4-FFF2-40B4-BE49-F238E27FC236}">
+                    <a16:creationId xmlns:a16="http://schemas.microsoft.com/office/drawing/2014/main" id="{70990089-8DFD-474A-3E6D-688C61612CBC}"/>
+                  </a:ext>
+                </a:extLst>
+              </p:cNvPr>
+              <p:cNvCxnSpPr>
+                <a:cxnSpLocks/>
+              </p:cNvCxnSpPr>
+              <p:nvPr/>
+            </p:nvCxnSpPr>
+            <p:spPr>
+              <a:xfrm flipV="1">
+                <a:off x="2556699" y="1907945"/>
+                <a:ext cx="115632" cy="126127"/>
+              </a:xfrm>
+              <a:prstGeom prst="line">
+                <a:avLst/>
+              </a:prstGeom>
+              <a:ln>
+                <a:solidFill>
+                  <a:schemeClr val="bg2">
+                    <a:lumMod val="50000"/>
+                  </a:schemeClr>
+                </a:solidFill>
+              </a:ln>
+            </p:spPr>
+            <p:style>
+              <a:lnRef idx="1">
+                <a:schemeClr val="accent1"/>
+              </a:lnRef>
+              <a:fillRef idx="0">
+                <a:schemeClr val="accent1"/>
+              </a:fillRef>
+              <a:effectRef idx="0">
+                <a:schemeClr val="accent1"/>
+              </a:effectRef>
+              <a:fontRef idx="minor">
+                <a:schemeClr val="tx1"/>
+              </a:fontRef>
+            </p:style>
+          </p:cxnSp>
+          <p:cxnSp>
+            <p:nvCxnSpPr>
+              <p:cNvPr id="75" name="直接连接符 74">
+                <a:extLst>
+                  <a:ext uri="{FF2B5EF4-FFF2-40B4-BE49-F238E27FC236}">
+                    <a16:creationId xmlns:a16="http://schemas.microsoft.com/office/drawing/2014/main" id="{CBE94453-47FD-DE3C-F2C1-8786BB33A15B}"/>
+                  </a:ext>
+                </a:extLst>
+              </p:cNvPr>
+              <p:cNvCxnSpPr>
+                <a:cxnSpLocks/>
+              </p:cNvCxnSpPr>
+              <p:nvPr/>
+            </p:nvCxnSpPr>
+            <p:spPr>
+              <a:xfrm flipV="1">
+                <a:off x="2607937" y="1907191"/>
+                <a:ext cx="160441" cy="178595"/>
+              </a:xfrm>
+              <a:prstGeom prst="line">
+                <a:avLst/>
+              </a:prstGeom>
+              <a:ln>
+                <a:solidFill>
+                  <a:schemeClr val="bg2">
+                    <a:lumMod val="50000"/>
+                  </a:schemeClr>
+                </a:solidFill>
+              </a:ln>
+            </p:spPr>
+            <p:style>
+              <a:lnRef idx="1">
+                <a:schemeClr val="accent1"/>
+              </a:lnRef>
+              <a:fillRef idx="0">
+                <a:schemeClr val="accent1"/>
+              </a:fillRef>
+              <a:effectRef idx="0">
+                <a:schemeClr val="accent1"/>
+              </a:effectRef>
+              <a:fontRef idx="minor">
+                <a:schemeClr val="tx1"/>
+              </a:fontRef>
+            </p:style>
+          </p:cxnSp>
+        </p:grpSp>
+        <p:sp>
+          <p:nvSpPr>
+            <p:cNvPr id="86" name="文本框 85">
+              <a:extLst>
+                <a:ext uri="{FF2B5EF4-FFF2-40B4-BE49-F238E27FC236}">
+                  <a16:creationId xmlns:a16="http://schemas.microsoft.com/office/drawing/2014/main" id="{42911BE8-2C6F-3667-8437-992F6DEE7BD8}"/>
+                </a:ext>
+              </a:extLst>
+            </p:cNvPr>
+            <p:cNvSpPr txBox="1"/>
+            <p:nvPr/>
+          </p:nvSpPr>
+          <p:spPr>
+            <a:xfrm>
+              <a:off x="4020140" y="2724155"/>
+              <a:ext cx="537115" cy="738664"/>
+            </a:xfrm>
+            <a:prstGeom prst="rect">
+              <a:avLst/>
+            </a:prstGeom>
+            <a:noFill/>
+          </p:spPr>
+          <p:txBody>
+            <a:bodyPr wrap="square" rtlCol="0">
+              <a:spAutoFit/>
+            </a:bodyPr>
+            <a:lstStyle/>
+            <a:p>
+              <a:r>
+                <a:rPr lang="zh-CN" altLang="en-US" sz="1400" b="1" dirty="0">
+                  <a:solidFill>
+                    <a:srgbClr val="FF0000"/>
+                  </a:solidFill>
+                  <a:latin typeface="宋体" panose="02010600030101010101" pitchFamily="2" charset="-122"/>
+                  <a:ea typeface="宋体" panose="02010600030101010101" pitchFamily="2" charset="-122"/>
+                </a:rPr>
+                <a:t>桩埋深</a:t>
+              </a:r>
+            </a:p>
+          </p:txBody>
+        </p:sp>
+        <p:grpSp>
+          <p:nvGrpSpPr>
+            <p:cNvPr id="90" name="组合 89">
+              <a:extLst>
+                <a:ext uri="{FF2B5EF4-FFF2-40B4-BE49-F238E27FC236}">
+                  <a16:creationId xmlns:a16="http://schemas.microsoft.com/office/drawing/2014/main" id="{CB76C59F-9E77-B873-13CF-034B8364FFDB}"/>
+                </a:ext>
+              </a:extLst>
+            </p:cNvPr>
+            <p:cNvGrpSpPr/>
+            <p:nvPr/>
+          </p:nvGrpSpPr>
+          <p:grpSpPr>
+            <a:xfrm>
+              <a:off x="3775042" y="1874953"/>
+              <a:ext cx="300338" cy="2426865"/>
+              <a:chOff x="6003751" y="727071"/>
+              <a:chExt cx="300338" cy="2065094"/>
+            </a:xfrm>
+          </p:grpSpPr>
+          <p:cxnSp>
+            <p:nvCxnSpPr>
+              <p:cNvPr id="87" name="直接箭头连接符 86">
+                <a:extLst>
+                  <a:ext uri="{FF2B5EF4-FFF2-40B4-BE49-F238E27FC236}">
+                    <a16:creationId xmlns:a16="http://schemas.microsoft.com/office/drawing/2014/main" id="{EB6569C3-D609-2D4D-8DC5-A0D6C8D6D86F}"/>
+                  </a:ext>
+                </a:extLst>
+              </p:cNvPr>
+              <p:cNvCxnSpPr/>
+              <p:nvPr/>
+            </p:nvCxnSpPr>
+            <p:spPr>
+              <a:xfrm>
+                <a:off x="6153920" y="727662"/>
+                <a:ext cx="0" cy="2061563"/>
+              </a:xfrm>
+              <a:prstGeom prst="straightConnector1">
+                <a:avLst/>
+              </a:prstGeom>
+              <a:ln w="12700">
+                <a:solidFill>
+                  <a:srgbClr val="FF0000"/>
+                </a:solidFill>
+                <a:headEnd type="triangle" w="med" len="med"/>
+                <a:tailEnd type="triangle" w="med" len="med"/>
+              </a:ln>
+            </p:spPr>
+            <p:style>
+              <a:lnRef idx="1">
+                <a:schemeClr val="accent1"/>
+              </a:lnRef>
+              <a:fillRef idx="0">
+                <a:schemeClr val="accent1"/>
+              </a:fillRef>
+              <a:effectRef idx="0">
+                <a:schemeClr val="accent1"/>
+              </a:effectRef>
+              <a:fontRef idx="minor">
+                <a:schemeClr val="tx1"/>
+              </a:fontRef>
+            </p:style>
+          </p:cxnSp>
+          <p:cxnSp>
+            <p:nvCxnSpPr>
+              <p:cNvPr id="88" name="直接连接符 87">
+                <a:extLst>
+                  <a:ext uri="{FF2B5EF4-FFF2-40B4-BE49-F238E27FC236}">
+                    <a16:creationId xmlns:a16="http://schemas.microsoft.com/office/drawing/2014/main" id="{136693F1-FA36-B36F-35BA-FE42ACE0567B}"/>
+                  </a:ext>
+                </a:extLst>
+              </p:cNvPr>
+              <p:cNvCxnSpPr/>
+              <p:nvPr/>
+            </p:nvCxnSpPr>
+            <p:spPr>
+              <a:xfrm>
+                <a:off x="6003751" y="727071"/>
+                <a:ext cx="300338" cy="0"/>
+              </a:xfrm>
+              <a:prstGeom prst="line">
+                <a:avLst/>
+              </a:prstGeom>
+              <a:ln w="12700">
+                <a:solidFill>
+                  <a:srgbClr val="FF0000"/>
+                </a:solidFill>
+              </a:ln>
+            </p:spPr>
+            <p:style>
+              <a:lnRef idx="1">
+                <a:schemeClr val="accent1"/>
+              </a:lnRef>
+              <a:fillRef idx="0">
+                <a:schemeClr val="accent1"/>
+              </a:fillRef>
+              <a:effectRef idx="0">
+                <a:schemeClr val="accent1"/>
+              </a:effectRef>
+              <a:fontRef idx="minor">
+                <a:schemeClr val="tx1"/>
+              </a:fontRef>
+            </p:style>
+          </p:cxnSp>
+          <p:cxnSp>
+            <p:nvCxnSpPr>
+              <p:cNvPr id="89" name="直接连接符 88">
+                <a:extLst>
+                  <a:ext uri="{FF2B5EF4-FFF2-40B4-BE49-F238E27FC236}">
+                    <a16:creationId xmlns:a16="http://schemas.microsoft.com/office/drawing/2014/main" id="{F7956746-BE02-3A2D-ACAE-52AFE9F85974}"/>
+                  </a:ext>
+                </a:extLst>
+              </p:cNvPr>
+              <p:cNvCxnSpPr/>
+              <p:nvPr/>
+            </p:nvCxnSpPr>
+            <p:spPr>
+              <a:xfrm>
+                <a:off x="6003751" y="2792165"/>
+                <a:ext cx="300338" cy="0"/>
+              </a:xfrm>
+              <a:prstGeom prst="line">
+                <a:avLst/>
+              </a:prstGeom>
+              <a:ln w="12700">
+                <a:solidFill>
+                  <a:srgbClr val="FF0000"/>
+                </a:solidFill>
+              </a:ln>
+            </p:spPr>
+            <p:style>
+              <a:lnRef idx="1">
+                <a:schemeClr val="accent1"/>
+              </a:lnRef>
+              <a:fillRef idx="0">
+                <a:schemeClr val="accent1"/>
+              </a:fillRef>
+              <a:effectRef idx="0">
+                <a:schemeClr val="accent1"/>
+              </a:effectRef>
+              <a:fontRef idx="minor">
+                <a:schemeClr val="tx1"/>
+              </a:fontRef>
+            </p:style>
+          </p:cxnSp>
+        </p:grpSp>
+        <p:sp>
+          <p:nvSpPr>
+            <p:cNvPr id="92" name="文本框 91">
+              <a:extLst>
+                <a:ext uri="{FF2B5EF4-FFF2-40B4-BE49-F238E27FC236}">
+                  <a16:creationId xmlns:a16="http://schemas.microsoft.com/office/drawing/2014/main" id="{1884CFA0-B35E-FF9D-7FFA-31854BF4CD5C}"/>
+                </a:ext>
+              </a:extLst>
+            </p:cNvPr>
+            <p:cNvSpPr txBox="1"/>
+            <p:nvPr/>
+          </p:nvSpPr>
+          <p:spPr>
+            <a:xfrm>
+              <a:off x="4049767" y="756728"/>
+              <a:ext cx="537115" cy="1169551"/>
+            </a:xfrm>
+            <a:prstGeom prst="rect">
+              <a:avLst/>
+            </a:prstGeom>
+            <a:noFill/>
+          </p:spPr>
+          <p:txBody>
+            <a:bodyPr wrap="square" rtlCol="0">
+              <a:spAutoFit/>
+            </a:bodyPr>
+            <a:lstStyle/>
+            <a:p>
+              <a:r>
+                <a:rPr lang="zh-CN" altLang="en-US" sz="1400" b="1" dirty="0">
+                  <a:solidFill>
+                    <a:srgbClr val="FF0000"/>
+                  </a:solidFill>
+                  <a:latin typeface="宋体" panose="02010600030101010101" pitchFamily="2" charset="-122"/>
+                  <a:ea typeface="宋体" panose="02010600030101010101" pitchFamily="2" charset="-122"/>
+                </a:rPr>
+                <a:t>桩伸出地面</a:t>
+              </a:r>
+            </a:p>
+          </p:txBody>
+        </p:sp>
+        <p:grpSp>
+          <p:nvGrpSpPr>
+            <p:cNvPr id="93" name="组合 92">
+              <a:extLst>
+                <a:ext uri="{FF2B5EF4-FFF2-40B4-BE49-F238E27FC236}">
+                  <a16:creationId xmlns:a16="http://schemas.microsoft.com/office/drawing/2014/main" id="{DE19001C-0010-AF55-1A8D-4F2BF9C051F9}"/>
+                </a:ext>
+              </a:extLst>
+            </p:cNvPr>
+            <p:cNvGrpSpPr/>
+            <p:nvPr/>
+          </p:nvGrpSpPr>
+          <p:grpSpPr>
+            <a:xfrm>
+              <a:off x="3776337" y="848410"/>
+              <a:ext cx="300338" cy="1023950"/>
+              <a:chOff x="6003751" y="727071"/>
+              <a:chExt cx="300338" cy="2065094"/>
+            </a:xfrm>
+          </p:grpSpPr>
+          <p:cxnSp>
+            <p:nvCxnSpPr>
+              <p:cNvPr id="94" name="直接箭头连接符 93">
+                <a:extLst>
+                  <a:ext uri="{FF2B5EF4-FFF2-40B4-BE49-F238E27FC236}">
+                    <a16:creationId xmlns:a16="http://schemas.microsoft.com/office/drawing/2014/main" id="{3DA76D69-8961-9DE0-2238-8B5821CF9185}"/>
+                  </a:ext>
+                </a:extLst>
+              </p:cNvPr>
+              <p:cNvCxnSpPr/>
+              <p:nvPr/>
+            </p:nvCxnSpPr>
+            <p:spPr>
+              <a:xfrm>
+                <a:off x="6153920" y="727662"/>
+                <a:ext cx="0" cy="2061563"/>
+              </a:xfrm>
+              <a:prstGeom prst="straightConnector1">
+                <a:avLst/>
+              </a:prstGeom>
+              <a:ln w="12700">
+                <a:solidFill>
+                  <a:srgbClr val="FF0000"/>
+                </a:solidFill>
+                <a:headEnd type="triangle" w="med" len="med"/>
+                <a:tailEnd type="triangle" w="med" len="med"/>
+              </a:ln>
+            </p:spPr>
+            <p:style>
+              <a:lnRef idx="1">
+                <a:schemeClr val="accent1"/>
+              </a:lnRef>
+              <a:fillRef idx="0">
+                <a:schemeClr val="accent1"/>
+              </a:fillRef>
+              <a:effectRef idx="0">
+                <a:schemeClr val="accent1"/>
+              </a:effectRef>
+              <a:fontRef idx="minor">
+                <a:schemeClr val="tx1"/>
+              </a:fontRef>
+            </p:style>
+          </p:cxnSp>
+          <p:cxnSp>
+            <p:nvCxnSpPr>
+              <p:cNvPr id="95" name="直接连接符 94">
+                <a:extLst>
+                  <a:ext uri="{FF2B5EF4-FFF2-40B4-BE49-F238E27FC236}">
+                    <a16:creationId xmlns:a16="http://schemas.microsoft.com/office/drawing/2014/main" id="{BAFF1449-B3D0-A729-4243-8CE5B88A73FD}"/>
+                  </a:ext>
+                </a:extLst>
+              </p:cNvPr>
+              <p:cNvCxnSpPr/>
+              <p:nvPr/>
+            </p:nvCxnSpPr>
+            <p:spPr>
+              <a:xfrm>
+                <a:off x="6003751" y="727071"/>
+                <a:ext cx="300338" cy="0"/>
+              </a:xfrm>
+              <a:prstGeom prst="line">
+                <a:avLst/>
+              </a:prstGeom>
+              <a:ln w="12700">
+                <a:solidFill>
+                  <a:srgbClr val="FF0000"/>
+                </a:solidFill>
+              </a:ln>
+            </p:spPr>
+            <p:style>
+              <a:lnRef idx="1">
+                <a:schemeClr val="accent1"/>
+              </a:lnRef>
+              <a:fillRef idx="0">
+                <a:schemeClr val="accent1"/>
+              </a:fillRef>
+              <a:effectRef idx="0">
+                <a:schemeClr val="accent1"/>
+              </a:effectRef>
+              <a:fontRef idx="minor">
+                <a:schemeClr val="tx1"/>
+              </a:fontRef>
+            </p:style>
+          </p:cxnSp>
+          <p:cxnSp>
+            <p:nvCxnSpPr>
+              <p:cNvPr id="96" name="直接连接符 95">
+                <a:extLst>
+                  <a:ext uri="{FF2B5EF4-FFF2-40B4-BE49-F238E27FC236}">
+                    <a16:creationId xmlns:a16="http://schemas.microsoft.com/office/drawing/2014/main" id="{DF570DD2-2984-5D73-358D-F2E993BDD77C}"/>
+                  </a:ext>
+                </a:extLst>
+              </p:cNvPr>
+              <p:cNvCxnSpPr/>
+              <p:nvPr/>
+            </p:nvCxnSpPr>
+            <p:spPr>
+              <a:xfrm>
+                <a:off x="6003751" y="2792165"/>
+                <a:ext cx="300338" cy="0"/>
+              </a:xfrm>
+              <a:prstGeom prst="line">
+                <a:avLst/>
+              </a:prstGeom>
+              <a:ln w="12700">
+                <a:solidFill>
+                  <a:srgbClr val="FF0000"/>
+                </a:solidFill>
+              </a:ln>
+            </p:spPr>
+            <p:style>
+              <a:lnRef idx="1">
+                <a:schemeClr val="accent1"/>
+              </a:lnRef>
+              <a:fillRef idx="0">
+                <a:schemeClr val="accent1"/>
+              </a:fillRef>
+              <a:effectRef idx="0">
+                <a:schemeClr val="accent1"/>
+              </a:effectRef>
+              <a:fontRef idx="minor">
+                <a:schemeClr val="tx1"/>
+              </a:fontRef>
+            </p:style>
+          </p:cxnSp>
+        </p:grpSp>
+        <p:sp>
+          <p:nvSpPr>
+            <p:cNvPr id="99" name="文本框 98">
+              <a:extLst>
+                <a:ext uri="{FF2B5EF4-FFF2-40B4-BE49-F238E27FC236}">
+                  <a16:creationId xmlns:a16="http://schemas.microsoft.com/office/drawing/2014/main" id="{692CF673-7BCE-90A9-695B-FB0B33769E16}"/>
+                </a:ext>
+              </a:extLst>
+            </p:cNvPr>
+            <p:cNvSpPr txBox="1"/>
+            <p:nvPr/>
+          </p:nvSpPr>
+          <p:spPr>
+            <a:xfrm>
+              <a:off x="5404900" y="2172386"/>
+              <a:ext cx="1311864" cy="338554"/>
+            </a:xfrm>
+            <a:prstGeom prst="rect">
+              <a:avLst/>
+            </a:prstGeom>
+            <a:noFill/>
+          </p:spPr>
+          <p:txBody>
+            <a:bodyPr wrap="square" rtlCol="0">
+              <a:spAutoFit/>
+            </a:bodyPr>
+            <a:lstStyle/>
+            <a:p>
+              <a:r>
+                <a:rPr lang="zh-CN" altLang="en-US" sz="800" dirty="0">
+                  <a:solidFill>
+                    <a:srgbClr val="FF0000"/>
+                  </a:solidFill>
+                  <a:latin typeface="宋体" panose="02010600030101010101" pitchFamily="2" charset="-122"/>
+                  <a:ea typeface="宋体" panose="02010600030101010101" pitchFamily="2" charset="-122"/>
+                </a:rPr>
+                <a:t>土层</a:t>
+              </a:r>
+              <a:r>
+                <a:rPr lang="en-US" altLang="zh-CN" sz="800" dirty="0">
+                  <a:solidFill>
+                    <a:srgbClr val="FF0000"/>
+                  </a:solidFill>
+                  <a:latin typeface="宋体" panose="02010600030101010101" pitchFamily="2" charset="-122"/>
+                  <a:ea typeface="宋体" panose="02010600030101010101" pitchFamily="2" charset="-122"/>
+                </a:rPr>
+                <a:t>1   </a:t>
+              </a:r>
+              <a:r>
+                <a:rPr lang="zh-CN" altLang="en-US" sz="800" dirty="0">
+                  <a:solidFill>
+                    <a:srgbClr val="FF0000"/>
+                  </a:solidFill>
+                  <a:latin typeface="宋体" panose="02010600030101010101" pitchFamily="2" charset="-122"/>
+                  <a:ea typeface="宋体" panose="02010600030101010101" pitchFamily="2" charset="-122"/>
+                </a:rPr>
+                <a:t>内摩擦角</a:t>
+              </a:r>
+              <a:r>
+                <a:rPr lang="en-US" altLang="zh-CN" sz="800" dirty="0">
+                  <a:solidFill>
+                    <a:srgbClr val="FF0000"/>
+                  </a:solidFill>
+                  <a:latin typeface="宋体" panose="02010600030101010101" pitchFamily="2" charset="-122"/>
+                  <a:ea typeface="宋体" panose="02010600030101010101" pitchFamily="2" charset="-122"/>
+                </a:rPr>
+                <a:t>1</a:t>
+              </a:r>
+            </a:p>
+            <a:p>
+              <a:r>
+                <a:rPr lang="zh-CN" altLang="en-US" sz="800" dirty="0">
+                  <a:solidFill>
+                    <a:srgbClr val="FF0000"/>
+                  </a:solidFill>
+                  <a:latin typeface="宋体" panose="02010600030101010101" pitchFamily="2" charset="-122"/>
+                  <a:ea typeface="宋体" panose="02010600030101010101" pitchFamily="2" charset="-122"/>
+                </a:rPr>
+                <a:t>重度</a:t>
+              </a:r>
+              <a:r>
+                <a:rPr lang="en-US" altLang="zh-CN" sz="800" dirty="0">
+                  <a:solidFill>
+                    <a:srgbClr val="FF0000"/>
+                  </a:solidFill>
+                  <a:latin typeface="宋体" panose="02010600030101010101" pitchFamily="2" charset="-122"/>
+                  <a:ea typeface="宋体" panose="02010600030101010101" pitchFamily="2" charset="-122"/>
+                </a:rPr>
+                <a:t>1   </a:t>
+              </a:r>
+              <a:r>
+                <a:rPr lang="zh-CN" altLang="en-US" sz="800" dirty="0">
+                  <a:solidFill>
+                    <a:srgbClr val="FF0000"/>
+                  </a:solidFill>
+                  <a:latin typeface="宋体" panose="02010600030101010101" pitchFamily="2" charset="-122"/>
+                  <a:ea typeface="宋体" panose="02010600030101010101" pitchFamily="2" charset="-122"/>
+                </a:rPr>
+                <a:t>侧压力系数</a:t>
+              </a:r>
+              <a:r>
+                <a:rPr lang="en-US" altLang="zh-CN" sz="800" dirty="0">
+                  <a:solidFill>
+                    <a:srgbClr val="FF0000"/>
+                  </a:solidFill>
+                  <a:latin typeface="宋体" panose="02010600030101010101" pitchFamily="2" charset="-122"/>
+                  <a:ea typeface="宋体" panose="02010600030101010101" pitchFamily="2" charset="-122"/>
+                </a:rPr>
+                <a:t>1</a:t>
+              </a:r>
+            </a:p>
+          </p:txBody>
+        </p:sp>
+        <p:cxnSp>
+          <p:nvCxnSpPr>
+            <p:cNvPr id="103" name="直接箭头连接符 102">
+              <a:extLst>
+                <a:ext uri="{FF2B5EF4-FFF2-40B4-BE49-F238E27FC236}">
+                  <a16:creationId xmlns:a16="http://schemas.microsoft.com/office/drawing/2014/main" id="{E646A64B-4559-2D29-2299-D3D42E5D7CDA}"/>
+                </a:ext>
+              </a:extLst>
+            </p:cNvPr>
+            <p:cNvCxnSpPr>
+              <a:cxnSpLocks/>
+            </p:cNvCxnSpPr>
+            <p:nvPr/>
+          </p:nvCxnSpPr>
+          <p:spPr>
+            <a:xfrm flipH="1">
+              <a:off x="5159298" y="848410"/>
+              <a:ext cx="405418" cy="0"/>
+            </a:xfrm>
+            <a:prstGeom prst="straightConnector1">
+              <a:avLst/>
+            </a:prstGeom>
+            <a:ln w="28575">
+              <a:solidFill>
+                <a:schemeClr val="tx1"/>
+              </a:solidFill>
+              <a:headEnd w="lg" len="lg"/>
+              <a:tailEnd type="triangle"/>
+            </a:ln>
+          </p:spPr>
+          <p:style>
+            <a:lnRef idx="1">
+              <a:schemeClr val="accent1"/>
+            </a:lnRef>
+            <a:fillRef idx="0">
+              <a:schemeClr val="accent1"/>
+            </a:fillRef>
+            <a:effectRef idx="0">
+              <a:schemeClr val="accent1"/>
+            </a:effectRef>
+            <a:fontRef idx="minor">
+              <a:schemeClr val="tx1"/>
+            </a:fontRef>
+          </p:style>
+        </p:cxnSp>
+        <p:sp>
+          <p:nvSpPr>
+            <p:cNvPr id="105" name="文本框 104">
+              <a:extLst>
+                <a:ext uri="{FF2B5EF4-FFF2-40B4-BE49-F238E27FC236}">
+                  <a16:creationId xmlns:a16="http://schemas.microsoft.com/office/drawing/2014/main" id="{83170B2D-D9F0-819D-B7B3-762DE34EDFAF}"/>
+                </a:ext>
+              </a:extLst>
+            </p:cNvPr>
+            <p:cNvSpPr txBox="1"/>
+            <p:nvPr/>
+          </p:nvSpPr>
+          <p:spPr>
+            <a:xfrm>
+              <a:off x="5525682" y="694521"/>
+              <a:ext cx="335731" cy="307777"/>
+            </a:xfrm>
+            <a:prstGeom prst="rect">
+              <a:avLst/>
+            </a:prstGeom>
+            <a:noFill/>
+          </p:spPr>
+          <p:txBody>
+            <a:bodyPr wrap="square" rtlCol="0">
+              <a:spAutoFit/>
+            </a:bodyPr>
+            <a:lstStyle/>
+            <a:p>
+              <a:r>
+                <a:rPr lang="en-US" altLang="zh-CN" sz="1400" b="1" dirty="0">
+                  <a:latin typeface="Times New Roman" panose="02020603050405020304" pitchFamily="18" charset="0"/>
+                  <a:ea typeface="宋体" panose="02010600030101010101" pitchFamily="2" charset="-122"/>
+                  <a:cs typeface="Times New Roman" panose="02020603050405020304" pitchFamily="18" charset="0"/>
+                </a:rPr>
+                <a:t>F</a:t>
+              </a:r>
+              <a:endParaRPr lang="zh-CN" altLang="en-US" sz="1400" b="1" dirty="0">
+                <a:latin typeface="Times New Roman" panose="02020603050405020304" pitchFamily="18" charset="0"/>
+                <a:ea typeface="宋体" panose="02010600030101010101" pitchFamily="2" charset="-122"/>
+                <a:cs typeface="Times New Roman" panose="02020603050405020304" pitchFamily="18" charset="0"/>
+              </a:endParaRPr>
+            </a:p>
+          </p:txBody>
+        </p:sp>
+        <p:sp>
+          <p:nvSpPr>
+            <p:cNvPr id="106" name="文本框 105">
+              <a:extLst>
+                <a:ext uri="{FF2B5EF4-FFF2-40B4-BE49-F238E27FC236}">
+                  <a16:creationId xmlns:a16="http://schemas.microsoft.com/office/drawing/2014/main" id="{8EEA1DE3-C094-D69B-3D24-15ACDA3B59E2}"/>
+                </a:ext>
+              </a:extLst>
+            </p:cNvPr>
+            <p:cNvSpPr txBox="1"/>
+            <p:nvPr/>
+          </p:nvSpPr>
+          <p:spPr>
+            <a:xfrm>
+              <a:off x="5404900" y="2899214"/>
+              <a:ext cx="1311864" cy="338554"/>
+            </a:xfrm>
+            <a:prstGeom prst="rect">
+              <a:avLst/>
+            </a:prstGeom>
+            <a:noFill/>
+          </p:spPr>
+          <p:txBody>
+            <a:bodyPr wrap="square" rtlCol="0">
+              <a:spAutoFit/>
+            </a:bodyPr>
+            <a:lstStyle/>
+            <a:p>
+              <a:r>
+                <a:rPr lang="zh-CN" altLang="en-US" sz="800" dirty="0">
+                  <a:solidFill>
+                    <a:srgbClr val="FF0000"/>
+                  </a:solidFill>
+                  <a:latin typeface="宋体" panose="02010600030101010101" pitchFamily="2" charset="-122"/>
+                  <a:ea typeface="宋体" panose="02010600030101010101" pitchFamily="2" charset="-122"/>
+                </a:rPr>
+                <a:t>土层</a:t>
+              </a:r>
+              <a:r>
+                <a:rPr lang="en-US" altLang="zh-CN" sz="800" dirty="0">
+                  <a:solidFill>
+                    <a:srgbClr val="FF0000"/>
+                  </a:solidFill>
+                  <a:latin typeface="宋体" panose="02010600030101010101" pitchFamily="2" charset="-122"/>
+                  <a:ea typeface="宋体" panose="02010600030101010101" pitchFamily="2" charset="-122"/>
+                </a:rPr>
+                <a:t>2   </a:t>
+              </a:r>
+              <a:r>
+                <a:rPr lang="zh-CN" altLang="en-US" sz="800" dirty="0">
+                  <a:solidFill>
+                    <a:srgbClr val="FF0000"/>
+                  </a:solidFill>
+                  <a:latin typeface="宋体" panose="02010600030101010101" pitchFamily="2" charset="-122"/>
+                  <a:ea typeface="宋体" panose="02010600030101010101" pitchFamily="2" charset="-122"/>
+                </a:rPr>
+                <a:t>内摩擦角</a:t>
+              </a:r>
+              <a:r>
+                <a:rPr lang="en-US" altLang="zh-CN" sz="800" dirty="0">
+                  <a:solidFill>
+                    <a:srgbClr val="FF0000"/>
+                  </a:solidFill>
+                  <a:latin typeface="宋体" panose="02010600030101010101" pitchFamily="2" charset="-122"/>
+                  <a:ea typeface="宋体" panose="02010600030101010101" pitchFamily="2" charset="-122"/>
+                </a:rPr>
+                <a:t>2</a:t>
+              </a:r>
+            </a:p>
+            <a:p>
+              <a:r>
+                <a:rPr lang="zh-CN" altLang="en-US" sz="800" dirty="0">
+                  <a:solidFill>
+                    <a:srgbClr val="FF0000"/>
+                  </a:solidFill>
+                  <a:latin typeface="宋体" panose="02010600030101010101" pitchFamily="2" charset="-122"/>
+                  <a:ea typeface="宋体" panose="02010600030101010101" pitchFamily="2" charset="-122"/>
+                </a:rPr>
+                <a:t>重度</a:t>
+              </a:r>
+              <a:r>
+                <a:rPr lang="en-US" altLang="zh-CN" sz="800" dirty="0">
+                  <a:solidFill>
+                    <a:srgbClr val="FF0000"/>
+                  </a:solidFill>
+                  <a:latin typeface="宋体" panose="02010600030101010101" pitchFamily="2" charset="-122"/>
+                  <a:ea typeface="宋体" panose="02010600030101010101" pitchFamily="2" charset="-122"/>
+                </a:rPr>
+                <a:t>2   </a:t>
+              </a:r>
+              <a:r>
+                <a:rPr lang="zh-CN" altLang="en-US" sz="800" dirty="0">
+                  <a:solidFill>
+                    <a:srgbClr val="FF0000"/>
+                  </a:solidFill>
+                  <a:latin typeface="宋体" panose="02010600030101010101" pitchFamily="2" charset="-122"/>
+                  <a:ea typeface="宋体" panose="02010600030101010101" pitchFamily="2" charset="-122"/>
+                </a:rPr>
+                <a:t>侧压力系数</a:t>
+              </a:r>
+              <a:r>
+                <a:rPr lang="en-US" altLang="zh-CN" sz="800" dirty="0">
+                  <a:solidFill>
+                    <a:srgbClr val="FF0000"/>
+                  </a:solidFill>
+                  <a:latin typeface="宋体" panose="02010600030101010101" pitchFamily="2" charset="-122"/>
+                  <a:ea typeface="宋体" panose="02010600030101010101" pitchFamily="2" charset="-122"/>
+                </a:rPr>
+                <a:t>2</a:t>
+              </a:r>
+            </a:p>
+          </p:txBody>
+        </p:sp>
+        <p:sp>
+          <p:nvSpPr>
+            <p:cNvPr id="107" name="文本框 106">
+              <a:extLst>
+                <a:ext uri="{FF2B5EF4-FFF2-40B4-BE49-F238E27FC236}">
+                  <a16:creationId xmlns:a16="http://schemas.microsoft.com/office/drawing/2014/main" id="{BB578661-8923-F34C-256B-DAF165C7C269}"/>
+                </a:ext>
+              </a:extLst>
+            </p:cNvPr>
+            <p:cNvSpPr txBox="1"/>
+            <p:nvPr/>
+          </p:nvSpPr>
+          <p:spPr>
+            <a:xfrm>
+              <a:off x="5404900" y="3803794"/>
+              <a:ext cx="1311864" cy="338554"/>
+            </a:xfrm>
+            <a:prstGeom prst="rect">
+              <a:avLst/>
+            </a:prstGeom>
+            <a:noFill/>
+          </p:spPr>
+          <p:txBody>
+            <a:bodyPr wrap="square" rtlCol="0">
+              <a:spAutoFit/>
+            </a:bodyPr>
+            <a:lstStyle/>
+            <a:p>
+              <a:r>
+                <a:rPr lang="zh-CN" altLang="en-US" sz="800" dirty="0">
+                  <a:solidFill>
+                    <a:srgbClr val="FF0000"/>
+                  </a:solidFill>
+                  <a:latin typeface="宋体" panose="02010600030101010101" pitchFamily="2" charset="-122"/>
+                  <a:ea typeface="宋体" panose="02010600030101010101" pitchFamily="2" charset="-122"/>
+                </a:rPr>
+                <a:t>土层</a:t>
+              </a:r>
+              <a:r>
+                <a:rPr lang="en-US" altLang="zh-CN" sz="800" dirty="0" err="1">
+                  <a:solidFill>
+                    <a:srgbClr val="FF0000"/>
+                  </a:solidFill>
+                  <a:latin typeface="宋体" panose="02010600030101010101" pitchFamily="2" charset="-122"/>
+                  <a:ea typeface="宋体" panose="02010600030101010101" pitchFamily="2" charset="-122"/>
+                </a:rPr>
+                <a:t>i</a:t>
+              </a:r>
+              <a:r>
+                <a:rPr lang="en-US" altLang="zh-CN" sz="800" dirty="0">
+                  <a:solidFill>
+                    <a:srgbClr val="FF0000"/>
+                  </a:solidFill>
+                  <a:latin typeface="宋体" panose="02010600030101010101" pitchFamily="2" charset="-122"/>
+                  <a:ea typeface="宋体" panose="02010600030101010101" pitchFamily="2" charset="-122"/>
+                </a:rPr>
+                <a:t>   </a:t>
+              </a:r>
+              <a:r>
+                <a:rPr lang="zh-CN" altLang="en-US" sz="800" dirty="0">
+                  <a:solidFill>
+                    <a:srgbClr val="FF0000"/>
+                  </a:solidFill>
+                  <a:latin typeface="宋体" panose="02010600030101010101" pitchFamily="2" charset="-122"/>
+                  <a:ea typeface="宋体" panose="02010600030101010101" pitchFamily="2" charset="-122"/>
+                </a:rPr>
+                <a:t>内摩擦角</a:t>
+              </a:r>
+              <a:r>
+                <a:rPr lang="en-US" altLang="zh-CN" sz="800" dirty="0">
+                  <a:solidFill>
+                    <a:srgbClr val="FF0000"/>
+                  </a:solidFill>
+                  <a:latin typeface="宋体" panose="02010600030101010101" pitchFamily="2" charset="-122"/>
+                  <a:ea typeface="宋体" panose="02010600030101010101" pitchFamily="2" charset="-122"/>
+                </a:rPr>
+                <a:t>i</a:t>
+              </a:r>
+            </a:p>
+            <a:p>
+              <a:r>
+                <a:rPr lang="zh-CN" altLang="en-US" sz="800" dirty="0">
+                  <a:solidFill>
+                    <a:srgbClr val="FF0000"/>
+                  </a:solidFill>
+                  <a:latin typeface="宋体" panose="02010600030101010101" pitchFamily="2" charset="-122"/>
+                  <a:ea typeface="宋体" panose="02010600030101010101" pitchFamily="2" charset="-122"/>
+                </a:rPr>
+                <a:t>重度</a:t>
+              </a:r>
+              <a:r>
+                <a:rPr lang="en-US" altLang="zh-CN" sz="800" dirty="0" err="1">
+                  <a:solidFill>
+                    <a:srgbClr val="FF0000"/>
+                  </a:solidFill>
+                  <a:latin typeface="宋体" panose="02010600030101010101" pitchFamily="2" charset="-122"/>
+                  <a:ea typeface="宋体" panose="02010600030101010101" pitchFamily="2" charset="-122"/>
+                </a:rPr>
+                <a:t>i</a:t>
+              </a:r>
+              <a:r>
+                <a:rPr lang="en-US" altLang="zh-CN" sz="800" dirty="0">
+                  <a:solidFill>
+                    <a:srgbClr val="FF0000"/>
+                  </a:solidFill>
+                  <a:latin typeface="宋体" panose="02010600030101010101" pitchFamily="2" charset="-122"/>
+                  <a:ea typeface="宋体" panose="02010600030101010101" pitchFamily="2" charset="-122"/>
+                </a:rPr>
+                <a:t>   </a:t>
+              </a:r>
+              <a:r>
+                <a:rPr lang="zh-CN" altLang="en-US" sz="800" dirty="0">
+                  <a:solidFill>
+                    <a:srgbClr val="FF0000"/>
+                  </a:solidFill>
+                  <a:latin typeface="宋体" panose="02010600030101010101" pitchFamily="2" charset="-122"/>
+                  <a:ea typeface="宋体" panose="02010600030101010101" pitchFamily="2" charset="-122"/>
+                </a:rPr>
+                <a:t>侧压力系数</a:t>
+              </a:r>
+              <a:r>
+                <a:rPr lang="en-US" altLang="zh-CN" sz="800" dirty="0">
+                  <a:solidFill>
+                    <a:srgbClr val="FF0000"/>
+                  </a:solidFill>
+                  <a:latin typeface="宋体" panose="02010600030101010101" pitchFamily="2" charset="-122"/>
+                  <a:ea typeface="宋体" panose="02010600030101010101" pitchFamily="2" charset="-122"/>
+                </a:rPr>
+                <a:t>i</a:t>
+              </a:r>
+            </a:p>
+          </p:txBody>
+        </p:sp>
+        <p:sp>
+          <p:nvSpPr>
+            <p:cNvPr id="108" name="文本框 107">
+              <a:extLst>
+                <a:ext uri="{FF2B5EF4-FFF2-40B4-BE49-F238E27FC236}">
+                  <a16:creationId xmlns:a16="http://schemas.microsoft.com/office/drawing/2014/main" id="{9F5D23A7-A769-E4F3-F8DC-FF92276C9726}"/>
+                </a:ext>
+              </a:extLst>
+            </p:cNvPr>
+            <p:cNvSpPr txBox="1"/>
+            <p:nvPr/>
+          </p:nvSpPr>
+          <p:spPr>
+            <a:xfrm>
+              <a:off x="4766120" y="2385085"/>
+              <a:ext cx="380293" cy="523220"/>
+            </a:xfrm>
+            <a:prstGeom prst="rect">
+              <a:avLst/>
+            </a:prstGeom>
+            <a:noFill/>
+          </p:spPr>
+          <p:txBody>
+            <a:bodyPr wrap="square" rtlCol="0">
+              <a:spAutoFit/>
+            </a:bodyPr>
+            <a:lstStyle/>
+            <a:p>
+              <a:r>
+                <a:rPr lang="zh-CN" altLang="en-US" sz="1400" b="1" dirty="0">
+                  <a:latin typeface="宋体" panose="02010600030101010101" pitchFamily="2" charset="-122"/>
+                  <a:ea typeface="宋体" panose="02010600030101010101" pitchFamily="2" charset="-122"/>
+                </a:rPr>
+                <a:t>桩身</a:t>
+              </a:r>
+            </a:p>
+          </p:txBody>
+        </p:sp>
+        <p:sp>
+          <p:nvSpPr>
+            <p:cNvPr id="110" name="文本框 109">
+              <a:extLst>
+                <a:ext uri="{FF2B5EF4-FFF2-40B4-BE49-F238E27FC236}">
+                  <a16:creationId xmlns:a16="http://schemas.microsoft.com/office/drawing/2014/main" id="{6BB91069-3E48-7659-3B6F-909695D03E1A}"/>
+                </a:ext>
+              </a:extLst>
+            </p:cNvPr>
+            <p:cNvSpPr txBox="1"/>
+            <p:nvPr/>
+          </p:nvSpPr>
+          <p:spPr>
+            <a:xfrm>
+              <a:off x="3385739" y="4437404"/>
+              <a:ext cx="2973891" cy="369332"/>
+            </a:xfrm>
+            <a:prstGeom prst="rect">
+              <a:avLst/>
+            </a:prstGeom>
+            <a:noFill/>
+          </p:spPr>
+          <p:txBody>
+            <a:bodyPr wrap="none" rtlCol="0">
+              <a:spAutoFit/>
+            </a:bodyPr>
+            <a:lstStyle/>
+            <a:p>
+              <a:r>
+                <a:rPr lang="zh-CN" altLang="en-US" b="1" dirty="0">
+                  <a:latin typeface="宋体" panose="02010600030101010101" pitchFamily="2" charset="-122"/>
+                  <a:ea typeface="宋体" panose="02010600030101010101" pitchFamily="2" charset="-122"/>
+                </a:rPr>
+                <a:t>桩基抗倾覆计算参数示意图</a:t>
+              </a:r>
+            </a:p>
+          </p:txBody>
+        </p:sp>
+      </p:grpSp>
     </p:spTree>
     <p:extLst>
       <p:ext uri="{BB962C8B-B14F-4D97-AF65-F5344CB8AC3E}">
@@ -3397,7 +8606,7 @@
 </p:sld>
 </file>
 
-<file path=ppt/slides/slide4.xml><?xml version="1.0" encoding="utf-8"?>
+<file path=ppt/slides/slide5.xml><?xml version="1.0" encoding="utf-8"?>
 <p:sld xmlns:a="http://schemas.openxmlformats.org/drawingml/2006/main" xmlns:r="http://schemas.openxmlformats.org/officeDocument/2006/relationships" xmlns:p="http://schemas.openxmlformats.org/presentationml/2006/main">
   <p:cSld>
     <p:spTree>
@@ -5258,6 +10467,1808 @@
 </p:sld>
 </file>
 
+<file path=ppt/slides/slide6.xml><?xml version="1.0" encoding="utf-8"?>
+<p:sld xmlns:a="http://schemas.openxmlformats.org/drawingml/2006/main" xmlns:r="http://schemas.openxmlformats.org/officeDocument/2006/relationships" xmlns:p="http://schemas.openxmlformats.org/presentationml/2006/main">
+  <p:cSld>
+    <p:spTree>
+      <p:nvGrpSpPr>
+        <p:cNvPr id="1" name=""/>
+        <p:cNvGrpSpPr/>
+        <p:nvPr/>
+      </p:nvGrpSpPr>
+      <p:grpSpPr>
+        <a:xfrm>
+          <a:off x="0" y="0"/>
+          <a:ext cx="0" cy="0"/>
+          <a:chOff x="0" y="0"/>
+          <a:chExt cx="0" cy="0"/>
+        </a:xfrm>
+      </p:grpSpPr>
+      <p:grpSp>
+        <p:nvGrpSpPr>
+          <p:cNvPr id="40" name="组合 39">
+            <a:extLst>
+              <a:ext uri="{FF2B5EF4-FFF2-40B4-BE49-F238E27FC236}">
+                <a16:creationId xmlns:a16="http://schemas.microsoft.com/office/drawing/2014/main" id="{EB652B34-CE51-161A-FF2E-5F2074B8F738}"/>
+              </a:ext>
+            </a:extLst>
+          </p:cNvPr>
+          <p:cNvGrpSpPr/>
+          <p:nvPr/>
+        </p:nvGrpSpPr>
+        <p:grpSpPr>
+          <a:xfrm>
+            <a:off x="1320221" y="902562"/>
+            <a:ext cx="3666922" cy="4132019"/>
+            <a:chOff x="2520949" y="403798"/>
+            <a:chExt cx="3666922" cy="4132019"/>
+          </a:xfrm>
+        </p:grpSpPr>
+        <p:sp>
+          <p:nvSpPr>
+            <p:cNvPr id="3" name="矩形 2">
+              <a:extLst>
+                <a:ext uri="{FF2B5EF4-FFF2-40B4-BE49-F238E27FC236}">
+                  <a16:creationId xmlns:a16="http://schemas.microsoft.com/office/drawing/2014/main" id="{5A9E1C44-848C-D682-F89B-23CD21B70814}"/>
+                </a:ext>
+              </a:extLst>
+            </p:cNvPr>
+            <p:cNvSpPr/>
+            <p:nvPr/>
+          </p:nvSpPr>
+          <p:spPr>
+            <a:xfrm>
+              <a:off x="2520949" y="2468893"/>
+              <a:ext cx="3267060" cy="2066924"/>
+            </a:xfrm>
+            <a:prstGeom prst="rect">
+              <a:avLst/>
+            </a:prstGeom>
+            <a:solidFill>
+              <a:schemeClr val="accent2">
+                <a:lumMod val="20000"/>
+                <a:lumOff val="80000"/>
+                <a:alpha val="54000"/>
+              </a:schemeClr>
+            </a:solidFill>
+            <a:ln>
+              <a:noFill/>
+            </a:ln>
+          </p:spPr>
+          <p:style>
+            <a:lnRef idx="2">
+              <a:schemeClr val="accent1">
+                <a:shade val="15000"/>
+              </a:schemeClr>
+            </a:lnRef>
+            <a:fillRef idx="1">
+              <a:schemeClr val="accent1"/>
+            </a:fillRef>
+            <a:effectRef idx="0">
+              <a:schemeClr val="accent1"/>
+            </a:effectRef>
+            <a:fontRef idx="minor">
+              <a:schemeClr val="lt1"/>
+            </a:fontRef>
+          </p:style>
+          <p:txBody>
+            <a:bodyPr rtlCol="0" anchor="ctr"/>
+            <a:lstStyle/>
+            <a:p>
+              <a:pPr algn="ctr"/>
+              <a:endParaRPr lang="zh-CN" altLang="en-US"/>
+            </a:p>
+          </p:txBody>
+        </p:sp>
+        <p:sp>
+          <p:nvSpPr>
+            <p:cNvPr id="4" name="矩形 3">
+              <a:extLst>
+                <a:ext uri="{FF2B5EF4-FFF2-40B4-BE49-F238E27FC236}">
+                  <a16:creationId xmlns:a16="http://schemas.microsoft.com/office/drawing/2014/main" id="{B0386283-8746-3FE5-C8E8-75BDB2D42AE6}"/>
+                </a:ext>
+              </a:extLst>
+            </p:cNvPr>
+            <p:cNvSpPr/>
+            <p:nvPr/>
+          </p:nvSpPr>
+          <p:spPr>
+            <a:xfrm>
+              <a:off x="2520949" y="403799"/>
+              <a:ext cx="3267060" cy="2066924"/>
+            </a:xfrm>
+            <a:prstGeom prst="rect">
+              <a:avLst/>
+            </a:prstGeom>
+            <a:solidFill>
+              <a:schemeClr val="bg1">
+                <a:lumMod val="85000"/>
+                <a:alpha val="54000"/>
+              </a:schemeClr>
+            </a:solidFill>
+            <a:ln>
+              <a:noFill/>
+            </a:ln>
+          </p:spPr>
+          <p:style>
+            <a:lnRef idx="2">
+              <a:schemeClr val="accent1">
+                <a:shade val="15000"/>
+              </a:schemeClr>
+            </a:lnRef>
+            <a:fillRef idx="1">
+              <a:schemeClr val="accent1"/>
+            </a:fillRef>
+            <a:effectRef idx="0">
+              <a:schemeClr val="accent1"/>
+            </a:effectRef>
+            <a:fontRef idx="minor">
+              <a:schemeClr val="lt1"/>
+            </a:fontRef>
+          </p:style>
+          <p:txBody>
+            <a:bodyPr rtlCol="0" anchor="ctr"/>
+            <a:lstStyle/>
+            <a:p>
+              <a:pPr algn="ctr"/>
+              <a:endParaRPr lang="zh-CN" altLang="en-US"/>
+            </a:p>
+          </p:txBody>
+        </p:sp>
+        <p:sp>
+          <p:nvSpPr>
+            <p:cNvPr id="10" name="矩形 9">
+              <a:extLst>
+                <a:ext uri="{FF2B5EF4-FFF2-40B4-BE49-F238E27FC236}">
+                  <a16:creationId xmlns:a16="http://schemas.microsoft.com/office/drawing/2014/main" id="{DF215AEC-6801-E22B-D59B-E526B179D671}"/>
+                </a:ext>
+              </a:extLst>
+            </p:cNvPr>
+            <p:cNvSpPr/>
+            <p:nvPr/>
+          </p:nvSpPr>
+          <p:spPr>
+            <a:xfrm>
+              <a:off x="3921957" y="555617"/>
+              <a:ext cx="275208" cy="3453414"/>
+            </a:xfrm>
+            <a:prstGeom prst="rect">
+              <a:avLst/>
+            </a:prstGeom>
+            <a:solidFill>
+              <a:schemeClr val="bg1"/>
+            </a:solidFill>
+            <a:ln w="28575">
+              <a:solidFill>
+                <a:schemeClr val="tx1"/>
+              </a:solidFill>
+            </a:ln>
+          </p:spPr>
+          <p:style>
+            <a:lnRef idx="2">
+              <a:schemeClr val="accent1">
+                <a:shade val="15000"/>
+              </a:schemeClr>
+            </a:lnRef>
+            <a:fillRef idx="1">
+              <a:schemeClr val="accent1"/>
+            </a:fillRef>
+            <a:effectRef idx="0">
+              <a:schemeClr val="accent1"/>
+            </a:effectRef>
+            <a:fontRef idx="minor">
+              <a:schemeClr val="lt1"/>
+            </a:fontRef>
+          </p:style>
+          <p:txBody>
+            <a:bodyPr rtlCol="0" anchor="ctr"/>
+            <a:lstStyle/>
+            <a:p>
+              <a:pPr algn="ctr"/>
+              <a:endParaRPr lang="zh-CN" altLang="en-US"/>
+            </a:p>
+          </p:txBody>
+        </p:sp>
+        <p:sp>
+          <p:nvSpPr>
+            <p:cNvPr id="11" name="等腰三角形 10">
+              <a:extLst>
+                <a:ext uri="{FF2B5EF4-FFF2-40B4-BE49-F238E27FC236}">
+                  <a16:creationId xmlns:a16="http://schemas.microsoft.com/office/drawing/2014/main" id="{39B5A65A-1714-4E64-9CCC-156425D08326}"/>
+                </a:ext>
+              </a:extLst>
+            </p:cNvPr>
+            <p:cNvSpPr/>
+            <p:nvPr/>
+          </p:nvSpPr>
+          <p:spPr>
+            <a:xfrm flipV="1">
+              <a:off x="3929100" y="3996310"/>
+              <a:ext cx="262961" cy="423866"/>
+            </a:xfrm>
+            <a:prstGeom prst="triangle">
+              <a:avLst/>
+            </a:prstGeom>
+            <a:solidFill>
+              <a:schemeClr val="bg1"/>
+            </a:solidFill>
+            <a:ln w="28575">
+              <a:solidFill>
+                <a:schemeClr val="tx1"/>
+              </a:solidFill>
+            </a:ln>
+          </p:spPr>
+          <p:style>
+            <a:lnRef idx="2">
+              <a:schemeClr val="accent1">
+                <a:shade val="15000"/>
+              </a:schemeClr>
+            </a:lnRef>
+            <a:fillRef idx="1">
+              <a:schemeClr val="accent1"/>
+            </a:fillRef>
+            <a:effectRef idx="0">
+              <a:schemeClr val="accent1"/>
+            </a:effectRef>
+            <a:fontRef idx="minor">
+              <a:schemeClr val="lt1"/>
+            </a:fontRef>
+          </p:style>
+          <p:txBody>
+            <a:bodyPr rtlCol="0" anchor="ctr"/>
+            <a:lstStyle/>
+            <a:p>
+              <a:pPr algn="ctr"/>
+              <a:endParaRPr lang="zh-CN" altLang="en-US"/>
+            </a:p>
+          </p:txBody>
+        </p:sp>
+        <p:sp>
+          <p:nvSpPr>
+            <p:cNvPr id="12" name="任意多边形: 形状 11">
+              <a:extLst>
+                <a:ext uri="{FF2B5EF4-FFF2-40B4-BE49-F238E27FC236}">
+                  <a16:creationId xmlns:a16="http://schemas.microsoft.com/office/drawing/2014/main" id="{370A8EC7-1401-E43C-70BB-E080B8F4D692}"/>
+                </a:ext>
+              </a:extLst>
+            </p:cNvPr>
+            <p:cNvSpPr/>
+            <p:nvPr/>
+          </p:nvSpPr>
+          <p:spPr>
+            <a:xfrm>
+              <a:off x="3716338" y="3705802"/>
+              <a:ext cx="709612" cy="290508"/>
+            </a:xfrm>
+            <a:custGeom>
+              <a:avLst/>
+              <a:gdLst>
+                <a:gd name="connsiteX0" fmla="*/ 278614 w 851686"/>
+                <a:gd name="connsiteY0" fmla="*/ 482600 h 499870"/>
+                <a:gd name="connsiteX1" fmla="*/ 173839 w 851686"/>
+                <a:gd name="connsiteY1" fmla="*/ 488950 h 499870"/>
+                <a:gd name="connsiteX2" fmla="*/ 30964 w 851686"/>
+                <a:gd name="connsiteY2" fmla="*/ 355600 h 499870"/>
+                <a:gd name="connsiteX3" fmla="*/ 827889 w 851686"/>
+                <a:gd name="connsiteY3" fmla="*/ 149225 h 499870"/>
+                <a:gd name="connsiteX4" fmla="*/ 564364 w 851686"/>
+                <a:gd name="connsiteY4" fmla="*/ 0 h 499870"/>
+                <a:gd name="connsiteX0" fmla="*/ 277817 w 850889"/>
+                <a:gd name="connsiteY0" fmla="*/ 482600 h 495389"/>
+                <a:gd name="connsiteX1" fmla="*/ 177804 w 850889"/>
+                <a:gd name="connsiteY1" fmla="*/ 481806 h 495389"/>
+                <a:gd name="connsiteX2" fmla="*/ 30167 w 850889"/>
+                <a:gd name="connsiteY2" fmla="*/ 355600 h 495389"/>
+                <a:gd name="connsiteX3" fmla="*/ 827092 w 850889"/>
+                <a:gd name="connsiteY3" fmla="*/ 149225 h 495389"/>
+                <a:gd name="connsiteX4" fmla="*/ 563567 w 850889"/>
+                <a:gd name="connsiteY4" fmla="*/ 0 h 495389"/>
+                <a:gd name="connsiteX0" fmla="*/ 278270 w 851342"/>
+                <a:gd name="connsiteY0" fmla="*/ 482600 h 487998"/>
+                <a:gd name="connsiteX1" fmla="*/ 178257 w 851342"/>
+                <a:gd name="connsiteY1" fmla="*/ 481806 h 487998"/>
+                <a:gd name="connsiteX2" fmla="*/ 30620 w 851342"/>
+                <a:gd name="connsiteY2" fmla="*/ 355600 h 487998"/>
+                <a:gd name="connsiteX3" fmla="*/ 827545 w 851342"/>
+                <a:gd name="connsiteY3" fmla="*/ 149225 h 487998"/>
+                <a:gd name="connsiteX4" fmla="*/ 564020 w 851342"/>
+                <a:gd name="connsiteY4" fmla="*/ 0 h 487998"/>
+                <a:gd name="connsiteX0" fmla="*/ 278270 w 851342"/>
+                <a:gd name="connsiteY0" fmla="*/ 482600 h 492626"/>
+                <a:gd name="connsiteX1" fmla="*/ 178257 w 851342"/>
+                <a:gd name="connsiteY1" fmla="*/ 481806 h 492626"/>
+                <a:gd name="connsiteX2" fmla="*/ 30620 w 851342"/>
+                <a:gd name="connsiteY2" fmla="*/ 355600 h 492626"/>
+                <a:gd name="connsiteX3" fmla="*/ 827545 w 851342"/>
+                <a:gd name="connsiteY3" fmla="*/ 149225 h 492626"/>
+                <a:gd name="connsiteX4" fmla="*/ 564020 w 851342"/>
+                <a:gd name="connsiteY4" fmla="*/ 0 h 492626"/>
+                <a:gd name="connsiteX0" fmla="*/ 278501 w 851573"/>
+                <a:gd name="connsiteY0" fmla="*/ 482600 h 490246"/>
+                <a:gd name="connsiteX1" fmla="*/ 178488 w 851573"/>
+                <a:gd name="connsiteY1" fmla="*/ 481806 h 490246"/>
+                <a:gd name="connsiteX2" fmla="*/ 30851 w 851573"/>
+                <a:gd name="connsiteY2" fmla="*/ 355600 h 490246"/>
+                <a:gd name="connsiteX3" fmla="*/ 827776 w 851573"/>
+                <a:gd name="connsiteY3" fmla="*/ 149225 h 490246"/>
+                <a:gd name="connsiteX4" fmla="*/ 564251 w 851573"/>
+                <a:gd name="connsiteY4" fmla="*/ 0 h 490246"/>
+              </a:gdLst>
+              <a:ahLst/>
+              <a:cxnLst>
+                <a:cxn ang="0">
+                  <a:pos x="connsiteX0" y="connsiteY0"/>
+                </a:cxn>
+                <a:cxn ang="0">
+                  <a:pos x="connsiteX1" y="connsiteY1"/>
+                </a:cxn>
+                <a:cxn ang="0">
+                  <a:pos x="connsiteX2" y="connsiteY2"/>
+                </a:cxn>
+                <a:cxn ang="0">
+                  <a:pos x="connsiteX3" y="connsiteY3"/>
+                </a:cxn>
+                <a:cxn ang="0">
+                  <a:pos x="connsiteX4" y="connsiteY4"/>
+                </a:cxn>
+              </a:cxnLst>
+              <a:rect l="l" t="t" r="r" b="b"/>
+              <a:pathLst>
+                <a:path w="851573" h="490246">
+                  <a:moveTo>
+                    <a:pt x="278501" y="482600"/>
+                  </a:moveTo>
+                  <a:cubicBezTo>
+                    <a:pt x="246751" y="496358"/>
+                    <a:pt x="226907" y="488685"/>
+                    <a:pt x="178488" y="481806"/>
+                  </a:cubicBezTo>
+                  <a:cubicBezTo>
+                    <a:pt x="130069" y="474927"/>
+                    <a:pt x="-77364" y="411030"/>
+                    <a:pt x="30851" y="355600"/>
+                  </a:cubicBezTo>
+                  <a:cubicBezTo>
+                    <a:pt x="139066" y="300170"/>
+                    <a:pt x="738876" y="208492"/>
+                    <a:pt x="827776" y="149225"/>
+                  </a:cubicBezTo>
+                  <a:cubicBezTo>
+                    <a:pt x="916676" y="89958"/>
+                    <a:pt x="740463" y="44979"/>
+                    <a:pt x="564251" y="0"/>
+                  </a:cubicBezTo>
+                </a:path>
+              </a:pathLst>
+            </a:custGeom>
+            <a:noFill/>
+            <a:ln w="28575">
+              <a:solidFill>
+                <a:schemeClr val="tx1"/>
+              </a:solidFill>
+            </a:ln>
+          </p:spPr>
+          <p:style>
+            <a:lnRef idx="2">
+              <a:schemeClr val="accent1">
+                <a:shade val="15000"/>
+              </a:schemeClr>
+            </a:lnRef>
+            <a:fillRef idx="1">
+              <a:schemeClr val="accent1"/>
+            </a:fillRef>
+            <a:effectRef idx="0">
+              <a:schemeClr val="accent1"/>
+            </a:effectRef>
+            <a:fontRef idx="minor">
+              <a:schemeClr val="lt1"/>
+            </a:fontRef>
+          </p:style>
+          <p:txBody>
+            <a:bodyPr rtlCol="0" anchor="ctr"/>
+            <a:lstStyle/>
+            <a:p>
+              <a:pPr algn="ctr"/>
+              <a:endParaRPr lang="zh-CN" altLang="en-US"/>
+            </a:p>
+          </p:txBody>
+        </p:sp>
+        <p:sp>
+          <p:nvSpPr>
+            <p:cNvPr id="13" name="任意多边形: 形状 12">
+              <a:extLst>
+                <a:ext uri="{FF2B5EF4-FFF2-40B4-BE49-F238E27FC236}">
+                  <a16:creationId xmlns:a16="http://schemas.microsoft.com/office/drawing/2014/main" id="{EE41D918-5980-24B9-B1A4-A86C3D7983AB}"/>
+                </a:ext>
+              </a:extLst>
+            </p:cNvPr>
+            <p:cNvSpPr/>
+            <p:nvPr/>
+          </p:nvSpPr>
+          <p:spPr>
+            <a:xfrm>
+              <a:off x="3683000" y="2086552"/>
+              <a:ext cx="755650" cy="290508"/>
+            </a:xfrm>
+            <a:custGeom>
+              <a:avLst/>
+              <a:gdLst>
+                <a:gd name="connsiteX0" fmla="*/ 278614 w 851686"/>
+                <a:gd name="connsiteY0" fmla="*/ 482600 h 499870"/>
+                <a:gd name="connsiteX1" fmla="*/ 173839 w 851686"/>
+                <a:gd name="connsiteY1" fmla="*/ 488950 h 499870"/>
+                <a:gd name="connsiteX2" fmla="*/ 30964 w 851686"/>
+                <a:gd name="connsiteY2" fmla="*/ 355600 h 499870"/>
+                <a:gd name="connsiteX3" fmla="*/ 827889 w 851686"/>
+                <a:gd name="connsiteY3" fmla="*/ 149225 h 499870"/>
+                <a:gd name="connsiteX4" fmla="*/ 564364 w 851686"/>
+                <a:gd name="connsiteY4" fmla="*/ 0 h 499870"/>
+                <a:gd name="connsiteX0" fmla="*/ 277817 w 850889"/>
+                <a:gd name="connsiteY0" fmla="*/ 482600 h 495389"/>
+                <a:gd name="connsiteX1" fmla="*/ 177804 w 850889"/>
+                <a:gd name="connsiteY1" fmla="*/ 481806 h 495389"/>
+                <a:gd name="connsiteX2" fmla="*/ 30167 w 850889"/>
+                <a:gd name="connsiteY2" fmla="*/ 355600 h 495389"/>
+                <a:gd name="connsiteX3" fmla="*/ 827092 w 850889"/>
+                <a:gd name="connsiteY3" fmla="*/ 149225 h 495389"/>
+                <a:gd name="connsiteX4" fmla="*/ 563567 w 850889"/>
+                <a:gd name="connsiteY4" fmla="*/ 0 h 495389"/>
+                <a:gd name="connsiteX0" fmla="*/ 278270 w 851342"/>
+                <a:gd name="connsiteY0" fmla="*/ 482600 h 487998"/>
+                <a:gd name="connsiteX1" fmla="*/ 178257 w 851342"/>
+                <a:gd name="connsiteY1" fmla="*/ 481806 h 487998"/>
+                <a:gd name="connsiteX2" fmla="*/ 30620 w 851342"/>
+                <a:gd name="connsiteY2" fmla="*/ 355600 h 487998"/>
+                <a:gd name="connsiteX3" fmla="*/ 827545 w 851342"/>
+                <a:gd name="connsiteY3" fmla="*/ 149225 h 487998"/>
+                <a:gd name="connsiteX4" fmla="*/ 564020 w 851342"/>
+                <a:gd name="connsiteY4" fmla="*/ 0 h 487998"/>
+                <a:gd name="connsiteX0" fmla="*/ 278270 w 851342"/>
+                <a:gd name="connsiteY0" fmla="*/ 482600 h 492626"/>
+                <a:gd name="connsiteX1" fmla="*/ 178257 w 851342"/>
+                <a:gd name="connsiteY1" fmla="*/ 481806 h 492626"/>
+                <a:gd name="connsiteX2" fmla="*/ 30620 w 851342"/>
+                <a:gd name="connsiteY2" fmla="*/ 355600 h 492626"/>
+                <a:gd name="connsiteX3" fmla="*/ 827545 w 851342"/>
+                <a:gd name="connsiteY3" fmla="*/ 149225 h 492626"/>
+                <a:gd name="connsiteX4" fmla="*/ 564020 w 851342"/>
+                <a:gd name="connsiteY4" fmla="*/ 0 h 492626"/>
+                <a:gd name="connsiteX0" fmla="*/ 278501 w 851573"/>
+                <a:gd name="connsiteY0" fmla="*/ 482600 h 490246"/>
+                <a:gd name="connsiteX1" fmla="*/ 178488 w 851573"/>
+                <a:gd name="connsiteY1" fmla="*/ 481806 h 490246"/>
+                <a:gd name="connsiteX2" fmla="*/ 30851 w 851573"/>
+                <a:gd name="connsiteY2" fmla="*/ 355600 h 490246"/>
+                <a:gd name="connsiteX3" fmla="*/ 827776 w 851573"/>
+                <a:gd name="connsiteY3" fmla="*/ 149225 h 490246"/>
+                <a:gd name="connsiteX4" fmla="*/ 564251 w 851573"/>
+                <a:gd name="connsiteY4" fmla="*/ 0 h 490246"/>
+              </a:gdLst>
+              <a:ahLst/>
+              <a:cxnLst>
+                <a:cxn ang="0">
+                  <a:pos x="connsiteX0" y="connsiteY0"/>
+                </a:cxn>
+                <a:cxn ang="0">
+                  <a:pos x="connsiteX1" y="connsiteY1"/>
+                </a:cxn>
+                <a:cxn ang="0">
+                  <a:pos x="connsiteX2" y="connsiteY2"/>
+                </a:cxn>
+                <a:cxn ang="0">
+                  <a:pos x="connsiteX3" y="connsiteY3"/>
+                </a:cxn>
+                <a:cxn ang="0">
+                  <a:pos x="connsiteX4" y="connsiteY4"/>
+                </a:cxn>
+              </a:cxnLst>
+              <a:rect l="l" t="t" r="r" b="b"/>
+              <a:pathLst>
+                <a:path w="851573" h="490246">
+                  <a:moveTo>
+                    <a:pt x="278501" y="482600"/>
+                  </a:moveTo>
+                  <a:cubicBezTo>
+                    <a:pt x="246751" y="496358"/>
+                    <a:pt x="226907" y="488685"/>
+                    <a:pt x="178488" y="481806"/>
+                  </a:cubicBezTo>
+                  <a:cubicBezTo>
+                    <a:pt x="130069" y="474927"/>
+                    <a:pt x="-77364" y="411030"/>
+                    <a:pt x="30851" y="355600"/>
+                  </a:cubicBezTo>
+                  <a:cubicBezTo>
+                    <a:pt x="139066" y="300170"/>
+                    <a:pt x="738876" y="208492"/>
+                    <a:pt x="827776" y="149225"/>
+                  </a:cubicBezTo>
+                  <a:cubicBezTo>
+                    <a:pt x="916676" y="89958"/>
+                    <a:pt x="740463" y="44979"/>
+                    <a:pt x="564251" y="0"/>
+                  </a:cubicBezTo>
+                </a:path>
+              </a:pathLst>
+            </a:custGeom>
+            <a:noFill/>
+            <a:ln w="28575">
+              <a:solidFill>
+                <a:schemeClr val="tx1"/>
+              </a:solidFill>
+            </a:ln>
+          </p:spPr>
+          <p:style>
+            <a:lnRef idx="2">
+              <a:schemeClr val="accent1">
+                <a:shade val="15000"/>
+              </a:schemeClr>
+            </a:lnRef>
+            <a:fillRef idx="1">
+              <a:schemeClr val="accent1"/>
+            </a:fillRef>
+            <a:effectRef idx="0">
+              <a:schemeClr val="accent1"/>
+            </a:effectRef>
+            <a:fontRef idx="minor">
+              <a:schemeClr val="lt1"/>
+            </a:fontRef>
+          </p:style>
+          <p:txBody>
+            <a:bodyPr rtlCol="0" anchor="ctr"/>
+            <a:lstStyle/>
+            <a:p>
+              <a:pPr algn="ctr"/>
+              <a:endParaRPr lang="zh-CN" altLang="en-US"/>
+            </a:p>
+          </p:txBody>
+        </p:sp>
+        <p:sp>
+          <p:nvSpPr>
+            <p:cNvPr id="14" name="矩形 13">
+              <a:extLst>
+                <a:ext uri="{FF2B5EF4-FFF2-40B4-BE49-F238E27FC236}">
+                  <a16:creationId xmlns:a16="http://schemas.microsoft.com/office/drawing/2014/main" id="{B813917B-0FDE-F8AA-A0C2-71DB760D05BE}"/>
+                </a:ext>
+              </a:extLst>
+            </p:cNvPr>
+            <p:cNvSpPr/>
+            <p:nvPr/>
+          </p:nvSpPr>
+          <p:spPr>
+            <a:xfrm>
+              <a:off x="3757936" y="528950"/>
+              <a:ext cx="603250" cy="45719"/>
+            </a:xfrm>
+            <a:prstGeom prst="rect">
+              <a:avLst/>
+            </a:prstGeom>
+            <a:solidFill>
+              <a:schemeClr val="tx1"/>
+            </a:solidFill>
+            <a:ln>
+              <a:solidFill>
+                <a:schemeClr val="tx1"/>
+              </a:solidFill>
+            </a:ln>
+          </p:spPr>
+          <p:style>
+            <a:lnRef idx="2">
+              <a:schemeClr val="accent1">
+                <a:shade val="15000"/>
+              </a:schemeClr>
+            </a:lnRef>
+            <a:fillRef idx="1">
+              <a:schemeClr val="accent1"/>
+            </a:fillRef>
+            <a:effectRef idx="0">
+              <a:schemeClr val="accent1"/>
+            </a:effectRef>
+            <a:fontRef idx="minor">
+              <a:schemeClr val="lt1"/>
+            </a:fontRef>
+          </p:style>
+          <p:txBody>
+            <a:bodyPr rtlCol="0" anchor="ctr"/>
+            <a:lstStyle/>
+            <a:p>
+              <a:pPr algn="ctr"/>
+              <a:endParaRPr lang="zh-CN" altLang="en-US"/>
+            </a:p>
+          </p:txBody>
+        </p:sp>
+        <p:grpSp>
+          <p:nvGrpSpPr>
+            <p:cNvPr id="15" name="组合 14">
+              <a:extLst>
+                <a:ext uri="{FF2B5EF4-FFF2-40B4-BE49-F238E27FC236}">
+                  <a16:creationId xmlns:a16="http://schemas.microsoft.com/office/drawing/2014/main" id="{6775115E-3689-883B-E14D-51E10734DE31}"/>
+                </a:ext>
+              </a:extLst>
+            </p:cNvPr>
+            <p:cNvGrpSpPr/>
+            <p:nvPr/>
+          </p:nvGrpSpPr>
+          <p:grpSpPr>
+            <a:xfrm>
+              <a:off x="2642870" y="528950"/>
+              <a:ext cx="251460" cy="3891226"/>
+              <a:chOff x="3150870" y="852223"/>
+              <a:chExt cx="251460" cy="3891226"/>
+            </a:xfrm>
+          </p:grpSpPr>
+          <p:cxnSp>
+            <p:nvCxnSpPr>
+              <p:cNvPr id="37" name="直接箭头连接符 36">
+                <a:extLst>
+                  <a:ext uri="{FF2B5EF4-FFF2-40B4-BE49-F238E27FC236}">
+                    <a16:creationId xmlns:a16="http://schemas.microsoft.com/office/drawing/2014/main" id="{EF4A9BE2-B683-3D34-5C9E-7736A3A53ACF}"/>
+                  </a:ext>
+                </a:extLst>
+              </p:cNvPr>
+              <p:cNvCxnSpPr/>
+              <p:nvPr/>
+            </p:nvCxnSpPr>
+            <p:spPr>
+              <a:xfrm>
+                <a:off x="3276600" y="852223"/>
+                <a:ext cx="0" cy="3891226"/>
+              </a:xfrm>
+              <a:prstGeom prst="straightConnector1">
+                <a:avLst/>
+              </a:prstGeom>
+              <a:ln w="12700">
+                <a:solidFill>
+                  <a:srgbClr val="FF0000"/>
+                </a:solidFill>
+                <a:headEnd type="triangle" w="med" len="med"/>
+                <a:tailEnd type="triangle" w="med" len="med"/>
+              </a:ln>
+            </p:spPr>
+            <p:style>
+              <a:lnRef idx="1">
+                <a:schemeClr val="accent1"/>
+              </a:lnRef>
+              <a:fillRef idx="0">
+                <a:schemeClr val="accent1"/>
+              </a:fillRef>
+              <a:effectRef idx="0">
+                <a:schemeClr val="accent1"/>
+              </a:effectRef>
+              <a:fontRef idx="minor">
+                <a:schemeClr val="tx1"/>
+              </a:fontRef>
+            </p:style>
+          </p:cxnSp>
+          <p:cxnSp>
+            <p:nvCxnSpPr>
+              <p:cNvPr id="38" name="直接连接符 37">
+                <a:extLst>
+                  <a:ext uri="{FF2B5EF4-FFF2-40B4-BE49-F238E27FC236}">
+                    <a16:creationId xmlns:a16="http://schemas.microsoft.com/office/drawing/2014/main" id="{6842BDEB-910A-5503-8A30-A62C05FB9EB1}"/>
+                  </a:ext>
+                </a:extLst>
+              </p:cNvPr>
+              <p:cNvCxnSpPr/>
+              <p:nvPr/>
+            </p:nvCxnSpPr>
+            <p:spPr>
+              <a:xfrm>
+                <a:off x="3150870" y="4743449"/>
+                <a:ext cx="251460" cy="0"/>
+              </a:xfrm>
+              <a:prstGeom prst="line">
+                <a:avLst/>
+              </a:prstGeom>
+              <a:ln w="12700">
+                <a:solidFill>
+                  <a:srgbClr val="FF0000"/>
+                </a:solidFill>
+              </a:ln>
+            </p:spPr>
+            <p:style>
+              <a:lnRef idx="1">
+                <a:schemeClr val="accent1"/>
+              </a:lnRef>
+              <a:fillRef idx="0">
+                <a:schemeClr val="accent1"/>
+              </a:fillRef>
+              <a:effectRef idx="0">
+                <a:schemeClr val="accent1"/>
+              </a:effectRef>
+              <a:fontRef idx="minor">
+                <a:schemeClr val="tx1"/>
+              </a:fontRef>
+            </p:style>
+          </p:cxnSp>
+          <p:cxnSp>
+            <p:nvCxnSpPr>
+              <p:cNvPr id="39" name="直接连接符 38">
+                <a:extLst>
+                  <a:ext uri="{FF2B5EF4-FFF2-40B4-BE49-F238E27FC236}">
+                    <a16:creationId xmlns:a16="http://schemas.microsoft.com/office/drawing/2014/main" id="{C069748F-5644-61E2-016A-54D9C86D9A3D}"/>
+                  </a:ext>
+                </a:extLst>
+              </p:cNvPr>
+              <p:cNvCxnSpPr/>
+              <p:nvPr/>
+            </p:nvCxnSpPr>
+            <p:spPr>
+              <a:xfrm>
+                <a:off x="3150870" y="863652"/>
+                <a:ext cx="251460" cy="0"/>
+              </a:xfrm>
+              <a:prstGeom prst="line">
+                <a:avLst/>
+              </a:prstGeom>
+              <a:ln w="12700">
+                <a:solidFill>
+                  <a:srgbClr val="FF0000"/>
+                </a:solidFill>
+              </a:ln>
+            </p:spPr>
+            <p:style>
+              <a:lnRef idx="1">
+                <a:schemeClr val="accent1"/>
+              </a:lnRef>
+              <a:fillRef idx="0">
+                <a:schemeClr val="accent1"/>
+              </a:fillRef>
+              <a:effectRef idx="0">
+                <a:schemeClr val="accent1"/>
+              </a:effectRef>
+              <a:fontRef idx="minor">
+                <a:schemeClr val="tx1"/>
+              </a:fontRef>
+            </p:style>
+          </p:cxnSp>
+        </p:grpSp>
+        <p:cxnSp>
+          <p:nvCxnSpPr>
+            <p:cNvPr id="16" name="直接箭头连接符 15">
+              <a:extLst>
+                <a:ext uri="{FF2B5EF4-FFF2-40B4-BE49-F238E27FC236}">
+                  <a16:creationId xmlns:a16="http://schemas.microsoft.com/office/drawing/2014/main" id="{7F383C0F-A4F7-A009-65F3-3686D70B4EDA}"/>
+                </a:ext>
+              </a:extLst>
+            </p:cNvPr>
+            <p:cNvCxnSpPr>
+              <a:cxnSpLocks/>
+            </p:cNvCxnSpPr>
+            <p:nvPr/>
+          </p:nvCxnSpPr>
+          <p:spPr>
+            <a:xfrm flipH="1">
+              <a:off x="3929100" y="1280736"/>
+              <a:ext cx="262961" cy="0"/>
+            </a:xfrm>
+            <a:prstGeom prst="straightConnector1">
+              <a:avLst/>
+            </a:prstGeom>
+            <a:ln w="12700">
+              <a:solidFill>
+                <a:srgbClr val="FF0000"/>
+              </a:solidFill>
+              <a:headEnd type="triangle" w="med" len="med"/>
+              <a:tailEnd type="triangle" w="med" len="med"/>
+            </a:ln>
+          </p:spPr>
+          <p:style>
+            <a:lnRef idx="1">
+              <a:schemeClr val="accent1"/>
+            </a:lnRef>
+            <a:fillRef idx="0">
+              <a:schemeClr val="accent1"/>
+            </a:fillRef>
+            <a:effectRef idx="0">
+              <a:schemeClr val="accent1"/>
+            </a:effectRef>
+            <a:fontRef idx="minor">
+              <a:schemeClr val="tx1"/>
+            </a:fontRef>
+          </p:style>
+        </p:cxnSp>
+        <p:sp>
+          <p:nvSpPr>
+            <p:cNvPr id="17" name="任意多边形: 形状 16">
+              <a:extLst>
+                <a:ext uri="{FF2B5EF4-FFF2-40B4-BE49-F238E27FC236}">
+                  <a16:creationId xmlns:a16="http://schemas.microsoft.com/office/drawing/2014/main" id="{4C127EBB-1ABF-61F0-EB51-BEC326A0D704}"/>
+                </a:ext>
+              </a:extLst>
+            </p:cNvPr>
+            <p:cNvSpPr/>
+            <p:nvPr/>
+          </p:nvSpPr>
+          <p:spPr>
+            <a:xfrm>
+              <a:off x="4070350" y="1083252"/>
+              <a:ext cx="406400" cy="184150"/>
+            </a:xfrm>
+            <a:custGeom>
+              <a:avLst/>
+              <a:gdLst>
+                <a:gd name="connsiteX0" fmla="*/ 0 w 406400"/>
+                <a:gd name="connsiteY0" fmla="*/ 184150 h 184150"/>
+                <a:gd name="connsiteX1" fmla="*/ 203200 w 406400"/>
+                <a:gd name="connsiteY1" fmla="*/ 0 h 184150"/>
+                <a:gd name="connsiteX2" fmla="*/ 406400 w 406400"/>
+                <a:gd name="connsiteY2" fmla="*/ 0 h 184150"/>
+              </a:gdLst>
+              <a:ahLst/>
+              <a:cxnLst>
+                <a:cxn ang="0">
+                  <a:pos x="connsiteX0" y="connsiteY0"/>
+                </a:cxn>
+                <a:cxn ang="0">
+                  <a:pos x="connsiteX1" y="connsiteY1"/>
+                </a:cxn>
+                <a:cxn ang="0">
+                  <a:pos x="connsiteX2" y="connsiteY2"/>
+                </a:cxn>
+              </a:cxnLst>
+              <a:rect l="l" t="t" r="r" b="b"/>
+              <a:pathLst>
+                <a:path w="406400" h="184150">
+                  <a:moveTo>
+                    <a:pt x="0" y="184150"/>
+                  </a:moveTo>
+                  <a:lnTo>
+                    <a:pt x="203200" y="0"/>
+                  </a:lnTo>
+                  <a:lnTo>
+                    <a:pt x="406400" y="0"/>
+                  </a:lnTo>
+                </a:path>
+              </a:pathLst>
+            </a:custGeom>
+            <a:noFill/>
+            <a:ln>
+              <a:solidFill>
+                <a:srgbClr val="FF0000"/>
+              </a:solidFill>
+            </a:ln>
+          </p:spPr>
+          <p:style>
+            <a:lnRef idx="2">
+              <a:schemeClr val="accent1">
+                <a:shade val="15000"/>
+              </a:schemeClr>
+            </a:lnRef>
+            <a:fillRef idx="1">
+              <a:schemeClr val="accent1"/>
+            </a:fillRef>
+            <a:effectRef idx="0">
+              <a:schemeClr val="accent1"/>
+            </a:effectRef>
+            <a:fontRef idx="minor">
+              <a:schemeClr val="lt1"/>
+            </a:fontRef>
+          </p:style>
+          <p:txBody>
+            <a:bodyPr rtlCol="0" anchor="ctr"/>
+            <a:lstStyle/>
+            <a:p>
+              <a:pPr algn="ctr"/>
+              <a:endParaRPr lang="zh-CN" altLang="en-US"/>
+            </a:p>
+          </p:txBody>
+        </p:sp>
+        <p:cxnSp>
+          <p:nvCxnSpPr>
+            <p:cNvPr id="18" name="直接箭头连接符 17">
+              <a:extLst>
+                <a:ext uri="{FF2B5EF4-FFF2-40B4-BE49-F238E27FC236}">
+                  <a16:creationId xmlns:a16="http://schemas.microsoft.com/office/drawing/2014/main" id="{57C5DBAA-2E0E-68C1-E8C4-864FD1E87127}"/>
+                </a:ext>
+              </a:extLst>
+            </p:cNvPr>
+            <p:cNvCxnSpPr>
+              <a:cxnSpLocks/>
+            </p:cNvCxnSpPr>
+            <p:nvPr/>
+          </p:nvCxnSpPr>
+          <p:spPr>
+            <a:xfrm flipH="1">
+              <a:off x="3666331" y="1904623"/>
+              <a:ext cx="772319" cy="0"/>
+            </a:xfrm>
+            <a:prstGeom prst="straightConnector1">
+              <a:avLst/>
+            </a:prstGeom>
+            <a:ln w="12700">
+              <a:solidFill>
+                <a:srgbClr val="FF0000"/>
+              </a:solidFill>
+              <a:headEnd type="triangle" w="med" len="med"/>
+              <a:tailEnd type="triangle" w="med" len="med"/>
+            </a:ln>
+          </p:spPr>
+          <p:style>
+            <a:lnRef idx="1">
+              <a:schemeClr val="accent1"/>
+            </a:lnRef>
+            <a:fillRef idx="0">
+              <a:schemeClr val="accent1"/>
+            </a:fillRef>
+            <a:effectRef idx="0">
+              <a:schemeClr val="accent1"/>
+            </a:effectRef>
+            <a:fontRef idx="minor">
+              <a:schemeClr val="tx1"/>
+            </a:fontRef>
+          </p:style>
+        </p:cxnSp>
+        <p:cxnSp>
+          <p:nvCxnSpPr>
+            <p:cNvPr id="19" name="直接连接符 18">
+              <a:extLst>
+                <a:ext uri="{FF2B5EF4-FFF2-40B4-BE49-F238E27FC236}">
+                  <a16:creationId xmlns:a16="http://schemas.microsoft.com/office/drawing/2014/main" id="{DD75A7F3-7116-F5EB-B23F-8DF1B61DEC4A}"/>
+                </a:ext>
+              </a:extLst>
+            </p:cNvPr>
+            <p:cNvCxnSpPr>
+              <a:cxnSpLocks/>
+            </p:cNvCxnSpPr>
+            <p:nvPr/>
+          </p:nvCxnSpPr>
+          <p:spPr>
+            <a:xfrm flipV="1">
+              <a:off x="3666331" y="1822841"/>
+              <a:ext cx="0" cy="163564"/>
+            </a:xfrm>
+            <a:prstGeom prst="line">
+              <a:avLst/>
+            </a:prstGeom>
+            <a:ln w="12700">
+              <a:solidFill>
+                <a:srgbClr val="FF0000"/>
+              </a:solidFill>
+            </a:ln>
+          </p:spPr>
+          <p:style>
+            <a:lnRef idx="1">
+              <a:schemeClr val="accent1"/>
+            </a:lnRef>
+            <a:fillRef idx="0">
+              <a:schemeClr val="accent1"/>
+            </a:fillRef>
+            <a:effectRef idx="0">
+              <a:schemeClr val="accent1"/>
+            </a:effectRef>
+            <a:fontRef idx="minor">
+              <a:schemeClr val="tx1"/>
+            </a:fontRef>
+          </p:style>
+        </p:cxnSp>
+        <p:cxnSp>
+          <p:nvCxnSpPr>
+            <p:cNvPr id="20" name="直接连接符 19">
+              <a:extLst>
+                <a:ext uri="{FF2B5EF4-FFF2-40B4-BE49-F238E27FC236}">
+                  <a16:creationId xmlns:a16="http://schemas.microsoft.com/office/drawing/2014/main" id="{2A48F066-26A4-F598-832A-B0A24D73618D}"/>
+                </a:ext>
+              </a:extLst>
+            </p:cNvPr>
+            <p:cNvCxnSpPr>
+              <a:cxnSpLocks/>
+            </p:cNvCxnSpPr>
+            <p:nvPr/>
+          </p:nvCxnSpPr>
+          <p:spPr>
+            <a:xfrm flipV="1">
+              <a:off x="4438650" y="1822841"/>
+              <a:ext cx="0" cy="163564"/>
+            </a:xfrm>
+            <a:prstGeom prst="line">
+              <a:avLst/>
+            </a:prstGeom>
+            <a:ln w="12700">
+              <a:solidFill>
+                <a:srgbClr val="FF0000"/>
+              </a:solidFill>
+            </a:ln>
+          </p:spPr>
+          <p:style>
+            <a:lnRef idx="1">
+              <a:schemeClr val="accent1"/>
+            </a:lnRef>
+            <a:fillRef idx="0">
+              <a:schemeClr val="accent1"/>
+            </a:fillRef>
+            <a:effectRef idx="0">
+              <a:schemeClr val="accent1"/>
+            </a:effectRef>
+            <a:fontRef idx="minor">
+              <a:schemeClr val="tx1"/>
+            </a:fontRef>
+          </p:style>
+        </p:cxnSp>
+        <p:sp>
+          <p:nvSpPr>
+            <p:cNvPr id="21" name="任意多边形: 形状 20">
+              <a:extLst>
+                <a:ext uri="{FF2B5EF4-FFF2-40B4-BE49-F238E27FC236}">
+                  <a16:creationId xmlns:a16="http://schemas.microsoft.com/office/drawing/2014/main" id="{DA91EB38-BB18-D0D5-458E-D71FF8D26A7C}"/>
+                </a:ext>
+              </a:extLst>
+            </p:cNvPr>
+            <p:cNvSpPr/>
+            <p:nvPr/>
+          </p:nvSpPr>
+          <p:spPr>
+            <a:xfrm>
+              <a:off x="4274196" y="1701422"/>
+              <a:ext cx="406400" cy="184150"/>
+            </a:xfrm>
+            <a:custGeom>
+              <a:avLst/>
+              <a:gdLst>
+                <a:gd name="connsiteX0" fmla="*/ 0 w 406400"/>
+                <a:gd name="connsiteY0" fmla="*/ 184150 h 184150"/>
+                <a:gd name="connsiteX1" fmla="*/ 203200 w 406400"/>
+                <a:gd name="connsiteY1" fmla="*/ 0 h 184150"/>
+                <a:gd name="connsiteX2" fmla="*/ 406400 w 406400"/>
+                <a:gd name="connsiteY2" fmla="*/ 0 h 184150"/>
+              </a:gdLst>
+              <a:ahLst/>
+              <a:cxnLst>
+                <a:cxn ang="0">
+                  <a:pos x="connsiteX0" y="connsiteY0"/>
+                </a:cxn>
+                <a:cxn ang="0">
+                  <a:pos x="connsiteX1" y="connsiteY1"/>
+                </a:cxn>
+                <a:cxn ang="0">
+                  <a:pos x="connsiteX2" y="connsiteY2"/>
+                </a:cxn>
+              </a:cxnLst>
+              <a:rect l="l" t="t" r="r" b="b"/>
+              <a:pathLst>
+                <a:path w="406400" h="184150">
+                  <a:moveTo>
+                    <a:pt x="0" y="184150"/>
+                  </a:moveTo>
+                  <a:lnTo>
+                    <a:pt x="203200" y="0"/>
+                  </a:lnTo>
+                  <a:lnTo>
+                    <a:pt x="406400" y="0"/>
+                  </a:lnTo>
+                </a:path>
+              </a:pathLst>
+            </a:custGeom>
+            <a:noFill/>
+            <a:ln>
+              <a:solidFill>
+                <a:srgbClr val="FF0000"/>
+              </a:solidFill>
+            </a:ln>
+          </p:spPr>
+          <p:style>
+            <a:lnRef idx="2">
+              <a:schemeClr val="accent1">
+                <a:shade val="15000"/>
+              </a:schemeClr>
+            </a:lnRef>
+            <a:fillRef idx="1">
+              <a:schemeClr val="accent1"/>
+            </a:fillRef>
+            <a:effectRef idx="0">
+              <a:schemeClr val="accent1"/>
+            </a:effectRef>
+            <a:fontRef idx="minor">
+              <a:schemeClr val="lt1"/>
+            </a:fontRef>
+          </p:style>
+          <p:txBody>
+            <a:bodyPr rtlCol="0" anchor="ctr"/>
+            <a:lstStyle/>
+            <a:p>
+              <a:pPr algn="ctr"/>
+              <a:endParaRPr lang="zh-CN" altLang="en-US"/>
+            </a:p>
+          </p:txBody>
+        </p:sp>
+        <p:grpSp>
+          <p:nvGrpSpPr>
+            <p:cNvPr id="22" name="组合 21">
+              <a:extLst>
+                <a:ext uri="{FF2B5EF4-FFF2-40B4-BE49-F238E27FC236}">
+                  <a16:creationId xmlns:a16="http://schemas.microsoft.com/office/drawing/2014/main" id="{0D9DD2CF-8E67-8CE6-C978-896EF081AC84}"/>
+                </a:ext>
+              </a:extLst>
+            </p:cNvPr>
+            <p:cNvGrpSpPr/>
+            <p:nvPr/>
+          </p:nvGrpSpPr>
+          <p:grpSpPr>
+            <a:xfrm>
+              <a:off x="4513771" y="2196568"/>
+              <a:ext cx="184796" cy="1654488"/>
+              <a:chOff x="3150870" y="852223"/>
+              <a:chExt cx="251460" cy="3891226"/>
+            </a:xfrm>
+          </p:grpSpPr>
+          <p:cxnSp>
+            <p:nvCxnSpPr>
+              <p:cNvPr id="34" name="直接箭头连接符 33">
+                <a:extLst>
+                  <a:ext uri="{FF2B5EF4-FFF2-40B4-BE49-F238E27FC236}">
+                    <a16:creationId xmlns:a16="http://schemas.microsoft.com/office/drawing/2014/main" id="{F447CD2C-E7AE-B2FD-24F5-F277B98DA3B8}"/>
+                  </a:ext>
+                </a:extLst>
+              </p:cNvPr>
+              <p:cNvCxnSpPr/>
+              <p:nvPr/>
+            </p:nvCxnSpPr>
+            <p:spPr>
+              <a:xfrm>
+                <a:off x="3276600" y="852223"/>
+                <a:ext cx="0" cy="3891226"/>
+              </a:xfrm>
+              <a:prstGeom prst="straightConnector1">
+                <a:avLst/>
+              </a:prstGeom>
+              <a:ln w="12700">
+                <a:solidFill>
+                  <a:srgbClr val="FF0000"/>
+                </a:solidFill>
+                <a:headEnd type="triangle" w="med" len="med"/>
+                <a:tailEnd type="triangle" w="med" len="med"/>
+              </a:ln>
+            </p:spPr>
+            <p:style>
+              <a:lnRef idx="1">
+                <a:schemeClr val="accent1"/>
+              </a:lnRef>
+              <a:fillRef idx="0">
+                <a:schemeClr val="accent1"/>
+              </a:fillRef>
+              <a:effectRef idx="0">
+                <a:schemeClr val="accent1"/>
+              </a:effectRef>
+              <a:fontRef idx="minor">
+                <a:schemeClr val="tx1"/>
+              </a:fontRef>
+            </p:style>
+          </p:cxnSp>
+          <p:cxnSp>
+            <p:nvCxnSpPr>
+              <p:cNvPr id="35" name="直接连接符 34">
+                <a:extLst>
+                  <a:ext uri="{FF2B5EF4-FFF2-40B4-BE49-F238E27FC236}">
+                    <a16:creationId xmlns:a16="http://schemas.microsoft.com/office/drawing/2014/main" id="{2856D478-1834-F26D-6696-34E54BF6B295}"/>
+                  </a:ext>
+                </a:extLst>
+              </p:cNvPr>
+              <p:cNvCxnSpPr/>
+              <p:nvPr/>
+            </p:nvCxnSpPr>
+            <p:spPr>
+              <a:xfrm>
+                <a:off x="3150870" y="4743449"/>
+                <a:ext cx="251460" cy="0"/>
+              </a:xfrm>
+              <a:prstGeom prst="line">
+                <a:avLst/>
+              </a:prstGeom>
+              <a:ln w="12700">
+                <a:solidFill>
+                  <a:srgbClr val="FF0000"/>
+                </a:solidFill>
+              </a:ln>
+            </p:spPr>
+            <p:style>
+              <a:lnRef idx="1">
+                <a:schemeClr val="accent1"/>
+              </a:lnRef>
+              <a:fillRef idx="0">
+                <a:schemeClr val="accent1"/>
+              </a:fillRef>
+              <a:effectRef idx="0">
+                <a:schemeClr val="accent1"/>
+              </a:effectRef>
+              <a:fontRef idx="minor">
+                <a:schemeClr val="tx1"/>
+              </a:fontRef>
+            </p:style>
+          </p:cxnSp>
+          <p:cxnSp>
+            <p:nvCxnSpPr>
+              <p:cNvPr id="36" name="直接连接符 35">
+                <a:extLst>
+                  <a:ext uri="{FF2B5EF4-FFF2-40B4-BE49-F238E27FC236}">
+                    <a16:creationId xmlns:a16="http://schemas.microsoft.com/office/drawing/2014/main" id="{35AB06EA-9D9D-500D-960B-EF645EDE7DEF}"/>
+                  </a:ext>
+                </a:extLst>
+              </p:cNvPr>
+              <p:cNvCxnSpPr/>
+              <p:nvPr/>
+            </p:nvCxnSpPr>
+            <p:spPr>
+              <a:xfrm>
+                <a:off x="3150870" y="863652"/>
+                <a:ext cx="251460" cy="0"/>
+              </a:xfrm>
+              <a:prstGeom prst="line">
+                <a:avLst/>
+              </a:prstGeom>
+              <a:ln w="12700">
+                <a:solidFill>
+                  <a:srgbClr val="FF0000"/>
+                </a:solidFill>
+              </a:ln>
+            </p:spPr>
+            <p:style>
+              <a:lnRef idx="1">
+                <a:schemeClr val="accent1"/>
+              </a:lnRef>
+              <a:fillRef idx="0">
+                <a:schemeClr val="accent1"/>
+              </a:fillRef>
+              <a:effectRef idx="0">
+                <a:schemeClr val="accent1"/>
+              </a:effectRef>
+              <a:fontRef idx="minor">
+                <a:schemeClr val="tx1"/>
+              </a:fontRef>
+            </p:style>
+          </p:cxnSp>
+        </p:grpSp>
+        <p:grpSp>
+          <p:nvGrpSpPr>
+            <p:cNvPr id="23" name="组合 22">
+              <a:extLst>
+                <a:ext uri="{FF2B5EF4-FFF2-40B4-BE49-F238E27FC236}">
+                  <a16:creationId xmlns:a16="http://schemas.microsoft.com/office/drawing/2014/main" id="{4A2B4E4D-DCBD-4B1C-86BF-50F50A29D7F2}"/>
+                </a:ext>
+              </a:extLst>
+            </p:cNvPr>
+            <p:cNvGrpSpPr/>
+            <p:nvPr/>
+          </p:nvGrpSpPr>
+          <p:grpSpPr>
+            <a:xfrm>
+              <a:off x="3137668" y="2196568"/>
+              <a:ext cx="251460" cy="2223607"/>
+              <a:chOff x="3150870" y="852223"/>
+              <a:chExt cx="251460" cy="3891226"/>
+            </a:xfrm>
+          </p:grpSpPr>
+          <p:cxnSp>
+            <p:nvCxnSpPr>
+              <p:cNvPr id="31" name="直接箭头连接符 30">
+                <a:extLst>
+                  <a:ext uri="{FF2B5EF4-FFF2-40B4-BE49-F238E27FC236}">
+                    <a16:creationId xmlns:a16="http://schemas.microsoft.com/office/drawing/2014/main" id="{635DB671-6635-EA0A-0109-E45C290B3920}"/>
+                  </a:ext>
+                </a:extLst>
+              </p:cNvPr>
+              <p:cNvCxnSpPr/>
+              <p:nvPr/>
+            </p:nvCxnSpPr>
+            <p:spPr>
+              <a:xfrm>
+                <a:off x="3276600" y="852223"/>
+                <a:ext cx="0" cy="3891226"/>
+              </a:xfrm>
+              <a:prstGeom prst="straightConnector1">
+                <a:avLst/>
+              </a:prstGeom>
+              <a:ln w="12700">
+                <a:solidFill>
+                  <a:srgbClr val="FF0000"/>
+                </a:solidFill>
+                <a:headEnd type="triangle" w="med" len="med"/>
+                <a:tailEnd type="triangle" w="med" len="med"/>
+              </a:ln>
+            </p:spPr>
+            <p:style>
+              <a:lnRef idx="1">
+                <a:schemeClr val="accent1"/>
+              </a:lnRef>
+              <a:fillRef idx="0">
+                <a:schemeClr val="accent1"/>
+              </a:fillRef>
+              <a:effectRef idx="0">
+                <a:schemeClr val="accent1"/>
+              </a:effectRef>
+              <a:fontRef idx="minor">
+                <a:schemeClr val="tx1"/>
+              </a:fontRef>
+            </p:style>
+          </p:cxnSp>
+          <p:cxnSp>
+            <p:nvCxnSpPr>
+              <p:cNvPr id="32" name="直接连接符 31">
+                <a:extLst>
+                  <a:ext uri="{FF2B5EF4-FFF2-40B4-BE49-F238E27FC236}">
+                    <a16:creationId xmlns:a16="http://schemas.microsoft.com/office/drawing/2014/main" id="{1362A0C6-342D-002C-9B73-B5CED1E5EEB1}"/>
+                  </a:ext>
+                </a:extLst>
+              </p:cNvPr>
+              <p:cNvCxnSpPr/>
+              <p:nvPr/>
+            </p:nvCxnSpPr>
+            <p:spPr>
+              <a:xfrm>
+                <a:off x="3150870" y="4743449"/>
+                <a:ext cx="251460" cy="0"/>
+              </a:xfrm>
+              <a:prstGeom prst="line">
+                <a:avLst/>
+              </a:prstGeom>
+              <a:ln w="12700">
+                <a:solidFill>
+                  <a:srgbClr val="FF0000"/>
+                </a:solidFill>
+              </a:ln>
+            </p:spPr>
+            <p:style>
+              <a:lnRef idx="1">
+                <a:schemeClr val="accent1"/>
+              </a:lnRef>
+              <a:fillRef idx="0">
+                <a:schemeClr val="accent1"/>
+              </a:fillRef>
+              <a:effectRef idx="0">
+                <a:schemeClr val="accent1"/>
+              </a:effectRef>
+              <a:fontRef idx="minor">
+                <a:schemeClr val="tx1"/>
+              </a:fontRef>
+            </p:style>
+          </p:cxnSp>
+          <p:cxnSp>
+            <p:nvCxnSpPr>
+              <p:cNvPr id="33" name="直接连接符 32">
+                <a:extLst>
+                  <a:ext uri="{FF2B5EF4-FFF2-40B4-BE49-F238E27FC236}">
+                    <a16:creationId xmlns:a16="http://schemas.microsoft.com/office/drawing/2014/main" id="{D8D3DB3B-E951-7944-4EA0-4A7512861CA5}"/>
+                  </a:ext>
+                </a:extLst>
+              </p:cNvPr>
+              <p:cNvCxnSpPr/>
+              <p:nvPr/>
+            </p:nvCxnSpPr>
+            <p:spPr>
+              <a:xfrm>
+                <a:off x="3150870" y="863652"/>
+                <a:ext cx="251460" cy="0"/>
+              </a:xfrm>
+              <a:prstGeom prst="line">
+                <a:avLst/>
+              </a:prstGeom>
+              <a:ln w="12700">
+                <a:solidFill>
+                  <a:srgbClr val="FF0000"/>
+                </a:solidFill>
+              </a:ln>
+            </p:spPr>
+            <p:style>
+              <a:lnRef idx="1">
+                <a:schemeClr val="accent1"/>
+              </a:lnRef>
+              <a:fillRef idx="0">
+                <a:schemeClr val="accent1"/>
+              </a:fillRef>
+              <a:effectRef idx="0">
+                <a:schemeClr val="accent1"/>
+              </a:effectRef>
+              <a:fontRef idx="minor">
+                <a:schemeClr val="tx1"/>
+              </a:fontRef>
+            </p:style>
+          </p:cxnSp>
+        </p:grpSp>
+        <p:sp>
+          <p:nvSpPr>
+            <p:cNvPr id="24" name="文本框 23">
+              <a:extLst>
+                <a:ext uri="{FF2B5EF4-FFF2-40B4-BE49-F238E27FC236}">
+                  <a16:creationId xmlns:a16="http://schemas.microsoft.com/office/drawing/2014/main" id="{069FCA06-4A23-A560-39F7-E6AC3F539B2C}"/>
+                </a:ext>
+              </a:extLst>
+            </p:cNvPr>
+            <p:cNvSpPr txBox="1"/>
+            <p:nvPr/>
+          </p:nvSpPr>
+          <p:spPr>
+            <a:xfrm>
+              <a:off x="4606169" y="2839146"/>
+              <a:ext cx="877163" cy="369332"/>
+            </a:xfrm>
+            <a:prstGeom prst="rect">
+              <a:avLst/>
+            </a:prstGeom>
+            <a:noFill/>
+          </p:spPr>
+          <p:txBody>
+            <a:bodyPr wrap="none" rtlCol="0">
+              <a:spAutoFit/>
+            </a:bodyPr>
+            <a:lstStyle/>
+            <a:p>
+              <a:r>
+                <a:rPr lang="zh-CN" altLang="en-US" b="1" dirty="0">
+                  <a:solidFill>
+                    <a:srgbClr val="FF0000"/>
+                  </a:solidFill>
+                  <a:latin typeface="宋体" panose="02010600030101010101" pitchFamily="2" charset="-122"/>
+                  <a:ea typeface="宋体" panose="02010600030101010101" pitchFamily="2" charset="-122"/>
+                </a:rPr>
+                <a:t>叶片距</a:t>
+              </a:r>
+            </a:p>
+          </p:txBody>
+        </p:sp>
+        <p:sp>
+          <p:nvSpPr>
+            <p:cNvPr id="25" name="文本框 24">
+              <a:extLst>
+                <a:ext uri="{FF2B5EF4-FFF2-40B4-BE49-F238E27FC236}">
+                  <a16:creationId xmlns:a16="http://schemas.microsoft.com/office/drawing/2014/main" id="{C6C20945-DC34-B68E-5EC9-B4A541547422}"/>
+                </a:ext>
+              </a:extLst>
+            </p:cNvPr>
+            <p:cNvSpPr txBox="1"/>
+            <p:nvPr/>
+          </p:nvSpPr>
+          <p:spPr>
+            <a:xfrm>
+              <a:off x="3287568" y="2470724"/>
+              <a:ext cx="467286" cy="1754326"/>
+            </a:xfrm>
+            <a:prstGeom prst="rect">
+              <a:avLst/>
+            </a:prstGeom>
+            <a:noFill/>
+          </p:spPr>
+          <p:txBody>
+            <a:bodyPr wrap="square" rtlCol="0">
+              <a:spAutoFit/>
+            </a:bodyPr>
+            <a:lstStyle/>
+            <a:p>
+              <a:r>
+                <a:rPr lang="zh-CN" altLang="en-US" b="1" dirty="0">
+                  <a:solidFill>
+                    <a:srgbClr val="FF0000"/>
+                  </a:solidFill>
+                  <a:latin typeface="宋体" panose="02010600030101010101" pitchFamily="2" charset="-122"/>
+                  <a:ea typeface="宋体" panose="02010600030101010101" pitchFamily="2" charset="-122"/>
+                </a:rPr>
+                <a:t>上叶片距桩尖</a:t>
+              </a:r>
+            </a:p>
+          </p:txBody>
+        </p:sp>
+        <p:sp>
+          <p:nvSpPr>
+            <p:cNvPr id="26" name="文本框 25">
+              <a:extLst>
+                <a:ext uri="{FF2B5EF4-FFF2-40B4-BE49-F238E27FC236}">
+                  <a16:creationId xmlns:a16="http://schemas.microsoft.com/office/drawing/2014/main" id="{F59E0ACB-0985-01D2-19DE-43253FDFB86D}"/>
+                </a:ext>
+              </a:extLst>
+            </p:cNvPr>
+            <p:cNvSpPr txBox="1"/>
+            <p:nvPr/>
+          </p:nvSpPr>
+          <p:spPr>
+            <a:xfrm>
+              <a:off x="2712353" y="2147558"/>
+              <a:ext cx="467286" cy="646331"/>
+            </a:xfrm>
+            <a:prstGeom prst="rect">
+              <a:avLst/>
+            </a:prstGeom>
+            <a:noFill/>
+          </p:spPr>
+          <p:txBody>
+            <a:bodyPr wrap="square" rtlCol="0">
+              <a:spAutoFit/>
+            </a:bodyPr>
+            <a:lstStyle/>
+            <a:p>
+              <a:r>
+                <a:rPr lang="zh-CN" altLang="en-US" b="1" dirty="0">
+                  <a:solidFill>
+                    <a:srgbClr val="FF0000"/>
+                  </a:solidFill>
+                  <a:latin typeface="宋体" panose="02010600030101010101" pitchFamily="2" charset="-122"/>
+                  <a:ea typeface="宋体" panose="02010600030101010101" pitchFamily="2" charset="-122"/>
+                </a:rPr>
+                <a:t>桩长</a:t>
+              </a:r>
+            </a:p>
+          </p:txBody>
+        </p:sp>
+        <p:sp>
+          <p:nvSpPr>
+            <p:cNvPr id="27" name="文本框 26">
+              <a:extLst>
+                <a:ext uri="{FF2B5EF4-FFF2-40B4-BE49-F238E27FC236}">
+                  <a16:creationId xmlns:a16="http://schemas.microsoft.com/office/drawing/2014/main" id="{6AEEABF3-C844-5C8B-57ED-2F53F39B9B1E}"/>
+                </a:ext>
+              </a:extLst>
+            </p:cNvPr>
+            <p:cNvSpPr txBox="1"/>
+            <p:nvPr/>
+          </p:nvSpPr>
+          <p:spPr>
+            <a:xfrm>
+              <a:off x="4621858" y="1516240"/>
+              <a:ext cx="881973" cy="369332"/>
+            </a:xfrm>
+            <a:prstGeom prst="rect">
+              <a:avLst/>
+            </a:prstGeom>
+            <a:noFill/>
+          </p:spPr>
+          <p:txBody>
+            <a:bodyPr wrap="none" rtlCol="0">
+              <a:spAutoFit/>
+            </a:bodyPr>
+            <a:lstStyle/>
+            <a:p>
+              <a:r>
+                <a:rPr lang="zh-CN" altLang="en-US" b="1" dirty="0">
+                  <a:solidFill>
+                    <a:srgbClr val="FF0000"/>
+                  </a:solidFill>
+                  <a:latin typeface="宋体" panose="02010600030101010101" pitchFamily="2" charset="-122"/>
+                  <a:ea typeface="宋体" panose="02010600030101010101" pitchFamily="2" charset="-122"/>
+                </a:rPr>
+                <a:t>叶片径</a:t>
+              </a:r>
+            </a:p>
+          </p:txBody>
+        </p:sp>
+        <p:sp>
+          <p:nvSpPr>
+            <p:cNvPr id="28" name="文本框 27">
+              <a:extLst>
+                <a:ext uri="{FF2B5EF4-FFF2-40B4-BE49-F238E27FC236}">
+                  <a16:creationId xmlns:a16="http://schemas.microsoft.com/office/drawing/2014/main" id="{0E49C4E4-C386-5BBD-6770-20FE6755D7C9}"/>
+                </a:ext>
+              </a:extLst>
+            </p:cNvPr>
+            <p:cNvSpPr txBox="1"/>
+            <p:nvPr/>
+          </p:nvSpPr>
+          <p:spPr>
+            <a:xfrm>
+              <a:off x="4513771" y="912592"/>
+              <a:ext cx="649537" cy="369332"/>
+            </a:xfrm>
+            <a:prstGeom prst="rect">
+              <a:avLst/>
+            </a:prstGeom>
+            <a:noFill/>
+          </p:spPr>
+          <p:txBody>
+            <a:bodyPr wrap="none" rtlCol="0">
+              <a:spAutoFit/>
+            </a:bodyPr>
+            <a:lstStyle/>
+            <a:p>
+              <a:r>
+                <a:rPr lang="zh-CN" altLang="en-US" b="1" dirty="0">
+                  <a:solidFill>
+                    <a:srgbClr val="FF0000"/>
+                  </a:solidFill>
+                  <a:latin typeface="宋体" panose="02010600030101010101" pitchFamily="2" charset="-122"/>
+                  <a:ea typeface="宋体" panose="02010600030101010101" pitchFamily="2" charset="-122"/>
+                </a:rPr>
+                <a:t>桩径</a:t>
+              </a:r>
+            </a:p>
+          </p:txBody>
+        </p:sp>
+        <p:sp>
+          <p:nvSpPr>
+            <p:cNvPr id="30" name="文本框 29">
+              <a:extLst>
+                <a:ext uri="{FF2B5EF4-FFF2-40B4-BE49-F238E27FC236}">
+                  <a16:creationId xmlns:a16="http://schemas.microsoft.com/office/drawing/2014/main" id="{DF2E9D75-88C4-B79B-2F4E-94DF7F406165}"/>
+                </a:ext>
+              </a:extLst>
+            </p:cNvPr>
+            <p:cNvSpPr txBox="1"/>
+            <p:nvPr/>
+          </p:nvSpPr>
+          <p:spPr>
+            <a:xfrm>
+              <a:off x="5650756" y="580834"/>
+              <a:ext cx="537115" cy="1754326"/>
+            </a:xfrm>
+            <a:prstGeom prst="rect">
+              <a:avLst/>
+            </a:prstGeom>
+            <a:noFill/>
+          </p:spPr>
+          <p:txBody>
+            <a:bodyPr wrap="square" rtlCol="0">
+              <a:spAutoFit/>
+            </a:bodyPr>
+            <a:lstStyle/>
+            <a:p>
+              <a:r>
+                <a:rPr lang="zh-CN" altLang="en-US" b="1" dirty="0">
+                  <a:solidFill>
+                    <a:srgbClr val="FF0000"/>
+                  </a:solidFill>
+                  <a:latin typeface="宋体" panose="02010600030101010101" pitchFamily="2" charset="-122"/>
+                  <a:ea typeface="宋体" panose="02010600030101010101" pitchFamily="2" charset="-122"/>
+                </a:rPr>
+                <a:t>交界土层厚度</a:t>
+              </a:r>
+            </a:p>
+          </p:txBody>
+        </p:sp>
+        <p:grpSp>
+          <p:nvGrpSpPr>
+            <p:cNvPr id="6" name="组合 5">
+              <a:extLst>
+                <a:ext uri="{FF2B5EF4-FFF2-40B4-BE49-F238E27FC236}">
+                  <a16:creationId xmlns:a16="http://schemas.microsoft.com/office/drawing/2014/main" id="{EF3D2E0E-3DC5-C89C-824A-85B919B5A50F}"/>
+                </a:ext>
+              </a:extLst>
+            </p:cNvPr>
+            <p:cNvGrpSpPr/>
+            <p:nvPr/>
+          </p:nvGrpSpPr>
+          <p:grpSpPr>
+            <a:xfrm>
+              <a:off x="5495751" y="403798"/>
+              <a:ext cx="300338" cy="2065094"/>
+              <a:chOff x="6490468" y="727072"/>
+              <a:chExt cx="251460" cy="2227416"/>
+            </a:xfrm>
+          </p:grpSpPr>
+          <p:cxnSp>
+            <p:nvCxnSpPr>
+              <p:cNvPr id="7" name="直接箭头连接符 6">
+                <a:extLst>
+                  <a:ext uri="{FF2B5EF4-FFF2-40B4-BE49-F238E27FC236}">
+                    <a16:creationId xmlns:a16="http://schemas.microsoft.com/office/drawing/2014/main" id="{C3995F4C-4CA6-894F-0B5B-65470B475D6C}"/>
+                  </a:ext>
+                </a:extLst>
+              </p:cNvPr>
+              <p:cNvCxnSpPr/>
+              <p:nvPr/>
+            </p:nvCxnSpPr>
+            <p:spPr>
+              <a:xfrm>
+                <a:off x="6616198" y="727709"/>
+                <a:ext cx="0" cy="2223607"/>
+              </a:xfrm>
+              <a:prstGeom prst="straightConnector1">
+                <a:avLst/>
+              </a:prstGeom>
+              <a:ln w="12700">
+                <a:solidFill>
+                  <a:srgbClr val="FF0000"/>
+                </a:solidFill>
+                <a:headEnd type="triangle" w="med" len="med"/>
+                <a:tailEnd type="triangle" w="med" len="med"/>
+              </a:ln>
+            </p:spPr>
+            <p:style>
+              <a:lnRef idx="1">
+                <a:schemeClr val="accent1"/>
+              </a:lnRef>
+              <a:fillRef idx="0">
+                <a:schemeClr val="accent1"/>
+              </a:fillRef>
+              <a:effectRef idx="0">
+                <a:schemeClr val="accent1"/>
+              </a:effectRef>
+              <a:fontRef idx="minor">
+                <a:schemeClr val="tx1"/>
+              </a:fontRef>
+            </p:style>
+          </p:cxnSp>
+          <p:cxnSp>
+            <p:nvCxnSpPr>
+              <p:cNvPr id="8" name="直接连接符 7">
+                <a:extLst>
+                  <a:ext uri="{FF2B5EF4-FFF2-40B4-BE49-F238E27FC236}">
+                    <a16:creationId xmlns:a16="http://schemas.microsoft.com/office/drawing/2014/main" id="{4EBB49E3-7626-DEB4-1320-0D6BF6B4EEEA}"/>
+                  </a:ext>
+                </a:extLst>
+              </p:cNvPr>
+              <p:cNvCxnSpPr/>
+              <p:nvPr/>
+            </p:nvCxnSpPr>
+            <p:spPr>
+              <a:xfrm>
+                <a:off x="6490468" y="727072"/>
+                <a:ext cx="251460" cy="0"/>
+              </a:xfrm>
+              <a:prstGeom prst="line">
+                <a:avLst/>
+              </a:prstGeom>
+              <a:ln w="12700">
+                <a:solidFill>
+                  <a:srgbClr val="FF0000"/>
+                </a:solidFill>
+              </a:ln>
+            </p:spPr>
+            <p:style>
+              <a:lnRef idx="1">
+                <a:schemeClr val="accent1"/>
+              </a:lnRef>
+              <a:fillRef idx="0">
+                <a:schemeClr val="accent1"/>
+              </a:fillRef>
+              <a:effectRef idx="0">
+                <a:schemeClr val="accent1"/>
+              </a:effectRef>
+              <a:fontRef idx="minor">
+                <a:schemeClr val="tx1"/>
+              </a:fontRef>
+            </p:style>
+          </p:cxnSp>
+          <p:cxnSp>
+            <p:nvCxnSpPr>
+              <p:cNvPr id="9" name="直接连接符 8">
+                <a:extLst>
+                  <a:ext uri="{FF2B5EF4-FFF2-40B4-BE49-F238E27FC236}">
+                    <a16:creationId xmlns:a16="http://schemas.microsoft.com/office/drawing/2014/main" id="{539783BD-2621-A710-49E1-EEAD00677389}"/>
+                  </a:ext>
+                </a:extLst>
+              </p:cNvPr>
+              <p:cNvCxnSpPr/>
+              <p:nvPr/>
+            </p:nvCxnSpPr>
+            <p:spPr>
+              <a:xfrm>
+                <a:off x="6490468" y="2954488"/>
+                <a:ext cx="251460" cy="0"/>
+              </a:xfrm>
+              <a:prstGeom prst="line">
+                <a:avLst/>
+              </a:prstGeom>
+              <a:ln w="12700">
+                <a:solidFill>
+                  <a:srgbClr val="FF0000"/>
+                </a:solidFill>
+              </a:ln>
+            </p:spPr>
+            <p:style>
+              <a:lnRef idx="1">
+                <a:schemeClr val="accent1"/>
+              </a:lnRef>
+              <a:fillRef idx="0">
+                <a:schemeClr val="accent1"/>
+              </a:fillRef>
+              <a:effectRef idx="0">
+                <a:schemeClr val="accent1"/>
+              </a:effectRef>
+              <a:fontRef idx="minor">
+                <a:schemeClr val="tx1"/>
+              </a:fontRef>
+            </p:style>
+          </p:cxnSp>
+        </p:grpSp>
+      </p:grpSp>
+    </p:spTree>
+    <p:extLst>
+      <p:ext uri="{BB962C8B-B14F-4D97-AF65-F5344CB8AC3E}">
+        <p14:creationId xmlns:p14="http://schemas.microsoft.com/office/powerpoint/2010/main" val="1567596927"/>
+      </p:ext>
+    </p:extLst>
+  </p:cSld>
+  <p:clrMapOvr>
+    <a:masterClrMapping/>
+  </p:clrMapOvr>
+</p:sld>
+</file>
+
 <file path=ppt/theme/theme1.xml><?xml version="1.0" encoding="utf-8"?>
 <a:theme xmlns:a="http://schemas.openxmlformats.org/drawingml/2006/main" name="Office 主题​​">
   <a:themeElements>

--- a/Foundation/新建Microsoft PowerPoint 演示文稿.pptx
+++ b/Foundation/新建Microsoft PowerPoint 演示文稿.pptx
@@ -6,11 +6,18 @@
   </p:sldMasterIdLst>
   <p:sldIdLst>
     <p:sldId id="256" r:id="rId2"/>
-    <p:sldId id="257" r:id="rId3"/>
-    <p:sldId id="260" r:id="rId4"/>
-    <p:sldId id="258" r:id="rId5"/>
-    <p:sldId id="259" r:id="rId6"/>
-    <p:sldId id="261" r:id="rId7"/>
+    <p:sldId id="268" r:id="rId3"/>
+    <p:sldId id="257" r:id="rId4"/>
+    <p:sldId id="260" r:id="rId5"/>
+    <p:sldId id="258" r:id="rId6"/>
+    <p:sldId id="259" r:id="rId7"/>
+    <p:sldId id="261" r:id="rId8"/>
+    <p:sldId id="262" r:id="rId9"/>
+    <p:sldId id="263" r:id="rId10"/>
+    <p:sldId id="264" r:id="rId11"/>
+    <p:sldId id="265" r:id="rId12"/>
+    <p:sldId id="266" r:id="rId13"/>
+    <p:sldId id="267" r:id="rId14"/>
   </p:sldIdLst>
   <p:sldSz cx="12192000" cy="6858000"/>
   <p:notesSz cx="6858000" cy="9144000"/>
@@ -264,7 +271,7 @@
           <a:p>
             <a:fld id="{017490EB-DE0A-4655-82EB-3694282D5344}" type="datetimeFigureOut">
               <a:rPr lang="zh-CN" altLang="en-US" smtClean="0"/>
-              <a:t>2024/8/30</a:t>
+              <a:t>2024/9/1</a:t>
             </a:fld>
             <a:endParaRPr lang="zh-CN" altLang="en-US"/>
           </a:p>
@@ -462,7 +469,7 @@
           <a:p>
             <a:fld id="{017490EB-DE0A-4655-82EB-3694282D5344}" type="datetimeFigureOut">
               <a:rPr lang="zh-CN" altLang="en-US" smtClean="0"/>
-              <a:t>2024/8/30</a:t>
+              <a:t>2024/9/1</a:t>
             </a:fld>
             <a:endParaRPr lang="zh-CN" altLang="en-US"/>
           </a:p>
@@ -670,7 +677,7 @@
           <a:p>
             <a:fld id="{017490EB-DE0A-4655-82EB-3694282D5344}" type="datetimeFigureOut">
               <a:rPr lang="zh-CN" altLang="en-US" smtClean="0"/>
-              <a:t>2024/8/30</a:t>
+              <a:t>2024/9/1</a:t>
             </a:fld>
             <a:endParaRPr lang="zh-CN" altLang="en-US"/>
           </a:p>
@@ -868,7 +875,7 @@
           <a:p>
             <a:fld id="{017490EB-DE0A-4655-82EB-3694282D5344}" type="datetimeFigureOut">
               <a:rPr lang="zh-CN" altLang="en-US" smtClean="0"/>
-              <a:t>2024/8/30</a:t>
+              <a:t>2024/9/1</a:t>
             </a:fld>
             <a:endParaRPr lang="zh-CN" altLang="en-US"/>
           </a:p>
@@ -1143,7 +1150,7 @@
           <a:p>
             <a:fld id="{017490EB-DE0A-4655-82EB-3694282D5344}" type="datetimeFigureOut">
               <a:rPr lang="zh-CN" altLang="en-US" smtClean="0"/>
-              <a:t>2024/8/30</a:t>
+              <a:t>2024/9/1</a:t>
             </a:fld>
             <a:endParaRPr lang="zh-CN" altLang="en-US"/>
           </a:p>
@@ -1408,7 +1415,7 @@
           <a:p>
             <a:fld id="{017490EB-DE0A-4655-82EB-3694282D5344}" type="datetimeFigureOut">
               <a:rPr lang="zh-CN" altLang="en-US" smtClean="0"/>
-              <a:t>2024/8/30</a:t>
+              <a:t>2024/9/1</a:t>
             </a:fld>
             <a:endParaRPr lang="zh-CN" altLang="en-US"/>
           </a:p>
@@ -1820,7 +1827,7 @@
           <a:p>
             <a:fld id="{017490EB-DE0A-4655-82EB-3694282D5344}" type="datetimeFigureOut">
               <a:rPr lang="zh-CN" altLang="en-US" smtClean="0"/>
-              <a:t>2024/8/30</a:t>
+              <a:t>2024/9/1</a:t>
             </a:fld>
             <a:endParaRPr lang="zh-CN" altLang="en-US"/>
           </a:p>
@@ -1961,7 +1968,7 @@
           <a:p>
             <a:fld id="{017490EB-DE0A-4655-82EB-3694282D5344}" type="datetimeFigureOut">
               <a:rPr lang="zh-CN" altLang="en-US" smtClean="0"/>
-              <a:t>2024/8/30</a:t>
+              <a:t>2024/9/1</a:t>
             </a:fld>
             <a:endParaRPr lang="zh-CN" altLang="en-US"/>
           </a:p>
@@ -2074,7 +2081,7 @@
           <a:p>
             <a:fld id="{017490EB-DE0A-4655-82EB-3694282D5344}" type="datetimeFigureOut">
               <a:rPr lang="zh-CN" altLang="en-US" smtClean="0"/>
-              <a:t>2024/8/30</a:t>
+              <a:t>2024/9/1</a:t>
             </a:fld>
             <a:endParaRPr lang="zh-CN" altLang="en-US"/>
           </a:p>
@@ -2385,7 +2392,7 @@
           <a:p>
             <a:fld id="{017490EB-DE0A-4655-82EB-3694282D5344}" type="datetimeFigureOut">
               <a:rPr lang="zh-CN" altLang="en-US" smtClean="0"/>
-              <a:t>2024/8/30</a:t>
+              <a:t>2024/9/1</a:t>
             </a:fld>
             <a:endParaRPr lang="zh-CN" altLang="en-US"/>
           </a:p>
@@ -2673,7 +2680,7 @@
           <a:p>
             <a:fld id="{017490EB-DE0A-4655-82EB-3694282D5344}" type="datetimeFigureOut">
               <a:rPr lang="zh-CN" altLang="en-US" smtClean="0"/>
-              <a:t>2024/8/30</a:t>
+              <a:t>2024/9/1</a:t>
             </a:fld>
             <a:endParaRPr lang="zh-CN" altLang="en-US"/>
           </a:p>
@@ -2914,7 +2921,7 @@
           <a:p>
             <a:fld id="{017490EB-DE0A-4655-82EB-3694282D5344}" type="datetimeFigureOut">
               <a:rPr lang="zh-CN" altLang="en-US" smtClean="0"/>
-              <a:t>2024/8/30</a:t>
+              <a:t>2024/9/1</a:t>
             </a:fld>
             <a:endParaRPr lang="zh-CN" altLang="en-US"/>
           </a:p>
@@ -4009,7 +4016,1118 @@
 </p:sld>
 </file>
 
+<file path=ppt/slides/slide10.xml><?xml version="1.0" encoding="utf-8"?>
+<p:sld xmlns:a="http://schemas.openxmlformats.org/drawingml/2006/main" xmlns:r="http://schemas.openxmlformats.org/officeDocument/2006/relationships" xmlns:p="http://schemas.openxmlformats.org/presentationml/2006/main">
+  <p:cSld>
+    <p:spTree>
+      <p:nvGrpSpPr>
+        <p:cNvPr id="1" name=""/>
+        <p:cNvGrpSpPr/>
+        <p:nvPr/>
+      </p:nvGrpSpPr>
+      <p:grpSpPr>
+        <a:xfrm>
+          <a:off x="0" y="0"/>
+          <a:ext cx="0" cy="0"/>
+          <a:chOff x="0" y="0"/>
+          <a:chExt cx="0" cy="0"/>
+        </a:xfrm>
+      </p:grpSpPr>
+      <p:grpSp>
+        <p:nvGrpSpPr>
+          <p:cNvPr id="88" name="组合 87">
+            <a:extLst>
+              <a:ext uri="{FF2B5EF4-FFF2-40B4-BE49-F238E27FC236}">
+                <a16:creationId xmlns:a16="http://schemas.microsoft.com/office/drawing/2014/main" id="{B4627483-1207-F61B-9CB4-7B60267EDADE}"/>
+              </a:ext>
+            </a:extLst>
+          </p:cNvPr>
+          <p:cNvGrpSpPr/>
+          <p:nvPr/>
+        </p:nvGrpSpPr>
+        <p:grpSpPr>
+          <a:xfrm>
+            <a:off x="2469982" y="1887098"/>
+            <a:ext cx="7764351" cy="3097233"/>
+            <a:chOff x="2469982" y="1887098"/>
+            <a:chExt cx="7764351" cy="3097233"/>
+          </a:xfrm>
+        </p:grpSpPr>
+        <p:pic>
+          <p:nvPicPr>
+            <p:cNvPr id="83" name="图片 82">
+              <a:extLst>
+                <a:ext uri="{FF2B5EF4-FFF2-40B4-BE49-F238E27FC236}">
+                  <a16:creationId xmlns:a16="http://schemas.microsoft.com/office/drawing/2014/main" id="{6583D8EC-71D9-60A8-3FC0-18A8A62EF940}"/>
+                </a:ext>
+              </a:extLst>
+            </p:cNvPr>
+            <p:cNvPicPr>
+              <a:picLocks noChangeAspect="1"/>
+            </p:cNvPicPr>
+            <p:nvPr/>
+          </p:nvPicPr>
+          <p:blipFill>
+            <a:blip r:embed="rId2"/>
+            <a:stretch>
+              <a:fillRect/>
+            </a:stretch>
+          </p:blipFill>
+          <p:spPr>
+            <a:xfrm>
+              <a:off x="2469982" y="1948063"/>
+              <a:ext cx="3878916" cy="2697714"/>
+            </a:xfrm>
+            <a:prstGeom prst="rect">
+              <a:avLst/>
+            </a:prstGeom>
+          </p:spPr>
+        </p:pic>
+        <p:pic>
+          <p:nvPicPr>
+            <p:cNvPr id="85" name="图片 84">
+              <a:extLst>
+                <a:ext uri="{FF2B5EF4-FFF2-40B4-BE49-F238E27FC236}">
+                  <a16:creationId xmlns:a16="http://schemas.microsoft.com/office/drawing/2014/main" id="{53F37897-CA3A-CDD4-BD0C-8F0E96DED7BC}"/>
+                </a:ext>
+              </a:extLst>
+            </p:cNvPr>
+            <p:cNvPicPr>
+              <a:picLocks noChangeAspect="1"/>
+            </p:cNvPicPr>
+            <p:nvPr/>
+          </p:nvPicPr>
+          <p:blipFill>
+            <a:blip r:embed="rId3"/>
+            <a:stretch>
+              <a:fillRect/>
+            </a:stretch>
+          </p:blipFill>
+          <p:spPr>
+            <a:xfrm>
+              <a:off x="6347796" y="1887098"/>
+              <a:ext cx="3886537" cy="2758679"/>
+            </a:xfrm>
+            <a:prstGeom prst="rect">
+              <a:avLst/>
+            </a:prstGeom>
+          </p:spPr>
+        </p:pic>
+        <p:sp>
+          <p:nvSpPr>
+            <p:cNvPr id="86" name="文本框 85">
+              <a:extLst>
+                <a:ext uri="{FF2B5EF4-FFF2-40B4-BE49-F238E27FC236}">
+                  <a16:creationId xmlns:a16="http://schemas.microsoft.com/office/drawing/2014/main" id="{05FF9536-958A-134D-C50A-07E8D6C89154}"/>
+                </a:ext>
+              </a:extLst>
+            </p:cNvPr>
+            <p:cNvSpPr txBox="1"/>
+            <p:nvPr/>
+          </p:nvSpPr>
+          <p:spPr>
+            <a:xfrm>
+              <a:off x="3479583" y="4645777"/>
+              <a:ext cx="1782860" cy="338554"/>
+            </a:xfrm>
+            <a:prstGeom prst="rect">
+              <a:avLst/>
+            </a:prstGeom>
+            <a:noFill/>
+          </p:spPr>
+          <p:txBody>
+            <a:bodyPr wrap="none" rtlCol="0">
+              <a:spAutoFit/>
+            </a:bodyPr>
+            <a:lstStyle/>
+            <a:p>
+              <a:r>
+                <a:rPr lang="zh-CN" altLang="en-US" sz="1600" b="1" dirty="0">
+                  <a:latin typeface="Times New Roman" panose="02020603050405020304" pitchFamily="18" charset="0"/>
+                  <a:ea typeface="宋体" panose="02010600030101010101" pitchFamily="2" charset="-122"/>
+                  <a:cs typeface="Times New Roman" panose="02020603050405020304" pitchFamily="18" charset="0"/>
+                </a:rPr>
+                <a:t>配筋率大于</a:t>
+              </a:r>
+              <a:r>
+                <a:rPr lang="en-US" altLang="zh-CN" sz="1600" b="1" dirty="0">
+                  <a:latin typeface="Times New Roman" panose="02020603050405020304" pitchFamily="18" charset="0"/>
+                  <a:ea typeface="宋体" panose="02010600030101010101" pitchFamily="2" charset="-122"/>
+                  <a:cs typeface="Times New Roman" panose="02020603050405020304" pitchFamily="18" charset="0"/>
+                </a:rPr>
+                <a:t>0.65%</a:t>
+              </a:r>
+              <a:endParaRPr lang="zh-CN" altLang="en-US" sz="1600" b="1" dirty="0">
+                <a:latin typeface="Times New Roman" panose="02020603050405020304" pitchFamily="18" charset="0"/>
+                <a:ea typeface="宋体" panose="02010600030101010101" pitchFamily="2" charset="-122"/>
+                <a:cs typeface="Times New Roman" panose="02020603050405020304" pitchFamily="18" charset="0"/>
+              </a:endParaRPr>
+            </a:p>
+          </p:txBody>
+        </p:sp>
+        <p:sp>
+          <p:nvSpPr>
+            <p:cNvPr id="87" name="文本框 86">
+              <a:extLst>
+                <a:ext uri="{FF2B5EF4-FFF2-40B4-BE49-F238E27FC236}">
+                  <a16:creationId xmlns:a16="http://schemas.microsoft.com/office/drawing/2014/main" id="{7C630C11-E8C1-9685-5122-1C055F554EB3}"/>
+                </a:ext>
+              </a:extLst>
+            </p:cNvPr>
+            <p:cNvSpPr txBox="1"/>
+            <p:nvPr/>
+          </p:nvSpPr>
+          <p:spPr>
+            <a:xfrm>
+              <a:off x="7337077" y="4645777"/>
+              <a:ext cx="1782860" cy="338554"/>
+            </a:xfrm>
+            <a:prstGeom prst="rect">
+              <a:avLst/>
+            </a:prstGeom>
+            <a:noFill/>
+          </p:spPr>
+          <p:txBody>
+            <a:bodyPr wrap="none" rtlCol="0">
+              <a:spAutoFit/>
+            </a:bodyPr>
+            <a:lstStyle/>
+            <a:p>
+              <a:r>
+                <a:rPr lang="zh-CN" altLang="en-US" sz="1600" b="1" dirty="0">
+                  <a:latin typeface="Times New Roman" panose="02020603050405020304" pitchFamily="18" charset="0"/>
+                  <a:ea typeface="宋体" panose="02010600030101010101" pitchFamily="2" charset="-122"/>
+                  <a:cs typeface="Times New Roman" panose="02020603050405020304" pitchFamily="18" charset="0"/>
+                </a:rPr>
+                <a:t>配筋率小于</a:t>
+              </a:r>
+              <a:r>
+                <a:rPr lang="en-US" altLang="zh-CN" sz="1600" b="1" dirty="0">
+                  <a:latin typeface="Times New Roman" panose="02020603050405020304" pitchFamily="18" charset="0"/>
+                  <a:ea typeface="宋体" panose="02010600030101010101" pitchFamily="2" charset="-122"/>
+                  <a:cs typeface="Times New Roman" panose="02020603050405020304" pitchFamily="18" charset="0"/>
+                </a:rPr>
+                <a:t>0.65%</a:t>
+              </a:r>
+              <a:endParaRPr lang="zh-CN" altLang="en-US" sz="1600" b="1" dirty="0">
+                <a:latin typeface="Times New Roman" panose="02020603050405020304" pitchFamily="18" charset="0"/>
+                <a:ea typeface="宋体" panose="02010600030101010101" pitchFamily="2" charset="-122"/>
+                <a:cs typeface="Times New Roman" panose="02020603050405020304" pitchFamily="18" charset="0"/>
+              </a:endParaRPr>
+            </a:p>
+          </p:txBody>
+        </p:sp>
+      </p:grpSp>
+    </p:spTree>
+    <p:extLst>
+      <p:ext uri="{BB962C8B-B14F-4D97-AF65-F5344CB8AC3E}">
+        <p14:creationId xmlns:p14="http://schemas.microsoft.com/office/powerpoint/2010/main" val="2227995084"/>
+      </p:ext>
+    </p:extLst>
+  </p:cSld>
+  <p:clrMapOvr>
+    <a:masterClrMapping/>
+  </p:clrMapOvr>
+</p:sld>
+</file>
+
+<file path=ppt/slides/slide11.xml><?xml version="1.0" encoding="utf-8"?>
+<p:sld xmlns:a="http://schemas.openxmlformats.org/drawingml/2006/main" xmlns:r="http://schemas.openxmlformats.org/officeDocument/2006/relationships" xmlns:p="http://schemas.openxmlformats.org/presentationml/2006/main">
+  <p:cSld>
+    <p:spTree>
+      <p:nvGrpSpPr>
+        <p:cNvPr id="1" name=""/>
+        <p:cNvGrpSpPr/>
+        <p:nvPr/>
+      </p:nvGrpSpPr>
+      <p:grpSpPr>
+        <a:xfrm>
+          <a:off x="0" y="0"/>
+          <a:ext cx="0" cy="0"/>
+          <a:chOff x="0" y="0"/>
+          <a:chExt cx="0" cy="0"/>
+        </a:xfrm>
+      </p:grpSpPr>
+      <p:grpSp>
+        <p:nvGrpSpPr>
+          <p:cNvPr id="13" name="组合 12">
+            <a:extLst>
+              <a:ext uri="{FF2B5EF4-FFF2-40B4-BE49-F238E27FC236}">
+                <a16:creationId xmlns:a16="http://schemas.microsoft.com/office/drawing/2014/main" id="{7E39B8B9-780F-712D-E0C4-2B7E7B120DF9}"/>
+              </a:ext>
+            </a:extLst>
+          </p:cNvPr>
+          <p:cNvGrpSpPr/>
+          <p:nvPr/>
+        </p:nvGrpSpPr>
+        <p:grpSpPr>
+          <a:xfrm>
+            <a:off x="3431464" y="2682175"/>
+            <a:ext cx="5735472" cy="1486029"/>
+            <a:chOff x="3431464" y="2682175"/>
+            <a:chExt cx="5735472" cy="1486029"/>
+          </a:xfrm>
+        </p:grpSpPr>
+        <p:pic>
+          <p:nvPicPr>
+            <p:cNvPr id="7" name="图片 6">
+              <a:extLst>
+                <a:ext uri="{FF2B5EF4-FFF2-40B4-BE49-F238E27FC236}">
+                  <a16:creationId xmlns:a16="http://schemas.microsoft.com/office/drawing/2014/main" id="{B272C28F-992E-D964-0252-D523906199F5}"/>
+                </a:ext>
+              </a:extLst>
+            </p:cNvPr>
+            <p:cNvPicPr>
+              <a:picLocks noChangeAspect="1"/>
+            </p:cNvPicPr>
+            <p:nvPr/>
+          </p:nvPicPr>
+          <p:blipFill>
+            <a:blip r:embed="rId2"/>
+            <a:stretch>
+              <a:fillRect/>
+            </a:stretch>
+          </p:blipFill>
+          <p:spPr>
+            <a:xfrm>
+              <a:off x="5422824" y="2689796"/>
+              <a:ext cx="1752752" cy="1478408"/>
+            </a:xfrm>
+            <a:prstGeom prst="rect">
+              <a:avLst/>
+            </a:prstGeom>
+          </p:spPr>
+        </p:pic>
+        <p:pic>
+          <p:nvPicPr>
+            <p:cNvPr id="9" name="图片 8">
+              <a:extLst>
+                <a:ext uri="{FF2B5EF4-FFF2-40B4-BE49-F238E27FC236}">
+                  <a16:creationId xmlns:a16="http://schemas.microsoft.com/office/drawing/2014/main" id="{342DE7F1-FE29-B778-1EA9-EE3A85D03DCA}"/>
+                </a:ext>
+              </a:extLst>
+            </p:cNvPr>
+            <p:cNvPicPr>
+              <a:picLocks noChangeAspect="1"/>
+            </p:cNvPicPr>
+            <p:nvPr/>
+          </p:nvPicPr>
+          <p:blipFill>
+            <a:blip r:embed="rId3"/>
+            <a:stretch>
+              <a:fillRect/>
+            </a:stretch>
+          </p:blipFill>
+          <p:spPr>
+            <a:xfrm>
+              <a:off x="3431464" y="2689796"/>
+              <a:ext cx="1752752" cy="1478408"/>
+            </a:xfrm>
+            <a:prstGeom prst="rect">
+              <a:avLst/>
+            </a:prstGeom>
+          </p:spPr>
+        </p:pic>
+        <p:pic>
+          <p:nvPicPr>
+            <p:cNvPr id="12" name="图片 11">
+              <a:extLst>
+                <a:ext uri="{FF2B5EF4-FFF2-40B4-BE49-F238E27FC236}">
+                  <a16:creationId xmlns:a16="http://schemas.microsoft.com/office/drawing/2014/main" id="{7F14437D-A4B5-AD27-CA42-8C90AB2313F0}"/>
+                </a:ext>
+              </a:extLst>
+            </p:cNvPr>
+            <p:cNvPicPr>
+              <a:picLocks noChangeAspect="1"/>
+            </p:cNvPicPr>
+            <p:nvPr/>
+          </p:nvPicPr>
+          <p:blipFill>
+            <a:blip r:embed="rId4"/>
+            <a:stretch>
+              <a:fillRect/>
+            </a:stretch>
+          </p:blipFill>
+          <p:spPr>
+            <a:xfrm>
+              <a:off x="7414184" y="2682175"/>
+              <a:ext cx="1752752" cy="1486029"/>
+            </a:xfrm>
+            <a:prstGeom prst="rect">
+              <a:avLst/>
+            </a:prstGeom>
+          </p:spPr>
+        </p:pic>
+      </p:grpSp>
+    </p:spTree>
+    <p:extLst>
+      <p:ext uri="{BB962C8B-B14F-4D97-AF65-F5344CB8AC3E}">
+        <p14:creationId xmlns:p14="http://schemas.microsoft.com/office/powerpoint/2010/main" val="1300513792"/>
+      </p:ext>
+    </p:extLst>
+  </p:cSld>
+  <p:clrMapOvr>
+    <a:masterClrMapping/>
+  </p:clrMapOvr>
+</p:sld>
+</file>
+
+<file path=ppt/slides/slide12.xml><?xml version="1.0" encoding="utf-8"?>
+<p:sld xmlns:a="http://schemas.openxmlformats.org/drawingml/2006/main" xmlns:r="http://schemas.openxmlformats.org/officeDocument/2006/relationships" xmlns:p="http://schemas.openxmlformats.org/presentationml/2006/main">
+  <p:cSld>
+    <p:spTree>
+      <p:nvGrpSpPr>
+        <p:cNvPr id="1" name=""/>
+        <p:cNvGrpSpPr/>
+        <p:nvPr/>
+      </p:nvGrpSpPr>
+      <p:grpSpPr>
+        <a:xfrm>
+          <a:off x="0" y="0"/>
+          <a:ext cx="0" cy="0"/>
+          <a:chOff x="0" y="0"/>
+          <a:chExt cx="0" cy="0"/>
+        </a:xfrm>
+      </p:grpSpPr>
+    </p:spTree>
+    <p:extLst>
+      <p:ext uri="{BB962C8B-B14F-4D97-AF65-F5344CB8AC3E}">
+        <p14:creationId xmlns:p14="http://schemas.microsoft.com/office/powerpoint/2010/main" val="912316073"/>
+      </p:ext>
+    </p:extLst>
+  </p:cSld>
+  <p:clrMapOvr>
+    <a:masterClrMapping/>
+  </p:clrMapOvr>
+</p:sld>
+</file>
+
+<file path=ppt/slides/slide13.xml><?xml version="1.0" encoding="utf-8"?>
+<p:sld xmlns:a="http://schemas.openxmlformats.org/drawingml/2006/main" xmlns:r="http://schemas.openxmlformats.org/officeDocument/2006/relationships" xmlns:p="http://schemas.openxmlformats.org/presentationml/2006/main">
+  <p:cSld>
+    <p:spTree>
+      <p:nvGrpSpPr>
+        <p:cNvPr id="1" name=""/>
+        <p:cNvGrpSpPr/>
+        <p:nvPr/>
+      </p:nvGrpSpPr>
+      <p:grpSpPr>
+        <a:xfrm>
+          <a:off x="0" y="0"/>
+          <a:ext cx="0" cy="0"/>
+          <a:chOff x="0" y="0"/>
+          <a:chExt cx="0" cy="0"/>
+        </a:xfrm>
+      </p:grpSpPr>
+    </p:spTree>
+    <p:extLst>
+      <p:ext uri="{BB962C8B-B14F-4D97-AF65-F5344CB8AC3E}">
+        <p14:creationId xmlns:p14="http://schemas.microsoft.com/office/powerpoint/2010/main" val="877194045"/>
+      </p:ext>
+    </p:extLst>
+  </p:cSld>
+  <p:clrMapOvr>
+    <a:masterClrMapping/>
+  </p:clrMapOvr>
+</p:sld>
+</file>
+
 <file path=ppt/slides/slide2.xml><?xml version="1.0" encoding="utf-8"?>
+<p:sld xmlns:a="http://schemas.openxmlformats.org/drawingml/2006/main" xmlns:r="http://schemas.openxmlformats.org/officeDocument/2006/relationships" xmlns:p="http://schemas.openxmlformats.org/presentationml/2006/main">
+  <p:cSld>
+    <p:spTree>
+      <p:nvGrpSpPr>
+        <p:cNvPr id="1" name=""/>
+        <p:cNvGrpSpPr/>
+        <p:nvPr/>
+      </p:nvGrpSpPr>
+      <p:grpSpPr>
+        <a:xfrm>
+          <a:off x="0" y="0"/>
+          <a:ext cx="0" cy="0"/>
+          <a:chOff x="0" y="0"/>
+          <a:chExt cx="0" cy="0"/>
+        </a:xfrm>
+      </p:grpSpPr>
+      <p:grpSp>
+        <p:nvGrpSpPr>
+          <p:cNvPr id="2" name="组合 1">
+            <a:extLst>
+              <a:ext uri="{FF2B5EF4-FFF2-40B4-BE49-F238E27FC236}">
+                <a16:creationId xmlns:a16="http://schemas.microsoft.com/office/drawing/2014/main" id="{FA67ED5B-6C80-5D60-64CF-BEEAC3188438}"/>
+              </a:ext>
+            </a:extLst>
+          </p:cNvPr>
+          <p:cNvGrpSpPr/>
+          <p:nvPr/>
+        </p:nvGrpSpPr>
+        <p:grpSpPr>
+          <a:xfrm>
+            <a:off x="3005729" y="1563289"/>
+            <a:ext cx="5054296" cy="2935449"/>
+            <a:chOff x="3005729" y="1563289"/>
+            <a:chExt cx="5054296" cy="2935449"/>
+          </a:xfrm>
+        </p:grpSpPr>
+        <p:sp>
+          <p:nvSpPr>
+            <p:cNvPr id="3" name="文本框 2">
+              <a:extLst>
+                <a:ext uri="{FF2B5EF4-FFF2-40B4-BE49-F238E27FC236}">
+                  <a16:creationId xmlns:a16="http://schemas.microsoft.com/office/drawing/2014/main" id="{13518F1D-930F-655F-56D8-0ED9BA35D08C}"/>
+                </a:ext>
+              </a:extLst>
+            </p:cNvPr>
+            <p:cNvSpPr txBox="1"/>
+            <p:nvPr/>
+          </p:nvSpPr>
+          <p:spPr>
+            <a:xfrm>
+              <a:off x="3990327" y="4129406"/>
+              <a:ext cx="2973891" cy="369332"/>
+            </a:xfrm>
+            <a:prstGeom prst="rect">
+              <a:avLst/>
+            </a:prstGeom>
+            <a:noFill/>
+          </p:spPr>
+          <p:txBody>
+            <a:bodyPr wrap="none" rtlCol="0">
+              <a:spAutoFit/>
+            </a:bodyPr>
+            <a:lstStyle/>
+            <a:p>
+              <a:r>
+                <a:rPr lang="zh-CN" altLang="en-US" b="1" dirty="0">
+                  <a:latin typeface="宋体" panose="02010600030101010101" pitchFamily="2" charset="-122"/>
+                  <a:ea typeface="宋体" panose="02010600030101010101" pitchFamily="2" charset="-122"/>
+                </a:rPr>
+                <a:t>双立柱柱墩计算参数示意图</a:t>
+              </a:r>
+            </a:p>
+          </p:txBody>
+        </p:sp>
+        <p:grpSp>
+          <p:nvGrpSpPr>
+            <p:cNvPr id="4" name="组合 3">
+              <a:extLst>
+                <a:ext uri="{FF2B5EF4-FFF2-40B4-BE49-F238E27FC236}">
+                  <a16:creationId xmlns:a16="http://schemas.microsoft.com/office/drawing/2014/main" id="{4AD26B93-490F-C2AF-5779-4AC8C1C3D00D}"/>
+                </a:ext>
+              </a:extLst>
+            </p:cNvPr>
+            <p:cNvGrpSpPr/>
+            <p:nvPr/>
+          </p:nvGrpSpPr>
+          <p:grpSpPr>
+            <a:xfrm>
+              <a:off x="3005729" y="1563289"/>
+              <a:ext cx="5054296" cy="2493361"/>
+              <a:chOff x="3005729" y="1563289"/>
+              <a:chExt cx="5054296" cy="2493361"/>
+            </a:xfrm>
+          </p:grpSpPr>
+          <p:pic>
+            <p:nvPicPr>
+              <p:cNvPr id="5" name="图片 4">
+                <a:extLst>
+                  <a:ext uri="{FF2B5EF4-FFF2-40B4-BE49-F238E27FC236}">
+                    <a16:creationId xmlns:a16="http://schemas.microsoft.com/office/drawing/2014/main" id="{1FB867C7-A647-5F01-AE86-F20CF01A9451}"/>
+                  </a:ext>
+                </a:extLst>
+              </p:cNvPr>
+              <p:cNvPicPr>
+                <a:picLocks noChangeAspect="1"/>
+              </p:cNvPicPr>
+              <p:nvPr/>
+            </p:nvPicPr>
+            <p:blipFill>
+              <a:blip r:embed="rId2">
+                <a:extLst>
+                  <a:ext uri="{28A0092B-C50C-407E-A947-70E740481C1C}">
+                    <a14:useLocalDpi xmlns:a14="http://schemas.microsoft.com/office/drawing/2010/main" val="0"/>
+                  </a:ext>
+                </a:extLst>
+              </a:blip>
+              <a:stretch>
+                <a:fillRect/>
+              </a:stretch>
+            </p:blipFill>
+            <p:spPr>
+              <a:xfrm>
+                <a:off x="3777672" y="1563289"/>
+                <a:ext cx="4282353" cy="1997650"/>
+              </a:xfrm>
+              <a:prstGeom prst="rect">
+                <a:avLst/>
+              </a:prstGeom>
+            </p:spPr>
+          </p:pic>
+          <p:grpSp>
+            <p:nvGrpSpPr>
+              <p:cNvPr id="6" name="组合 5">
+                <a:extLst>
+                  <a:ext uri="{FF2B5EF4-FFF2-40B4-BE49-F238E27FC236}">
+                    <a16:creationId xmlns:a16="http://schemas.microsoft.com/office/drawing/2014/main" id="{860D753F-0BD9-F25B-F477-28ED02EC775D}"/>
+                  </a:ext>
+                </a:extLst>
+              </p:cNvPr>
+              <p:cNvGrpSpPr/>
+              <p:nvPr/>
+            </p:nvGrpSpPr>
+            <p:grpSpPr>
+              <a:xfrm rot="4998888">
+                <a:off x="5286341" y="2302079"/>
+                <a:ext cx="233834" cy="1976878"/>
+                <a:chOff x="3776337" y="848410"/>
+                <a:chExt cx="300338" cy="1023950"/>
+              </a:xfrm>
+            </p:grpSpPr>
+            <p:cxnSp>
+              <p:nvCxnSpPr>
+                <p:cNvPr id="17" name="直接箭头连接符 16">
+                  <a:extLst>
+                    <a:ext uri="{FF2B5EF4-FFF2-40B4-BE49-F238E27FC236}">
+                      <a16:creationId xmlns:a16="http://schemas.microsoft.com/office/drawing/2014/main" id="{B05A2F6E-DDF7-15FD-133A-9F15B4F32FE1}"/>
+                    </a:ext>
+                  </a:extLst>
+                </p:cNvPr>
+                <p:cNvCxnSpPr/>
+                <p:nvPr/>
+              </p:nvCxnSpPr>
+              <p:spPr>
+                <a:xfrm>
+                  <a:off x="3926506" y="848703"/>
+                  <a:ext cx="0" cy="1022199"/>
+                </a:xfrm>
+                <a:prstGeom prst="straightConnector1">
+                  <a:avLst/>
+                </a:prstGeom>
+                <a:ln w="12700">
+                  <a:solidFill>
+                    <a:srgbClr val="FF0000"/>
+                  </a:solidFill>
+                  <a:headEnd type="triangle" w="med" len="med"/>
+                  <a:tailEnd type="triangle" w="med" len="med"/>
+                </a:ln>
+              </p:spPr>
+              <p:style>
+                <a:lnRef idx="1">
+                  <a:schemeClr val="accent1"/>
+                </a:lnRef>
+                <a:fillRef idx="0">
+                  <a:schemeClr val="accent1"/>
+                </a:fillRef>
+                <a:effectRef idx="0">
+                  <a:schemeClr val="accent1"/>
+                </a:effectRef>
+                <a:fontRef idx="minor">
+                  <a:schemeClr val="tx1"/>
+                </a:fontRef>
+              </p:style>
+            </p:cxnSp>
+            <p:cxnSp>
+              <p:nvCxnSpPr>
+                <p:cNvPr id="18" name="直接连接符 17">
+                  <a:extLst>
+                    <a:ext uri="{FF2B5EF4-FFF2-40B4-BE49-F238E27FC236}">
+                      <a16:creationId xmlns:a16="http://schemas.microsoft.com/office/drawing/2014/main" id="{9FB87556-C820-F3EA-77F4-62B42AA6F129}"/>
+                    </a:ext>
+                  </a:extLst>
+                </p:cNvPr>
+                <p:cNvCxnSpPr/>
+                <p:nvPr/>
+              </p:nvCxnSpPr>
+              <p:spPr>
+                <a:xfrm>
+                  <a:off x="3776337" y="848410"/>
+                  <a:ext cx="300338" cy="0"/>
+                </a:xfrm>
+                <a:prstGeom prst="line">
+                  <a:avLst/>
+                </a:prstGeom>
+                <a:ln w="12700">
+                  <a:solidFill>
+                    <a:srgbClr val="FF0000"/>
+                  </a:solidFill>
+                </a:ln>
+              </p:spPr>
+              <p:style>
+                <a:lnRef idx="1">
+                  <a:schemeClr val="accent1"/>
+                </a:lnRef>
+                <a:fillRef idx="0">
+                  <a:schemeClr val="accent1"/>
+                </a:fillRef>
+                <a:effectRef idx="0">
+                  <a:schemeClr val="accent1"/>
+                </a:effectRef>
+                <a:fontRef idx="minor">
+                  <a:schemeClr val="tx1"/>
+                </a:fontRef>
+              </p:style>
+            </p:cxnSp>
+            <p:cxnSp>
+              <p:nvCxnSpPr>
+                <p:cNvPr id="19" name="直接连接符 18">
+                  <a:extLst>
+                    <a:ext uri="{FF2B5EF4-FFF2-40B4-BE49-F238E27FC236}">
+                      <a16:creationId xmlns:a16="http://schemas.microsoft.com/office/drawing/2014/main" id="{230B33B7-3CC8-50A6-76FC-0DAA64B0A4E1}"/>
+                    </a:ext>
+                  </a:extLst>
+                </p:cNvPr>
+                <p:cNvCxnSpPr/>
+                <p:nvPr/>
+              </p:nvCxnSpPr>
+              <p:spPr>
+                <a:xfrm>
+                  <a:off x="3776337" y="1872360"/>
+                  <a:ext cx="300338" cy="0"/>
+                </a:xfrm>
+                <a:prstGeom prst="line">
+                  <a:avLst/>
+                </a:prstGeom>
+                <a:ln w="12700">
+                  <a:solidFill>
+                    <a:srgbClr val="FF0000"/>
+                  </a:solidFill>
+                </a:ln>
+              </p:spPr>
+              <p:style>
+                <a:lnRef idx="1">
+                  <a:schemeClr val="accent1"/>
+                </a:lnRef>
+                <a:fillRef idx="0">
+                  <a:schemeClr val="accent1"/>
+                </a:fillRef>
+                <a:effectRef idx="0">
+                  <a:schemeClr val="accent1"/>
+                </a:effectRef>
+                <a:fontRef idx="minor">
+                  <a:schemeClr val="tx1"/>
+                </a:fontRef>
+              </p:style>
+            </p:cxnSp>
+          </p:grpSp>
+          <p:sp>
+            <p:nvSpPr>
+              <p:cNvPr id="7" name="文本框 6">
+                <a:extLst>
+                  <a:ext uri="{FF2B5EF4-FFF2-40B4-BE49-F238E27FC236}">
+                    <a16:creationId xmlns:a16="http://schemas.microsoft.com/office/drawing/2014/main" id="{55480436-5A04-535B-9BBF-DCC0792D3EDE}"/>
+                  </a:ext>
+                </a:extLst>
+              </p:cNvPr>
+              <p:cNvSpPr txBox="1"/>
+              <p:nvPr/>
+            </p:nvSpPr>
+            <p:spPr>
+              <a:xfrm>
+                <a:off x="3005729" y="3687318"/>
+                <a:ext cx="1760235" cy="369332"/>
+              </a:xfrm>
+              <a:prstGeom prst="rect">
+                <a:avLst/>
+              </a:prstGeom>
+              <a:noFill/>
+            </p:spPr>
+            <p:txBody>
+              <a:bodyPr wrap="square" rtlCol="0">
+                <a:spAutoFit/>
+              </a:bodyPr>
+              <a:lstStyle/>
+              <a:p>
+                <a:r>
+                  <a:rPr lang="zh-CN" altLang="en-US" dirty="0">
+                    <a:solidFill>
+                      <a:srgbClr val="FF0000"/>
+                    </a:solidFill>
+                    <a:latin typeface="宋体" panose="02010600030101010101" pitchFamily="2" charset="-122"/>
+                    <a:ea typeface="宋体" panose="02010600030101010101" pitchFamily="2" charset="-122"/>
+                  </a:rPr>
+                  <a:t>前后立柱间距</a:t>
+                </a:r>
+              </a:p>
+            </p:txBody>
+          </p:sp>
+          <p:cxnSp>
+            <p:nvCxnSpPr>
+              <p:cNvPr id="8" name="直接箭头连接符 7">
+                <a:extLst>
+                  <a:ext uri="{FF2B5EF4-FFF2-40B4-BE49-F238E27FC236}">
+                    <a16:creationId xmlns:a16="http://schemas.microsoft.com/office/drawing/2014/main" id="{89E17EE0-24EF-4D70-65FD-2DF308BE9C60}"/>
+                  </a:ext>
+                </a:extLst>
+              </p:cNvPr>
+              <p:cNvCxnSpPr>
+                <a:cxnSpLocks/>
+              </p:cNvCxnSpPr>
+              <p:nvPr/>
+            </p:nvCxnSpPr>
+            <p:spPr>
+              <a:xfrm flipH="1" flipV="1">
+                <a:off x="5713917" y="3269164"/>
+                <a:ext cx="204931" cy="308304"/>
+              </a:xfrm>
+              <a:prstGeom prst="straightConnector1">
+                <a:avLst/>
+              </a:prstGeom>
+              <a:ln>
+                <a:solidFill>
+                  <a:srgbClr val="FF0000"/>
+                </a:solidFill>
+                <a:headEnd w="sm" len="sm"/>
+                <a:tailEnd type="triangle" w="sm" len="sm"/>
+              </a:ln>
+            </p:spPr>
+            <p:style>
+              <a:lnRef idx="1">
+                <a:schemeClr val="accent1"/>
+              </a:lnRef>
+              <a:fillRef idx="0">
+                <a:schemeClr val="accent1"/>
+              </a:fillRef>
+              <a:effectRef idx="0">
+                <a:schemeClr val="accent1"/>
+              </a:effectRef>
+              <a:fontRef idx="minor">
+                <a:schemeClr val="tx1"/>
+              </a:fontRef>
+            </p:style>
+          </p:cxnSp>
+          <p:grpSp>
+            <p:nvGrpSpPr>
+              <p:cNvPr id="9" name="组合 8">
+                <a:extLst>
+                  <a:ext uri="{FF2B5EF4-FFF2-40B4-BE49-F238E27FC236}">
+                    <a16:creationId xmlns:a16="http://schemas.microsoft.com/office/drawing/2014/main" id="{9F937B57-0C3D-56C0-43F7-6533498B3570}"/>
+                  </a:ext>
+                </a:extLst>
+              </p:cNvPr>
+              <p:cNvGrpSpPr/>
+              <p:nvPr/>
+            </p:nvGrpSpPr>
+            <p:grpSpPr>
+              <a:xfrm rot="9386867">
+                <a:off x="4048129" y="2802905"/>
+                <a:ext cx="136773" cy="486656"/>
+                <a:chOff x="3776337" y="848410"/>
+                <a:chExt cx="300338" cy="1023950"/>
+              </a:xfrm>
+            </p:grpSpPr>
+            <p:cxnSp>
+              <p:nvCxnSpPr>
+                <p:cNvPr id="14" name="直接箭头连接符 13">
+                  <a:extLst>
+                    <a:ext uri="{FF2B5EF4-FFF2-40B4-BE49-F238E27FC236}">
+                      <a16:creationId xmlns:a16="http://schemas.microsoft.com/office/drawing/2014/main" id="{B8290A22-7457-733C-7FF1-AA5DD645B514}"/>
+                    </a:ext>
+                  </a:extLst>
+                </p:cNvPr>
+                <p:cNvCxnSpPr/>
+                <p:nvPr/>
+              </p:nvCxnSpPr>
+              <p:spPr>
+                <a:xfrm>
+                  <a:off x="3926506" y="848703"/>
+                  <a:ext cx="0" cy="1022199"/>
+                </a:xfrm>
+                <a:prstGeom prst="straightConnector1">
+                  <a:avLst/>
+                </a:prstGeom>
+                <a:ln w="12700">
+                  <a:solidFill>
+                    <a:srgbClr val="FF0000"/>
+                  </a:solidFill>
+                  <a:headEnd type="triangle" w="med" len="med"/>
+                  <a:tailEnd type="triangle" w="med" len="med"/>
+                </a:ln>
+              </p:spPr>
+              <p:style>
+                <a:lnRef idx="1">
+                  <a:schemeClr val="accent1"/>
+                </a:lnRef>
+                <a:fillRef idx="0">
+                  <a:schemeClr val="accent1"/>
+                </a:fillRef>
+                <a:effectRef idx="0">
+                  <a:schemeClr val="accent1"/>
+                </a:effectRef>
+                <a:fontRef idx="minor">
+                  <a:schemeClr val="tx1"/>
+                </a:fontRef>
+              </p:style>
+            </p:cxnSp>
+            <p:cxnSp>
+              <p:nvCxnSpPr>
+                <p:cNvPr id="15" name="直接连接符 14">
+                  <a:extLst>
+                    <a:ext uri="{FF2B5EF4-FFF2-40B4-BE49-F238E27FC236}">
+                      <a16:creationId xmlns:a16="http://schemas.microsoft.com/office/drawing/2014/main" id="{652E0085-206B-3D3A-346C-A354CCDF904D}"/>
+                    </a:ext>
+                  </a:extLst>
+                </p:cNvPr>
+                <p:cNvCxnSpPr/>
+                <p:nvPr/>
+              </p:nvCxnSpPr>
+              <p:spPr>
+                <a:xfrm>
+                  <a:off x="3776337" y="848410"/>
+                  <a:ext cx="300338" cy="0"/>
+                </a:xfrm>
+                <a:prstGeom prst="line">
+                  <a:avLst/>
+                </a:prstGeom>
+                <a:ln w="12700">
+                  <a:solidFill>
+                    <a:srgbClr val="FF0000"/>
+                  </a:solidFill>
+                </a:ln>
+              </p:spPr>
+              <p:style>
+                <a:lnRef idx="1">
+                  <a:schemeClr val="accent1"/>
+                </a:lnRef>
+                <a:fillRef idx="0">
+                  <a:schemeClr val="accent1"/>
+                </a:fillRef>
+                <a:effectRef idx="0">
+                  <a:schemeClr val="accent1"/>
+                </a:effectRef>
+                <a:fontRef idx="minor">
+                  <a:schemeClr val="tx1"/>
+                </a:fontRef>
+              </p:style>
+            </p:cxnSp>
+            <p:cxnSp>
+              <p:nvCxnSpPr>
+                <p:cNvPr id="16" name="直接连接符 15">
+                  <a:extLst>
+                    <a:ext uri="{FF2B5EF4-FFF2-40B4-BE49-F238E27FC236}">
+                      <a16:creationId xmlns:a16="http://schemas.microsoft.com/office/drawing/2014/main" id="{0F2D17BD-C99D-C7E2-E69F-E84B9E078EE4}"/>
+                    </a:ext>
+                  </a:extLst>
+                </p:cNvPr>
+                <p:cNvCxnSpPr/>
+                <p:nvPr/>
+              </p:nvCxnSpPr>
+              <p:spPr>
+                <a:xfrm>
+                  <a:off x="3776337" y="1872360"/>
+                  <a:ext cx="300338" cy="0"/>
+                </a:xfrm>
+                <a:prstGeom prst="line">
+                  <a:avLst/>
+                </a:prstGeom>
+                <a:ln w="12700">
+                  <a:solidFill>
+                    <a:srgbClr val="FF0000"/>
+                  </a:solidFill>
+                </a:ln>
+              </p:spPr>
+              <p:style>
+                <a:lnRef idx="1">
+                  <a:schemeClr val="accent1"/>
+                </a:lnRef>
+                <a:fillRef idx="0">
+                  <a:schemeClr val="accent1"/>
+                </a:fillRef>
+                <a:effectRef idx="0">
+                  <a:schemeClr val="accent1"/>
+                </a:effectRef>
+                <a:fontRef idx="minor">
+                  <a:schemeClr val="tx1"/>
+                </a:fontRef>
+              </p:style>
+            </p:cxnSp>
+          </p:grpSp>
+          <p:sp>
+            <p:nvSpPr>
+              <p:cNvPr id="10" name="文本框 9">
+                <a:extLst>
+                  <a:ext uri="{FF2B5EF4-FFF2-40B4-BE49-F238E27FC236}">
+                    <a16:creationId xmlns:a16="http://schemas.microsoft.com/office/drawing/2014/main" id="{2B845781-8181-251A-EDDB-35DB3D46C6C1}"/>
+                  </a:ext>
+                </a:extLst>
+              </p:cNvPr>
+              <p:cNvSpPr txBox="1"/>
+              <p:nvPr/>
+            </p:nvSpPr>
+            <p:spPr>
+              <a:xfrm>
+                <a:off x="4897457" y="3550781"/>
+                <a:ext cx="1587135" cy="369332"/>
+              </a:xfrm>
+              <a:prstGeom prst="rect">
+                <a:avLst/>
+              </a:prstGeom>
+              <a:noFill/>
+            </p:spPr>
+            <p:txBody>
+              <a:bodyPr wrap="square" rtlCol="0">
+                <a:spAutoFit/>
+              </a:bodyPr>
+              <a:lstStyle/>
+              <a:p>
+                <a:r>
+                  <a:rPr lang="zh-CN" altLang="en-US" dirty="0">
+                    <a:solidFill>
+                      <a:srgbClr val="FF0000"/>
+                    </a:solidFill>
+                    <a:latin typeface="宋体" panose="02010600030101010101" pitchFamily="2" charset="-122"/>
+                    <a:ea typeface="宋体" panose="02010600030101010101" pitchFamily="2" charset="-122"/>
+                  </a:rPr>
+                  <a:t>支架纵向间距</a:t>
+                </a:r>
+              </a:p>
+            </p:txBody>
+          </p:sp>
+          <p:cxnSp>
+            <p:nvCxnSpPr>
+              <p:cNvPr id="11" name="直接箭头连接符 10">
+                <a:extLst>
+                  <a:ext uri="{FF2B5EF4-FFF2-40B4-BE49-F238E27FC236}">
+                    <a16:creationId xmlns:a16="http://schemas.microsoft.com/office/drawing/2014/main" id="{3E959AE7-DAE6-0220-C366-B3E5A251B381}"/>
+                  </a:ext>
+                </a:extLst>
+              </p:cNvPr>
+              <p:cNvCxnSpPr>
+                <a:cxnSpLocks/>
+              </p:cNvCxnSpPr>
+              <p:nvPr/>
+            </p:nvCxnSpPr>
+            <p:spPr>
+              <a:xfrm flipV="1">
+                <a:off x="3712722" y="3241964"/>
+                <a:ext cx="243873" cy="436675"/>
+              </a:xfrm>
+              <a:prstGeom prst="straightConnector1">
+                <a:avLst/>
+              </a:prstGeom>
+              <a:ln>
+                <a:solidFill>
+                  <a:srgbClr val="FF0000"/>
+                </a:solidFill>
+                <a:headEnd w="sm" len="sm"/>
+                <a:tailEnd type="triangle" w="sm" len="sm"/>
+              </a:ln>
+            </p:spPr>
+            <p:style>
+              <a:lnRef idx="1">
+                <a:schemeClr val="accent1"/>
+              </a:lnRef>
+              <a:fillRef idx="0">
+                <a:schemeClr val="accent1"/>
+              </a:fillRef>
+              <a:effectRef idx="0">
+                <a:schemeClr val="accent1"/>
+              </a:effectRef>
+              <a:fontRef idx="minor">
+                <a:schemeClr val="tx1"/>
+              </a:fontRef>
+            </p:style>
+          </p:cxnSp>
+          <p:cxnSp>
+            <p:nvCxnSpPr>
+              <p:cNvPr id="12" name="直接箭头连接符 11">
+                <a:extLst>
+                  <a:ext uri="{FF2B5EF4-FFF2-40B4-BE49-F238E27FC236}">
+                    <a16:creationId xmlns:a16="http://schemas.microsoft.com/office/drawing/2014/main" id="{3C3ECB03-3497-7CD4-C607-D6E25B74A10D}"/>
+                  </a:ext>
+                </a:extLst>
+              </p:cNvPr>
+              <p:cNvCxnSpPr>
+                <a:cxnSpLocks/>
+              </p:cNvCxnSpPr>
+              <p:nvPr/>
+            </p:nvCxnSpPr>
+            <p:spPr>
+              <a:xfrm flipH="1" flipV="1">
+                <a:off x="6437284" y="3026859"/>
+                <a:ext cx="526934" cy="370840"/>
+              </a:xfrm>
+              <a:prstGeom prst="straightConnector1">
+                <a:avLst/>
+              </a:prstGeom>
+              <a:ln w="19050">
+                <a:solidFill>
+                  <a:srgbClr val="FF0000"/>
+                </a:solidFill>
+                <a:tailEnd type="triangle"/>
+              </a:ln>
+            </p:spPr>
+            <p:style>
+              <a:lnRef idx="1">
+                <a:schemeClr val="accent1"/>
+              </a:lnRef>
+              <a:fillRef idx="0">
+                <a:schemeClr val="accent1"/>
+              </a:fillRef>
+              <a:effectRef idx="0">
+                <a:schemeClr val="accent1"/>
+              </a:effectRef>
+              <a:fontRef idx="minor">
+                <a:schemeClr val="tx1"/>
+              </a:fontRef>
+            </p:style>
+          </p:cxnSp>
+          <p:sp>
+            <p:nvSpPr>
+              <p:cNvPr id="13" name="文本框 12">
+                <a:extLst>
+                  <a:ext uri="{FF2B5EF4-FFF2-40B4-BE49-F238E27FC236}">
+                    <a16:creationId xmlns:a16="http://schemas.microsoft.com/office/drawing/2014/main" id="{1F20A5D1-314F-B543-CFB5-95A4E21F12EB}"/>
+                  </a:ext>
+                </a:extLst>
+              </p:cNvPr>
+              <p:cNvSpPr txBox="1"/>
+              <p:nvPr/>
+            </p:nvSpPr>
+            <p:spPr>
+              <a:xfrm>
+                <a:off x="6549542" y="3376273"/>
+                <a:ext cx="1119395" cy="369332"/>
+              </a:xfrm>
+              <a:prstGeom prst="rect">
+                <a:avLst/>
+              </a:prstGeom>
+              <a:noFill/>
+            </p:spPr>
+            <p:txBody>
+              <a:bodyPr wrap="square" rtlCol="0">
+                <a:spAutoFit/>
+              </a:bodyPr>
+              <a:lstStyle/>
+              <a:p>
+                <a:r>
+                  <a:rPr lang="zh-CN" altLang="en-US" dirty="0">
+                    <a:solidFill>
+                      <a:srgbClr val="FF0000"/>
+                    </a:solidFill>
+                    <a:latin typeface="宋体" panose="02010600030101010101" pitchFamily="2" charset="-122"/>
+                    <a:ea typeface="宋体" panose="02010600030101010101" pitchFamily="2" charset="-122"/>
+                  </a:rPr>
+                  <a:t>条基外伸</a:t>
+                </a:r>
+              </a:p>
+            </p:txBody>
+          </p:sp>
+        </p:grpSp>
+      </p:grpSp>
+    </p:spTree>
+    <p:extLst>
+      <p:ext uri="{BB962C8B-B14F-4D97-AF65-F5344CB8AC3E}">
+        <p14:creationId xmlns:p14="http://schemas.microsoft.com/office/powerpoint/2010/main" val="2902911220"/>
+      </p:ext>
+    </p:extLst>
+  </p:cSld>
+  <p:clrMapOvr>
+    <a:masterClrMapping/>
+  </p:clrMapOvr>
+</p:sld>
+</file>
+
+<file path=ppt/slides/slide3.xml><?xml version="1.0" encoding="utf-8"?>
 <p:sld xmlns:a="http://schemas.openxmlformats.org/drawingml/2006/main" xmlns:r="http://schemas.openxmlformats.org/officeDocument/2006/relationships" xmlns:p="http://schemas.openxmlformats.org/presentationml/2006/main">
   <p:cSld>
     <p:spTree>
@@ -4591,7 +5709,7 @@
 </p:sld>
 </file>
 
-<file path=ppt/slides/slide3.xml><?xml version="1.0" encoding="utf-8"?>
+<file path=ppt/slides/slide4.xml><?xml version="1.0" encoding="utf-8"?>
 <p:sld xmlns:a="http://schemas.openxmlformats.org/drawingml/2006/main" xmlns:r="http://schemas.openxmlformats.org/officeDocument/2006/relationships" xmlns:p="http://schemas.openxmlformats.org/presentationml/2006/main">
   <p:cSld>
     <p:spTree>
@@ -5434,7 +6552,7 @@
 </p:sld>
 </file>
 
-<file path=ppt/slides/slide4.xml><?xml version="1.0" encoding="utf-8"?>
+<file path=ppt/slides/slide5.xml><?xml version="1.0" encoding="utf-8"?>
 <p:sld xmlns:a="http://schemas.openxmlformats.org/drawingml/2006/main" xmlns:r="http://schemas.openxmlformats.org/officeDocument/2006/relationships" xmlns:p="http://schemas.openxmlformats.org/presentationml/2006/main">
   <p:cSld>
     <p:spTree>
@@ -5453,10 +6571,10 @@
       </p:grpSpPr>
       <p:grpSp>
         <p:nvGrpSpPr>
-          <p:cNvPr id="111" name="组合 110">
+          <p:cNvPr id="10" name="组合 9">
             <a:extLst>
               <a:ext uri="{FF2B5EF4-FFF2-40B4-BE49-F238E27FC236}">
-                <a16:creationId xmlns:a16="http://schemas.microsoft.com/office/drawing/2014/main" id="{995D7D64-412D-3D0D-2A16-93FEAB339D7A}"/>
+                <a16:creationId xmlns:a16="http://schemas.microsoft.com/office/drawing/2014/main" id="{BFDD7A47-211B-60A8-5CB0-D8292FC59BA5}"/>
               </a:ext>
             </a:extLst>
           </p:cNvPr>
@@ -5471,12 +6589,3300 @@
             <a:chExt cx="3706864" cy="4112215"/>
           </a:xfrm>
         </p:grpSpPr>
+        <p:grpSp>
+          <p:nvGrpSpPr>
+            <p:cNvPr id="111" name="组合 110">
+              <a:extLst>
+                <a:ext uri="{FF2B5EF4-FFF2-40B4-BE49-F238E27FC236}">
+                  <a16:creationId xmlns:a16="http://schemas.microsoft.com/office/drawing/2014/main" id="{995D7D64-412D-3D0D-2A16-93FEAB339D7A}"/>
+                </a:ext>
+              </a:extLst>
+            </p:cNvPr>
+            <p:cNvGrpSpPr/>
+            <p:nvPr/>
+          </p:nvGrpSpPr>
+          <p:grpSpPr>
+            <a:xfrm>
+              <a:off x="3009900" y="694521"/>
+              <a:ext cx="3706864" cy="4112215"/>
+              <a:chOff x="3009900" y="694521"/>
+              <a:chExt cx="3706864" cy="4112215"/>
+            </a:xfrm>
+          </p:grpSpPr>
+          <p:sp>
+            <p:nvSpPr>
+              <p:cNvPr id="98" name="矩形 97">
+                <a:extLst>
+                  <a:ext uri="{FF2B5EF4-FFF2-40B4-BE49-F238E27FC236}">
+                    <a16:creationId xmlns:a16="http://schemas.microsoft.com/office/drawing/2014/main" id="{CEE61DBD-F79A-D8BF-1150-26F944D5BF4F}"/>
+                  </a:ext>
+                </a:extLst>
+              </p:cNvPr>
+              <p:cNvSpPr/>
+              <p:nvPr/>
+            </p:nvSpPr>
+            <p:spPr>
+              <a:xfrm>
+                <a:off x="3009900" y="3459458"/>
+                <a:ext cx="3686175" cy="987183"/>
+              </a:xfrm>
+              <a:prstGeom prst="rect">
+                <a:avLst/>
+              </a:prstGeom>
+              <a:solidFill>
+                <a:schemeClr val="accent2">
+                  <a:lumMod val="20000"/>
+                  <a:lumOff val="80000"/>
+                </a:schemeClr>
+              </a:solidFill>
+              <a:ln>
+                <a:noFill/>
+              </a:ln>
+            </p:spPr>
+            <p:style>
+              <a:lnRef idx="2">
+                <a:schemeClr val="accent1">
+                  <a:shade val="15000"/>
+                </a:schemeClr>
+              </a:lnRef>
+              <a:fillRef idx="1">
+                <a:schemeClr val="accent1"/>
+              </a:fillRef>
+              <a:effectRef idx="0">
+                <a:schemeClr val="accent1"/>
+              </a:effectRef>
+              <a:fontRef idx="minor">
+                <a:schemeClr val="lt1"/>
+              </a:fontRef>
+            </p:style>
+            <p:txBody>
+              <a:bodyPr rtlCol="0" anchor="ctr"/>
+              <a:lstStyle/>
+              <a:p>
+                <a:pPr algn="ctr"/>
+                <a:endParaRPr lang="zh-CN" altLang="en-US"/>
+              </a:p>
+            </p:txBody>
+          </p:sp>
+          <p:sp>
+            <p:nvSpPr>
+              <p:cNvPr id="97" name="矩形 96">
+                <a:extLst>
+                  <a:ext uri="{FF2B5EF4-FFF2-40B4-BE49-F238E27FC236}">
+                    <a16:creationId xmlns:a16="http://schemas.microsoft.com/office/drawing/2014/main" id="{4B0C5CA4-0E62-9A91-F72F-B47288EB1778}"/>
+                  </a:ext>
+                </a:extLst>
+              </p:cNvPr>
+              <p:cNvSpPr/>
+              <p:nvPr/>
+            </p:nvSpPr>
+            <p:spPr>
+              <a:xfrm>
+                <a:off x="3009900" y="2667899"/>
+                <a:ext cx="3686175" cy="793824"/>
+              </a:xfrm>
+              <a:prstGeom prst="rect">
+                <a:avLst/>
+              </a:prstGeom>
+              <a:solidFill>
+                <a:schemeClr val="accent5">
+                  <a:lumMod val="20000"/>
+                  <a:lumOff val="80000"/>
+                </a:schemeClr>
+              </a:solidFill>
+              <a:ln>
+                <a:noFill/>
+              </a:ln>
+            </p:spPr>
+            <p:style>
+              <a:lnRef idx="2">
+                <a:schemeClr val="accent1">
+                  <a:shade val="15000"/>
+                </a:schemeClr>
+              </a:lnRef>
+              <a:fillRef idx="1">
+                <a:schemeClr val="accent1"/>
+              </a:fillRef>
+              <a:effectRef idx="0">
+                <a:schemeClr val="accent1"/>
+              </a:effectRef>
+              <a:fontRef idx="minor">
+                <a:schemeClr val="lt1"/>
+              </a:fontRef>
+            </p:style>
+            <p:txBody>
+              <a:bodyPr rtlCol="0" anchor="ctr"/>
+              <a:lstStyle/>
+              <a:p>
+                <a:pPr algn="ctr"/>
+                <a:endParaRPr lang="zh-CN" altLang="en-US"/>
+              </a:p>
+            </p:txBody>
+          </p:sp>
+          <p:sp>
+            <p:nvSpPr>
+              <p:cNvPr id="91" name="矩形 90">
+                <a:extLst>
+                  <a:ext uri="{FF2B5EF4-FFF2-40B4-BE49-F238E27FC236}">
+                    <a16:creationId xmlns:a16="http://schemas.microsoft.com/office/drawing/2014/main" id="{013F1E79-4B6B-58AF-BD85-2EC3E42C6CD1}"/>
+                  </a:ext>
+                </a:extLst>
+              </p:cNvPr>
+              <p:cNvSpPr/>
+              <p:nvPr/>
+            </p:nvSpPr>
+            <p:spPr>
+              <a:xfrm>
+                <a:off x="3009900" y="1874954"/>
+                <a:ext cx="3686175" cy="793824"/>
+              </a:xfrm>
+              <a:prstGeom prst="rect">
+                <a:avLst/>
+              </a:prstGeom>
+              <a:solidFill>
+                <a:schemeClr val="bg2"/>
+              </a:solidFill>
+              <a:ln>
+                <a:noFill/>
+              </a:ln>
+            </p:spPr>
+            <p:style>
+              <a:lnRef idx="2">
+                <a:schemeClr val="accent1">
+                  <a:shade val="15000"/>
+                </a:schemeClr>
+              </a:lnRef>
+              <a:fillRef idx="1">
+                <a:schemeClr val="accent1"/>
+              </a:fillRef>
+              <a:effectRef idx="0">
+                <a:schemeClr val="accent1"/>
+              </a:effectRef>
+              <a:fontRef idx="minor">
+                <a:schemeClr val="lt1"/>
+              </a:fontRef>
+            </p:style>
+            <p:txBody>
+              <a:bodyPr rtlCol="0" anchor="ctr"/>
+              <a:lstStyle/>
+              <a:p>
+                <a:pPr algn="ctr"/>
+                <a:endParaRPr lang="zh-CN" altLang="en-US"/>
+              </a:p>
+            </p:txBody>
+          </p:sp>
+          <p:cxnSp>
+            <p:nvCxnSpPr>
+              <p:cNvPr id="4" name="直接连接符 3">
+                <a:extLst>
+                  <a:ext uri="{FF2B5EF4-FFF2-40B4-BE49-F238E27FC236}">
+                    <a16:creationId xmlns:a16="http://schemas.microsoft.com/office/drawing/2014/main" id="{4BD2CC37-DCDD-F144-E4AA-5DB2935CF703}"/>
+                  </a:ext>
+                </a:extLst>
+              </p:cNvPr>
+              <p:cNvCxnSpPr>
+                <a:cxnSpLocks/>
+              </p:cNvCxnSpPr>
+              <p:nvPr/>
+            </p:nvCxnSpPr>
+            <p:spPr>
+              <a:xfrm>
+                <a:off x="3009900" y="1876711"/>
+                <a:ext cx="3686175" cy="0"/>
+              </a:xfrm>
+              <a:prstGeom prst="line">
+                <a:avLst/>
+              </a:prstGeom>
+              <a:ln w="28575"/>
+            </p:spPr>
+            <p:style>
+              <a:lnRef idx="1">
+                <a:schemeClr val="dk1"/>
+              </a:lnRef>
+              <a:fillRef idx="0">
+                <a:schemeClr val="dk1"/>
+              </a:fillRef>
+              <a:effectRef idx="0">
+                <a:schemeClr val="dk1"/>
+              </a:effectRef>
+              <a:fontRef idx="minor">
+                <a:schemeClr val="tx1"/>
+              </a:fontRef>
+            </p:style>
+          </p:cxnSp>
+          <p:sp>
+            <p:nvSpPr>
+              <p:cNvPr id="2" name="矩形 1">
+                <a:extLst>
+                  <a:ext uri="{FF2B5EF4-FFF2-40B4-BE49-F238E27FC236}">
+                    <a16:creationId xmlns:a16="http://schemas.microsoft.com/office/drawing/2014/main" id="{5338E3B2-1C15-68AB-10FC-E63A4AC0A18E}"/>
+                  </a:ext>
+                </a:extLst>
+              </p:cNvPr>
+              <p:cNvSpPr/>
+              <p:nvPr/>
+            </p:nvSpPr>
+            <p:spPr>
+              <a:xfrm>
+                <a:off x="4810957" y="848410"/>
+                <a:ext cx="275208" cy="3453414"/>
+              </a:xfrm>
+              <a:prstGeom prst="rect">
+                <a:avLst/>
+              </a:prstGeom>
+              <a:solidFill>
+                <a:schemeClr val="bg1"/>
+              </a:solidFill>
+              <a:ln w="28575">
+                <a:solidFill>
+                  <a:schemeClr val="tx1"/>
+                </a:solidFill>
+              </a:ln>
+            </p:spPr>
+            <p:style>
+              <a:lnRef idx="2">
+                <a:schemeClr val="accent1">
+                  <a:shade val="15000"/>
+                </a:schemeClr>
+              </a:lnRef>
+              <a:fillRef idx="1">
+                <a:schemeClr val="accent1"/>
+              </a:fillRef>
+              <a:effectRef idx="0">
+                <a:schemeClr val="accent1"/>
+              </a:effectRef>
+              <a:fontRef idx="minor">
+                <a:schemeClr val="lt1"/>
+              </a:fontRef>
+            </p:style>
+            <p:txBody>
+              <a:bodyPr rtlCol="0" anchor="ctr"/>
+              <a:lstStyle/>
+              <a:p>
+                <a:pPr algn="ctr"/>
+                <a:endParaRPr lang="zh-CN" altLang="en-US"/>
+              </a:p>
+            </p:txBody>
+          </p:sp>
+          <p:grpSp>
+            <p:nvGrpSpPr>
+              <p:cNvPr id="28" name="组合 27">
+                <a:extLst>
+                  <a:ext uri="{FF2B5EF4-FFF2-40B4-BE49-F238E27FC236}">
+                    <a16:creationId xmlns:a16="http://schemas.microsoft.com/office/drawing/2014/main" id="{FBAF2C4D-59F2-C824-F929-15F0A2B07DBE}"/>
+                  </a:ext>
+                </a:extLst>
+              </p:cNvPr>
+              <p:cNvGrpSpPr/>
+              <p:nvPr/>
+            </p:nvGrpSpPr>
+            <p:grpSpPr>
+              <a:xfrm>
+                <a:off x="3131690" y="1876711"/>
+                <a:ext cx="275208" cy="195929"/>
+                <a:chOff x="2342318" y="1907191"/>
+                <a:chExt cx="426060" cy="252254"/>
+              </a:xfrm>
+            </p:grpSpPr>
+            <p:cxnSp>
+              <p:nvCxnSpPr>
+                <p:cNvPr id="29" name="直接连接符 28">
+                  <a:extLst>
+                    <a:ext uri="{FF2B5EF4-FFF2-40B4-BE49-F238E27FC236}">
+                      <a16:creationId xmlns:a16="http://schemas.microsoft.com/office/drawing/2014/main" id="{151C58AB-1FB5-F0B1-B9EF-49A0329781E2}"/>
+                    </a:ext>
+                  </a:extLst>
+                </p:cNvPr>
+                <p:cNvCxnSpPr>
+                  <a:cxnSpLocks/>
+                </p:cNvCxnSpPr>
+                <p:nvPr/>
+              </p:nvCxnSpPr>
+              <p:spPr>
+                <a:xfrm>
+                  <a:off x="2342318" y="1909454"/>
+                  <a:ext cx="249991" cy="249991"/>
+                </a:xfrm>
+                <a:prstGeom prst="line">
+                  <a:avLst/>
+                </a:prstGeom>
+                <a:ln>
+                  <a:solidFill>
+                    <a:schemeClr val="bg2">
+                      <a:lumMod val="50000"/>
+                    </a:schemeClr>
+                  </a:solidFill>
+                </a:ln>
+              </p:spPr>
+              <p:style>
+                <a:lnRef idx="1">
+                  <a:schemeClr val="accent1"/>
+                </a:lnRef>
+                <a:fillRef idx="0">
+                  <a:schemeClr val="accent1"/>
+                </a:fillRef>
+                <a:effectRef idx="0">
+                  <a:schemeClr val="accent1"/>
+                </a:effectRef>
+                <a:fontRef idx="minor">
+                  <a:schemeClr val="tx1"/>
+                </a:fontRef>
+              </p:style>
+            </p:cxnSp>
+            <p:cxnSp>
+              <p:nvCxnSpPr>
+                <p:cNvPr id="30" name="直接连接符 29">
+                  <a:extLst>
+                    <a:ext uri="{FF2B5EF4-FFF2-40B4-BE49-F238E27FC236}">
+                      <a16:creationId xmlns:a16="http://schemas.microsoft.com/office/drawing/2014/main" id="{43772075-C11D-4592-D0E0-BE5C30009A9F}"/>
+                    </a:ext>
+                  </a:extLst>
+                </p:cNvPr>
+                <p:cNvCxnSpPr>
+                  <a:cxnSpLocks/>
+                </p:cNvCxnSpPr>
+                <p:nvPr/>
+              </p:nvCxnSpPr>
+              <p:spPr>
+                <a:xfrm>
+                  <a:off x="2429429" y="1909453"/>
+                  <a:ext cx="228046" cy="228046"/>
+                </a:xfrm>
+                <a:prstGeom prst="line">
+                  <a:avLst/>
+                </a:prstGeom>
+                <a:ln>
+                  <a:solidFill>
+                    <a:schemeClr val="bg2">
+                      <a:lumMod val="50000"/>
+                    </a:schemeClr>
+                  </a:solidFill>
+                </a:ln>
+              </p:spPr>
+              <p:style>
+                <a:lnRef idx="1">
+                  <a:schemeClr val="accent1"/>
+                </a:lnRef>
+                <a:fillRef idx="0">
+                  <a:schemeClr val="accent1"/>
+                </a:fillRef>
+                <a:effectRef idx="0">
+                  <a:schemeClr val="accent1"/>
+                </a:effectRef>
+                <a:fontRef idx="minor">
+                  <a:schemeClr val="tx1"/>
+                </a:fontRef>
+              </p:style>
+            </p:cxnSp>
+            <p:cxnSp>
+              <p:nvCxnSpPr>
+                <p:cNvPr id="31" name="直接连接符 30">
+                  <a:extLst>
+                    <a:ext uri="{FF2B5EF4-FFF2-40B4-BE49-F238E27FC236}">
+                      <a16:creationId xmlns:a16="http://schemas.microsoft.com/office/drawing/2014/main" id="{698E11AC-8C45-426A-7392-348FCDE106BA}"/>
+                    </a:ext>
+                  </a:extLst>
+                </p:cNvPr>
+                <p:cNvCxnSpPr>
+                  <a:cxnSpLocks/>
+                </p:cNvCxnSpPr>
+                <p:nvPr/>
+              </p:nvCxnSpPr>
+              <p:spPr>
+                <a:xfrm flipV="1">
+                  <a:off x="2509451" y="1908699"/>
+                  <a:ext cx="68002" cy="75696"/>
+                </a:xfrm>
+                <a:prstGeom prst="line">
+                  <a:avLst/>
+                </a:prstGeom>
+                <a:ln>
+                  <a:solidFill>
+                    <a:schemeClr val="bg2">
+                      <a:lumMod val="50000"/>
+                    </a:schemeClr>
+                  </a:solidFill>
+                </a:ln>
+              </p:spPr>
+              <p:style>
+                <a:lnRef idx="1">
+                  <a:schemeClr val="accent1"/>
+                </a:lnRef>
+                <a:fillRef idx="0">
+                  <a:schemeClr val="accent1"/>
+                </a:fillRef>
+                <a:effectRef idx="0">
+                  <a:schemeClr val="accent1"/>
+                </a:effectRef>
+                <a:fontRef idx="minor">
+                  <a:schemeClr val="tx1"/>
+                </a:fontRef>
+              </p:style>
+            </p:cxnSp>
+            <p:cxnSp>
+              <p:nvCxnSpPr>
+                <p:cNvPr id="32" name="直接连接符 31">
+                  <a:extLst>
+                    <a:ext uri="{FF2B5EF4-FFF2-40B4-BE49-F238E27FC236}">
+                      <a16:creationId xmlns:a16="http://schemas.microsoft.com/office/drawing/2014/main" id="{98803346-02EF-7C1E-5730-D3A3A71A2C6F}"/>
+                    </a:ext>
+                  </a:extLst>
+                </p:cNvPr>
+                <p:cNvCxnSpPr>
+                  <a:cxnSpLocks/>
+                </p:cNvCxnSpPr>
+                <p:nvPr/>
+              </p:nvCxnSpPr>
+              <p:spPr>
+                <a:xfrm flipV="1">
+                  <a:off x="2556699" y="1907945"/>
+                  <a:ext cx="115632" cy="126127"/>
+                </a:xfrm>
+                <a:prstGeom prst="line">
+                  <a:avLst/>
+                </a:prstGeom>
+                <a:ln>
+                  <a:solidFill>
+                    <a:schemeClr val="bg2">
+                      <a:lumMod val="50000"/>
+                    </a:schemeClr>
+                  </a:solidFill>
+                </a:ln>
+              </p:spPr>
+              <p:style>
+                <a:lnRef idx="1">
+                  <a:schemeClr val="accent1"/>
+                </a:lnRef>
+                <a:fillRef idx="0">
+                  <a:schemeClr val="accent1"/>
+                </a:fillRef>
+                <a:effectRef idx="0">
+                  <a:schemeClr val="accent1"/>
+                </a:effectRef>
+                <a:fontRef idx="minor">
+                  <a:schemeClr val="tx1"/>
+                </a:fontRef>
+              </p:style>
+            </p:cxnSp>
+            <p:cxnSp>
+              <p:nvCxnSpPr>
+                <p:cNvPr id="33" name="直接连接符 32">
+                  <a:extLst>
+                    <a:ext uri="{FF2B5EF4-FFF2-40B4-BE49-F238E27FC236}">
+                      <a16:creationId xmlns:a16="http://schemas.microsoft.com/office/drawing/2014/main" id="{3A275AA2-5EB6-7B8C-BAD4-1D71F444C10C}"/>
+                    </a:ext>
+                  </a:extLst>
+                </p:cNvPr>
+                <p:cNvCxnSpPr>
+                  <a:cxnSpLocks/>
+                </p:cNvCxnSpPr>
+                <p:nvPr/>
+              </p:nvCxnSpPr>
+              <p:spPr>
+                <a:xfrm flipV="1">
+                  <a:off x="2607937" y="1907191"/>
+                  <a:ext cx="160441" cy="178595"/>
+                </a:xfrm>
+                <a:prstGeom prst="line">
+                  <a:avLst/>
+                </a:prstGeom>
+                <a:ln>
+                  <a:solidFill>
+                    <a:schemeClr val="bg2">
+                      <a:lumMod val="50000"/>
+                    </a:schemeClr>
+                  </a:solidFill>
+                </a:ln>
+              </p:spPr>
+              <p:style>
+                <a:lnRef idx="1">
+                  <a:schemeClr val="accent1"/>
+                </a:lnRef>
+                <a:fillRef idx="0">
+                  <a:schemeClr val="accent1"/>
+                </a:fillRef>
+                <a:effectRef idx="0">
+                  <a:schemeClr val="accent1"/>
+                </a:effectRef>
+                <a:fontRef idx="minor">
+                  <a:schemeClr val="tx1"/>
+                </a:fontRef>
+              </p:style>
+            </p:cxnSp>
+          </p:grpSp>
+          <p:grpSp>
+            <p:nvGrpSpPr>
+              <p:cNvPr id="34" name="组合 33">
+                <a:extLst>
+                  <a:ext uri="{FF2B5EF4-FFF2-40B4-BE49-F238E27FC236}">
+                    <a16:creationId xmlns:a16="http://schemas.microsoft.com/office/drawing/2014/main" id="{F9400AAD-4804-FD50-E79D-7628B1C16296}"/>
+                  </a:ext>
+                </a:extLst>
+              </p:cNvPr>
+              <p:cNvGrpSpPr/>
+              <p:nvPr/>
+            </p:nvGrpSpPr>
+            <p:grpSpPr>
+              <a:xfrm>
+                <a:off x="3567493" y="1876711"/>
+                <a:ext cx="275208" cy="195929"/>
+                <a:chOff x="2342318" y="1907191"/>
+                <a:chExt cx="426060" cy="252254"/>
+              </a:xfrm>
+            </p:grpSpPr>
+            <p:cxnSp>
+              <p:nvCxnSpPr>
+                <p:cNvPr id="35" name="直接连接符 34">
+                  <a:extLst>
+                    <a:ext uri="{FF2B5EF4-FFF2-40B4-BE49-F238E27FC236}">
+                      <a16:creationId xmlns:a16="http://schemas.microsoft.com/office/drawing/2014/main" id="{D1005EB3-2F9B-634C-77BB-F7B46DFB0078}"/>
+                    </a:ext>
+                  </a:extLst>
+                </p:cNvPr>
+                <p:cNvCxnSpPr>
+                  <a:cxnSpLocks/>
+                </p:cNvCxnSpPr>
+                <p:nvPr/>
+              </p:nvCxnSpPr>
+              <p:spPr>
+                <a:xfrm>
+                  <a:off x="2342318" y="1909454"/>
+                  <a:ext cx="249991" cy="249991"/>
+                </a:xfrm>
+                <a:prstGeom prst="line">
+                  <a:avLst/>
+                </a:prstGeom>
+                <a:ln>
+                  <a:solidFill>
+                    <a:schemeClr val="bg2">
+                      <a:lumMod val="50000"/>
+                    </a:schemeClr>
+                  </a:solidFill>
+                </a:ln>
+              </p:spPr>
+              <p:style>
+                <a:lnRef idx="1">
+                  <a:schemeClr val="accent1"/>
+                </a:lnRef>
+                <a:fillRef idx="0">
+                  <a:schemeClr val="accent1"/>
+                </a:fillRef>
+                <a:effectRef idx="0">
+                  <a:schemeClr val="accent1"/>
+                </a:effectRef>
+                <a:fontRef idx="minor">
+                  <a:schemeClr val="tx1"/>
+                </a:fontRef>
+              </p:style>
+            </p:cxnSp>
+            <p:cxnSp>
+              <p:nvCxnSpPr>
+                <p:cNvPr id="36" name="直接连接符 35">
+                  <a:extLst>
+                    <a:ext uri="{FF2B5EF4-FFF2-40B4-BE49-F238E27FC236}">
+                      <a16:creationId xmlns:a16="http://schemas.microsoft.com/office/drawing/2014/main" id="{1B114DAD-5257-38D6-EC2E-D24FA1CB58D6}"/>
+                    </a:ext>
+                  </a:extLst>
+                </p:cNvPr>
+                <p:cNvCxnSpPr>
+                  <a:cxnSpLocks/>
+                </p:cNvCxnSpPr>
+                <p:nvPr/>
+              </p:nvCxnSpPr>
+              <p:spPr>
+                <a:xfrm>
+                  <a:off x="2429429" y="1909453"/>
+                  <a:ext cx="228046" cy="228046"/>
+                </a:xfrm>
+                <a:prstGeom prst="line">
+                  <a:avLst/>
+                </a:prstGeom>
+                <a:ln>
+                  <a:solidFill>
+                    <a:schemeClr val="bg2">
+                      <a:lumMod val="50000"/>
+                    </a:schemeClr>
+                  </a:solidFill>
+                </a:ln>
+              </p:spPr>
+              <p:style>
+                <a:lnRef idx="1">
+                  <a:schemeClr val="accent1"/>
+                </a:lnRef>
+                <a:fillRef idx="0">
+                  <a:schemeClr val="accent1"/>
+                </a:fillRef>
+                <a:effectRef idx="0">
+                  <a:schemeClr val="accent1"/>
+                </a:effectRef>
+                <a:fontRef idx="minor">
+                  <a:schemeClr val="tx1"/>
+                </a:fontRef>
+              </p:style>
+            </p:cxnSp>
+            <p:cxnSp>
+              <p:nvCxnSpPr>
+                <p:cNvPr id="37" name="直接连接符 36">
+                  <a:extLst>
+                    <a:ext uri="{FF2B5EF4-FFF2-40B4-BE49-F238E27FC236}">
+                      <a16:creationId xmlns:a16="http://schemas.microsoft.com/office/drawing/2014/main" id="{A44E8B1F-0F88-26DE-6558-61F8C92071B5}"/>
+                    </a:ext>
+                  </a:extLst>
+                </p:cNvPr>
+                <p:cNvCxnSpPr>
+                  <a:cxnSpLocks/>
+                </p:cNvCxnSpPr>
+                <p:nvPr/>
+              </p:nvCxnSpPr>
+              <p:spPr>
+                <a:xfrm flipV="1">
+                  <a:off x="2509451" y="1908699"/>
+                  <a:ext cx="68002" cy="75696"/>
+                </a:xfrm>
+                <a:prstGeom prst="line">
+                  <a:avLst/>
+                </a:prstGeom>
+                <a:ln>
+                  <a:solidFill>
+                    <a:schemeClr val="bg2">
+                      <a:lumMod val="50000"/>
+                    </a:schemeClr>
+                  </a:solidFill>
+                </a:ln>
+              </p:spPr>
+              <p:style>
+                <a:lnRef idx="1">
+                  <a:schemeClr val="accent1"/>
+                </a:lnRef>
+                <a:fillRef idx="0">
+                  <a:schemeClr val="accent1"/>
+                </a:fillRef>
+                <a:effectRef idx="0">
+                  <a:schemeClr val="accent1"/>
+                </a:effectRef>
+                <a:fontRef idx="minor">
+                  <a:schemeClr val="tx1"/>
+                </a:fontRef>
+              </p:style>
+            </p:cxnSp>
+            <p:cxnSp>
+              <p:nvCxnSpPr>
+                <p:cNvPr id="38" name="直接连接符 37">
+                  <a:extLst>
+                    <a:ext uri="{FF2B5EF4-FFF2-40B4-BE49-F238E27FC236}">
+                      <a16:creationId xmlns:a16="http://schemas.microsoft.com/office/drawing/2014/main" id="{07EE147C-5AA0-2328-341A-5BB9770F2D9D}"/>
+                    </a:ext>
+                  </a:extLst>
+                </p:cNvPr>
+                <p:cNvCxnSpPr>
+                  <a:cxnSpLocks/>
+                </p:cNvCxnSpPr>
+                <p:nvPr/>
+              </p:nvCxnSpPr>
+              <p:spPr>
+                <a:xfrm flipV="1">
+                  <a:off x="2556699" y="1907945"/>
+                  <a:ext cx="115632" cy="126127"/>
+                </a:xfrm>
+                <a:prstGeom prst="line">
+                  <a:avLst/>
+                </a:prstGeom>
+                <a:ln>
+                  <a:solidFill>
+                    <a:schemeClr val="bg2">
+                      <a:lumMod val="50000"/>
+                    </a:schemeClr>
+                  </a:solidFill>
+                </a:ln>
+              </p:spPr>
+              <p:style>
+                <a:lnRef idx="1">
+                  <a:schemeClr val="accent1"/>
+                </a:lnRef>
+                <a:fillRef idx="0">
+                  <a:schemeClr val="accent1"/>
+                </a:fillRef>
+                <a:effectRef idx="0">
+                  <a:schemeClr val="accent1"/>
+                </a:effectRef>
+                <a:fontRef idx="minor">
+                  <a:schemeClr val="tx1"/>
+                </a:fontRef>
+              </p:style>
+            </p:cxnSp>
+            <p:cxnSp>
+              <p:nvCxnSpPr>
+                <p:cNvPr id="39" name="直接连接符 38">
+                  <a:extLst>
+                    <a:ext uri="{FF2B5EF4-FFF2-40B4-BE49-F238E27FC236}">
+                      <a16:creationId xmlns:a16="http://schemas.microsoft.com/office/drawing/2014/main" id="{32107E17-FCA7-F4C0-408C-F4E5AC38C995}"/>
+                    </a:ext>
+                  </a:extLst>
+                </p:cNvPr>
+                <p:cNvCxnSpPr>
+                  <a:cxnSpLocks/>
+                </p:cNvCxnSpPr>
+                <p:nvPr/>
+              </p:nvCxnSpPr>
+              <p:spPr>
+                <a:xfrm flipV="1">
+                  <a:off x="2607937" y="1907191"/>
+                  <a:ext cx="160441" cy="178595"/>
+                </a:xfrm>
+                <a:prstGeom prst="line">
+                  <a:avLst/>
+                </a:prstGeom>
+                <a:ln>
+                  <a:solidFill>
+                    <a:schemeClr val="bg2">
+                      <a:lumMod val="50000"/>
+                    </a:schemeClr>
+                  </a:solidFill>
+                </a:ln>
+              </p:spPr>
+              <p:style>
+                <a:lnRef idx="1">
+                  <a:schemeClr val="accent1"/>
+                </a:lnRef>
+                <a:fillRef idx="0">
+                  <a:schemeClr val="accent1"/>
+                </a:fillRef>
+                <a:effectRef idx="0">
+                  <a:schemeClr val="accent1"/>
+                </a:effectRef>
+                <a:fontRef idx="minor">
+                  <a:schemeClr val="tx1"/>
+                </a:fontRef>
+              </p:style>
+            </p:cxnSp>
+          </p:grpSp>
+          <p:grpSp>
+            <p:nvGrpSpPr>
+              <p:cNvPr id="40" name="组合 39">
+                <a:extLst>
+                  <a:ext uri="{FF2B5EF4-FFF2-40B4-BE49-F238E27FC236}">
+                    <a16:creationId xmlns:a16="http://schemas.microsoft.com/office/drawing/2014/main" id="{00282FEB-46D9-7A57-4B8F-172FE7476D83}"/>
+                  </a:ext>
+                </a:extLst>
+              </p:cNvPr>
+              <p:cNvGrpSpPr/>
+              <p:nvPr/>
+            </p:nvGrpSpPr>
+            <p:grpSpPr>
+              <a:xfrm>
+                <a:off x="3969733" y="1876711"/>
+                <a:ext cx="275208" cy="195929"/>
+                <a:chOff x="2342318" y="1907191"/>
+                <a:chExt cx="426060" cy="252254"/>
+              </a:xfrm>
+            </p:grpSpPr>
+            <p:cxnSp>
+              <p:nvCxnSpPr>
+                <p:cNvPr id="41" name="直接连接符 40">
+                  <a:extLst>
+                    <a:ext uri="{FF2B5EF4-FFF2-40B4-BE49-F238E27FC236}">
+                      <a16:creationId xmlns:a16="http://schemas.microsoft.com/office/drawing/2014/main" id="{C55EFAEC-764B-74F9-626B-CF9461F894B8}"/>
+                    </a:ext>
+                  </a:extLst>
+                </p:cNvPr>
+                <p:cNvCxnSpPr>
+                  <a:cxnSpLocks/>
+                </p:cNvCxnSpPr>
+                <p:nvPr/>
+              </p:nvCxnSpPr>
+              <p:spPr>
+                <a:xfrm>
+                  <a:off x="2342318" y="1909454"/>
+                  <a:ext cx="249991" cy="249991"/>
+                </a:xfrm>
+                <a:prstGeom prst="line">
+                  <a:avLst/>
+                </a:prstGeom>
+                <a:ln>
+                  <a:solidFill>
+                    <a:schemeClr val="bg2">
+                      <a:lumMod val="50000"/>
+                    </a:schemeClr>
+                  </a:solidFill>
+                </a:ln>
+              </p:spPr>
+              <p:style>
+                <a:lnRef idx="1">
+                  <a:schemeClr val="accent1"/>
+                </a:lnRef>
+                <a:fillRef idx="0">
+                  <a:schemeClr val="accent1"/>
+                </a:fillRef>
+                <a:effectRef idx="0">
+                  <a:schemeClr val="accent1"/>
+                </a:effectRef>
+                <a:fontRef idx="minor">
+                  <a:schemeClr val="tx1"/>
+                </a:fontRef>
+              </p:style>
+            </p:cxnSp>
+            <p:cxnSp>
+              <p:nvCxnSpPr>
+                <p:cNvPr id="42" name="直接连接符 41">
+                  <a:extLst>
+                    <a:ext uri="{FF2B5EF4-FFF2-40B4-BE49-F238E27FC236}">
+                      <a16:creationId xmlns:a16="http://schemas.microsoft.com/office/drawing/2014/main" id="{DD102715-5A9A-D100-3311-BE013772C22C}"/>
+                    </a:ext>
+                  </a:extLst>
+                </p:cNvPr>
+                <p:cNvCxnSpPr>
+                  <a:cxnSpLocks/>
+                </p:cNvCxnSpPr>
+                <p:nvPr/>
+              </p:nvCxnSpPr>
+              <p:spPr>
+                <a:xfrm>
+                  <a:off x="2429429" y="1909453"/>
+                  <a:ext cx="228046" cy="228046"/>
+                </a:xfrm>
+                <a:prstGeom prst="line">
+                  <a:avLst/>
+                </a:prstGeom>
+                <a:ln>
+                  <a:solidFill>
+                    <a:schemeClr val="bg2">
+                      <a:lumMod val="50000"/>
+                    </a:schemeClr>
+                  </a:solidFill>
+                </a:ln>
+              </p:spPr>
+              <p:style>
+                <a:lnRef idx="1">
+                  <a:schemeClr val="accent1"/>
+                </a:lnRef>
+                <a:fillRef idx="0">
+                  <a:schemeClr val="accent1"/>
+                </a:fillRef>
+                <a:effectRef idx="0">
+                  <a:schemeClr val="accent1"/>
+                </a:effectRef>
+                <a:fontRef idx="minor">
+                  <a:schemeClr val="tx1"/>
+                </a:fontRef>
+              </p:style>
+            </p:cxnSp>
+            <p:cxnSp>
+              <p:nvCxnSpPr>
+                <p:cNvPr id="43" name="直接连接符 42">
+                  <a:extLst>
+                    <a:ext uri="{FF2B5EF4-FFF2-40B4-BE49-F238E27FC236}">
+                      <a16:creationId xmlns:a16="http://schemas.microsoft.com/office/drawing/2014/main" id="{A5371028-ECFF-BEF7-E36C-F35B25989DF1}"/>
+                    </a:ext>
+                  </a:extLst>
+                </p:cNvPr>
+                <p:cNvCxnSpPr>
+                  <a:cxnSpLocks/>
+                </p:cNvCxnSpPr>
+                <p:nvPr/>
+              </p:nvCxnSpPr>
+              <p:spPr>
+                <a:xfrm flipV="1">
+                  <a:off x="2509451" y="1908699"/>
+                  <a:ext cx="68002" cy="75696"/>
+                </a:xfrm>
+                <a:prstGeom prst="line">
+                  <a:avLst/>
+                </a:prstGeom>
+                <a:ln>
+                  <a:solidFill>
+                    <a:schemeClr val="bg2">
+                      <a:lumMod val="50000"/>
+                    </a:schemeClr>
+                  </a:solidFill>
+                </a:ln>
+              </p:spPr>
+              <p:style>
+                <a:lnRef idx="1">
+                  <a:schemeClr val="accent1"/>
+                </a:lnRef>
+                <a:fillRef idx="0">
+                  <a:schemeClr val="accent1"/>
+                </a:fillRef>
+                <a:effectRef idx="0">
+                  <a:schemeClr val="accent1"/>
+                </a:effectRef>
+                <a:fontRef idx="minor">
+                  <a:schemeClr val="tx1"/>
+                </a:fontRef>
+              </p:style>
+            </p:cxnSp>
+            <p:cxnSp>
+              <p:nvCxnSpPr>
+                <p:cNvPr id="44" name="直接连接符 43">
+                  <a:extLst>
+                    <a:ext uri="{FF2B5EF4-FFF2-40B4-BE49-F238E27FC236}">
+                      <a16:creationId xmlns:a16="http://schemas.microsoft.com/office/drawing/2014/main" id="{1BB0A8F5-B6D6-C73C-442D-292C9EECA191}"/>
+                    </a:ext>
+                  </a:extLst>
+                </p:cNvPr>
+                <p:cNvCxnSpPr>
+                  <a:cxnSpLocks/>
+                </p:cNvCxnSpPr>
+                <p:nvPr/>
+              </p:nvCxnSpPr>
+              <p:spPr>
+                <a:xfrm flipV="1">
+                  <a:off x="2556699" y="1907945"/>
+                  <a:ext cx="115632" cy="126127"/>
+                </a:xfrm>
+                <a:prstGeom prst="line">
+                  <a:avLst/>
+                </a:prstGeom>
+                <a:ln>
+                  <a:solidFill>
+                    <a:schemeClr val="bg2">
+                      <a:lumMod val="50000"/>
+                    </a:schemeClr>
+                  </a:solidFill>
+                </a:ln>
+              </p:spPr>
+              <p:style>
+                <a:lnRef idx="1">
+                  <a:schemeClr val="accent1"/>
+                </a:lnRef>
+                <a:fillRef idx="0">
+                  <a:schemeClr val="accent1"/>
+                </a:fillRef>
+                <a:effectRef idx="0">
+                  <a:schemeClr val="accent1"/>
+                </a:effectRef>
+                <a:fontRef idx="minor">
+                  <a:schemeClr val="tx1"/>
+                </a:fontRef>
+              </p:style>
+            </p:cxnSp>
+            <p:cxnSp>
+              <p:nvCxnSpPr>
+                <p:cNvPr id="45" name="直接连接符 44">
+                  <a:extLst>
+                    <a:ext uri="{FF2B5EF4-FFF2-40B4-BE49-F238E27FC236}">
+                      <a16:creationId xmlns:a16="http://schemas.microsoft.com/office/drawing/2014/main" id="{C230E649-6E23-0867-7D39-5FE815B5B133}"/>
+                    </a:ext>
+                  </a:extLst>
+                </p:cNvPr>
+                <p:cNvCxnSpPr>
+                  <a:cxnSpLocks/>
+                </p:cNvCxnSpPr>
+                <p:nvPr/>
+              </p:nvCxnSpPr>
+              <p:spPr>
+                <a:xfrm flipV="1">
+                  <a:off x="2607937" y="1907191"/>
+                  <a:ext cx="160441" cy="178595"/>
+                </a:xfrm>
+                <a:prstGeom prst="line">
+                  <a:avLst/>
+                </a:prstGeom>
+                <a:ln>
+                  <a:solidFill>
+                    <a:schemeClr val="bg2">
+                      <a:lumMod val="50000"/>
+                    </a:schemeClr>
+                  </a:solidFill>
+                </a:ln>
+              </p:spPr>
+              <p:style>
+                <a:lnRef idx="1">
+                  <a:schemeClr val="accent1"/>
+                </a:lnRef>
+                <a:fillRef idx="0">
+                  <a:schemeClr val="accent1"/>
+                </a:fillRef>
+                <a:effectRef idx="0">
+                  <a:schemeClr val="accent1"/>
+                </a:effectRef>
+                <a:fontRef idx="minor">
+                  <a:schemeClr val="tx1"/>
+                </a:fontRef>
+              </p:style>
+            </p:cxnSp>
+          </p:grpSp>
+          <p:grpSp>
+            <p:nvGrpSpPr>
+              <p:cNvPr id="46" name="组合 45">
+                <a:extLst>
+                  <a:ext uri="{FF2B5EF4-FFF2-40B4-BE49-F238E27FC236}">
+                    <a16:creationId xmlns:a16="http://schemas.microsoft.com/office/drawing/2014/main" id="{DC66B6BD-DE0F-04D8-2D28-0997D2755378}"/>
+                  </a:ext>
+                </a:extLst>
+              </p:cNvPr>
+              <p:cNvGrpSpPr/>
+              <p:nvPr/>
+            </p:nvGrpSpPr>
+            <p:grpSpPr>
+              <a:xfrm>
+                <a:off x="4360492" y="1876711"/>
+                <a:ext cx="275208" cy="195929"/>
+                <a:chOff x="2342318" y="1907191"/>
+                <a:chExt cx="426060" cy="252254"/>
+              </a:xfrm>
+            </p:grpSpPr>
+            <p:cxnSp>
+              <p:nvCxnSpPr>
+                <p:cNvPr id="47" name="直接连接符 46">
+                  <a:extLst>
+                    <a:ext uri="{FF2B5EF4-FFF2-40B4-BE49-F238E27FC236}">
+                      <a16:creationId xmlns:a16="http://schemas.microsoft.com/office/drawing/2014/main" id="{9DAAF466-BFDA-9A94-D384-952F0692E8D1}"/>
+                    </a:ext>
+                  </a:extLst>
+                </p:cNvPr>
+                <p:cNvCxnSpPr>
+                  <a:cxnSpLocks/>
+                </p:cNvCxnSpPr>
+                <p:nvPr/>
+              </p:nvCxnSpPr>
+              <p:spPr>
+                <a:xfrm>
+                  <a:off x="2342318" y="1909454"/>
+                  <a:ext cx="249991" cy="249991"/>
+                </a:xfrm>
+                <a:prstGeom prst="line">
+                  <a:avLst/>
+                </a:prstGeom>
+                <a:ln>
+                  <a:solidFill>
+                    <a:schemeClr val="bg2">
+                      <a:lumMod val="50000"/>
+                    </a:schemeClr>
+                  </a:solidFill>
+                </a:ln>
+              </p:spPr>
+              <p:style>
+                <a:lnRef idx="1">
+                  <a:schemeClr val="accent1"/>
+                </a:lnRef>
+                <a:fillRef idx="0">
+                  <a:schemeClr val="accent1"/>
+                </a:fillRef>
+                <a:effectRef idx="0">
+                  <a:schemeClr val="accent1"/>
+                </a:effectRef>
+                <a:fontRef idx="minor">
+                  <a:schemeClr val="tx1"/>
+                </a:fontRef>
+              </p:style>
+            </p:cxnSp>
+            <p:cxnSp>
+              <p:nvCxnSpPr>
+                <p:cNvPr id="48" name="直接连接符 47">
+                  <a:extLst>
+                    <a:ext uri="{FF2B5EF4-FFF2-40B4-BE49-F238E27FC236}">
+                      <a16:creationId xmlns:a16="http://schemas.microsoft.com/office/drawing/2014/main" id="{0FD80BB8-3617-4AD6-6549-9294E7E12B53}"/>
+                    </a:ext>
+                  </a:extLst>
+                </p:cNvPr>
+                <p:cNvCxnSpPr>
+                  <a:cxnSpLocks/>
+                </p:cNvCxnSpPr>
+                <p:nvPr/>
+              </p:nvCxnSpPr>
+              <p:spPr>
+                <a:xfrm>
+                  <a:off x="2429429" y="1909453"/>
+                  <a:ext cx="228046" cy="228046"/>
+                </a:xfrm>
+                <a:prstGeom prst="line">
+                  <a:avLst/>
+                </a:prstGeom>
+                <a:ln>
+                  <a:solidFill>
+                    <a:schemeClr val="bg2">
+                      <a:lumMod val="50000"/>
+                    </a:schemeClr>
+                  </a:solidFill>
+                </a:ln>
+              </p:spPr>
+              <p:style>
+                <a:lnRef idx="1">
+                  <a:schemeClr val="accent1"/>
+                </a:lnRef>
+                <a:fillRef idx="0">
+                  <a:schemeClr val="accent1"/>
+                </a:fillRef>
+                <a:effectRef idx="0">
+                  <a:schemeClr val="accent1"/>
+                </a:effectRef>
+                <a:fontRef idx="minor">
+                  <a:schemeClr val="tx1"/>
+                </a:fontRef>
+              </p:style>
+            </p:cxnSp>
+            <p:cxnSp>
+              <p:nvCxnSpPr>
+                <p:cNvPr id="49" name="直接连接符 48">
+                  <a:extLst>
+                    <a:ext uri="{FF2B5EF4-FFF2-40B4-BE49-F238E27FC236}">
+                      <a16:creationId xmlns:a16="http://schemas.microsoft.com/office/drawing/2014/main" id="{654CA395-8A52-FB26-984F-E0C850FFD2CB}"/>
+                    </a:ext>
+                  </a:extLst>
+                </p:cNvPr>
+                <p:cNvCxnSpPr>
+                  <a:cxnSpLocks/>
+                </p:cNvCxnSpPr>
+                <p:nvPr/>
+              </p:nvCxnSpPr>
+              <p:spPr>
+                <a:xfrm flipV="1">
+                  <a:off x="2509451" y="1908699"/>
+                  <a:ext cx="68002" cy="75696"/>
+                </a:xfrm>
+                <a:prstGeom prst="line">
+                  <a:avLst/>
+                </a:prstGeom>
+                <a:ln>
+                  <a:solidFill>
+                    <a:schemeClr val="bg2">
+                      <a:lumMod val="50000"/>
+                    </a:schemeClr>
+                  </a:solidFill>
+                </a:ln>
+              </p:spPr>
+              <p:style>
+                <a:lnRef idx="1">
+                  <a:schemeClr val="accent1"/>
+                </a:lnRef>
+                <a:fillRef idx="0">
+                  <a:schemeClr val="accent1"/>
+                </a:fillRef>
+                <a:effectRef idx="0">
+                  <a:schemeClr val="accent1"/>
+                </a:effectRef>
+                <a:fontRef idx="minor">
+                  <a:schemeClr val="tx1"/>
+                </a:fontRef>
+              </p:style>
+            </p:cxnSp>
+            <p:cxnSp>
+              <p:nvCxnSpPr>
+                <p:cNvPr id="50" name="直接连接符 49">
+                  <a:extLst>
+                    <a:ext uri="{FF2B5EF4-FFF2-40B4-BE49-F238E27FC236}">
+                      <a16:creationId xmlns:a16="http://schemas.microsoft.com/office/drawing/2014/main" id="{ACF0D0EC-E2AC-C42A-54D1-20754F8D75FF}"/>
+                    </a:ext>
+                  </a:extLst>
+                </p:cNvPr>
+                <p:cNvCxnSpPr>
+                  <a:cxnSpLocks/>
+                </p:cNvCxnSpPr>
+                <p:nvPr/>
+              </p:nvCxnSpPr>
+              <p:spPr>
+                <a:xfrm flipV="1">
+                  <a:off x="2556699" y="1907945"/>
+                  <a:ext cx="115632" cy="126127"/>
+                </a:xfrm>
+                <a:prstGeom prst="line">
+                  <a:avLst/>
+                </a:prstGeom>
+                <a:ln>
+                  <a:solidFill>
+                    <a:schemeClr val="bg2">
+                      <a:lumMod val="50000"/>
+                    </a:schemeClr>
+                  </a:solidFill>
+                </a:ln>
+              </p:spPr>
+              <p:style>
+                <a:lnRef idx="1">
+                  <a:schemeClr val="accent1"/>
+                </a:lnRef>
+                <a:fillRef idx="0">
+                  <a:schemeClr val="accent1"/>
+                </a:fillRef>
+                <a:effectRef idx="0">
+                  <a:schemeClr val="accent1"/>
+                </a:effectRef>
+                <a:fontRef idx="minor">
+                  <a:schemeClr val="tx1"/>
+                </a:fontRef>
+              </p:style>
+            </p:cxnSp>
+            <p:cxnSp>
+              <p:nvCxnSpPr>
+                <p:cNvPr id="51" name="直接连接符 50">
+                  <a:extLst>
+                    <a:ext uri="{FF2B5EF4-FFF2-40B4-BE49-F238E27FC236}">
+                      <a16:creationId xmlns:a16="http://schemas.microsoft.com/office/drawing/2014/main" id="{6850CAC0-608A-1E68-5A36-4794114CE897}"/>
+                    </a:ext>
+                  </a:extLst>
+                </p:cNvPr>
+                <p:cNvCxnSpPr>
+                  <a:cxnSpLocks/>
+                </p:cNvCxnSpPr>
+                <p:nvPr/>
+              </p:nvCxnSpPr>
+              <p:spPr>
+                <a:xfrm flipV="1">
+                  <a:off x="2607937" y="1907191"/>
+                  <a:ext cx="160441" cy="178595"/>
+                </a:xfrm>
+                <a:prstGeom prst="line">
+                  <a:avLst/>
+                </a:prstGeom>
+                <a:ln>
+                  <a:solidFill>
+                    <a:schemeClr val="bg2">
+                      <a:lumMod val="50000"/>
+                    </a:schemeClr>
+                  </a:solidFill>
+                </a:ln>
+              </p:spPr>
+              <p:style>
+                <a:lnRef idx="1">
+                  <a:schemeClr val="accent1"/>
+                </a:lnRef>
+                <a:fillRef idx="0">
+                  <a:schemeClr val="accent1"/>
+                </a:fillRef>
+                <a:effectRef idx="0">
+                  <a:schemeClr val="accent1"/>
+                </a:effectRef>
+                <a:fontRef idx="minor">
+                  <a:schemeClr val="tx1"/>
+                </a:fontRef>
+              </p:style>
+            </p:cxnSp>
+          </p:grpSp>
+          <p:grpSp>
+            <p:nvGrpSpPr>
+              <p:cNvPr id="52" name="组合 51">
+                <a:extLst>
+                  <a:ext uri="{FF2B5EF4-FFF2-40B4-BE49-F238E27FC236}">
+                    <a16:creationId xmlns:a16="http://schemas.microsoft.com/office/drawing/2014/main" id="{EB84A41F-E884-0848-BF7C-B59F5C6838E9}"/>
+                  </a:ext>
+                </a:extLst>
+              </p:cNvPr>
+              <p:cNvGrpSpPr/>
+              <p:nvPr/>
+            </p:nvGrpSpPr>
+            <p:grpSpPr>
+              <a:xfrm>
+                <a:off x="5186201" y="1876711"/>
+                <a:ext cx="275208" cy="195929"/>
+                <a:chOff x="2342318" y="1907191"/>
+                <a:chExt cx="426060" cy="252254"/>
+              </a:xfrm>
+            </p:grpSpPr>
+            <p:cxnSp>
+              <p:nvCxnSpPr>
+                <p:cNvPr id="53" name="直接连接符 52">
+                  <a:extLst>
+                    <a:ext uri="{FF2B5EF4-FFF2-40B4-BE49-F238E27FC236}">
+                      <a16:creationId xmlns:a16="http://schemas.microsoft.com/office/drawing/2014/main" id="{6CBC6C1D-ECEB-5000-F36A-BC27788E7507}"/>
+                    </a:ext>
+                  </a:extLst>
+                </p:cNvPr>
+                <p:cNvCxnSpPr>
+                  <a:cxnSpLocks/>
+                </p:cNvCxnSpPr>
+                <p:nvPr/>
+              </p:nvCxnSpPr>
+              <p:spPr>
+                <a:xfrm>
+                  <a:off x="2342318" y="1909454"/>
+                  <a:ext cx="249991" cy="249991"/>
+                </a:xfrm>
+                <a:prstGeom prst="line">
+                  <a:avLst/>
+                </a:prstGeom>
+                <a:ln>
+                  <a:solidFill>
+                    <a:schemeClr val="bg2">
+                      <a:lumMod val="50000"/>
+                    </a:schemeClr>
+                  </a:solidFill>
+                </a:ln>
+              </p:spPr>
+              <p:style>
+                <a:lnRef idx="1">
+                  <a:schemeClr val="accent1"/>
+                </a:lnRef>
+                <a:fillRef idx="0">
+                  <a:schemeClr val="accent1"/>
+                </a:fillRef>
+                <a:effectRef idx="0">
+                  <a:schemeClr val="accent1"/>
+                </a:effectRef>
+                <a:fontRef idx="minor">
+                  <a:schemeClr val="tx1"/>
+                </a:fontRef>
+              </p:style>
+            </p:cxnSp>
+            <p:cxnSp>
+              <p:nvCxnSpPr>
+                <p:cNvPr id="54" name="直接连接符 53">
+                  <a:extLst>
+                    <a:ext uri="{FF2B5EF4-FFF2-40B4-BE49-F238E27FC236}">
+                      <a16:creationId xmlns:a16="http://schemas.microsoft.com/office/drawing/2014/main" id="{4D3CB7B0-71CB-B8FE-9CB3-AD258B061441}"/>
+                    </a:ext>
+                  </a:extLst>
+                </p:cNvPr>
+                <p:cNvCxnSpPr>
+                  <a:cxnSpLocks/>
+                </p:cNvCxnSpPr>
+                <p:nvPr/>
+              </p:nvCxnSpPr>
+              <p:spPr>
+                <a:xfrm>
+                  <a:off x="2429429" y="1909453"/>
+                  <a:ext cx="228046" cy="228046"/>
+                </a:xfrm>
+                <a:prstGeom prst="line">
+                  <a:avLst/>
+                </a:prstGeom>
+                <a:ln>
+                  <a:solidFill>
+                    <a:schemeClr val="bg2">
+                      <a:lumMod val="50000"/>
+                    </a:schemeClr>
+                  </a:solidFill>
+                </a:ln>
+              </p:spPr>
+              <p:style>
+                <a:lnRef idx="1">
+                  <a:schemeClr val="accent1"/>
+                </a:lnRef>
+                <a:fillRef idx="0">
+                  <a:schemeClr val="accent1"/>
+                </a:fillRef>
+                <a:effectRef idx="0">
+                  <a:schemeClr val="accent1"/>
+                </a:effectRef>
+                <a:fontRef idx="minor">
+                  <a:schemeClr val="tx1"/>
+                </a:fontRef>
+              </p:style>
+            </p:cxnSp>
+            <p:cxnSp>
+              <p:nvCxnSpPr>
+                <p:cNvPr id="55" name="直接连接符 54">
+                  <a:extLst>
+                    <a:ext uri="{FF2B5EF4-FFF2-40B4-BE49-F238E27FC236}">
+                      <a16:creationId xmlns:a16="http://schemas.microsoft.com/office/drawing/2014/main" id="{984C2C98-9296-B04D-7E19-0E08A1D13C54}"/>
+                    </a:ext>
+                  </a:extLst>
+                </p:cNvPr>
+                <p:cNvCxnSpPr>
+                  <a:cxnSpLocks/>
+                </p:cNvCxnSpPr>
+                <p:nvPr/>
+              </p:nvCxnSpPr>
+              <p:spPr>
+                <a:xfrm flipV="1">
+                  <a:off x="2509451" y="1908699"/>
+                  <a:ext cx="68002" cy="75696"/>
+                </a:xfrm>
+                <a:prstGeom prst="line">
+                  <a:avLst/>
+                </a:prstGeom>
+                <a:ln>
+                  <a:solidFill>
+                    <a:schemeClr val="bg2">
+                      <a:lumMod val="50000"/>
+                    </a:schemeClr>
+                  </a:solidFill>
+                </a:ln>
+              </p:spPr>
+              <p:style>
+                <a:lnRef idx="1">
+                  <a:schemeClr val="accent1"/>
+                </a:lnRef>
+                <a:fillRef idx="0">
+                  <a:schemeClr val="accent1"/>
+                </a:fillRef>
+                <a:effectRef idx="0">
+                  <a:schemeClr val="accent1"/>
+                </a:effectRef>
+                <a:fontRef idx="minor">
+                  <a:schemeClr val="tx1"/>
+                </a:fontRef>
+              </p:style>
+            </p:cxnSp>
+            <p:cxnSp>
+              <p:nvCxnSpPr>
+                <p:cNvPr id="56" name="直接连接符 55">
+                  <a:extLst>
+                    <a:ext uri="{FF2B5EF4-FFF2-40B4-BE49-F238E27FC236}">
+                      <a16:creationId xmlns:a16="http://schemas.microsoft.com/office/drawing/2014/main" id="{E5C21179-3FB1-34C9-1C70-60691C736DC9}"/>
+                    </a:ext>
+                  </a:extLst>
+                </p:cNvPr>
+                <p:cNvCxnSpPr>
+                  <a:cxnSpLocks/>
+                </p:cNvCxnSpPr>
+                <p:nvPr/>
+              </p:nvCxnSpPr>
+              <p:spPr>
+                <a:xfrm flipV="1">
+                  <a:off x="2556699" y="1907945"/>
+                  <a:ext cx="115632" cy="126127"/>
+                </a:xfrm>
+                <a:prstGeom prst="line">
+                  <a:avLst/>
+                </a:prstGeom>
+                <a:ln>
+                  <a:solidFill>
+                    <a:schemeClr val="bg2">
+                      <a:lumMod val="50000"/>
+                    </a:schemeClr>
+                  </a:solidFill>
+                </a:ln>
+              </p:spPr>
+              <p:style>
+                <a:lnRef idx="1">
+                  <a:schemeClr val="accent1"/>
+                </a:lnRef>
+                <a:fillRef idx="0">
+                  <a:schemeClr val="accent1"/>
+                </a:fillRef>
+                <a:effectRef idx="0">
+                  <a:schemeClr val="accent1"/>
+                </a:effectRef>
+                <a:fontRef idx="minor">
+                  <a:schemeClr val="tx1"/>
+                </a:fontRef>
+              </p:style>
+            </p:cxnSp>
+            <p:cxnSp>
+              <p:nvCxnSpPr>
+                <p:cNvPr id="57" name="直接连接符 56">
+                  <a:extLst>
+                    <a:ext uri="{FF2B5EF4-FFF2-40B4-BE49-F238E27FC236}">
+                      <a16:creationId xmlns:a16="http://schemas.microsoft.com/office/drawing/2014/main" id="{1F580DD4-DCC7-186B-3DD7-01F58355CC7F}"/>
+                    </a:ext>
+                  </a:extLst>
+                </p:cNvPr>
+                <p:cNvCxnSpPr>
+                  <a:cxnSpLocks/>
+                </p:cNvCxnSpPr>
+                <p:nvPr/>
+              </p:nvCxnSpPr>
+              <p:spPr>
+                <a:xfrm flipV="1">
+                  <a:off x="2607937" y="1907191"/>
+                  <a:ext cx="160441" cy="178595"/>
+                </a:xfrm>
+                <a:prstGeom prst="line">
+                  <a:avLst/>
+                </a:prstGeom>
+                <a:ln>
+                  <a:solidFill>
+                    <a:schemeClr val="bg2">
+                      <a:lumMod val="50000"/>
+                    </a:schemeClr>
+                  </a:solidFill>
+                </a:ln>
+              </p:spPr>
+              <p:style>
+                <a:lnRef idx="1">
+                  <a:schemeClr val="accent1"/>
+                </a:lnRef>
+                <a:fillRef idx="0">
+                  <a:schemeClr val="accent1"/>
+                </a:fillRef>
+                <a:effectRef idx="0">
+                  <a:schemeClr val="accent1"/>
+                </a:effectRef>
+                <a:fontRef idx="minor">
+                  <a:schemeClr val="tx1"/>
+                </a:fontRef>
+              </p:style>
+            </p:cxnSp>
+          </p:grpSp>
+          <p:grpSp>
+            <p:nvGrpSpPr>
+              <p:cNvPr id="58" name="组合 57">
+                <a:extLst>
+                  <a:ext uri="{FF2B5EF4-FFF2-40B4-BE49-F238E27FC236}">
+                    <a16:creationId xmlns:a16="http://schemas.microsoft.com/office/drawing/2014/main" id="{82758192-BA99-4BD8-48DA-B54AA3A1669C}"/>
+                  </a:ext>
+                </a:extLst>
+              </p:cNvPr>
+              <p:cNvGrpSpPr/>
+              <p:nvPr/>
+            </p:nvGrpSpPr>
+            <p:grpSpPr>
+              <a:xfrm>
+                <a:off x="5559621" y="1876711"/>
+                <a:ext cx="275208" cy="195929"/>
+                <a:chOff x="2342318" y="1907191"/>
+                <a:chExt cx="426060" cy="252254"/>
+              </a:xfrm>
+            </p:grpSpPr>
+            <p:cxnSp>
+              <p:nvCxnSpPr>
+                <p:cNvPr id="59" name="直接连接符 58">
+                  <a:extLst>
+                    <a:ext uri="{FF2B5EF4-FFF2-40B4-BE49-F238E27FC236}">
+                      <a16:creationId xmlns:a16="http://schemas.microsoft.com/office/drawing/2014/main" id="{58EDC155-9AEC-3064-18E2-9EA8D77D1CAC}"/>
+                    </a:ext>
+                  </a:extLst>
+                </p:cNvPr>
+                <p:cNvCxnSpPr>
+                  <a:cxnSpLocks/>
+                </p:cNvCxnSpPr>
+                <p:nvPr/>
+              </p:nvCxnSpPr>
+              <p:spPr>
+                <a:xfrm>
+                  <a:off x="2342318" y="1909454"/>
+                  <a:ext cx="249991" cy="249991"/>
+                </a:xfrm>
+                <a:prstGeom prst="line">
+                  <a:avLst/>
+                </a:prstGeom>
+                <a:ln>
+                  <a:solidFill>
+                    <a:schemeClr val="bg2">
+                      <a:lumMod val="50000"/>
+                    </a:schemeClr>
+                  </a:solidFill>
+                </a:ln>
+              </p:spPr>
+              <p:style>
+                <a:lnRef idx="1">
+                  <a:schemeClr val="accent1"/>
+                </a:lnRef>
+                <a:fillRef idx="0">
+                  <a:schemeClr val="accent1"/>
+                </a:fillRef>
+                <a:effectRef idx="0">
+                  <a:schemeClr val="accent1"/>
+                </a:effectRef>
+                <a:fontRef idx="minor">
+                  <a:schemeClr val="tx1"/>
+                </a:fontRef>
+              </p:style>
+            </p:cxnSp>
+            <p:cxnSp>
+              <p:nvCxnSpPr>
+                <p:cNvPr id="60" name="直接连接符 59">
+                  <a:extLst>
+                    <a:ext uri="{FF2B5EF4-FFF2-40B4-BE49-F238E27FC236}">
+                      <a16:creationId xmlns:a16="http://schemas.microsoft.com/office/drawing/2014/main" id="{262510DC-F08B-7AE2-2A09-1434ECE65166}"/>
+                    </a:ext>
+                  </a:extLst>
+                </p:cNvPr>
+                <p:cNvCxnSpPr>
+                  <a:cxnSpLocks/>
+                </p:cNvCxnSpPr>
+                <p:nvPr/>
+              </p:nvCxnSpPr>
+              <p:spPr>
+                <a:xfrm>
+                  <a:off x="2429429" y="1909453"/>
+                  <a:ext cx="228046" cy="228046"/>
+                </a:xfrm>
+                <a:prstGeom prst="line">
+                  <a:avLst/>
+                </a:prstGeom>
+                <a:ln>
+                  <a:solidFill>
+                    <a:schemeClr val="bg2">
+                      <a:lumMod val="50000"/>
+                    </a:schemeClr>
+                  </a:solidFill>
+                </a:ln>
+              </p:spPr>
+              <p:style>
+                <a:lnRef idx="1">
+                  <a:schemeClr val="accent1"/>
+                </a:lnRef>
+                <a:fillRef idx="0">
+                  <a:schemeClr val="accent1"/>
+                </a:fillRef>
+                <a:effectRef idx="0">
+                  <a:schemeClr val="accent1"/>
+                </a:effectRef>
+                <a:fontRef idx="minor">
+                  <a:schemeClr val="tx1"/>
+                </a:fontRef>
+              </p:style>
+            </p:cxnSp>
+            <p:cxnSp>
+              <p:nvCxnSpPr>
+                <p:cNvPr id="61" name="直接连接符 60">
+                  <a:extLst>
+                    <a:ext uri="{FF2B5EF4-FFF2-40B4-BE49-F238E27FC236}">
+                      <a16:creationId xmlns:a16="http://schemas.microsoft.com/office/drawing/2014/main" id="{4C67BF09-F95E-C238-E69A-A88429989B0C}"/>
+                    </a:ext>
+                  </a:extLst>
+                </p:cNvPr>
+                <p:cNvCxnSpPr>
+                  <a:cxnSpLocks/>
+                </p:cNvCxnSpPr>
+                <p:nvPr/>
+              </p:nvCxnSpPr>
+              <p:spPr>
+                <a:xfrm flipV="1">
+                  <a:off x="2509451" y="1908699"/>
+                  <a:ext cx="68002" cy="75696"/>
+                </a:xfrm>
+                <a:prstGeom prst="line">
+                  <a:avLst/>
+                </a:prstGeom>
+                <a:ln>
+                  <a:solidFill>
+                    <a:schemeClr val="bg2">
+                      <a:lumMod val="50000"/>
+                    </a:schemeClr>
+                  </a:solidFill>
+                </a:ln>
+              </p:spPr>
+              <p:style>
+                <a:lnRef idx="1">
+                  <a:schemeClr val="accent1"/>
+                </a:lnRef>
+                <a:fillRef idx="0">
+                  <a:schemeClr val="accent1"/>
+                </a:fillRef>
+                <a:effectRef idx="0">
+                  <a:schemeClr val="accent1"/>
+                </a:effectRef>
+                <a:fontRef idx="minor">
+                  <a:schemeClr val="tx1"/>
+                </a:fontRef>
+              </p:style>
+            </p:cxnSp>
+            <p:cxnSp>
+              <p:nvCxnSpPr>
+                <p:cNvPr id="62" name="直接连接符 61">
+                  <a:extLst>
+                    <a:ext uri="{FF2B5EF4-FFF2-40B4-BE49-F238E27FC236}">
+                      <a16:creationId xmlns:a16="http://schemas.microsoft.com/office/drawing/2014/main" id="{5B89995F-50CD-EC60-7DA3-7AAA7F5CABCC}"/>
+                    </a:ext>
+                  </a:extLst>
+                </p:cNvPr>
+                <p:cNvCxnSpPr>
+                  <a:cxnSpLocks/>
+                </p:cNvCxnSpPr>
+                <p:nvPr/>
+              </p:nvCxnSpPr>
+              <p:spPr>
+                <a:xfrm flipV="1">
+                  <a:off x="2556699" y="1907945"/>
+                  <a:ext cx="115632" cy="126127"/>
+                </a:xfrm>
+                <a:prstGeom prst="line">
+                  <a:avLst/>
+                </a:prstGeom>
+                <a:ln>
+                  <a:solidFill>
+                    <a:schemeClr val="bg2">
+                      <a:lumMod val="50000"/>
+                    </a:schemeClr>
+                  </a:solidFill>
+                </a:ln>
+              </p:spPr>
+              <p:style>
+                <a:lnRef idx="1">
+                  <a:schemeClr val="accent1"/>
+                </a:lnRef>
+                <a:fillRef idx="0">
+                  <a:schemeClr val="accent1"/>
+                </a:fillRef>
+                <a:effectRef idx="0">
+                  <a:schemeClr val="accent1"/>
+                </a:effectRef>
+                <a:fontRef idx="minor">
+                  <a:schemeClr val="tx1"/>
+                </a:fontRef>
+              </p:style>
+            </p:cxnSp>
+            <p:cxnSp>
+              <p:nvCxnSpPr>
+                <p:cNvPr id="63" name="直接连接符 62">
+                  <a:extLst>
+                    <a:ext uri="{FF2B5EF4-FFF2-40B4-BE49-F238E27FC236}">
+                      <a16:creationId xmlns:a16="http://schemas.microsoft.com/office/drawing/2014/main" id="{56F498B8-46CF-8846-F501-EB44E1E61F4D}"/>
+                    </a:ext>
+                  </a:extLst>
+                </p:cNvPr>
+                <p:cNvCxnSpPr>
+                  <a:cxnSpLocks/>
+                </p:cNvCxnSpPr>
+                <p:nvPr/>
+              </p:nvCxnSpPr>
+              <p:spPr>
+                <a:xfrm flipV="1">
+                  <a:off x="2607937" y="1907191"/>
+                  <a:ext cx="160441" cy="178595"/>
+                </a:xfrm>
+                <a:prstGeom prst="line">
+                  <a:avLst/>
+                </a:prstGeom>
+                <a:ln>
+                  <a:solidFill>
+                    <a:schemeClr val="bg2">
+                      <a:lumMod val="50000"/>
+                    </a:schemeClr>
+                  </a:solidFill>
+                </a:ln>
+              </p:spPr>
+              <p:style>
+                <a:lnRef idx="1">
+                  <a:schemeClr val="accent1"/>
+                </a:lnRef>
+                <a:fillRef idx="0">
+                  <a:schemeClr val="accent1"/>
+                </a:fillRef>
+                <a:effectRef idx="0">
+                  <a:schemeClr val="accent1"/>
+                </a:effectRef>
+                <a:fontRef idx="minor">
+                  <a:schemeClr val="tx1"/>
+                </a:fontRef>
+              </p:style>
+            </p:cxnSp>
+          </p:grpSp>
+          <p:grpSp>
+            <p:nvGrpSpPr>
+              <p:cNvPr id="64" name="组合 63">
+                <a:extLst>
+                  <a:ext uri="{FF2B5EF4-FFF2-40B4-BE49-F238E27FC236}">
+                    <a16:creationId xmlns:a16="http://schemas.microsoft.com/office/drawing/2014/main" id="{61233EA5-180C-3507-7E17-1186EE7A3BA2}"/>
+                  </a:ext>
+                </a:extLst>
+              </p:cNvPr>
+              <p:cNvGrpSpPr/>
+              <p:nvPr/>
+            </p:nvGrpSpPr>
+            <p:grpSpPr>
+              <a:xfrm>
+                <a:off x="5923874" y="1876711"/>
+                <a:ext cx="275208" cy="195929"/>
+                <a:chOff x="2342318" y="1907191"/>
+                <a:chExt cx="426060" cy="252254"/>
+              </a:xfrm>
+            </p:grpSpPr>
+            <p:cxnSp>
+              <p:nvCxnSpPr>
+                <p:cNvPr id="65" name="直接连接符 64">
+                  <a:extLst>
+                    <a:ext uri="{FF2B5EF4-FFF2-40B4-BE49-F238E27FC236}">
+                      <a16:creationId xmlns:a16="http://schemas.microsoft.com/office/drawing/2014/main" id="{5472D2FB-6BDF-A9ED-78F5-870305ABC784}"/>
+                    </a:ext>
+                  </a:extLst>
+                </p:cNvPr>
+                <p:cNvCxnSpPr>
+                  <a:cxnSpLocks/>
+                </p:cNvCxnSpPr>
+                <p:nvPr/>
+              </p:nvCxnSpPr>
+              <p:spPr>
+                <a:xfrm>
+                  <a:off x="2342318" y="1909454"/>
+                  <a:ext cx="249991" cy="249991"/>
+                </a:xfrm>
+                <a:prstGeom prst="line">
+                  <a:avLst/>
+                </a:prstGeom>
+                <a:ln>
+                  <a:solidFill>
+                    <a:schemeClr val="bg2">
+                      <a:lumMod val="50000"/>
+                    </a:schemeClr>
+                  </a:solidFill>
+                </a:ln>
+              </p:spPr>
+              <p:style>
+                <a:lnRef idx="1">
+                  <a:schemeClr val="accent1"/>
+                </a:lnRef>
+                <a:fillRef idx="0">
+                  <a:schemeClr val="accent1"/>
+                </a:fillRef>
+                <a:effectRef idx="0">
+                  <a:schemeClr val="accent1"/>
+                </a:effectRef>
+                <a:fontRef idx="minor">
+                  <a:schemeClr val="tx1"/>
+                </a:fontRef>
+              </p:style>
+            </p:cxnSp>
+            <p:cxnSp>
+              <p:nvCxnSpPr>
+                <p:cNvPr id="66" name="直接连接符 65">
+                  <a:extLst>
+                    <a:ext uri="{FF2B5EF4-FFF2-40B4-BE49-F238E27FC236}">
+                      <a16:creationId xmlns:a16="http://schemas.microsoft.com/office/drawing/2014/main" id="{D9CD05CD-E4E0-055F-A1BD-2AB3C1654EFA}"/>
+                    </a:ext>
+                  </a:extLst>
+                </p:cNvPr>
+                <p:cNvCxnSpPr>
+                  <a:cxnSpLocks/>
+                </p:cNvCxnSpPr>
+                <p:nvPr/>
+              </p:nvCxnSpPr>
+              <p:spPr>
+                <a:xfrm>
+                  <a:off x="2429429" y="1909453"/>
+                  <a:ext cx="228046" cy="228046"/>
+                </a:xfrm>
+                <a:prstGeom prst="line">
+                  <a:avLst/>
+                </a:prstGeom>
+                <a:ln>
+                  <a:solidFill>
+                    <a:schemeClr val="bg2">
+                      <a:lumMod val="50000"/>
+                    </a:schemeClr>
+                  </a:solidFill>
+                </a:ln>
+              </p:spPr>
+              <p:style>
+                <a:lnRef idx="1">
+                  <a:schemeClr val="accent1"/>
+                </a:lnRef>
+                <a:fillRef idx="0">
+                  <a:schemeClr val="accent1"/>
+                </a:fillRef>
+                <a:effectRef idx="0">
+                  <a:schemeClr val="accent1"/>
+                </a:effectRef>
+                <a:fontRef idx="minor">
+                  <a:schemeClr val="tx1"/>
+                </a:fontRef>
+              </p:style>
+            </p:cxnSp>
+            <p:cxnSp>
+              <p:nvCxnSpPr>
+                <p:cNvPr id="67" name="直接连接符 66">
+                  <a:extLst>
+                    <a:ext uri="{FF2B5EF4-FFF2-40B4-BE49-F238E27FC236}">
+                      <a16:creationId xmlns:a16="http://schemas.microsoft.com/office/drawing/2014/main" id="{714BBA5E-75B1-5864-932C-CE1B9ED00B55}"/>
+                    </a:ext>
+                  </a:extLst>
+                </p:cNvPr>
+                <p:cNvCxnSpPr>
+                  <a:cxnSpLocks/>
+                </p:cNvCxnSpPr>
+                <p:nvPr/>
+              </p:nvCxnSpPr>
+              <p:spPr>
+                <a:xfrm flipV="1">
+                  <a:off x="2509451" y="1908699"/>
+                  <a:ext cx="68002" cy="75696"/>
+                </a:xfrm>
+                <a:prstGeom prst="line">
+                  <a:avLst/>
+                </a:prstGeom>
+                <a:ln>
+                  <a:solidFill>
+                    <a:schemeClr val="bg2">
+                      <a:lumMod val="50000"/>
+                    </a:schemeClr>
+                  </a:solidFill>
+                </a:ln>
+              </p:spPr>
+              <p:style>
+                <a:lnRef idx="1">
+                  <a:schemeClr val="accent1"/>
+                </a:lnRef>
+                <a:fillRef idx="0">
+                  <a:schemeClr val="accent1"/>
+                </a:fillRef>
+                <a:effectRef idx="0">
+                  <a:schemeClr val="accent1"/>
+                </a:effectRef>
+                <a:fontRef idx="minor">
+                  <a:schemeClr val="tx1"/>
+                </a:fontRef>
+              </p:style>
+            </p:cxnSp>
+            <p:cxnSp>
+              <p:nvCxnSpPr>
+                <p:cNvPr id="68" name="直接连接符 67">
+                  <a:extLst>
+                    <a:ext uri="{FF2B5EF4-FFF2-40B4-BE49-F238E27FC236}">
+                      <a16:creationId xmlns:a16="http://schemas.microsoft.com/office/drawing/2014/main" id="{8DD7ABC2-D65A-8D44-8C91-B39E30D535DC}"/>
+                    </a:ext>
+                  </a:extLst>
+                </p:cNvPr>
+                <p:cNvCxnSpPr>
+                  <a:cxnSpLocks/>
+                </p:cNvCxnSpPr>
+                <p:nvPr/>
+              </p:nvCxnSpPr>
+              <p:spPr>
+                <a:xfrm flipV="1">
+                  <a:off x="2556699" y="1907945"/>
+                  <a:ext cx="115632" cy="126127"/>
+                </a:xfrm>
+                <a:prstGeom prst="line">
+                  <a:avLst/>
+                </a:prstGeom>
+                <a:ln>
+                  <a:solidFill>
+                    <a:schemeClr val="bg2">
+                      <a:lumMod val="50000"/>
+                    </a:schemeClr>
+                  </a:solidFill>
+                </a:ln>
+              </p:spPr>
+              <p:style>
+                <a:lnRef idx="1">
+                  <a:schemeClr val="accent1"/>
+                </a:lnRef>
+                <a:fillRef idx="0">
+                  <a:schemeClr val="accent1"/>
+                </a:fillRef>
+                <a:effectRef idx="0">
+                  <a:schemeClr val="accent1"/>
+                </a:effectRef>
+                <a:fontRef idx="minor">
+                  <a:schemeClr val="tx1"/>
+                </a:fontRef>
+              </p:style>
+            </p:cxnSp>
+            <p:cxnSp>
+              <p:nvCxnSpPr>
+                <p:cNvPr id="69" name="直接连接符 68">
+                  <a:extLst>
+                    <a:ext uri="{FF2B5EF4-FFF2-40B4-BE49-F238E27FC236}">
+                      <a16:creationId xmlns:a16="http://schemas.microsoft.com/office/drawing/2014/main" id="{C52461E9-FBE4-A56B-26BF-5631E0DED28C}"/>
+                    </a:ext>
+                  </a:extLst>
+                </p:cNvPr>
+                <p:cNvCxnSpPr>
+                  <a:cxnSpLocks/>
+                </p:cNvCxnSpPr>
+                <p:nvPr/>
+              </p:nvCxnSpPr>
+              <p:spPr>
+                <a:xfrm flipV="1">
+                  <a:off x="2607937" y="1907191"/>
+                  <a:ext cx="160441" cy="178595"/>
+                </a:xfrm>
+                <a:prstGeom prst="line">
+                  <a:avLst/>
+                </a:prstGeom>
+                <a:ln>
+                  <a:solidFill>
+                    <a:schemeClr val="bg2">
+                      <a:lumMod val="50000"/>
+                    </a:schemeClr>
+                  </a:solidFill>
+                </a:ln>
+              </p:spPr>
+              <p:style>
+                <a:lnRef idx="1">
+                  <a:schemeClr val="accent1"/>
+                </a:lnRef>
+                <a:fillRef idx="0">
+                  <a:schemeClr val="accent1"/>
+                </a:fillRef>
+                <a:effectRef idx="0">
+                  <a:schemeClr val="accent1"/>
+                </a:effectRef>
+                <a:fontRef idx="minor">
+                  <a:schemeClr val="tx1"/>
+                </a:fontRef>
+              </p:style>
+            </p:cxnSp>
+          </p:grpSp>
+          <p:grpSp>
+            <p:nvGrpSpPr>
+              <p:cNvPr id="70" name="组合 69">
+                <a:extLst>
+                  <a:ext uri="{FF2B5EF4-FFF2-40B4-BE49-F238E27FC236}">
+                    <a16:creationId xmlns:a16="http://schemas.microsoft.com/office/drawing/2014/main" id="{A87A5EC2-C1D2-A8BD-5091-23D291DB2AB2}"/>
+                  </a:ext>
+                </a:extLst>
+              </p:cNvPr>
+              <p:cNvGrpSpPr/>
+              <p:nvPr/>
+            </p:nvGrpSpPr>
+            <p:grpSpPr>
+              <a:xfrm>
+                <a:off x="6300930" y="1876711"/>
+                <a:ext cx="275208" cy="195929"/>
+                <a:chOff x="2342318" y="1907191"/>
+                <a:chExt cx="426060" cy="252254"/>
+              </a:xfrm>
+            </p:grpSpPr>
+            <p:cxnSp>
+              <p:nvCxnSpPr>
+                <p:cNvPr id="71" name="直接连接符 70">
+                  <a:extLst>
+                    <a:ext uri="{FF2B5EF4-FFF2-40B4-BE49-F238E27FC236}">
+                      <a16:creationId xmlns:a16="http://schemas.microsoft.com/office/drawing/2014/main" id="{D8BA15F5-90A8-E0CD-B5CC-165601EF2662}"/>
+                    </a:ext>
+                  </a:extLst>
+                </p:cNvPr>
+                <p:cNvCxnSpPr>
+                  <a:cxnSpLocks/>
+                </p:cNvCxnSpPr>
+                <p:nvPr/>
+              </p:nvCxnSpPr>
+              <p:spPr>
+                <a:xfrm>
+                  <a:off x="2342318" y="1909454"/>
+                  <a:ext cx="249991" cy="249991"/>
+                </a:xfrm>
+                <a:prstGeom prst="line">
+                  <a:avLst/>
+                </a:prstGeom>
+                <a:ln>
+                  <a:solidFill>
+                    <a:schemeClr val="bg2">
+                      <a:lumMod val="50000"/>
+                    </a:schemeClr>
+                  </a:solidFill>
+                </a:ln>
+              </p:spPr>
+              <p:style>
+                <a:lnRef idx="1">
+                  <a:schemeClr val="accent1"/>
+                </a:lnRef>
+                <a:fillRef idx="0">
+                  <a:schemeClr val="accent1"/>
+                </a:fillRef>
+                <a:effectRef idx="0">
+                  <a:schemeClr val="accent1"/>
+                </a:effectRef>
+                <a:fontRef idx="minor">
+                  <a:schemeClr val="tx1"/>
+                </a:fontRef>
+              </p:style>
+            </p:cxnSp>
+            <p:cxnSp>
+              <p:nvCxnSpPr>
+                <p:cNvPr id="72" name="直接连接符 71">
+                  <a:extLst>
+                    <a:ext uri="{FF2B5EF4-FFF2-40B4-BE49-F238E27FC236}">
+                      <a16:creationId xmlns:a16="http://schemas.microsoft.com/office/drawing/2014/main" id="{8ED56E2D-E55D-9D6F-7687-F9B51D441603}"/>
+                    </a:ext>
+                  </a:extLst>
+                </p:cNvPr>
+                <p:cNvCxnSpPr>
+                  <a:cxnSpLocks/>
+                </p:cNvCxnSpPr>
+                <p:nvPr/>
+              </p:nvCxnSpPr>
+              <p:spPr>
+                <a:xfrm>
+                  <a:off x="2429429" y="1909453"/>
+                  <a:ext cx="228046" cy="228046"/>
+                </a:xfrm>
+                <a:prstGeom prst="line">
+                  <a:avLst/>
+                </a:prstGeom>
+                <a:ln>
+                  <a:solidFill>
+                    <a:schemeClr val="bg2">
+                      <a:lumMod val="50000"/>
+                    </a:schemeClr>
+                  </a:solidFill>
+                </a:ln>
+              </p:spPr>
+              <p:style>
+                <a:lnRef idx="1">
+                  <a:schemeClr val="accent1"/>
+                </a:lnRef>
+                <a:fillRef idx="0">
+                  <a:schemeClr val="accent1"/>
+                </a:fillRef>
+                <a:effectRef idx="0">
+                  <a:schemeClr val="accent1"/>
+                </a:effectRef>
+                <a:fontRef idx="minor">
+                  <a:schemeClr val="tx1"/>
+                </a:fontRef>
+              </p:style>
+            </p:cxnSp>
+            <p:cxnSp>
+              <p:nvCxnSpPr>
+                <p:cNvPr id="73" name="直接连接符 72">
+                  <a:extLst>
+                    <a:ext uri="{FF2B5EF4-FFF2-40B4-BE49-F238E27FC236}">
+                      <a16:creationId xmlns:a16="http://schemas.microsoft.com/office/drawing/2014/main" id="{B7E5037F-5E4A-4BE2-9507-72398CF61A22}"/>
+                    </a:ext>
+                  </a:extLst>
+                </p:cNvPr>
+                <p:cNvCxnSpPr>
+                  <a:cxnSpLocks/>
+                </p:cNvCxnSpPr>
+                <p:nvPr/>
+              </p:nvCxnSpPr>
+              <p:spPr>
+                <a:xfrm flipV="1">
+                  <a:off x="2509451" y="1908699"/>
+                  <a:ext cx="68002" cy="75696"/>
+                </a:xfrm>
+                <a:prstGeom prst="line">
+                  <a:avLst/>
+                </a:prstGeom>
+                <a:ln>
+                  <a:solidFill>
+                    <a:schemeClr val="bg2">
+                      <a:lumMod val="50000"/>
+                    </a:schemeClr>
+                  </a:solidFill>
+                </a:ln>
+              </p:spPr>
+              <p:style>
+                <a:lnRef idx="1">
+                  <a:schemeClr val="accent1"/>
+                </a:lnRef>
+                <a:fillRef idx="0">
+                  <a:schemeClr val="accent1"/>
+                </a:fillRef>
+                <a:effectRef idx="0">
+                  <a:schemeClr val="accent1"/>
+                </a:effectRef>
+                <a:fontRef idx="minor">
+                  <a:schemeClr val="tx1"/>
+                </a:fontRef>
+              </p:style>
+            </p:cxnSp>
+            <p:cxnSp>
+              <p:nvCxnSpPr>
+                <p:cNvPr id="74" name="直接连接符 73">
+                  <a:extLst>
+                    <a:ext uri="{FF2B5EF4-FFF2-40B4-BE49-F238E27FC236}">
+                      <a16:creationId xmlns:a16="http://schemas.microsoft.com/office/drawing/2014/main" id="{70990089-8DFD-474A-3E6D-688C61612CBC}"/>
+                    </a:ext>
+                  </a:extLst>
+                </p:cNvPr>
+                <p:cNvCxnSpPr>
+                  <a:cxnSpLocks/>
+                </p:cNvCxnSpPr>
+                <p:nvPr/>
+              </p:nvCxnSpPr>
+              <p:spPr>
+                <a:xfrm flipV="1">
+                  <a:off x="2556699" y="1907945"/>
+                  <a:ext cx="115632" cy="126127"/>
+                </a:xfrm>
+                <a:prstGeom prst="line">
+                  <a:avLst/>
+                </a:prstGeom>
+                <a:ln>
+                  <a:solidFill>
+                    <a:schemeClr val="bg2">
+                      <a:lumMod val="50000"/>
+                    </a:schemeClr>
+                  </a:solidFill>
+                </a:ln>
+              </p:spPr>
+              <p:style>
+                <a:lnRef idx="1">
+                  <a:schemeClr val="accent1"/>
+                </a:lnRef>
+                <a:fillRef idx="0">
+                  <a:schemeClr val="accent1"/>
+                </a:fillRef>
+                <a:effectRef idx="0">
+                  <a:schemeClr val="accent1"/>
+                </a:effectRef>
+                <a:fontRef idx="minor">
+                  <a:schemeClr val="tx1"/>
+                </a:fontRef>
+              </p:style>
+            </p:cxnSp>
+            <p:cxnSp>
+              <p:nvCxnSpPr>
+                <p:cNvPr id="75" name="直接连接符 74">
+                  <a:extLst>
+                    <a:ext uri="{FF2B5EF4-FFF2-40B4-BE49-F238E27FC236}">
+                      <a16:creationId xmlns:a16="http://schemas.microsoft.com/office/drawing/2014/main" id="{CBE94453-47FD-DE3C-F2C1-8786BB33A15B}"/>
+                    </a:ext>
+                  </a:extLst>
+                </p:cNvPr>
+                <p:cNvCxnSpPr>
+                  <a:cxnSpLocks/>
+                </p:cNvCxnSpPr>
+                <p:nvPr/>
+              </p:nvCxnSpPr>
+              <p:spPr>
+                <a:xfrm flipV="1">
+                  <a:off x="2607937" y="1907191"/>
+                  <a:ext cx="160441" cy="178595"/>
+                </a:xfrm>
+                <a:prstGeom prst="line">
+                  <a:avLst/>
+                </a:prstGeom>
+                <a:ln>
+                  <a:solidFill>
+                    <a:schemeClr val="bg2">
+                      <a:lumMod val="50000"/>
+                    </a:schemeClr>
+                  </a:solidFill>
+                </a:ln>
+              </p:spPr>
+              <p:style>
+                <a:lnRef idx="1">
+                  <a:schemeClr val="accent1"/>
+                </a:lnRef>
+                <a:fillRef idx="0">
+                  <a:schemeClr val="accent1"/>
+                </a:fillRef>
+                <a:effectRef idx="0">
+                  <a:schemeClr val="accent1"/>
+                </a:effectRef>
+                <a:fontRef idx="minor">
+                  <a:schemeClr val="tx1"/>
+                </a:fontRef>
+              </p:style>
+            </p:cxnSp>
+          </p:grpSp>
+          <p:sp>
+            <p:nvSpPr>
+              <p:cNvPr id="86" name="文本框 85">
+                <a:extLst>
+                  <a:ext uri="{FF2B5EF4-FFF2-40B4-BE49-F238E27FC236}">
+                    <a16:creationId xmlns:a16="http://schemas.microsoft.com/office/drawing/2014/main" id="{42911BE8-2C6F-3667-8437-992F6DEE7BD8}"/>
+                  </a:ext>
+                </a:extLst>
+              </p:cNvPr>
+              <p:cNvSpPr txBox="1"/>
+              <p:nvPr/>
+            </p:nvSpPr>
+            <p:spPr>
+              <a:xfrm>
+                <a:off x="4020140" y="2724155"/>
+                <a:ext cx="537115" cy="738664"/>
+              </a:xfrm>
+              <a:prstGeom prst="rect">
+                <a:avLst/>
+              </a:prstGeom>
+              <a:noFill/>
+            </p:spPr>
+            <p:txBody>
+              <a:bodyPr wrap="square" rtlCol="0">
+                <a:spAutoFit/>
+              </a:bodyPr>
+              <a:lstStyle/>
+              <a:p>
+                <a:r>
+                  <a:rPr lang="zh-CN" altLang="en-US" sz="1400" b="1" dirty="0">
+                    <a:solidFill>
+                      <a:srgbClr val="FF0000"/>
+                    </a:solidFill>
+                    <a:latin typeface="宋体" panose="02010600030101010101" pitchFamily="2" charset="-122"/>
+                    <a:ea typeface="宋体" panose="02010600030101010101" pitchFamily="2" charset="-122"/>
+                  </a:rPr>
+                  <a:t>桩埋深</a:t>
+                </a:r>
+              </a:p>
+            </p:txBody>
+          </p:sp>
+          <p:grpSp>
+            <p:nvGrpSpPr>
+              <p:cNvPr id="90" name="组合 89">
+                <a:extLst>
+                  <a:ext uri="{FF2B5EF4-FFF2-40B4-BE49-F238E27FC236}">
+                    <a16:creationId xmlns:a16="http://schemas.microsoft.com/office/drawing/2014/main" id="{CB76C59F-9E77-B873-13CF-034B8364FFDB}"/>
+                  </a:ext>
+                </a:extLst>
+              </p:cNvPr>
+              <p:cNvGrpSpPr/>
+              <p:nvPr/>
+            </p:nvGrpSpPr>
+            <p:grpSpPr>
+              <a:xfrm>
+                <a:off x="3775042" y="1874953"/>
+                <a:ext cx="300338" cy="2426865"/>
+                <a:chOff x="6003751" y="727071"/>
+                <a:chExt cx="300338" cy="2065094"/>
+              </a:xfrm>
+            </p:grpSpPr>
+            <p:cxnSp>
+              <p:nvCxnSpPr>
+                <p:cNvPr id="87" name="直接箭头连接符 86">
+                  <a:extLst>
+                    <a:ext uri="{FF2B5EF4-FFF2-40B4-BE49-F238E27FC236}">
+                      <a16:creationId xmlns:a16="http://schemas.microsoft.com/office/drawing/2014/main" id="{EB6569C3-D609-2D4D-8DC5-A0D6C8D6D86F}"/>
+                    </a:ext>
+                  </a:extLst>
+                </p:cNvPr>
+                <p:cNvCxnSpPr/>
+                <p:nvPr/>
+              </p:nvCxnSpPr>
+              <p:spPr>
+                <a:xfrm>
+                  <a:off x="6153920" y="727662"/>
+                  <a:ext cx="0" cy="2061563"/>
+                </a:xfrm>
+                <a:prstGeom prst="straightConnector1">
+                  <a:avLst/>
+                </a:prstGeom>
+                <a:ln w="12700">
+                  <a:solidFill>
+                    <a:srgbClr val="FF0000"/>
+                  </a:solidFill>
+                  <a:headEnd type="triangle" w="med" len="med"/>
+                  <a:tailEnd type="triangle" w="med" len="med"/>
+                </a:ln>
+              </p:spPr>
+              <p:style>
+                <a:lnRef idx="1">
+                  <a:schemeClr val="accent1"/>
+                </a:lnRef>
+                <a:fillRef idx="0">
+                  <a:schemeClr val="accent1"/>
+                </a:fillRef>
+                <a:effectRef idx="0">
+                  <a:schemeClr val="accent1"/>
+                </a:effectRef>
+                <a:fontRef idx="minor">
+                  <a:schemeClr val="tx1"/>
+                </a:fontRef>
+              </p:style>
+            </p:cxnSp>
+            <p:cxnSp>
+              <p:nvCxnSpPr>
+                <p:cNvPr id="88" name="直接连接符 87">
+                  <a:extLst>
+                    <a:ext uri="{FF2B5EF4-FFF2-40B4-BE49-F238E27FC236}">
+                      <a16:creationId xmlns:a16="http://schemas.microsoft.com/office/drawing/2014/main" id="{136693F1-FA36-B36F-35BA-FE42ACE0567B}"/>
+                    </a:ext>
+                  </a:extLst>
+                </p:cNvPr>
+                <p:cNvCxnSpPr/>
+                <p:nvPr/>
+              </p:nvCxnSpPr>
+              <p:spPr>
+                <a:xfrm>
+                  <a:off x="6003751" y="727071"/>
+                  <a:ext cx="300338" cy="0"/>
+                </a:xfrm>
+                <a:prstGeom prst="line">
+                  <a:avLst/>
+                </a:prstGeom>
+                <a:ln w="12700">
+                  <a:solidFill>
+                    <a:srgbClr val="FF0000"/>
+                  </a:solidFill>
+                </a:ln>
+              </p:spPr>
+              <p:style>
+                <a:lnRef idx="1">
+                  <a:schemeClr val="accent1"/>
+                </a:lnRef>
+                <a:fillRef idx="0">
+                  <a:schemeClr val="accent1"/>
+                </a:fillRef>
+                <a:effectRef idx="0">
+                  <a:schemeClr val="accent1"/>
+                </a:effectRef>
+                <a:fontRef idx="minor">
+                  <a:schemeClr val="tx1"/>
+                </a:fontRef>
+              </p:style>
+            </p:cxnSp>
+            <p:cxnSp>
+              <p:nvCxnSpPr>
+                <p:cNvPr id="89" name="直接连接符 88">
+                  <a:extLst>
+                    <a:ext uri="{FF2B5EF4-FFF2-40B4-BE49-F238E27FC236}">
+                      <a16:creationId xmlns:a16="http://schemas.microsoft.com/office/drawing/2014/main" id="{F7956746-BE02-3A2D-ACAE-52AFE9F85974}"/>
+                    </a:ext>
+                  </a:extLst>
+                </p:cNvPr>
+                <p:cNvCxnSpPr/>
+                <p:nvPr/>
+              </p:nvCxnSpPr>
+              <p:spPr>
+                <a:xfrm>
+                  <a:off x="6003751" y="2792165"/>
+                  <a:ext cx="300338" cy="0"/>
+                </a:xfrm>
+                <a:prstGeom prst="line">
+                  <a:avLst/>
+                </a:prstGeom>
+                <a:ln w="12700">
+                  <a:solidFill>
+                    <a:srgbClr val="FF0000"/>
+                  </a:solidFill>
+                </a:ln>
+              </p:spPr>
+              <p:style>
+                <a:lnRef idx="1">
+                  <a:schemeClr val="accent1"/>
+                </a:lnRef>
+                <a:fillRef idx="0">
+                  <a:schemeClr val="accent1"/>
+                </a:fillRef>
+                <a:effectRef idx="0">
+                  <a:schemeClr val="accent1"/>
+                </a:effectRef>
+                <a:fontRef idx="minor">
+                  <a:schemeClr val="tx1"/>
+                </a:fontRef>
+              </p:style>
+            </p:cxnSp>
+          </p:grpSp>
+          <p:sp>
+            <p:nvSpPr>
+              <p:cNvPr id="92" name="文本框 91">
+                <a:extLst>
+                  <a:ext uri="{FF2B5EF4-FFF2-40B4-BE49-F238E27FC236}">
+                    <a16:creationId xmlns:a16="http://schemas.microsoft.com/office/drawing/2014/main" id="{1884CFA0-B35E-FF9D-7FFA-31854BF4CD5C}"/>
+                  </a:ext>
+                </a:extLst>
+              </p:cNvPr>
+              <p:cNvSpPr txBox="1"/>
+              <p:nvPr/>
+            </p:nvSpPr>
+            <p:spPr>
+              <a:xfrm>
+                <a:off x="4049767" y="756728"/>
+                <a:ext cx="537115" cy="1169551"/>
+              </a:xfrm>
+              <a:prstGeom prst="rect">
+                <a:avLst/>
+              </a:prstGeom>
+              <a:noFill/>
+            </p:spPr>
+            <p:txBody>
+              <a:bodyPr wrap="square" rtlCol="0">
+                <a:spAutoFit/>
+              </a:bodyPr>
+              <a:lstStyle/>
+              <a:p>
+                <a:r>
+                  <a:rPr lang="zh-CN" altLang="en-US" sz="1400" b="1" dirty="0">
+                    <a:solidFill>
+                      <a:srgbClr val="FF0000"/>
+                    </a:solidFill>
+                    <a:latin typeface="宋体" panose="02010600030101010101" pitchFamily="2" charset="-122"/>
+                    <a:ea typeface="宋体" panose="02010600030101010101" pitchFamily="2" charset="-122"/>
+                  </a:rPr>
+                  <a:t>桩伸出地面</a:t>
+                </a:r>
+              </a:p>
+            </p:txBody>
+          </p:sp>
+          <p:grpSp>
+            <p:nvGrpSpPr>
+              <p:cNvPr id="93" name="组合 92">
+                <a:extLst>
+                  <a:ext uri="{FF2B5EF4-FFF2-40B4-BE49-F238E27FC236}">
+                    <a16:creationId xmlns:a16="http://schemas.microsoft.com/office/drawing/2014/main" id="{DE19001C-0010-AF55-1A8D-4F2BF9C051F9}"/>
+                  </a:ext>
+                </a:extLst>
+              </p:cNvPr>
+              <p:cNvGrpSpPr/>
+              <p:nvPr/>
+            </p:nvGrpSpPr>
+            <p:grpSpPr>
+              <a:xfrm>
+                <a:off x="3776337" y="848410"/>
+                <a:ext cx="300338" cy="1023950"/>
+                <a:chOff x="6003751" y="727071"/>
+                <a:chExt cx="300338" cy="2065094"/>
+              </a:xfrm>
+            </p:grpSpPr>
+            <p:cxnSp>
+              <p:nvCxnSpPr>
+                <p:cNvPr id="94" name="直接箭头连接符 93">
+                  <a:extLst>
+                    <a:ext uri="{FF2B5EF4-FFF2-40B4-BE49-F238E27FC236}">
+                      <a16:creationId xmlns:a16="http://schemas.microsoft.com/office/drawing/2014/main" id="{3DA76D69-8961-9DE0-2238-8B5821CF9185}"/>
+                    </a:ext>
+                  </a:extLst>
+                </p:cNvPr>
+                <p:cNvCxnSpPr/>
+                <p:nvPr/>
+              </p:nvCxnSpPr>
+              <p:spPr>
+                <a:xfrm>
+                  <a:off x="6153920" y="727662"/>
+                  <a:ext cx="0" cy="2061563"/>
+                </a:xfrm>
+                <a:prstGeom prst="straightConnector1">
+                  <a:avLst/>
+                </a:prstGeom>
+                <a:ln w="12700">
+                  <a:solidFill>
+                    <a:srgbClr val="FF0000"/>
+                  </a:solidFill>
+                  <a:headEnd type="triangle" w="med" len="med"/>
+                  <a:tailEnd type="triangle" w="med" len="med"/>
+                </a:ln>
+              </p:spPr>
+              <p:style>
+                <a:lnRef idx="1">
+                  <a:schemeClr val="accent1"/>
+                </a:lnRef>
+                <a:fillRef idx="0">
+                  <a:schemeClr val="accent1"/>
+                </a:fillRef>
+                <a:effectRef idx="0">
+                  <a:schemeClr val="accent1"/>
+                </a:effectRef>
+                <a:fontRef idx="minor">
+                  <a:schemeClr val="tx1"/>
+                </a:fontRef>
+              </p:style>
+            </p:cxnSp>
+            <p:cxnSp>
+              <p:nvCxnSpPr>
+                <p:cNvPr id="95" name="直接连接符 94">
+                  <a:extLst>
+                    <a:ext uri="{FF2B5EF4-FFF2-40B4-BE49-F238E27FC236}">
+                      <a16:creationId xmlns:a16="http://schemas.microsoft.com/office/drawing/2014/main" id="{BAFF1449-B3D0-A729-4243-8CE5B88A73FD}"/>
+                    </a:ext>
+                  </a:extLst>
+                </p:cNvPr>
+                <p:cNvCxnSpPr/>
+                <p:nvPr/>
+              </p:nvCxnSpPr>
+              <p:spPr>
+                <a:xfrm>
+                  <a:off x="6003751" y="727071"/>
+                  <a:ext cx="300338" cy="0"/>
+                </a:xfrm>
+                <a:prstGeom prst="line">
+                  <a:avLst/>
+                </a:prstGeom>
+                <a:ln w="12700">
+                  <a:solidFill>
+                    <a:srgbClr val="FF0000"/>
+                  </a:solidFill>
+                </a:ln>
+              </p:spPr>
+              <p:style>
+                <a:lnRef idx="1">
+                  <a:schemeClr val="accent1"/>
+                </a:lnRef>
+                <a:fillRef idx="0">
+                  <a:schemeClr val="accent1"/>
+                </a:fillRef>
+                <a:effectRef idx="0">
+                  <a:schemeClr val="accent1"/>
+                </a:effectRef>
+                <a:fontRef idx="minor">
+                  <a:schemeClr val="tx1"/>
+                </a:fontRef>
+              </p:style>
+            </p:cxnSp>
+            <p:cxnSp>
+              <p:nvCxnSpPr>
+                <p:cNvPr id="96" name="直接连接符 95">
+                  <a:extLst>
+                    <a:ext uri="{FF2B5EF4-FFF2-40B4-BE49-F238E27FC236}">
+                      <a16:creationId xmlns:a16="http://schemas.microsoft.com/office/drawing/2014/main" id="{DF570DD2-2984-5D73-358D-F2E993BDD77C}"/>
+                    </a:ext>
+                  </a:extLst>
+                </p:cNvPr>
+                <p:cNvCxnSpPr/>
+                <p:nvPr/>
+              </p:nvCxnSpPr>
+              <p:spPr>
+                <a:xfrm>
+                  <a:off x="6003751" y="2792165"/>
+                  <a:ext cx="300338" cy="0"/>
+                </a:xfrm>
+                <a:prstGeom prst="line">
+                  <a:avLst/>
+                </a:prstGeom>
+                <a:ln w="12700">
+                  <a:solidFill>
+                    <a:srgbClr val="FF0000"/>
+                  </a:solidFill>
+                </a:ln>
+              </p:spPr>
+              <p:style>
+                <a:lnRef idx="1">
+                  <a:schemeClr val="accent1"/>
+                </a:lnRef>
+                <a:fillRef idx="0">
+                  <a:schemeClr val="accent1"/>
+                </a:fillRef>
+                <a:effectRef idx="0">
+                  <a:schemeClr val="accent1"/>
+                </a:effectRef>
+                <a:fontRef idx="minor">
+                  <a:schemeClr val="tx1"/>
+                </a:fontRef>
+              </p:style>
+            </p:cxnSp>
+          </p:grpSp>
+          <p:sp>
+            <p:nvSpPr>
+              <p:cNvPr id="99" name="文本框 98">
+                <a:extLst>
+                  <a:ext uri="{FF2B5EF4-FFF2-40B4-BE49-F238E27FC236}">
+                    <a16:creationId xmlns:a16="http://schemas.microsoft.com/office/drawing/2014/main" id="{692CF673-7BCE-90A9-695B-FB0B33769E16}"/>
+                  </a:ext>
+                </a:extLst>
+              </p:cNvPr>
+              <p:cNvSpPr txBox="1"/>
+              <p:nvPr/>
+            </p:nvSpPr>
+            <p:spPr>
+              <a:xfrm>
+                <a:off x="5404900" y="2172386"/>
+                <a:ext cx="1311864" cy="338554"/>
+              </a:xfrm>
+              <a:prstGeom prst="rect">
+                <a:avLst/>
+              </a:prstGeom>
+              <a:noFill/>
+            </p:spPr>
+            <p:txBody>
+              <a:bodyPr wrap="square" rtlCol="0">
+                <a:spAutoFit/>
+              </a:bodyPr>
+              <a:lstStyle/>
+              <a:p>
+                <a:r>
+                  <a:rPr lang="zh-CN" altLang="en-US" sz="800" dirty="0">
+                    <a:solidFill>
+                      <a:srgbClr val="FF0000"/>
+                    </a:solidFill>
+                    <a:latin typeface="宋体" panose="02010600030101010101" pitchFamily="2" charset="-122"/>
+                    <a:ea typeface="宋体" panose="02010600030101010101" pitchFamily="2" charset="-122"/>
+                  </a:rPr>
+                  <a:t>土层</a:t>
+                </a:r>
+                <a:r>
+                  <a:rPr lang="en-US" altLang="zh-CN" sz="800" dirty="0">
+                    <a:solidFill>
+                      <a:srgbClr val="FF0000"/>
+                    </a:solidFill>
+                    <a:latin typeface="宋体" panose="02010600030101010101" pitchFamily="2" charset="-122"/>
+                    <a:ea typeface="宋体" panose="02010600030101010101" pitchFamily="2" charset="-122"/>
+                  </a:rPr>
+                  <a:t>1   </a:t>
+                </a:r>
+                <a:r>
+                  <a:rPr lang="zh-CN" altLang="en-US" sz="800" dirty="0">
+                    <a:solidFill>
+                      <a:srgbClr val="FF0000"/>
+                    </a:solidFill>
+                    <a:latin typeface="宋体" panose="02010600030101010101" pitchFamily="2" charset="-122"/>
+                    <a:ea typeface="宋体" panose="02010600030101010101" pitchFamily="2" charset="-122"/>
+                  </a:rPr>
+                  <a:t>内摩擦角</a:t>
+                </a:r>
+                <a:r>
+                  <a:rPr lang="en-US" altLang="zh-CN" sz="800" dirty="0">
+                    <a:solidFill>
+                      <a:srgbClr val="FF0000"/>
+                    </a:solidFill>
+                    <a:latin typeface="宋体" panose="02010600030101010101" pitchFamily="2" charset="-122"/>
+                    <a:ea typeface="宋体" panose="02010600030101010101" pitchFamily="2" charset="-122"/>
+                  </a:rPr>
+                  <a:t>1</a:t>
+                </a:r>
+              </a:p>
+              <a:p>
+                <a:r>
+                  <a:rPr lang="zh-CN" altLang="en-US" sz="800" dirty="0">
+                    <a:solidFill>
+                      <a:srgbClr val="FF0000"/>
+                    </a:solidFill>
+                    <a:latin typeface="宋体" panose="02010600030101010101" pitchFamily="2" charset="-122"/>
+                    <a:ea typeface="宋体" panose="02010600030101010101" pitchFamily="2" charset="-122"/>
+                  </a:rPr>
+                  <a:t>重度</a:t>
+                </a:r>
+                <a:r>
+                  <a:rPr lang="en-US" altLang="zh-CN" sz="800" dirty="0">
+                    <a:solidFill>
+                      <a:srgbClr val="FF0000"/>
+                    </a:solidFill>
+                    <a:latin typeface="宋体" panose="02010600030101010101" pitchFamily="2" charset="-122"/>
+                    <a:ea typeface="宋体" panose="02010600030101010101" pitchFamily="2" charset="-122"/>
+                  </a:rPr>
+                  <a:t>1   </a:t>
+                </a:r>
+                <a:r>
+                  <a:rPr lang="zh-CN" altLang="en-US" sz="800" dirty="0">
+                    <a:solidFill>
+                      <a:srgbClr val="FF0000"/>
+                    </a:solidFill>
+                    <a:latin typeface="宋体" panose="02010600030101010101" pitchFamily="2" charset="-122"/>
+                    <a:ea typeface="宋体" panose="02010600030101010101" pitchFamily="2" charset="-122"/>
+                  </a:rPr>
+                  <a:t>侧压力系数</a:t>
+                </a:r>
+                <a:r>
+                  <a:rPr lang="en-US" altLang="zh-CN" sz="800" dirty="0">
+                    <a:solidFill>
+                      <a:srgbClr val="FF0000"/>
+                    </a:solidFill>
+                    <a:latin typeface="宋体" panose="02010600030101010101" pitchFamily="2" charset="-122"/>
+                    <a:ea typeface="宋体" panose="02010600030101010101" pitchFamily="2" charset="-122"/>
+                  </a:rPr>
+                  <a:t>1</a:t>
+                </a:r>
+              </a:p>
+            </p:txBody>
+          </p:sp>
+          <p:cxnSp>
+            <p:nvCxnSpPr>
+              <p:cNvPr id="103" name="直接箭头连接符 102">
+                <a:extLst>
+                  <a:ext uri="{FF2B5EF4-FFF2-40B4-BE49-F238E27FC236}">
+                    <a16:creationId xmlns:a16="http://schemas.microsoft.com/office/drawing/2014/main" id="{E646A64B-4559-2D29-2299-D3D42E5D7CDA}"/>
+                  </a:ext>
+                </a:extLst>
+              </p:cNvPr>
+              <p:cNvCxnSpPr>
+                <a:cxnSpLocks/>
+              </p:cNvCxnSpPr>
+              <p:nvPr/>
+            </p:nvCxnSpPr>
+            <p:spPr>
+              <a:xfrm flipH="1">
+                <a:off x="5159298" y="848410"/>
+                <a:ext cx="405418" cy="0"/>
+              </a:xfrm>
+              <a:prstGeom prst="straightConnector1">
+                <a:avLst/>
+              </a:prstGeom>
+              <a:ln w="28575">
+                <a:solidFill>
+                  <a:schemeClr val="tx1"/>
+                </a:solidFill>
+                <a:headEnd w="lg" len="lg"/>
+                <a:tailEnd type="triangle"/>
+              </a:ln>
+            </p:spPr>
+            <p:style>
+              <a:lnRef idx="1">
+                <a:schemeClr val="accent1"/>
+              </a:lnRef>
+              <a:fillRef idx="0">
+                <a:schemeClr val="accent1"/>
+              </a:fillRef>
+              <a:effectRef idx="0">
+                <a:schemeClr val="accent1"/>
+              </a:effectRef>
+              <a:fontRef idx="minor">
+                <a:schemeClr val="tx1"/>
+              </a:fontRef>
+            </p:style>
+          </p:cxnSp>
+          <p:sp>
+            <p:nvSpPr>
+              <p:cNvPr id="105" name="文本框 104">
+                <a:extLst>
+                  <a:ext uri="{FF2B5EF4-FFF2-40B4-BE49-F238E27FC236}">
+                    <a16:creationId xmlns:a16="http://schemas.microsoft.com/office/drawing/2014/main" id="{83170B2D-D9F0-819D-B7B3-762DE34EDFAF}"/>
+                  </a:ext>
+                </a:extLst>
+              </p:cNvPr>
+              <p:cNvSpPr txBox="1"/>
+              <p:nvPr/>
+            </p:nvSpPr>
+            <p:spPr>
+              <a:xfrm>
+                <a:off x="5525682" y="694521"/>
+                <a:ext cx="335731" cy="307777"/>
+              </a:xfrm>
+              <a:prstGeom prst="rect">
+                <a:avLst/>
+              </a:prstGeom>
+              <a:noFill/>
+            </p:spPr>
+            <p:txBody>
+              <a:bodyPr wrap="square" rtlCol="0">
+                <a:spAutoFit/>
+              </a:bodyPr>
+              <a:lstStyle/>
+              <a:p>
+                <a:r>
+                  <a:rPr lang="en-US" altLang="zh-CN" sz="1400" b="1" dirty="0">
+                    <a:latin typeface="Times New Roman" panose="02020603050405020304" pitchFamily="18" charset="0"/>
+                    <a:ea typeface="宋体" panose="02010600030101010101" pitchFamily="2" charset="-122"/>
+                    <a:cs typeface="Times New Roman" panose="02020603050405020304" pitchFamily="18" charset="0"/>
+                  </a:rPr>
+                  <a:t>F</a:t>
+                </a:r>
+                <a:endParaRPr lang="zh-CN" altLang="en-US" sz="1400" b="1" dirty="0">
+                  <a:latin typeface="Times New Roman" panose="02020603050405020304" pitchFamily="18" charset="0"/>
+                  <a:ea typeface="宋体" panose="02010600030101010101" pitchFamily="2" charset="-122"/>
+                  <a:cs typeface="Times New Roman" panose="02020603050405020304" pitchFamily="18" charset="0"/>
+                </a:endParaRPr>
+              </a:p>
+            </p:txBody>
+          </p:sp>
+          <p:sp>
+            <p:nvSpPr>
+              <p:cNvPr id="106" name="文本框 105">
+                <a:extLst>
+                  <a:ext uri="{FF2B5EF4-FFF2-40B4-BE49-F238E27FC236}">
+                    <a16:creationId xmlns:a16="http://schemas.microsoft.com/office/drawing/2014/main" id="{8EEA1DE3-C094-D69B-3D24-15ACDA3B59E2}"/>
+                  </a:ext>
+                </a:extLst>
+              </p:cNvPr>
+              <p:cNvSpPr txBox="1"/>
+              <p:nvPr/>
+            </p:nvSpPr>
+            <p:spPr>
+              <a:xfrm>
+                <a:off x="5404900" y="2899214"/>
+                <a:ext cx="1311864" cy="338554"/>
+              </a:xfrm>
+              <a:prstGeom prst="rect">
+                <a:avLst/>
+              </a:prstGeom>
+              <a:noFill/>
+            </p:spPr>
+            <p:txBody>
+              <a:bodyPr wrap="square" rtlCol="0">
+                <a:spAutoFit/>
+              </a:bodyPr>
+              <a:lstStyle/>
+              <a:p>
+                <a:r>
+                  <a:rPr lang="zh-CN" altLang="en-US" sz="800" dirty="0">
+                    <a:solidFill>
+                      <a:srgbClr val="FF0000"/>
+                    </a:solidFill>
+                    <a:latin typeface="宋体" panose="02010600030101010101" pitchFamily="2" charset="-122"/>
+                    <a:ea typeface="宋体" panose="02010600030101010101" pitchFamily="2" charset="-122"/>
+                  </a:rPr>
+                  <a:t>土层</a:t>
+                </a:r>
+                <a:r>
+                  <a:rPr lang="en-US" altLang="zh-CN" sz="800" dirty="0">
+                    <a:solidFill>
+                      <a:srgbClr val="FF0000"/>
+                    </a:solidFill>
+                    <a:latin typeface="宋体" panose="02010600030101010101" pitchFamily="2" charset="-122"/>
+                    <a:ea typeface="宋体" panose="02010600030101010101" pitchFamily="2" charset="-122"/>
+                  </a:rPr>
+                  <a:t>2   </a:t>
+                </a:r>
+                <a:r>
+                  <a:rPr lang="zh-CN" altLang="en-US" sz="800" dirty="0">
+                    <a:solidFill>
+                      <a:srgbClr val="FF0000"/>
+                    </a:solidFill>
+                    <a:latin typeface="宋体" panose="02010600030101010101" pitchFamily="2" charset="-122"/>
+                    <a:ea typeface="宋体" panose="02010600030101010101" pitchFamily="2" charset="-122"/>
+                  </a:rPr>
+                  <a:t>内摩擦角</a:t>
+                </a:r>
+                <a:r>
+                  <a:rPr lang="en-US" altLang="zh-CN" sz="800" dirty="0">
+                    <a:solidFill>
+                      <a:srgbClr val="FF0000"/>
+                    </a:solidFill>
+                    <a:latin typeface="宋体" panose="02010600030101010101" pitchFamily="2" charset="-122"/>
+                    <a:ea typeface="宋体" panose="02010600030101010101" pitchFamily="2" charset="-122"/>
+                  </a:rPr>
+                  <a:t>2</a:t>
+                </a:r>
+              </a:p>
+              <a:p>
+                <a:r>
+                  <a:rPr lang="zh-CN" altLang="en-US" sz="800" dirty="0">
+                    <a:solidFill>
+                      <a:srgbClr val="FF0000"/>
+                    </a:solidFill>
+                    <a:latin typeface="宋体" panose="02010600030101010101" pitchFamily="2" charset="-122"/>
+                    <a:ea typeface="宋体" panose="02010600030101010101" pitchFamily="2" charset="-122"/>
+                  </a:rPr>
+                  <a:t>重度</a:t>
+                </a:r>
+                <a:r>
+                  <a:rPr lang="en-US" altLang="zh-CN" sz="800" dirty="0">
+                    <a:solidFill>
+                      <a:srgbClr val="FF0000"/>
+                    </a:solidFill>
+                    <a:latin typeface="宋体" panose="02010600030101010101" pitchFamily="2" charset="-122"/>
+                    <a:ea typeface="宋体" panose="02010600030101010101" pitchFamily="2" charset="-122"/>
+                  </a:rPr>
+                  <a:t>2   </a:t>
+                </a:r>
+                <a:r>
+                  <a:rPr lang="zh-CN" altLang="en-US" sz="800" dirty="0">
+                    <a:solidFill>
+                      <a:srgbClr val="FF0000"/>
+                    </a:solidFill>
+                    <a:latin typeface="宋体" panose="02010600030101010101" pitchFamily="2" charset="-122"/>
+                    <a:ea typeface="宋体" panose="02010600030101010101" pitchFamily="2" charset="-122"/>
+                  </a:rPr>
+                  <a:t>侧压力系数</a:t>
+                </a:r>
+                <a:r>
+                  <a:rPr lang="en-US" altLang="zh-CN" sz="800" dirty="0">
+                    <a:solidFill>
+                      <a:srgbClr val="FF0000"/>
+                    </a:solidFill>
+                    <a:latin typeface="宋体" panose="02010600030101010101" pitchFamily="2" charset="-122"/>
+                    <a:ea typeface="宋体" panose="02010600030101010101" pitchFamily="2" charset="-122"/>
+                  </a:rPr>
+                  <a:t>2</a:t>
+                </a:r>
+              </a:p>
+            </p:txBody>
+          </p:sp>
+          <p:sp>
+            <p:nvSpPr>
+              <p:cNvPr id="107" name="文本框 106">
+                <a:extLst>
+                  <a:ext uri="{FF2B5EF4-FFF2-40B4-BE49-F238E27FC236}">
+                    <a16:creationId xmlns:a16="http://schemas.microsoft.com/office/drawing/2014/main" id="{BB578661-8923-F34C-256B-DAF165C7C269}"/>
+                  </a:ext>
+                </a:extLst>
+              </p:cNvPr>
+              <p:cNvSpPr txBox="1"/>
+              <p:nvPr/>
+            </p:nvSpPr>
+            <p:spPr>
+              <a:xfrm>
+                <a:off x="5404900" y="3803794"/>
+                <a:ext cx="1311864" cy="338554"/>
+              </a:xfrm>
+              <a:prstGeom prst="rect">
+                <a:avLst/>
+              </a:prstGeom>
+              <a:noFill/>
+            </p:spPr>
+            <p:txBody>
+              <a:bodyPr wrap="square" rtlCol="0">
+                <a:spAutoFit/>
+              </a:bodyPr>
+              <a:lstStyle/>
+              <a:p>
+                <a:r>
+                  <a:rPr lang="zh-CN" altLang="en-US" sz="800" dirty="0">
+                    <a:solidFill>
+                      <a:srgbClr val="FF0000"/>
+                    </a:solidFill>
+                    <a:latin typeface="宋体" panose="02010600030101010101" pitchFamily="2" charset="-122"/>
+                    <a:ea typeface="宋体" panose="02010600030101010101" pitchFamily="2" charset="-122"/>
+                  </a:rPr>
+                  <a:t>土层</a:t>
+                </a:r>
+                <a:r>
+                  <a:rPr lang="en-US" altLang="zh-CN" sz="800" dirty="0" err="1">
+                    <a:solidFill>
+                      <a:srgbClr val="FF0000"/>
+                    </a:solidFill>
+                    <a:latin typeface="宋体" panose="02010600030101010101" pitchFamily="2" charset="-122"/>
+                    <a:ea typeface="宋体" panose="02010600030101010101" pitchFamily="2" charset="-122"/>
+                  </a:rPr>
+                  <a:t>i</a:t>
+                </a:r>
+                <a:r>
+                  <a:rPr lang="en-US" altLang="zh-CN" sz="800" dirty="0">
+                    <a:solidFill>
+                      <a:srgbClr val="FF0000"/>
+                    </a:solidFill>
+                    <a:latin typeface="宋体" panose="02010600030101010101" pitchFamily="2" charset="-122"/>
+                    <a:ea typeface="宋体" panose="02010600030101010101" pitchFamily="2" charset="-122"/>
+                  </a:rPr>
+                  <a:t>   </a:t>
+                </a:r>
+                <a:r>
+                  <a:rPr lang="zh-CN" altLang="en-US" sz="800" dirty="0">
+                    <a:solidFill>
+                      <a:srgbClr val="FF0000"/>
+                    </a:solidFill>
+                    <a:latin typeface="宋体" panose="02010600030101010101" pitchFamily="2" charset="-122"/>
+                    <a:ea typeface="宋体" panose="02010600030101010101" pitchFamily="2" charset="-122"/>
+                  </a:rPr>
+                  <a:t>内摩擦角</a:t>
+                </a:r>
+                <a:r>
+                  <a:rPr lang="en-US" altLang="zh-CN" sz="800" dirty="0">
+                    <a:solidFill>
+                      <a:srgbClr val="FF0000"/>
+                    </a:solidFill>
+                    <a:latin typeface="宋体" panose="02010600030101010101" pitchFamily="2" charset="-122"/>
+                    <a:ea typeface="宋体" panose="02010600030101010101" pitchFamily="2" charset="-122"/>
+                  </a:rPr>
+                  <a:t>i</a:t>
+                </a:r>
+              </a:p>
+              <a:p>
+                <a:r>
+                  <a:rPr lang="zh-CN" altLang="en-US" sz="800" dirty="0">
+                    <a:solidFill>
+                      <a:srgbClr val="FF0000"/>
+                    </a:solidFill>
+                    <a:latin typeface="宋体" panose="02010600030101010101" pitchFamily="2" charset="-122"/>
+                    <a:ea typeface="宋体" panose="02010600030101010101" pitchFamily="2" charset="-122"/>
+                  </a:rPr>
+                  <a:t>重度</a:t>
+                </a:r>
+                <a:r>
+                  <a:rPr lang="en-US" altLang="zh-CN" sz="800" dirty="0" err="1">
+                    <a:solidFill>
+                      <a:srgbClr val="FF0000"/>
+                    </a:solidFill>
+                    <a:latin typeface="宋体" panose="02010600030101010101" pitchFamily="2" charset="-122"/>
+                    <a:ea typeface="宋体" panose="02010600030101010101" pitchFamily="2" charset="-122"/>
+                  </a:rPr>
+                  <a:t>i</a:t>
+                </a:r>
+                <a:r>
+                  <a:rPr lang="en-US" altLang="zh-CN" sz="800" dirty="0">
+                    <a:solidFill>
+                      <a:srgbClr val="FF0000"/>
+                    </a:solidFill>
+                    <a:latin typeface="宋体" panose="02010600030101010101" pitchFamily="2" charset="-122"/>
+                    <a:ea typeface="宋体" panose="02010600030101010101" pitchFamily="2" charset="-122"/>
+                  </a:rPr>
+                  <a:t>   </a:t>
+                </a:r>
+                <a:r>
+                  <a:rPr lang="zh-CN" altLang="en-US" sz="800" dirty="0">
+                    <a:solidFill>
+                      <a:srgbClr val="FF0000"/>
+                    </a:solidFill>
+                    <a:latin typeface="宋体" panose="02010600030101010101" pitchFamily="2" charset="-122"/>
+                    <a:ea typeface="宋体" panose="02010600030101010101" pitchFamily="2" charset="-122"/>
+                  </a:rPr>
+                  <a:t>侧压力系数</a:t>
+                </a:r>
+                <a:r>
+                  <a:rPr lang="en-US" altLang="zh-CN" sz="800" dirty="0">
+                    <a:solidFill>
+                      <a:srgbClr val="FF0000"/>
+                    </a:solidFill>
+                    <a:latin typeface="宋体" panose="02010600030101010101" pitchFamily="2" charset="-122"/>
+                    <a:ea typeface="宋体" panose="02010600030101010101" pitchFamily="2" charset="-122"/>
+                  </a:rPr>
+                  <a:t>i</a:t>
+                </a:r>
+              </a:p>
+            </p:txBody>
+          </p:sp>
+          <p:sp>
+            <p:nvSpPr>
+              <p:cNvPr id="108" name="文本框 107">
+                <a:extLst>
+                  <a:ext uri="{FF2B5EF4-FFF2-40B4-BE49-F238E27FC236}">
+                    <a16:creationId xmlns:a16="http://schemas.microsoft.com/office/drawing/2014/main" id="{9F5D23A7-A769-E4F3-F8DC-FF92276C9726}"/>
+                  </a:ext>
+                </a:extLst>
+              </p:cNvPr>
+              <p:cNvSpPr txBox="1"/>
+              <p:nvPr/>
+            </p:nvSpPr>
+            <p:spPr>
+              <a:xfrm>
+                <a:off x="4766120" y="2385085"/>
+                <a:ext cx="380293" cy="523220"/>
+              </a:xfrm>
+              <a:prstGeom prst="rect">
+                <a:avLst/>
+              </a:prstGeom>
+              <a:noFill/>
+            </p:spPr>
+            <p:txBody>
+              <a:bodyPr wrap="square" rtlCol="0">
+                <a:spAutoFit/>
+              </a:bodyPr>
+              <a:lstStyle/>
+              <a:p>
+                <a:r>
+                  <a:rPr lang="zh-CN" altLang="en-US" sz="1400" b="1" dirty="0">
+                    <a:latin typeface="宋体" panose="02010600030101010101" pitchFamily="2" charset="-122"/>
+                    <a:ea typeface="宋体" panose="02010600030101010101" pitchFamily="2" charset="-122"/>
+                  </a:rPr>
+                  <a:t>桩身</a:t>
+                </a:r>
+              </a:p>
+            </p:txBody>
+          </p:sp>
+          <p:sp>
+            <p:nvSpPr>
+              <p:cNvPr id="110" name="文本框 109">
+                <a:extLst>
+                  <a:ext uri="{FF2B5EF4-FFF2-40B4-BE49-F238E27FC236}">
+                    <a16:creationId xmlns:a16="http://schemas.microsoft.com/office/drawing/2014/main" id="{6BB91069-3E48-7659-3B6F-909695D03E1A}"/>
+                  </a:ext>
+                </a:extLst>
+              </p:cNvPr>
+              <p:cNvSpPr txBox="1"/>
+              <p:nvPr/>
+            </p:nvSpPr>
+            <p:spPr>
+              <a:xfrm>
+                <a:off x="3385739" y="4437404"/>
+                <a:ext cx="2973891" cy="369332"/>
+              </a:xfrm>
+              <a:prstGeom prst="rect">
+                <a:avLst/>
+              </a:prstGeom>
+              <a:noFill/>
+            </p:spPr>
+            <p:txBody>
+              <a:bodyPr wrap="none" rtlCol="0">
+                <a:spAutoFit/>
+              </a:bodyPr>
+              <a:lstStyle/>
+              <a:p>
+                <a:r>
+                  <a:rPr lang="zh-CN" altLang="en-US" b="1" dirty="0">
+                    <a:latin typeface="宋体" panose="02010600030101010101" pitchFamily="2" charset="-122"/>
+                    <a:ea typeface="宋体" panose="02010600030101010101" pitchFamily="2" charset="-122"/>
+                  </a:rPr>
+                  <a:t>桩基抗倾覆计算参数示意图</a:t>
+                </a:r>
+              </a:p>
+            </p:txBody>
+          </p:sp>
+        </p:grpSp>
+        <p:grpSp>
+          <p:nvGrpSpPr>
+            <p:cNvPr id="7" name="组合 6">
+              <a:extLst>
+                <a:ext uri="{FF2B5EF4-FFF2-40B4-BE49-F238E27FC236}">
+                  <a16:creationId xmlns:a16="http://schemas.microsoft.com/office/drawing/2014/main" id="{AAFB8DF8-F699-6277-5A24-8CB6832F081A}"/>
+                </a:ext>
+              </a:extLst>
+            </p:cNvPr>
+            <p:cNvGrpSpPr/>
+            <p:nvPr/>
+          </p:nvGrpSpPr>
+          <p:grpSpPr>
+            <a:xfrm rot="16200000">
+              <a:off x="4891582" y="921673"/>
+              <a:ext cx="113958" cy="275208"/>
+              <a:chOff x="8063857" y="2072347"/>
+              <a:chExt cx="300338" cy="1023950"/>
+            </a:xfrm>
+          </p:grpSpPr>
+          <p:cxnSp>
+            <p:nvCxnSpPr>
+              <p:cNvPr id="3" name="直接箭头连接符 2">
+                <a:extLst>
+                  <a:ext uri="{FF2B5EF4-FFF2-40B4-BE49-F238E27FC236}">
+                    <a16:creationId xmlns:a16="http://schemas.microsoft.com/office/drawing/2014/main" id="{3F6DE058-69E2-C972-B955-CA625305C8D3}"/>
+                  </a:ext>
+                </a:extLst>
+              </p:cNvPr>
+              <p:cNvCxnSpPr/>
+              <p:nvPr/>
+            </p:nvCxnSpPr>
+            <p:spPr>
+              <a:xfrm>
+                <a:off x="8214026" y="2072640"/>
+                <a:ext cx="0" cy="1022199"/>
+              </a:xfrm>
+              <a:prstGeom prst="straightConnector1">
+                <a:avLst/>
+              </a:prstGeom>
+              <a:ln w="12700">
+                <a:solidFill>
+                  <a:srgbClr val="FF0000"/>
+                </a:solidFill>
+                <a:headEnd type="triangle" w="med" len="med"/>
+                <a:tailEnd type="triangle" w="med" len="med"/>
+              </a:ln>
+            </p:spPr>
+            <p:style>
+              <a:lnRef idx="1">
+                <a:schemeClr val="accent1"/>
+              </a:lnRef>
+              <a:fillRef idx="0">
+                <a:schemeClr val="accent1"/>
+              </a:fillRef>
+              <a:effectRef idx="0">
+                <a:schemeClr val="accent1"/>
+              </a:effectRef>
+              <a:fontRef idx="minor">
+                <a:schemeClr val="tx1"/>
+              </a:fontRef>
+            </p:style>
+          </p:cxnSp>
+          <p:cxnSp>
+            <p:nvCxnSpPr>
+              <p:cNvPr id="5" name="直接连接符 4">
+                <a:extLst>
+                  <a:ext uri="{FF2B5EF4-FFF2-40B4-BE49-F238E27FC236}">
+                    <a16:creationId xmlns:a16="http://schemas.microsoft.com/office/drawing/2014/main" id="{EF1A7049-5B88-1354-A0D7-04E0F1A9D53E}"/>
+                  </a:ext>
+                </a:extLst>
+              </p:cNvPr>
+              <p:cNvCxnSpPr/>
+              <p:nvPr/>
+            </p:nvCxnSpPr>
+            <p:spPr>
+              <a:xfrm>
+                <a:off x="8063857" y="2072347"/>
+                <a:ext cx="300338" cy="0"/>
+              </a:xfrm>
+              <a:prstGeom prst="line">
+                <a:avLst/>
+              </a:prstGeom>
+              <a:ln w="12700">
+                <a:solidFill>
+                  <a:srgbClr val="FF0000"/>
+                </a:solidFill>
+              </a:ln>
+            </p:spPr>
+            <p:style>
+              <a:lnRef idx="1">
+                <a:schemeClr val="accent1"/>
+              </a:lnRef>
+              <a:fillRef idx="0">
+                <a:schemeClr val="accent1"/>
+              </a:fillRef>
+              <a:effectRef idx="0">
+                <a:schemeClr val="accent1"/>
+              </a:effectRef>
+              <a:fontRef idx="minor">
+                <a:schemeClr val="tx1"/>
+              </a:fontRef>
+            </p:style>
+          </p:cxnSp>
+          <p:cxnSp>
+            <p:nvCxnSpPr>
+              <p:cNvPr id="6" name="直接连接符 5">
+                <a:extLst>
+                  <a:ext uri="{FF2B5EF4-FFF2-40B4-BE49-F238E27FC236}">
+                    <a16:creationId xmlns:a16="http://schemas.microsoft.com/office/drawing/2014/main" id="{3B263959-696B-3163-02AB-D8BA3A4F0F9C}"/>
+                  </a:ext>
+                </a:extLst>
+              </p:cNvPr>
+              <p:cNvCxnSpPr/>
+              <p:nvPr/>
+            </p:nvCxnSpPr>
+            <p:spPr>
+              <a:xfrm>
+                <a:off x="8063857" y="3096297"/>
+                <a:ext cx="300338" cy="0"/>
+              </a:xfrm>
+              <a:prstGeom prst="line">
+                <a:avLst/>
+              </a:prstGeom>
+              <a:ln w="12700">
+                <a:solidFill>
+                  <a:srgbClr val="FF0000"/>
+                </a:solidFill>
+              </a:ln>
+            </p:spPr>
+            <p:style>
+              <a:lnRef idx="1">
+                <a:schemeClr val="accent1"/>
+              </a:lnRef>
+              <a:fillRef idx="0">
+                <a:schemeClr val="accent1"/>
+              </a:fillRef>
+              <a:effectRef idx="0">
+                <a:schemeClr val="accent1"/>
+              </a:effectRef>
+              <a:fontRef idx="minor">
+                <a:schemeClr val="tx1"/>
+              </a:fontRef>
+            </p:style>
+          </p:cxnSp>
+        </p:grpSp>
         <p:sp>
           <p:nvSpPr>
-            <p:cNvPr id="98" name="矩形 97">
+            <p:cNvPr id="8" name="任意多边形: 形状 7">
               <a:extLst>
                 <a:ext uri="{FF2B5EF4-FFF2-40B4-BE49-F238E27FC236}">
-                  <a16:creationId xmlns:a16="http://schemas.microsoft.com/office/drawing/2014/main" id="{CEE61DBD-F79A-D8BF-1150-26F944D5BF4F}"/>
+                  <a16:creationId xmlns:a16="http://schemas.microsoft.com/office/drawing/2014/main" id="{01B1A561-3371-2E6E-C212-4D12487979C1}"/>
                 </a:ext>
               </a:extLst>
             </p:cNvPr>
@@ -5484,21 +9890,52 @@
             <p:nvPr/>
           </p:nvSpPr>
           <p:spPr>
-            <a:xfrm>
-              <a:off x="3009900" y="3459458"/>
-              <a:ext cx="3686175" cy="987183"/>
+            <a:xfrm flipV="1">
+              <a:off x="4943213" y="1118013"/>
+              <a:ext cx="406400" cy="184150"/>
             </a:xfrm>
-            <a:prstGeom prst="rect">
+            <a:custGeom>
               <a:avLst/>
-            </a:prstGeom>
-            <a:solidFill>
-              <a:schemeClr val="accent2">
-                <a:lumMod val="20000"/>
-                <a:lumOff val="80000"/>
-              </a:schemeClr>
-            </a:solidFill>
+              <a:gdLst>
+                <a:gd name="connsiteX0" fmla="*/ 0 w 406400"/>
+                <a:gd name="connsiteY0" fmla="*/ 184150 h 184150"/>
+                <a:gd name="connsiteX1" fmla="*/ 203200 w 406400"/>
+                <a:gd name="connsiteY1" fmla="*/ 0 h 184150"/>
+                <a:gd name="connsiteX2" fmla="*/ 406400 w 406400"/>
+                <a:gd name="connsiteY2" fmla="*/ 0 h 184150"/>
+              </a:gdLst>
+              <a:ahLst/>
+              <a:cxnLst>
+                <a:cxn ang="0">
+                  <a:pos x="connsiteX0" y="connsiteY0"/>
+                </a:cxn>
+                <a:cxn ang="0">
+                  <a:pos x="connsiteX1" y="connsiteY1"/>
+                </a:cxn>
+                <a:cxn ang="0">
+                  <a:pos x="connsiteX2" y="connsiteY2"/>
+                </a:cxn>
+              </a:cxnLst>
+              <a:rect l="l" t="t" r="r" b="b"/>
+              <a:pathLst>
+                <a:path w="406400" h="184150">
+                  <a:moveTo>
+                    <a:pt x="0" y="184150"/>
+                  </a:moveTo>
+                  <a:lnTo>
+                    <a:pt x="203200" y="0"/>
+                  </a:lnTo>
+                  <a:lnTo>
+                    <a:pt x="406400" y="0"/>
+                  </a:lnTo>
+                </a:path>
+              </a:pathLst>
+            </a:custGeom>
+            <a:noFill/>
             <a:ln>
-              <a:noFill/>
+              <a:solidFill>
+                <a:srgbClr val="FF0000"/>
+              </a:solidFill>
             </a:ln>
           </p:spPr>
           <p:style>
@@ -5528,2178 +9965,10 @@
         </p:sp>
         <p:sp>
           <p:nvSpPr>
-            <p:cNvPr id="97" name="矩形 96">
+            <p:cNvPr id="9" name="文本框 8">
               <a:extLst>
                 <a:ext uri="{FF2B5EF4-FFF2-40B4-BE49-F238E27FC236}">
-                  <a16:creationId xmlns:a16="http://schemas.microsoft.com/office/drawing/2014/main" id="{4B0C5CA4-0E62-9A91-F72F-B47288EB1778}"/>
-                </a:ext>
-              </a:extLst>
-            </p:cNvPr>
-            <p:cNvSpPr/>
-            <p:nvPr/>
-          </p:nvSpPr>
-          <p:spPr>
-            <a:xfrm>
-              <a:off x="3009900" y="2667899"/>
-              <a:ext cx="3686175" cy="793824"/>
-            </a:xfrm>
-            <a:prstGeom prst="rect">
-              <a:avLst/>
-            </a:prstGeom>
-            <a:solidFill>
-              <a:schemeClr val="accent5">
-                <a:lumMod val="20000"/>
-                <a:lumOff val="80000"/>
-              </a:schemeClr>
-            </a:solidFill>
-            <a:ln>
-              <a:noFill/>
-            </a:ln>
-          </p:spPr>
-          <p:style>
-            <a:lnRef idx="2">
-              <a:schemeClr val="accent1">
-                <a:shade val="15000"/>
-              </a:schemeClr>
-            </a:lnRef>
-            <a:fillRef idx="1">
-              <a:schemeClr val="accent1"/>
-            </a:fillRef>
-            <a:effectRef idx="0">
-              <a:schemeClr val="accent1"/>
-            </a:effectRef>
-            <a:fontRef idx="minor">
-              <a:schemeClr val="lt1"/>
-            </a:fontRef>
-          </p:style>
-          <p:txBody>
-            <a:bodyPr rtlCol="0" anchor="ctr"/>
-            <a:lstStyle/>
-            <a:p>
-              <a:pPr algn="ctr"/>
-              <a:endParaRPr lang="zh-CN" altLang="en-US"/>
-            </a:p>
-          </p:txBody>
-        </p:sp>
-        <p:sp>
-          <p:nvSpPr>
-            <p:cNvPr id="91" name="矩形 90">
-              <a:extLst>
-                <a:ext uri="{FF2B5EF4-FFF2-40B4-BE49-F238E27FC236}">
-                  <a16:creationId xmlns:a16="http://schemas.microsoft.com/office/drawing/2014/main" id="{013F1E79-4B6B-58AF-BD85-2EC3E42C6CD1}"/>
-                </a:ext>
-              </a:extLst>
-            </p:cNvPr>
-            <p:cNvSpPr/>
-            <p:nvPr/>
-          </p:nvSpPr>
-          <p:spPr>
-            <a:xfrm>
-              <a:off x="3009900" y="1874954"/>
-              <a:ext cx="3686175" cy="793824"/>
-            </a:xfrm>
-            <a:prstGeom prst="rect">
-              <a:avLst/>
-            </a:prstGeom>
-            <a:solidFill>
-              <a:schemeClr val="bg2"/>
-            </a:solidFill>
-            <a:ln>
-              <a:noFill/>
-            </a:ln>
-          </p:spPr>
-          <p:style>
-            <a:lnRef idx="2">
-              <a:schemeClr val="accent1">
-                <a:shade val="15000"/>
-              </a:schemeClr>
-            </a:lnRef>
-            <a:fillRef idx="1">
-              <a:schemeClr val="accent1"/>
-            </a:fillRef>
-            <a:effectRef idx="0">
-              <a:schemeClr val="accent1"/>
-            </a:effectRef>
-            <a:fontRef idx="minor">
-              <a:schemeClr val="lt1"/>
-            </a:fontRef>
-          </p:style>
-          <p:txBody>
-            <a:bodyPr rtlCol="0" anchor="ctr"/>
-            <a:lstStyle/>
-            <a:p>
-              <a:pPr algn="ctr"/>
-              <a:endParaRPr lang="zh-CN" altLang="en-US"/>
-            </a:p>
-          </p:txBody>
-        </p:sp>
-        <p:cxnSp>
-          <p:nvCxnSpPr>
-            <p:cNvPr id="4" name="直接连接符 3">
-              <a:extLst>
-                <a:ext uri="{FF2B5EF4-FFF2-40B4-BE49-F238E27FC236}">
-                  <a16:creationId xmlns:a16="http://schemas.microsoft.com/office/drawing/2014/main" id="{4BD2CC37-DCDD-F144-E4AA-5DB2935CF703}"/>
-                </a:ext>
-              </a:extLst>
-            </p:cNvPr>
-            <p:cNvCxnSpPr>
-              <a:cxnSpLocks/>
-            </p:cNvCxnSpPr>
-            <p:nvPr/>
-          </p:nvCxnSpPr>
-          <p:spPr>
-            <a:xfrm>
-              <a:off x="3009900" y="1876711"/>
-              <a:ext cx="3686175" cy="0"/>
-            </a:xfrm>
-            <a:prstGeom prst="line">
-              <a:avLst/>
-            </a:prstGeom>
-            <a:ln w="28575"/>
-          </p:spPr>
-          <p:style>
-            <a:lnRef idx="1">
-              <a:schemeClr val="dk1"/>
-            </a:lnRef>
-            <a:fillRef idx="0">
-              <a:schemeClr val="dk1"/>
-            </a:fillRef>
-            <a:effectRef idx="0">
-              <a:schemeClr val="dk1"/>
-            </a:effectRef>
-            <a:fontRef idx="minor">
-              <a:schemeClr val="tx1"/>
-            </a:fontRef>
-          </p:style>
-        </p:cxnSp>
-        <p:sp>
-          <p:nvSpPr>
-            <p:cNvPr id="2" name="矩形 1">
-              <a:extLst>
-                <a:ext uri="{FF2B5EF4-FFF2-40B4-BE49-F238E27FC236}">
-                  <a16:creationId xmlns:a16="http://schemas.microsoft.com/office/drawing/2014/main" id="{5338E3B2-1C15-68AB-10FC-E63A4AC0A18E}"/>
-                </a:ext>
-              </a:extLst>
-            </p:cNvPr>
-            <p:cNvSpPr/>
-            <p:nvPr/>
-          </p:nvSpPr>
-          <p:spPr>
-            <a:xfrm>
-              <a:off x="4810957" y="848410"/>
-              <a:ext cx="275208" cy="3453414"/>
-            </a:xfrm>
-            <a:prstGeom prst="rect">
-              <a:avLst/>
-            </a:prstGeom>
-            <a:solidFill>
-              <a:schemeClr val="bg1"/>
-            </a:solidFill>
-            <a:ln w="28575">
-              <a:solidFill>
-                <a:schemeClr val="tx1"/>
-              </a:solidFill>
-            </a:ln>
-          </p:spPr>
-          <p:style>
-            <a:lnRef idx="2">
-              <a:schemeClr val="accent1">
-                <a:shade val="15000"/>
-              </a:schemeClr>
-            </a:lnRef>
-            <a:fillRef idx="1">
-              <a:schemeClr val="accent1"/>
-            </a:fillRef>
-            <a:effectRef idx="0">
-              <a:schemeClr val="accent1"/>
-            </a:effectRef>
-            <a:fontRef idx="minor">
-              <a:schemeClr val="lt1"/>
-            </a:fontRef>
-          </p:style>
-          <p:txBody>
-            <a:bodyPr rtlCol="0" anchor="ctr"/>
-            <a:lstStyle/>
-            <a:p>
-              <a:pPr algn="ctr"/>
-              <a:endParaRPr lang="zh-CN" altLang="en-US"/>
-            </a:p>
-          </p:txBody>
-        </p:sp>
-        <p:grpSp>
-          <p:nvGrpSpPr>
-            <p:cNvPr id="28" name="组合 27">
-              <a:extLst>
-                <a:ext uri="{FF2B5EF4-FFF2-40B4-BE49-F238E27FC236}">
-                  <a16:creationId xmlns:a16="http://schemas.microsoft.com/office/drawing/2014/main" id="{FBAF2C4D-59F2-C824-F929-15F0A2B07DBE}"/>
-                </a:ext>
-              </a:extLst>
-            </p:cNvPr>
-            <p:cNvGrpSpPr/>
-            <p:nvPr/>
-          </p:nvGrpSpPr>
-          <p:grpSpPr>
-            <a:xfrm>
-              <a:off x="3131690" y="1876711"/>
-              <a:ext cx="275208" cy="195929"/>
-              <a:chOff x="2342318" y="1907191"/>
-              <a:chExt cx="426060" cy="252254"/>
-            </a:xfrm>
-          </p:grpSpPr>
-          <p:cxnSp>
-            <p:nvCxnSpPr>
-              <p:cNvPr id="29" name="直接连接符 28">
-                <a:extLst>
-                  <a:ext uri="{FF2B5EF4-FFF2-40B4-BE49-F238E27FC236}">
-                    <a16:creationId xmlns:a16="http://schemas.microsoft.com/office/drawing/2014/main" id="{151C58AB-1FB5-F0B1-B9EF-49A0329781E2}"/>
-                  </a:ext>
-                </a:extLst>
-              </p:cNvPr>
-              <p:cNvCxnSpPr>
-                <a:cxnSpLocks/>
-              </p:cNvCxnSpPr>
-              <p:nvPr/>
-            </p:nvCxnSpPr>
-            <p:spPr>
-              <a:xfrm>
-                <a:off x="2342318" y="1909454"/>
-                <a:ext cx="249991" cy="249991"/>
-              </a:xfrm>
-              <a:prstGeom prst="line">
-                <a:avLst/>
-              </a:prstGeom>
-              <a:ln>
-                <a:solidFill>
-                  <a:schemeClr val="bg2">
-                    <a:lumMod val="50000"/>
-                  </a:schemeClr>
-                </a:solidFill>
-              </a:ln>
-            </p:spPr>
-            <p:style>
-              <a:lnRef idx="1">
-                <a:schemeClr val="accent1"/>
-              </a:lnRef>
-              <a:fillRef idx="0">
-                <a:schemeClr val="accent1"/>
-              </a:fillRef>
-              <a:effectRef idx="0">
-                <a:schemeClr val="accent1"/>
-              </a:effectRef>
-              <a:fontRef idx="minor">
-                <a:schemeClr val="tx1"/>
-              </a:fontRef>
-            </p:style>
-          </p:cxnSp>
-          <p:cxnSp>
-            <p:nvCxnSpPr>
-              <p:cNvPr id="30" name="直接连接符 29">
-                <a:extLst>
-                  <a:ext uri="{FF2B5EF4-FFF2-40B4-BE49-F238E27FC236}">
-                    <a16:creationId xmlns:a16="http://schemas.microsoft.com/office/drawing/2014/main" id="{43772075-C11D-4592-D0E0-BE5C30009A9F}"/>
-                  </a:ext>
-                </a:extLst>
-              </p:cNvPr>
-              <p:cNvCxnSpPr>
-                <a:cxnSpLocks/>
-              </p:cNvCxnSpPr>
-              <p:nvPr/>
-            </p:nvCxnSpPr>
-            <p:spPr>
-              <a:xfrm>
-                <a:off x="2429429" y="1909453"/>
-                <a:ext cx="228046" cy="228046"/>
-              </a:xfrm>
-              <a:prstGeom prst="line">
-                <a:avLst/>
-              </a:prstGeom>
-              <a:ln>
-                <a:solidFill>
-                  <a:schemeClr val="bg2">
-                    <a:lumMod val="50000"/>
-                  </a:schemeClr>
-                </a:solidFill>
-              </a:ln>
-            </p:spPr>
-            <p:style>
-              <a:lnRef idx="1">
-                <a:schemeClr val="accent1"/>
-              </a:lnRef>
-              <a:fillRef idx="0">
-                <a:schemeClr val="accent1"/>
-              </a:fillRef>
-              <a:effectRef idx="0">
-                <a:schemeClr val="accent1"/>
-              </a:effectRef>
-              <a:fontRef idx="minor">
-                <a:schemeClr val="tx1"/>
-              </a:fontRef>
-            </p:style>
-          </p:cxnSp>
-          <p:cxnSp>
-            <p:nvCxnSpPr>
-              <p:cNvPr id="31" name="直接连接符 30">
-                <a:extLst>
-                  <a:ext uri="{FF2B5EF4-FFF2-40B4-BE49-F238E27FC236}">
-                    <a16:creationId xmlns:a16="http://schemas.microsoft.com/office/drawing/2014/main" id="{698E11AC-8C45-426A-7392-348FCDE106BA}"/>
-                  </a:ext>
-                </a:extLst>
-              </p:cNvPr>
-              <p:cNvCxnSpPr>
-                <a:cxnSpLocks/>
-              </p:cNvCxnSpPr>
-              <p:nvPr/>
-            </p:nvCxnSpPr>
-            <p:spPr>
-              <a:xfrm flipV="1">
-                <a:off x="2509451" y="1908699"/>
-                <a:ext cx="68002" cy="75696"/>
-              </a:xfrm>
-              <a:prstGeom prst="line">
-                <a:avLst/>
-              </a:prstGeom>
-              <a:ln>
-                <a:solidFill>
-                  <a:schemeClr val="bg2">
-                    <a:lumMod val="50000"/>
-                  </a:schemeClr>
-                </a:solidFill>
-              </a:ln>
-            </p:spPr>
-            <p:style>
-              <a:lnRef idx="1">
-                <a:schemeClr val="accent1"/>
-              </a:lnRef>
-              <a:fillRef idx="0">
-                <a:schemeClr val="accent1"/>
-              </a:fillRef>
-              <a:effectRef idx="0">
-                <a:schemeClr val="accent1"/>
-              </a:effectRef>
-              <a:fontRef idx="minor">
-                <a:schemeClr val="tx1"/>
-              </a:fontRef>
-            </p:style>
-          </p:cxnSp>
-          <p:cxnSp>
-            <p:nvCxnSpPr>
-              <p:cNvPr id="32" name="直接连接符 31">
-                <a:extLst>
-                  <a:ext uri="{FF2B5EF4-FFF2-40B4-BE49-F238E27FC236}">
-                    <a16:creationId xmlns:a16="http://schemas.microsoft.com/office/drawing/2014/main" id="{98803346-02EF-7C1E-5730-D3A3A71A2C6F}"/>
-                  </a:ext>
-                </a:extLst>
-              </p:cNvPr>
-              <p:cNvCxnSpPr>
-                <a:cxnSpLocks/>
-              </p:cNvCxnSpPr>
-              <p:nvPr/>
-            </p:nvCxnSpPr>
-            <p:spPr>
-              <a:xfrm flipV="1">
-                <a:off x="2556699" y="1907945"/>
-                <a:ext cx="115632" cy="126127"/>
-              </a:xfrm>
-              <a:prstGeom prst="line">
-                <a:avLst/>
-              </a:prstGeom>
-              <a:ln>
-                <a:solidFill>
-                  <a:schemeClr val="bg2">
-                    <a:lumMod val="50000"/>
-                  </a:schemeClr>
-                </a:solidFill>
-              </a:ln>
-            </p:spPr>
-            <p:style>
-              <a:lnRef idx="1">
-                <a:schemeClr val="accent1"/>
-              </a:lnRef>
-              <a:fillRef idx="0">
-                <a:schemeClr val="accent1"/>
-              </a:fillRef>
-              <a:effectRef idx="0">
-                <a:schemeClr val="accent1"/>
-              </a:effectRef>
-              <a:fontRef idx="minor">
-                <a:schemeClr val="tx1"/>
-              </a:fontRef>
-            </p:style>
-          </p:cxnSp>
-          <p:cxnSp>
-            <p:nvCxnSpPr>
-              <p:cNvPr id="33" name="直接连接符 32">
-                <a:extLst>
-                  <a:ext uri="{FF2B5EF4-FFF2-40B4-BE49-F238E27FC236}">
-                    <a16:creationId xmlns:a16="http://schemas.microsoft.com/office/drawing/2014/main" id="{3A275AA2-5EB6-7B8C-BAD4-1D71F444C10C}"/>
-                  </a:ext>
-                </a:extLst>
-              </p:cNvPr>
-              <p:cNvCxnSpPr>
-                <a:cxnSpLocks/>
-              </p:cNvCxnSpPr>
-              <p:nvPr/>
-            </p:nvCxnSpPr>
-            <p:spPr>
-              <a:xfrm flipV="1">
-                <a:off x="2607937" y="1907191"/>
-                <a:ext cx="160441" cy="178595"/>
-              </a:xfrm>
-              <a:prstGeom prst="line">
-                <a:avLst/>
-              </a:prstGeom>
-              <a:ln>
-                <a:solidFill>
-                  <a:schemeClr val="bg2">
-                    <a:lumMod val="50000"/>
-                  </a:schemeClr>
-                </a:solidFill>
-              </a:ln>
-            </p:spPr>
-            <p:style>
-              <a:lnRef idx="1">
-                <a:schemeClr val="accent1"/>
-              </a:lnRef>
-              <a:fillRef idx="0">
-                <a:schemeClr val="accent1"/>
-              </a:fillRef>
-              <a:effectRef idx="0">
-                <a:schemeClr val="accent1"/>
-              </a:effectRef>
-              <a:fontRef idx="minor">
-                <a:schemeClr val="tx1"/>
-              </a:fontRef>
-            </p:style>
-          </p:cxnSp>
-        </p:grpSp>
-        <p:grpSp>
-          <p:nvGrpSpPr>
-            <p:cNvPr id="34" name="组合 33">
-              <a:extLst>
-                <a:ext uri="{FF2B5EF4-FFF2-40B4-BE49-F238E27FC236}">
-                  <a16:creationId xmlns:a16="http://schemas.microsoft.com/office/drawing/2014/main" id="{F9400AAD-4804-FD50-E79D-7628B1C16296}"/>
-                </a:ext>
-              </a:extLst>
-            </p:cNvPr>
-            <p:cNvGrpSpPr/>
-            <p:nvPr/>
-          </p:nvGrpSpPr>
-          <p:grpSpPr>
-            <a:xfrm>
-              <a:off x="3567493" y="1876711"/>
-              <a:ext cx="275208" cy="195929"/>
-              <a:chOff x="2342318" y="1907191"/>
-              <a:chExt cx="426060" cy="252254"/>
-            </a:xfrm>
-          </p:grpSpPr>
-          <p:cxnSp>
-            <p:nvCxnSpPr>
-              <p:cNvPr id="35" name="直接连接符 34">
-                <a:extLst>
-                  <a:ext uri="{FF2B5EF4-FFF2-40B4-BE49-F238E27FC236}">
-                    <a16:creationId xmlns:a16="http://schemas.microsoft.com/office/drawing/2014/main" id="{D1005EB3-2F9B-634C-77BB-F7B46DFB0078}"/>
-                  </a:ext>
-                </a:extLst>
-              </p:cNvPr>
-              <p:cNvCxnSpPr>
-                <a:cxnSpLocks/>
-              </p:cNvCxnSpPr>
-              <p:nvPr/>
-            </p:nvCxnSpPr>
-            <p:spPr>
-              <a:xfrm>
-                <a:off x="2342318" y="1909454"/>
-                <a:ext cx="249991" cy="249991"/>
-              </a:xfrm>
-              <a:prstGeom prst="line">
-                <a:avLst/>
-              </a:prstGeom>
-              <a:ln>
-                <a:solidFill>
-                  <a:schemeClr val="bg2">
-                    <a:lumMod val="50000"/>
-                  </a:schemeClr>
-                </a:solidFill>
-              </a:ln>
-            </p:spPr>
-            <p:style>
-              <a:lnRef idx="1">
-                <a:schemeClr val="accent1"/>
-              </a:lnRef>
-              <a:fillRef idx="0">
-                <a:schemeClr val="accent1"/>
-              </a:fillRef>
-              <a:effectRef idx="0">
-                <a:schemeClr val="accent1"/>
-              </a:effectRef>
-              <a:fontRef idx="minor">
-                <a:schemeClr val="tx1"/>
-              </a:fontRef>
-            </p:style>
-          </p:cxnSp>
-          <p:cxnSp>
-            <p:nvCxnSpPr>
-              <p:cNvPr id="36" name="直接连接符 35">
-                <a:extLst>
-                  <a:ext uri="{FF2B5EF4-FFF2-40B4-BE49-F238E27FC236}">
-                    <a16:creationId xmlns:a16="http://schemas.microsoft.com/office/drawing/2014/main" id="{1B114DAD-5257-38D6-EC2E-D24FA1CB58D6}"/>
-                  </a:ext>
-                </a:extLst>
-              </p:cNvPr>
-              <p:cNvCxnSpPr>
-                <a:cxnSpLocks/>
-              </p:cNvCxnSpPr>
-              <p:nvPr/>
-            </p:nvCxnSpPr>
-            <p:spPr>
-              <a:xfrm>
-                <a:off x="2429429" y="1909453"/>
-                <a:ext cx="228046" cy="228046"/>
-              </a:xfrm>
-              <a:prstGeom prst="line">
-                <a:avLst/>
-              </a:prstGeom>
-              <a:ln>
-                <a:solidFill>
-                  <a:schemeClr val="bg2">
-                    <a:lumMod val="50000"/>
-                  </a:schemeClr>
-                </a:solidFill>
-              </a:ln>
-            </p:spPr>
-            <p:style>
-              <a:lnRef idx="1">
-                <a:schemeClr val="accent1"/>
-              </a:lnRef>
-              <a:fillRef idx="0">
-                <a:schemeClr val="accent1"/>
-              </a:fillRef>
-              <a:effectRef idx="0">
-                <a:schemeClr val="accent1"/>
-              </a:effectRef>
-              <a:fontRef idx="minor">
-                <a:schemeClr val="tx1"/>
-              </a:fontRef>
-            </p:style>
-          </p:cxnSp>
-          <p:cxnSp>
-            <p:nvCxnSpPr>
-              <p:cNvPr id="37" name="直接连接符 36">
-                <a:extLst>
-                  <a:ext uri="{FF2B5EF4-FFF2-40B4-BE49-F238E27FC236}">
-                    <a16:creationId xmlns:a16="http://schemas.microsoft.com/office/drawing/2014/main" id="{A44E8B1F-0F88-26DE-6558-61F8C92071B5}"/>
-                  </a:ext>
-                </a:extLst>
-              </p:cNvPr>
-              <p:cNvCxnSpPr>
-                <a:cxnSpLocks/>
-              </p:cNvCxnSpPr>
-              <p:nvPr/>
-            </p:nvCxnSpPr>
-            <p:spPr>
-              <a:xfrm flipV="1">
-                <a:off x="2509451" y="1908699"/>
-                <a:ext cx="68002" cy="75696"/>
-              </a:xfrm>
-              <a:prstGeom prst="line">
-                <a:avLst/>
-              </a:prstGeom>
-              <a:ln>
-                <a:solidFill>
-                  <a:schemeClr val="bg2">
-                    <a:lumMod val="50000"/>
-                  </a:schemeClr>
-                </a:solidFill>
-              </a:ln>
-            </p:spPr>
-            <p:style>
-              <a:lnRef idx="1">
-                <a:schemeClr val="accent1"/>
-              </a:lnRef>
-              <a:fillRef idx="0">
-                <a:schemeClr val="accent1"/>
-              </a:fillRef>
-              <a:effectRef idx="0">
-                <a:schemeClr val="accent1"/>
-              </a:effectRef>
-              <a:fontRef idx="minor">
-                <a:schemeClr val="tx1"/>
-              </a:fontRef>
-            </p:style>
-          </p:cxnSp>
-          <p:cxnSp>
-            <p:nvCxnSpPr>
-              <p:cNvPr id="38" name="直接连接符 37">
-                <a:extLst>
-                  <a:ext uri="{FF2B5EF4-FFF2-40B4-BE49-F238E27FC236}">
-                    <a16:creationId xmlns:a16="http://schemas.microsoft.com/office/drawing/2014/main" id="{07EE147C-5AA0-2328-341A-5BB9770F2D9D}"/>
-                  </a:ext>
-                </a:extLst>
-              </p:cNvPr>
-              <p:cNvCxnSpPr>
-                <a:cxnSpLocks/>
-              </p:cNvCxnSpPr>
-              <p:nvPr/>
-            </p:nvCxnSpPr>
-            <p:spPr>
-              <a:xfrm flipV="1">
-                <a:off x="2556699" y="1907945"/>
-                <a:ext cx="115632" cy="126127"/>
-              </a:xfrm>
-              <a:prstGeom prst="line">
-                <a:avLst/>
-              </a:prstGeom>
-              <a:ln>
-                <a:solidFill>
-                  <a:schemeClr val="bg2">
-                    <a:lumMod val="50000"/>
-                  </a:schemeClr>
-                </a:solidFill>
-              </a:ln>
-            </p:spPr>
-            <p:style>
-              <a:lnRef idx="1">
-                <a:schemeClr val="accent1"/>
-              </a:lnRef>
-              <a:fillRef idx="0">
-                <a:schemeClr val="accent1"/>
-              </a:fillRef>
-              <a:effectRef idx="0">
-                <a:schemeClr val="accent1"/>
-              </a:effectRef>
-              <a:fontRef idx="minor">
-                <a:schemeClr val="tx1"/>
-              </a:fontRef>
-            </p:style>
-          </p:cxnSp>
-          <p:cxnSp>
-            <p:nvCxnSpPr>
-              <p:cNvPr id="39" name="直接连接符 38">
-                <a:extLst>
-                  <a:ext uri="{FF2B5EF4-FFF2-40B4-BE49-F238E27FC236}">
-                    <a16:creationId xmlns:a16="http://schemas.microsoft.com/office/drawing/2014/main" id="{32107E17-FCA7-F4C0-408C-F4E5AC38C995}"/>
-                  </a:ext>
-                </a:extLst>
-              </p:cNvPr>
-              <p:cNvCxnSpPr>
-                <a:cxnSpLocks/>
-              </p:cNvCxnSpPr>
-              <p:nvPr/>
-            </p:nvCxnSpPr>
-            <p:spPr>
-              <a:xfrm flipV="1">
-                <a:off x="2607937" y="1907191"/>
-                <a:ext cx="160441" cy="178595"/>
-              </a:xfrm>
-              <a:prstGeom prst="line">
-                <a:avLst/>
-              </a:prstGeom>
-              <a:ln>
-                <a:solidFill>
-                  <a:schemeClr val="bg2">
-                    <a:lumMod val="50000"/>
-                  </a:schemeClr>
-                </a:solidFill>
-              </a:ln>
-            </p:spPr>
-            <p:style>
-              <a:lnRef idx="1">
-                <a:schemeClr val="accent1"/>
-              </a:lnRef>
-              <a:fillRef idx="0">
-                <a:schemeClr val="accent1"/>
-              </a:fillRef>
-              <a:effectRef idx="0">
-                <a:schemeClr val="accent1"/>
-              </a:effectRef>
-              <a:fontRef idx="minor">
-                <a:schemeClr val="tx1"/>
-              </a:fontRef>
-            </p:style>
-          </p:cxnSp>
-        </p:grpSp>
-        <p:grpSp>
-          <p:nvGrpSpPr>
-            <p:cNvPr id="40" name="组合 39">
-              <a:extLst>
-                <a:ext uri="{FF2B5EF4-FFF2-40B4-BE49-F238E27FC236}">
-                  <a16:creationId xmlns:a16="http://schemas.microsoft.com/office/drawing/2014/main" id="{00282FEB-46D9-7A57-4B8F-172FE7476D83}"/>
-                </a:ext>
-              </a:extLst>
-            </p:cNvPr>
-            <p:cNvGrpSpPr/>
-            <p:nvPr/>
-          </p:nvGrpSpPr>
-          <p:grpSpPr>
-            <a:xfrm>
-              <a:off x="3969733" y="1876711"/>
-              <a:ext cx="275208" cy="195929"/>
-              <a:chOff x="2342318" y="1907191"/>
-              <a:chExt cx="426060" cy="252254"/>
-            </a:xfrm>
-          </p:grpSpPr>
-          <p:cxnSp>
-            <p:nvCxnSpPr>
-              <p:cNvPr id="41" name="直接连接符 40">
-                <a:extLst>
-                  <a:ext uri="{FF2B5EF4-FFF2-40B4-BE49-F238E27FC236}">
-                    <a16:creationId xmlns:a16="http://schemas.microsoft.com/office/drawing/2014/main" id="{C55EFAEC-764B-74F9-626B-CF9461F894B8}"/>
-                  </a:ext>
-                </a:extLst>
-              </p:cNvPr>
-              <p:cNvCxnSpPr>
-                <a:cxnSpLocks/>
-              </p:cNvCxnSpPr>
-              <p:nvPr/>
-            </p:nvCxnSpPr>
-            <p:spPr>
-              <a:xfrm>
-                <a:off x="2342318" y="1909454"/>
-                <a:ext cx="249991" cy="249991"/>
-              </a:xfrm>
-              <a:prstGeom prst="line">
-                <a:avLst/>
-              </a:prstGeom>
-              <a:ln>
-                <a:solidFill>
-                  <a:schemeClr val="bg2">
-                    <a:lumMod val="50000"/>
-                  </a:schemeClr>
-                </a:solidFill>
-              </a:ln>
-            </p:spPr>
-            <p:style>
-              <a:lnRef idx="1">
-                <a:schemeClr val="accent1"/>
-              </a:lnRef>
-              <a:fillRef idx="0">
-                <a:schemeClr val="accent1"/>
-              </a:fillRef>
-              <a:effectRef idx="0">
-                <a:schemeClr val="accent1"/>
-              </a:effectRef>
-              <a:fontRef idx="minor">
-                <a:schemeClr val="tx1"/>
-              </a:fontRef>
-            </p:style>
-          </p:cxnSp>
-          <p:cxnSp>
-            <p:nvCxnSpPr>
-              <p:cNvPr id="42" name="直接连接符 41">
-                <a:extLst>
-                  <a:ext uri="{FF2B5EF4-FFF2-40B4-BE49-F238E27FC236}">
-                    <a16:creationId xmlns:a16="http://schemas.microsoft.com/office/drawing/2014/main" id="{DD102715-5A9A-D100-3311-BE013772C22C}"/>
-                  </a:ext>
-                </a:extLst>
-              </p:cNvPr>
-              <p:cNvCxnSpPr>
-                <a:cxnSpLocks/>
-              </p:cNvCxnSpPr>
-              <p:nvPr/>
-            </p:nvCxnSpPr>
-            <p:spPr>
-              <a:xfrm>
-                <a:off x="2429429" y="1909453"/>
-                <a:ext cx="228046" cy="228046"/>
-              </a:xfrm>
-              <a:prstGeom prst="line">
-                <a:avLst/>
-              </a:prstGeom>
-              <a:ln>
-                <a:solidFill>
-                  <a:schemeClr val="bg2">
-                    <a:lumMod val="50000"/>
-                  </a:schemeClr>
-                </a:solidFill>
-              </a:ln>
-            </p:spPr>
-            <p:style>
-              <a:lnRef idx="1">
-                <a:schemeClr val="accent1"/>
-              </a:lnRef>
-              <a:fillRef idx="0">
-                <a:schemeClr val="accent1"/>
-              </a:fillRef>
-              <a:effectRef idx="0">
-                <a:schemeClr val="accent1"/>
-              </a:effectRef>
-              <a:fontRef idx="minor">
-                <a:schemeClr val="tx1"/>
-              </a:fontRef>
-            </p:style>
-          </p:cxnSp>
-          <p:cxnSp>
-            <p:nvCxnSpPr>
-              <p:cNvPr id="43" name="直接连接符 42">
-                <a:extLst>
-                  <a:ext uri="{FF2B5EF4-FFF2-40B4-BE49-F238E27FC236}">
-                    <a16:creationId xmlns:a16="http://schemas.microsoft.com/office/drawing/2014/main" id="{A5371028-ECFF-BEF7-E36C-F35B25989DF1}"/>
-                  </a:ext>
-                </a:extLst>
-              </p:cNvPr>
-              <p:cNvCxnSpPr>
-                <a:cxnSpLocks/>
-              </p:cNvCxnSpPr>
-              <p:nvPr/>
-            </p:nvCxnSpPr>
-            <p:spPr>
-              <a:xfrm flipV="1">
-                <a:off x="2509451" y="1908699"/>
-                <a:ext cx="68002" cy="75696"/>
-              </a:xfrm>
-              <a:prstGeom prst="line">
-                <a:avLst/>
-              </a:prstGeom>
-              <a:ln>
-                <a:solidFill>
-                  <a:schemeClr val="bg2">
-                    <a:lumMod val="50000"/>
-                  </a:schemeClr>
-                </a:solidFill>
-              </a:ln>
-            </p:spPr>
-            <p:style>
-              <a:lnRef idx="1">
-                <a:schemeClr val="accent1"/>
-              </a:lnRef>
-              <a:fillRef idx="0">
-                <a:schemeClr val="accent1"/>
-              </a:fillRef>
-              <a:effectRef idx="0">
-                <a:schemeClr val="accent1"/>
-              </a:effectRef>
-              <a:fontRef idx="minor">
-                <a:schemeClr val="tx1"/>
-              </a:fontRef>
-            </p:style>
-          </p:cxnSp>
-          <p:cxnSp>
-            <p:nvCxnSpPr>
-              <p:cNvPr id="44" name="直接连接符 43">
-                <a:extLst>
-                  <a:ext uri="{FF2B5EF4-FFF2-40B4-BE49-F238E27FC236}">
-                    <a16:creationId xmlns:a16="http://schemas.microsoft.com/office/drawing/2014/main" id="{1BB0A8F5-B6D6-C73C-442D-292C9EECA191}"/>
-                  </a:ext>
-                </a:extLst>
-              </p:cNvPr>
-              <p:cNvCxnSpPr>
-                <a:cxnSpLocks/>
-              </p:cNvCxnSpPr>
-              <p:nvPr/>
-            </p:nvCxnSpPr>
-            <p:spPr>
-              <a:xfrm flipV="1">
-                <a:off x="2556699" y="1907945"/>
-                <a:ext cx="115632" cy="126127"/>
-              </a:xfrm>
-              <a:prstGeom prst="line">
-                <a:avLst/>
-              </a:prstGeom>
-              <a:ln>
-                <a:solidFill>
-                  <a:schemeClr val="bg2">
-                    <a:lumMod val="50000"/>
-                  </a:schemeClr>
-                </a:solidFill>
-              </a:ln>
-            </p:spPr>
-            <p:style>
-              <a:lnRef idx="1">
-                <a:schemeClr val="accent1"/>
-              </a:lnRef>
-              <a:fillRef idx="0">
-                <a:schemeClr val="accent1"/>
-              </a:fillRef>
-              <a:effectRef idx="0">
-                <a:schemeClr val="accent1"/>
-              </a:effectRef>
-              <a:fontRef idx="minor">
-                <a:schemeClr val="tx1"/>
-              </a:fontRef>
-            </p:style>
-          </p:cxnSp>
-          <p:cxnSp>
-            <p:nvCxnSpPr>
-              <p:cNvPr id="45" name="直接连接符 44">
-                <a:extLst>
-                  <a:ext uri="{FF2B5EF4-FFF2-40B4-BE49-F238E27FC236}">
-                    <a16:creationId xmlns:a16="http://schemas.microsoft.com/office/drawing/2014/main" id="{C230E649-6E23-0867-7D39-5FE815B5B133}"/>
-                  </a:ext>
-                </a:extLst>
-              </p:cNvPr>
-              <p:cNvCxnSpPr>
-                <a:cxnSpLocks/>
-              </p:cNvCxnSpPr>
-              <p:nvPr/>
-            </p:nvCxnSpPr>
-            <p:spPr>
-              <a:xfrm flipV="1">
-                <a:off x="2607937" y="1907191"/>
-                <a:ext cx="160441" cy="178595"/>
-              </a:xfrm>
-              <a:prstGeom prst="line">
-                <a:avLst/>
-              </a:prstGeom>
-              <a:ln>
-                <a:solidFill>
-                  <a:schemeClr val="bg2">
-                    <a:lumMod val="50000"/>
-                  </a:schemeClr>
-                </a:solidFill>
-              </a:ln>
-            </p:spPr>
-            <p:style>
-              <a:lnRef idx="1">
-                <a:schemeClr val="accent1"/>
-              </a:lnRef>
-              <a:fillRef idx="0">
-                <a:schemeClr val="accent1"/>
-              </a:fillRef>
-              <a:effectRef idx="0">
-                <a:schemeClr val="accent1"/>
-              </a:effectRef>
-              <a:fontRef idx="minor">
-                <a:schemeClr val="tx1"/>
-              </a:fontRef>
-            </p:style>
-          </p:cxnSp>
-        </p:grpSp>
-        <p:grpSp>
-          <p:nvGrpSpPr>
-            <p:cNvPr id="46" name="组合 45">
-              <a:extLst>
-                <a:ext uri="{FF2B5EF4-FFF2-40B4-BE49-F238E27FC236}">
-                  <a16:creationId xmlns:a16="http://schemas.microsoft.com/office/drawing/2014/main" id="{DC66B6BD-DE0F-04D8-2D28-0997D2755378}"/>
-                </a:ext>
-              </a:extLst>
-            </p:cNvPr>
-            <p:cNvGrpSpPr/>
-            <p:nvPr/>
-          </p:nvGrpSpPr>
-          <p:grpSpPr>
-            <a:xfrm>
-              <a:off x="4360492" y="1876711"/>
-              <a:ext cx="275208" cy="195929"/>
-              <a:chOff x="2342318" y="1907191"/>
-              <a:chExt cx="426060" cy="252254"/>
-            </a:xfrm>
-          </p:grpSpPr>
-          <p:cxnSp>
-            <p:nvCxnSpPr>
-              <p:cNvPr id="47" name="直接连接符 46">
-                <a:extLst>
-                  <a:ext uri="{FF2B5EF4-FFF2-40B4-BE49-F238E27FC236}">
-                    <a16:creationId xmlns:a16="http://schemas.microsoft.com/office/drawing/2014/main" id="{9DAAF466-BFDA-9A94-D384-952F0692E8D1}"/>
-                  </a:ext>
-                </a:extLst>
-              </p:cNvPr>
-              <p:cNvCxnSpPr>
-                <a:cxnSpLocks/>
-              </p:cNvCxnSpPr>
-              <p:nvPr/>
-            </p:nvCxnSpPr>
-            <p:spPr>
-              <a:xfrm>
-                <a:off x="2342318" y="1909454"/>
-                <a:ext cx="249991" cy="249991"/>
-              </a:xfrm>
-              <a:prstGeom prst="line">
-                <a:avLst/>
-              </a:prstGeom>
-              <a:ln>
-                <a:solidFill>
-                  <a:schemeClr val="bg2">
-                    <a:lumMod val="50000"/>
-                  </a:schemeClr>
-                </a:solidFill>
-              </a:ln>
-            </p:spPr>
-            <p:style>
-              <a:lnRef idx="1">
-                <a:schemeClr val="accent1"/>
-              </a:lnRef>
-              <a:fillRef idx="0">
-                <a:schemeClr val="accent1"/>
-              </a:fillRef>
-              <a:effectRef idx="0">
-                <a:schemeClr val="accent1"/>
-              </a:effectRef>
-              <a:fontRef idx="minor">
-                <a:schemeClr val="tx1"/>
-              </a:fontRef>
-            </p:style>
-          </p:cxnSp>
-          <p:cxnSp>
-            <p:nvCxnSpPr>
-              <p:cNvPr id="48" name="直接连接符 47">
-                <a:extLst>
-                  <a:ext uri="{FF2B5EF4-FFF2-40B4-BE49-F238E27FC236}">
-                    <a16:creationId xmlns:a16="http://schemas.microsoft.com/office/drawing/2014/main" id="{0FD80BB8-3617-4AD6-6549-9294E7E12B53}"/>
-                  </a:ext>
-                </a:extLst>
-              </p:cNvPr>
-              <p:cNvCxnSpPr>
-                <a:cxnSpLocks/>
-              </p:cNvCxnSpPr>
-              <p:nvPr/>
-            </p:nvCxnSpPr>
-            <p:spPr>
-              <a:xfrm>
-                <a:off x="2429429" y="1909453"/>
-                <a:ext cx="228046" cy="228046"/>
-              </a:xfrm>
-              <a:prstGeom prst="line">
-                <a:avLst/>
-              </a:prstGeom>
-              <a:ln>
-                <a:solidFill>
-                  <a:schemeClr val="bg2">
-                    <a:lumMod val="50000"/>
-                  </a:schemeClr>
-                </a:solidFill>
-              </a:ln>
-            </p:spPr>
-            <p:style>
-              <a:lnRef idx="1">
-                <a:schemeClr val="accent1"/>
-              </a:lnRef>
-              <a:fillRef idx="0">
-                <a:schemeClr val="accent1"/>
-              </a:fillRef>
-              <a:effectRef idx="0">
-                <a:schemeClr val="accent1"/>
-              </a:effectRef>
-              <a:fontRef idx="minor">
-                <a:schemeClr val="tx1"/>
-              </a:fontRef>
-            </p:style>
-          </p:cxnSp>
-          <p:cxnSp>
-            <p:nvCxnSpPr>
-              <p:cNvPr id="49" name="直接连接符 48">
-                <a:extLst>
-                  <a:ext uri="{FF2B5EF4-FFF2-40B4-BE49-F238E27FC236}">
-                    <a16:creationId xmlns:a16="http://schemas.microsoft.com/office/drawing/2014/main" id="{654CA395-8A52-FB26-984F-E0C850FFD2CB}"/>
-                  </a:ext>
-                </a:extLst>
-              </p:cNvPr>
-              <p:cNvCxnSpPr>
-                <a:cxnSpLocks/>
-              </p:cNvCxnSpPr>
-              <p:nvPr/>
-            </p:nvCxnSpPr>
-            <p:spPr>
-              <a:xfrm flipV="1">
-                <a:off x="2509451" y="1908699"/>
-                <a:ext cx="68002" cy="75696"/>
-              </a:xfrm>
-              <a:prstGeom prst="line">
-                <a:avLst/>
-              </a:prstGeom>
-              <a:ln>
-                <a:solidFill>
-                  <a:schemeClr val="bg2">
-                    <a:lumMod val="50000"/>
-                  </a:schemeClr>
-                </a:solidFill>
-              </a:ln>
-            </p:spPr>
-            <p:style>
-              <a:lnRef idx="1">
-                <a:schemeClr val="accent1"/>
-              </a:lnRef>
-              <a:fillRef idx="0">
-                <a:schemeClr val="accent1"/>
-              </a:fillRef>
-              <a:effectRef idx="0">
-                <a:schemeClr val="accent1"/>
-              </a:effectRef>
-              <a:fontRef idx="minor">
-                <a:schemeClr val="tx1"/>
-              </a:fontRef>
-            </p:style>
-          </p:cxnSp>
-          <p:cxnSp>
-            <p:nvCxnSpPr>
-              <p:cNvPr id="50" name="直接连接符 49">
-                <a:extLst>
-                  <a:ext uri="{FF2B5EF4-FFF2-40B4-BE49-F238E27FC236}">
-                    <a16:creationId xmlns:a16="http://schemas.microsoft.com/office/drawing/2014/main" id="{ACF0D0EC-E2AC-C42A-54D1-20754F8D75FF}"/>
-                  </a:ext>
-                </a:extLst>
-              </p:cNvPr>
-              <p:cNvCxnSpPr>
-                <a:cxnSpLocks/>
-              </p:cNvCxnSpPr>
-              <p:nvPr/>
-            </p:nvCxnSpPr>
-            <p:spPr>
-              <a:xfrm flipV="1">
-                <a:off x="2556699" y="1907945"/>
-                <a:ext cx="115632" cy="126127"/>
-              </a:xfrm>
-              <a:prstGeom prst="line">
-                <a:avLst/>
-              </a:prstGeom>
-              <a:ln>
-                <a:solidFill>
-                  <a:schemeClr val="bg2">
-                    <a:lumMod val="50000"/>
-                  </a:schemeClr>
-                </a:solidFill>
-              </a:ln>
-            </p:spPr>
-            <p:style>
-              <a:lnRef idx="1">
-                <a:schemeClr val="accent1"/>
-              </a:lnRef>
-              <a:fillRef idx="0">
-                <a:schemeClr val="accent1"/>
-              </a:fillRef>
-              <a:effectRef idx="0">
-                <a:schemeClr val="accent1"/>
-              </a:effectRef>
-              <a:fontRef idx="minor">
-                <a:schemeClr val="tx1"/>
-              </a:fontRef>
-            </p:style>
-          </p:cxnSp>
-          <p:cxnSp>
-            <p:nvCxnSpPr>
-              <p:cNvPr id="51" name="直接连接符 50">
-                <a:extLst>
-                  <a:ext uri="{FF2B5EF4-FFF2-40B4-BE49-F238E27FC236}">
-                    <a16:creationId xmlns:a16="http://schemas.microsoft.com/office/drawing/2014/main" id="{6850CAC0-608A-1E68-5A36-4794114CE897}"/>
-                  </a:ext>
-                </a:extLst>
-              </p:cNvPr>
-              <p:cNvCxnSpPr>
-                <a:cxnSpLocks/>
-              </p:cNvCxnSpPr>
-              <p:nvPr/>
-            </p:nvCxnSpPr>
-            <p:spPr>
-              <a:xfrm flipV="1">
-                <a:off x="2607937" y="1907191"/>
-                <a:ext cx="160441" cy="178595"/>
-              </a:xfrm>
-              <a:prstGeom prst="line">
-                <a:avLst/>
-              </a:prstGeom>
-              <a:ln>
-                <a:solidFill>
-                  <a:schemeClr val="bg2">
-                    <a:lumMod val="50000"/>
-                  </a:schemeClr>
-                </a:solidFill>
-              </a:ln>
-            </p:spPr>
-            <p:style>
-              <a:lnRef idx="1">
-                <a:schemeClr val="accent1"/>
-              </a:lnRef>
-              <a:fillRef idx="0">
-                <a:schemeClr val="accent1"/>
-              </a:fillRef>
-              <a:effectRef idx="0">
-                <a:schemeClr val="accent1"/>
-              </a:effectRef>
-              <a:fontRef idx="minor">
-                <a:schemeClr val="tx1"/>
-              </a:fontRef>
-            </p:style>
-          </p:cxnSp>
-        </p:grpSp>
-        <p:grpSp>
-          <p:nvGrpSpPr>
-            <p:cNvPr id="52" name="组合 51">
-              <a:extLst>
-                <a:ext uri="{FF2B5EF4-FFF2-40B4-BE49-F238E27FC236}">
-                  <a16:creationId xmlns:a16="http://schemas.microsoft.com/office/drawing/2014/main" id="{EB84A41F-E884-0848-BF7C-B59F5C6838E9}"/>
-                </a:ext>
-              </a:extLst>
-            </p:cNvPr>
-            <p:cNvGrpSpPr/>
-            <p:nvPr/>
-          </p:nvGrpSpPr>
-          <p:grpSpPr>
-            <a:xfrm>
-              <a:off x="5186201" y="1876711"/>
-              <a:ext cx="275208" cy="195929"/>
-              <a:chOff x="2342318" y="1907191"/>
-              <a:chExt cx="426060" cy="252254"/>
-            </a:xfrm>
-          </p:grpSpPr>
-          <p:cxnSp>
-            <p:nvCxnSpPr>
-              <p:cNvPr id="53" name="直接连接符 52">
-                <a:extLst>
-                  <a:ext uri="{FF2B5EF4-FFF2-40B4-BE49-F238E27FC236}">
-                    <a16:creationId xmlns:a16="http://schemas.microsoft.com/office/drawing/2014/main" id="{6CBC6C1D-ECEB-5000-F36A-BC27788E7507}"/>
-                  </a:ext>
-                </a:extLst>
-              </p:cNvPr>
-              <p:cNvCxnSpPr>
-                <a:cxnSpLocks/>
-              </p:cNvCxnSpPr>
-              <p:nvPr/>
-            </p:nvCxnSpPr>
-            <p:spPr>
-              <a:xfrm>
-                <a:off x="2342318" y="1909454"/>
-                <a:ext cx="249991" cy="249991"/>
-              </a:xfrm>
-              <a:prstGeom prst="line">
-                <a:avLst/>
-              </a:prstGeom>
-              <a:ln>
-                <a:solidFill>
-                  <a:schemeClr val="bg2">
-                    <a:lumMod val="50000"/>
-                  </a:schemeClr>
-                </a:solidFill>
-              </a:ln>
-            </p:spPr>
-            <p:style>
-              <a:lnRef idx="1">
-                <a:schemeClr val="accent1"/>
-              </a:lnRef>
-              <a:fillRef idx="0">
-                <a:schemeClr val="accent1"/>
-              </a:fillRef>
-              <a:effectRef idx="0">
-                <a:schemeClr val="accent1"/>
-              </a:effectRef>
-              <a:fontRef idx="minor">
-                <a:schemeClr val="tx1"/>
-              </a:fontRef>
-            </p:style>
-          </p:cxnSp>
-          <p:cxnSp>
-            <p:nvCxnSpPr>
-              <p:cNvPr id="54" name="直接连接符 53">
-                <a:extLst>
-                  <a:ext uri="{FF2B5EF4-FFF2-40B4-BE49-F238E27FC236}">
-                    <a16:creationId xmlns:a16="http://schemas.microsoft.com/office/drawing/2014/main" id="{4D3CB7B0-71CB-B8FE-9CB3-AD258B061441}"/>
-                  </a:ext>
-                </a:extLst>
-              </p:cNvPr>
-              <p:cNvCxnSpPr>
-                <a:cxnSpLocks/>
-              </p:cNvCxnSpPr>
-              <p:nvPr/>
-            </p:nvCxnSpPr>
-            <p:spPr>
-              <a:xfrm>
-                <a:off x="2429429" y="1909453"/>
-                <a:ext cx="228046" cy="228046"/>
-              </a:xfrm>
-              <a:prstGeom prst="line">
-                <a:avLst/>
-              </a:prstGeom>
-              <a:ln>
-                <a:solidFill>
-                  <a:schemeClr val="bg2">
-                    <a:lumMod val="50000"/>
-                  </a:schemeClr>
-                </a:solidFill>
-              </a:ln>
-            </p:spPr>
-            <p:style>
-              <a:lnRef idx="1">
-                <a:schemeClr val="accent1"/>
-              </a:lnRef>
-              <a:fillRef idx="0">
-                <a:schemeClr val="accent1"/>
-              </a:fillRef>
-              <a:effectRef idx="0">
-                <a:schemeClr val="accent1"/>
-              </a:effectRef>
-              <a:fontRef idx="minor">
-                <a:schemeClr val="tx1"/>
-              </a:fontRef>
-            </p:style>
-          </p:cxnSp>
-          <p:cxnSp>
-            <p:nvCxnSpPr>
-              <p:cNvPr id="55" name="直接连接符 54">
-                <a:extLst>
-                  <a:ext uri="{FF2B5EF4-FFF2-40B4-BE49-F238E27FC236}">
-                    <a16:creationId xmlns:a16="http://schemas.microsoft.com/office/drawing/2014/main" id="{984C2C98-9296-B04D-7E19-0E08A1D13C54}"/>
-                  </a:ext>
-                </a:extLst>
-              </p:cNvPr>
-              <p:cNvCxnSpPr>
-                <a:cxnSpLocks/>
-              </p:cNvCxnSpPr>
-              <p:nvPr/>
-            </p:nvCxnSpPr>
-            <p:spPr>
-              <a:xfrm flipV="1">
-                <a:off x="2509451" y="1908699"/>
-                <a:ext cx="68002" cy="75696"/>
-              </a:xfrm>
-              <a:prstGeom prst="line">
-                <a:avLst/>
-              </a:prstGeom>
-              <a:ln>
-                <a:solidFill>
-                  <a:schemeClr val="bg2">
-                    <a:lumMod val="50000"/>
-                  </a:schemeClr>
-                </a:solidFill>
-              </a:ln>
-            </p:spPr>
-            <p:style>
-              <a:lnRef idx="1">
-                <a:schemeClr val="accent1"/>
-              </a:lnRef>
-              <a:fillRef idx="0">
-                <a:schemeClr val="accent1"/>
-              </a:fillRef>
-              <a:effectRef idx="0">
-                <a:schemeClr val="accent1"/>
-              </a:effectRef>
-              <a:fontRef idx="minor">
-                <a:schemeClr val="tx1"/>
-              </a:fontRef>
-            </p:style>
-          </p:cxnSp>
-          <p:cxnSp>
-            <p:nvCxnSpPr>
-              <p:cNvPr id="56" name="直接连接符 55">
-                <a:extLst>
-                  <a:ext uri="{FF2B5EF4-FFF2-40B4-BE49-F238E27FC236}">
-                    <a16:creationId xmlns:a16="http://schemas.microsoft.com/office/drawing/2014/main" id="{E5C21179-3FB1-34C9-1C70-60691C736DC9}"/>
-                  </a:ext>
-                </a:extLst>
-              </p:cNvPr>
-              <p:cNvCxnSpPr>
-                <a:cxnSpLocks/>
-              </p:cNvCxnSpPr>
-              <p:nvPr/>
-            </p:nvCxnSpPr>
-            <p:spPr>
-              <a:xfrm flipV="1">
-                <a:off x="2556699" y="1907945"/>
-                <a:ext cx="115632" cy="126127"/>
-              </a:xfrm>
-              <a:prstGeom prst="line">
-                <a:avLst/>
-              </a:prstGeom>
-              <a:ln>
-                <a:solidFill>
-                  <a:schemeClr val="bg2">
-                    <a:lumMod val="50000"/>
-                  </a:schemeClr>
-                </a:solidFill>
-              </a:ln>
-            </p:spPr>
-            <p:style>
-              <a:lnRef idx="1">
-                <a:schemeClr val="accent1"/>
-              </a:lnRef>
-              <a:fillRef idx="0">
-                <a:schemeClr val="accent1"/>
-              </a:fillRef>
-              <a:effectRef idx="0">
-                <a:schemeClr val="accent1"/>
-              </a:effectRef>
-              <a:fontRef idx="minor">
-                <a:schemeClr val="tx1"/>
-              </a:fontRef>
-            </p:style>
-          </p:cxnSp>
-          <p:cxnSp>
-            <p:nvCxnSpPr>
-              <p:cNvPr id="57" name="直接连接符 56">
-                <a:extLst>
-                  <a:ext uri="{FF2B5EF4-FFF2-40B4-BE49-F238E27FC236}">
-                    <a16:creationId xmlns:a16="http://schemas.microsoft.com/office/drawing/2014/main" id="{1F580DD4-DCC7-186B-3DD7-01F58355CC7F}"/>
-                  </a:ext>
-                </a:extLst>
-              </p:cNvPr>
-              <p:cNvCxnSpPr>
-                <a:cxnSpLocks/>
-              </p:cNvCxnSpPr>
-              <p:nvPr/>
-            </p:nvCxnSpPr>
-            <p:spPr>
-              <a:xfrm flipV="1">
-                <a:off x="2607937" y="1907191"/>
-                <a:ext cx="160441" cy="178595"/>
-              </a:xfrm>
-              <a:prstGeom prst="line">
-                <a:avLst/>
-              </a:prstGeom>
-              <a:ln>
-                <a:solidFill>
-                  <a:schemeClr val="bg2">
-                    <a:lumMod val="50000"/>
-                  </a:schemeClr>
-                </a:solidFill>
-              </a:ln>
-            </p:spPr>
-            <p:style>
-              <a:lnRef idx="1">
-                <a:schemeClr val="accent1"/>
-              </a:lnRef>
-              <a:fillRef idx="0">
-                <a:schemeClr val="accent1"/>
-              </a:fillRef>
-              <a:effectRef idx="0">
-                <a:schemeClr val="accent1"/>
-              </a:effectRef>
-              <a:fontRef idx="minor">
-                <a:schemeClr val="tx1"/>
-              </a:fontRef>
-            </p:style>
-          </p:cxnSp>
-        </p:grpSp>
-        <p:grpSp>
-          <p:nvGrpSpPr>
-            <p:cNvPr id="58" name="组合 57">
-              <a:extLst>
-                <a:ext uri="{FF2B5EF4-FFF2-40B4-BE49-F238E27FC236}">
-                  <a16:creationId xmlns:a16="http://schemas.microsoft.com/office/drawing/2014/main" id="{82758192-BA99-4BD8-48DA-B54AA3A1669C}"/>
-                </a:ext>
-              </a:extLst>
-            </p:cNvPr>
-            <p:cNvGrpSpPr/>
-            <p:nvPr/>
-          </p:nvGrpSpPr>
-          <p:grpSpPr>
-            <a:xfrm>
-              <a:off x="5559621" y="1876711"/>
-              <a:ext cx="275208" cy="195929"/>
-              <a:chOff x="2342318" y="1907191"/>
-              <a:chExt cx="426060" cy="252254"/>
-            </a:xfrm>
-          </p:grpSpPr>
-          <p:cxnSp>
-            <p:nvCxnSpPr>
-              <p:cNvPr id="59" name="直接连接符 58">
-                <a:extLst>
-                  <a:ext uri="{FF2B5EF4-FFF2-40B4-BE49-F238E27FC236}">
-                    <a16:creationId xmlns:a16="http://schemas.microsoft.com/office/drawing/2014/main" id="{58EDC155-9AEC-3064-18E2-9EA8D77D1CAC}"/>
-                  </a:ext>
-                </a:extLst>
-              </p:cNvPr>
-              <p:cNvCxnSpPr>
-                <a:cxnSpLocks/>
-              </p:cNvCxnSpPr>
-              <p:nvPr/>
-            </p:nvCxnSpPr>
-            <p:spPr>
-              <a:xfrm>
-                <a:off x="2342318" y="1909454"/>
-                <a:ext cx="249991" cy="249991"/>
-              </a:xfrm>
-              <a:prstGeom prst="line">
-                <a:avLst/>
-              </a:prstGeom>
-              <a:ln>
-                <a:solidFill>
-                  <a:schemeClr val="bg2">
-                    <a:lumMod val="50000"/>
-                  </a:schemeClr>
-                </a:solidFill>
-              </a:ln>
-            </p:spPr>
-            <p:style>
-              <a:lnRef idx="1">
-                <a:schemeClr val="accent1"/>
-              </a:lnRef>
-              <a:fillRef idx="0">
-                <a:schemeClr val="accent1"/>
-              </a:fillRef>
-              <a:effectRef idx="0">
-                <a:schemeClr val="accent1"/>
-              </a:effectRef>
-              <a:fontRef idx="minor">
-                <a:schemeClr val="tx1"/>
-              </a:fontRef>
-            </p:style>
-          </p:cxnSp>
-          <p:cxnSp>
-            <p:nvCxnSpPr>
-              <p:cNvPr id="60" name="直接连接符 59">
-                <a:extLst>
-                  <a:ext uri="{FF2B5EF4-FFF2-40B4-BE49-F238E27FC236}">
-                    <a16:creationId xmlns:a16="http://schemas.microsoft.com/office/drawing/2014/main" id="{262510DC-F08B-7AE2-2A09-1434ECE65166}"/>
-                  </a:ext>
-                </a:extLst>
-              </p:cNvPr>
-              <p:cNvCxnSpPr>
-                <a:cxnSpLocks/>
-              </p:cNvCxnSpPr>
-              <p:nvPr/>
-            </p:nvCxnSpPr>
-            <p:spPr>
-              <a:xfrm>
-                <a:off x="2429429" y="1909453"/>
-                <a:ext cx="228046" cy="228046"/>
-              </a:xfrm>
-              <a:prstGeom prst="line">
-                <a:avLst/>
-              </a:prstGeom>
-              <a:ln>
-                <a:solidFill>
-                  <a:schemeClr val="bg2">
-                    <a:lumMod val="50000"/>
-                  </a:schemeClr>
-                </a:solidFill>
-              </a:ln>
-            </p:spPr>
-            <p:style>
-              <a:lnRef idx="1">
-                <a:schemeClr val="accent1"/>
-              </a:lnRef>
-              <a:fillRef idx="0">
-                <a:schemeClr val="accent1"/>
-              </a:fillRef>
-              <a:effectRef idx="0">
-                <a:schemeClr val="accent1"/>
-              </a:effectRef>
-              <a:fontRef idx="minor">
-                <a:schemeClr val="tx1"/>
-              </a:fontRef>
-            </p:style>
-          </p:cxnSp>
-          <p:cxnSp>
-            <p:nvCxnSpPr>
-              <p:cNvPr id="61" name="直接连接符 60">
-                <a:extLst>
-                  <a:ext uri="{FF2B5EF4-FFF2-40B4-BE49-F238E27FC236}">
-                    <a16:creationId xmlns:a16="http://schemas.microsoft.com/office/drawing/2014/main" id="{4C67BF09-F95E-C238-E69A-A88429989B0C}"/>
-                  </a:ext>
-                </a:extLst>
-              </p:cNvPr>
-              <p:cNvCxnSpPr>
-                <a:cxnSpLocks/>
-              </p:cNvCxnSpPr>
-              <p:nvPr/>
-            </p:nvCxnSpPr>
-            <p:spPr>
-              <a:xfrm flipV="1">
-                <a:off x="2509451" y="1908699"/>
-                <a:ext cx="68002" cy="75696"/>
-              </a:xfrm>
-              <a:prstGeom prst="line">
-                <a:avLst/>
-              </a:prstGeom>
-              <a:ln>
-                <a:solidFill>
-                  <a:schemeClr val="bg2">
-                    <a:lumMod val="50000"/>
-                  </a:schemeClr>
-                </a:solidFill>
-              </a:ln>
-            </p:spPr>
-            <p:style>
-              <a:lnRef idx="1">
-                <a:schemeClr val="accent1"/>
-              </a:lnRef>
-              <a:fillRef idx="0">
-                <a:schemeClr val="accent1"/>
-              </a:fillRef>
-              <a:effectRef idx="0">
-                <a:schemeClr val="accent1"/>
-              </a:effectRef>
-              <a:fontRef idx="minor">
-                <a:schemeClr val="tx1"/>
-              </a:fontRef>
-            </p:style>
-          </p:cxnSp>
-          <p:cxnSp>
-            <p:nvCxnSpPr>
-              <p:cNvPr id="62" name="直接连接符 61">
-                <a:extLst>
-                  <a:ext uri="{FF2B5EF4-FFF2-40B4-BE49-F238E27FC236}">
-                    <a16:creationId xmlns:a16="http://schemas.microsoft.com/office/drawing/2014/main" id="{5B89995F-50CD-EC60-7DA3-7AAA7F5CABCC}"/>
-                  </a:ext>
-                </a:extLst>
-              </p:cNvPr>
-              <p:cNvCxnSpPr>
-                <a:cxnSpLocks/>
-              </p:cNvCxnSpPr>
-              <p:nvPr/>
-            </p:nvCxnSpPr>
-            <p:spPr>
-              <a:xfrm flipV="1">
-                <a:off x="2556699" y="1907945"/>
-                <a:ext cx="115632" cy="126127"/>
-              </a:xfrm>
-              <a:prstGeom prst="line">
-                <a:avLst/>
-              </a:prstGeom>
-              <a:ln>
-                <a:solidFill>
-                  <a:schemeClr val="bg2">
-                    <a:lumMod val="50000"/>
-                  </a:schemeClr>
-                </a:solidFill>
-              </a:ln>
-            </p:spPr>
-            <p:style>
-              <a:lnRef idx="1">
-                <a:schemeClr val="accent1"/>
-              </a:lnRef>
-              <a:fillRef idx="0">
-                <a:schemeClr val="accent1"/>
-              </a:fillRef>
-              <a:effectRef idx="0">
-                <a:schemeClr val="accent1"/>
-              </a:effectRef>
-              <a:fontRef idx="minor">
-                <a:schemeClr val="tx1"/>
-              </a:fontRef>
-            </p:style>
-          </p:cxnSp>
-          <p:cxnSp>
-            <p:nvCxnSpPr>
-              <p:cNvPr id="63" name="直接连接符 62">
-                <a:extLst>
-                  <a:ext uri="{FF2B5EF4-FFF2-40B4-BE49-F238E27FC236}">
-                    <a16:creationId xmlns:a16="http://schemas.microsoft.com/office/drawing/2014/main" id="{56F498B8-46CF-8846-F501-EB44E1E61F4D}"/>
-                  </a:ext>
-                </a:extLst>
-              </p:cNvPr>
-              <p:cNvCxnSpPr>
-                <a:cxnSpLocks/>
-              </p:cNvCxnSpPr>
-              <p:nvPr/>
-            </p:nvCxnSpPr>
-            <p:spPr>
-              <a:xfrm flipV="1">
-                <a:off x="2607937" y="1907191"/>
-                <a:ext cx="160441" cy="178595"/>
-              </a:xfrm>
-              <a:prstGeom prst="line">
-                <a:avLst/>
-              </a:prstGeom>
-              <a:ln>
-                <a:solidFill>
-                  <a:schemeClr val="bg2">
-                    <a:lumMod val="50000"/>
-                  </a:schemeClr>
-                </a:solidFill>
-              </a:ln>
-            </p:spPr>
-            <p:style>
-              <a:lnRef idx="1">
-                <a:schemeClr val="accent1"/>
-              </a:lnRef>
-              <a:fillRef idx="0">
-                <a:schemeClr val="accent1"/>
-              </a:fillRef>
-              <a:effectRef idx="0">
-                <a:schemeClr val="accent1"/>
-              </a:effectRef>
-              <a:fontRef idx="minor">
-                <a:schemeClr val="tx1"/>
-              </a:fontRef>
-            </p:style>
-          </p:cxnSp>
-        </p:grpSp>
-        <p:grpSp>
-          <p:nvGrpSpPr>
-            <p:cNvPr id="64" name="组合 63">
-              <a:extLst>
-                <a:ext uri="{FF2B5EF4-FFF2-40B4-BE49-F238E27FC236}">
-                  <a16:creationId xmlns:a16="http://schemas.microsoft.com/office/drawing/2014/main" id="{61233EA5-180C-3507-7E17-1186EE7A3BA2}"/>
-                </a:ext>
-              </a:extLst>
-            </p:cNvPr>
-            <p:cNvGrpSpPr/>
-            <p:nvPr/>
-          </p:nvGrpSpPr>
-          <p:grpSpPr>
-            <a:xfrm>
-              <a:off x="5923874" y="1876711"/>
-              <a:ext cx="275208" cy="195929"/>
-              <a:chOff x="2342318" y="1907191"/>
-              <a:chExt cx="426060" cy="252254"/>
-            </a:xfrm>
-          </p:grpSpPr>
-          <p:cxnSp>
-            <p:nvCxnSpPr>
-              <p:cNvPr id="65" name="直接连接符 64">
-                <a:extLst>
-                  <a:ext uri="{FF2B5EF4-FFF2-40B4-BE49-F238E27FC236}">
-                    <a16:creationId xmlns:a16="http://schemas.microsoft.com/office/drawing/2014/main" id="{5472D2FB-6BDF-A9ED-78F5-870305ABC784}"/>
-                  </a:ext>
-                </a:extLst>
-              </p:cNvPr>
-              <p:cNvCxnSpPr>
-                <a:cxnSpLocks/>
-              </p:cNvCxnSpPr>
-              <p:nvPr/>
-            </p:nvCxnSpPr>
-            <p:spPr>
-              <a:xfrm>
-                <a:off x="2342318" y="1909454"/>
-                <a:ext cx="249991" cy="249991"/>
-              </a:xfrm>
-              <a:prstGeom prst="line">
-                <a:avLst/>
-              </a:prstGeom>
-              <a:ln>
-                <a:solidFill>
-                  <a:schemeClr val="bg2">
-                    <a:lumMod val="50000"/>
-                  </a:schemeClr>
-                </a:solidFill>
-              </a:ln>
-            </p:spPr>
-            <p:style>
-              <a:lnRef idx="1">
-                <a:schemeClr val="accent1"/>
-              </a:lnRef>
-              <a:fillRef idx="0">
-                <a:schemeClr val="accent1"/>
-              </a:fillRef>
-              <a:effectRef idx="0">
-                <a:schemeClr val="accent1"/>
-              </a:effectRef>
-              <a:fontRef idx="minor">
-                <a:schemeClr val="tx1"/>
-              </a:fontRef>
-            </p:style>
-          </p:cxnSp>
-          <p:cxnSp>
-            <p:nvCxnSpPr>
-              <p:cNvPr id="66" name="直接连接符 65">
-                <a:extLst>
-                  <a:ext uri="{FF2B5EF4-FFF2-40B4-BE49-F238E27FC236}">
-                    <a16:creationId xmlns:a16="http://schemas.microsoft.com/office/drawing/2014/main" id="{D9CD05CD-E4E0-055F-A1BD-2AB3C1654EFA}"/>
-                  </a:ext>
-                </a:extLst>
-              </p:cNvPr>
-              <p:cNvCxnSpPr>
-                <a:cxnSpLocks/>
-              </p:cNvCxnSpPr>
-              <p:nvPr/>
-            </p:nvCxnSpPr>
-            <p:spPr>
-              <a:xfrm>
-                <a:off x="2429429" y="1909453"/>
-                <a:ext cx="228046" cy="228046"/>
-              </a:xfrm>
-              <a:prstGeom prst="line">
-                <a:avLst/>
-              </a:prstGeom>
-              <a:ln>
-                <a:solidFill>
-                  <a:schemeClr val="bg2">
-                    <a:lumMod val="50000"/>
-                  </a:schemeClr>
-                </a:solidFill>
-              </a:ln>
-            </p:spPr>
-            <p:style>
-              <a:lnRef idx="1">
-                <a:schemeClr val="accent1"/>
-              </a:lnRef>
-              <a:fillRef idx="0">
-                <a:schemeClr val="accent1"/>
-              </a:fillRef>
-              <a:effectRef idx="0">
-                <a:schemeClr val="accent1"/>
-              </a:effectRef>
-              <a:fontRef idx="minor">
-                <a:schemeClr val="tx1"/>
-              </a:fontRef>
-            </p:style>
-          </p:cxnSp>
-          <p:cxnSp>
-            <p:nvCxnSpPr>
-              <p:cNvPr id="67" name="直接连接符 66">
-                <a:extLst>
-                  <a:ext uri="{FF2B5EF4-FFF2-40B4-BE49-F238E27FC236}">
-                    <a16:creationId xmlns:a16="http://schemas.microsoft.com/office/drawing/2014/main" id="{714BBA5E-75B1-5864-932C-CE1B9ED00B55}"/>
-                  </a:ext>
-                </a:extLst>
-              </p:cNvPr>
-              <p:cNvCxnSpPr>
-                <a:cxnSpLocks/>
-              </p:cNvCxnSpPr>
-              <p:nvPr/>
-            </p:nvCxnSpPr>
-            <p:spPr>
-              <a:xfrm flipV="1">
-                <a:off x="2509451" y="1908699"/>
-                <a:ext cx="68002" cy="75696"/>
-              </a:xfrm>
-              <a:prstGeom prst="line">
-                <a:avLst/>
-              </a:prstGeom>
-              <a:ln>
-                <a:solidFill>
-                  <a:schemeClr val="bg2">
-                    <a:lumMod val="50000"/>
-                  </a:schemeClr>
-                </a:solidFill>
-              </a:ln>
-            </p:spPr>
-            <p:style>
-              <a:lnRef idx="1">
-                <a:schemeClr val="accent1"/>
-              </a:lnRef>
-              <a:fillRef idx="0">
-                <a:schemeClr val="accent1"/>
-              </a:fillRef>
-              <a:effectRef idx="0">
-                <a:schemeClr val="accent1"/>
-              </a:effectRef>
-              <a:fontRef idx="minor">
-                <a:schemeClr val="tx1"/>
-              </a:fontRef>
-            </p:style>
-          </p:cxnSp>
-          <p:cxnSp>
-            <p:nvCxnSpPr>
-              <p:cNvPr id="68" name="直接连接符 67">
-                <a:extLst>
-                  <a:ext uri="{FF2B5EF4-FFF2-40B4-BE49-F238E27FC236}">
-                    <a16:creationId xmlns:a16="http://schemas.microsoft.com/office/drawing/2014/main" id="{8DD7ABC2-D65A-8D44-8C91-B39E30D535DC}"/>
-                  </a:ext>
-                </a:extLst>
-              </p:cNvPr>
-              <p:cNvCxnSpPr>
-                <a:cxnSpLocks/>
-              </p:cNvCxnSpPr>
-              <p:nvPr/>
-            </p:nvCxnSpPr>
-            <p:spPr>
-              <a:xfrm flipV="1">
-                <a:off x="2556699" y="1907945"/>
-                <a:ext cx="115632" cy="126127"/>
-              </a:xfrm>
-              <a:prstGeom prst="line">
-                <a:avLst/>
-              </a:prstGeom>
-              <a:ln>
-                <a:solidFill>
-                  <a:schemeClr val="bg2">
-                    <a:lumMod val="50000"/>
-                  </a:schemeClr>
-                </a:solidFill>
-              </a:ln>
-            </p:spPr>
-            <p:style>
-              <a:lnRef idx="1">
-                <a:schemeClr val="accent1"/>
-              </a:lnRef>
-              <a:fillRef idx="0">
-                <a:schemeClr val="accent1"/>
-              </a:fillRef>
-              <a:effectRef idx="0">
-                <a:schemeClr val="accent1"/>
-              </a:effectRef>
-              <a:fontRef idx="minor">
-                <a:schemeClr val="tx1"/>
-              </a:fontRef>
-            </p:style>
-          </p:cxnSp>
-          <p:cxnSp>
-            <p:nvCxnSpPr>
-              <p:cNvPr id="69" name="直接连接符 68">
-                <a:extLst>
-                  <a:ext uri="{FF2B5EF4-FFF2-40B4-BE49-F238E27FC236}">
-                    <a16:creationId xmlns:a16="http://schemas.microsoft.com/office/drawing/2014/main" id="{C52461E9-FBE4-A56B-26BF-5631E0DED28C}"/>
-                  </a:ext>
-                </a:extLst>
-              </p:cNvPr>
-              <p:cNvCxnSpPr>
-                <a:cxnSpLocks/>
-              </p:cNvCxnSpPr>
-              <p:nvPr/>
-            </p:nvCxnSpPr>
-            <p:spPr>
-              <a:xfrm flipV="1">
-                <a:off x="2607937" y="1907191"/>
-                <a:ext cx="160441" cy="178595"/>
-              </a:xfrm>
-              <a:prstGeom prst="line">
-                <a:avLst/>
-              </a:prstGeom>
-              <a:ln>
-                <a:solidFill>
-                  <a:schemeClr val="bg2">
-                    <a:lumMod val="50000"/>
-                  </a:schemeClr>
-                </a:solidFill>
-              </a:ln>
-            </p:spPr>
-            <p:style>
-              <a:lnRef idx="1">
-                <a:schemeClr val="accent1"/>
-              </a:lnRef>
-              <a:fillRef idx="0">
-                <a:schemeClr val="accent1"/>
-              </a:fillRef>
-              <a:effectRef idx="0">
-                <a:schemeClr val="accent1"/>
-              </a:effectRef>
-              <a:fontRef idx="minor">
-                <a:schemeClr val="tx1"/>
-              </a:fontRef>
-            </p:style>
-          </p:cxnSp>
-        </p:grpSp>
-        <p:grpSp>
-          <p:nvGrpSpPr>
-            <p:cNvPr id="70" name="组合 69">
-              <a:extLst>
-                <a:ext uri="{FF2B5EF4-FFF2-40B4-BE49-F238E27FC236}">
-                  <a16:creationId xmlns:a16="http://schemas.microsoft.com/office/drawing/2014/main" id="{A87A5EC2-C1D2-A8BD-5091-23D291DB2AB2}"/>
-                </a:ext>
-              </a:extLst>
-            </p:cNvPr>
-            <p:cNvGrpSpPr/>
-            <p:nvPr/>
-          </p:nvGrpSpPr>
-          <p:grpSpPr>
-            <a:xfrm>
-              <a:off x="6300930" y="1876711"/>
-              <a:ext cx="275208" cy="195929"/>
-              <a:chOff x="2342318" y="1907191"/>
-              <a:chExt cx="426060" cy="252254"/>
-            </a:xfrm>
-          </p:grpSpPr>
-          <p:cxnSp>
-            <p:nvCxnSpPr>
-              <p:cNvPr id="71" name="直接连接符 70">
-                <a:extLst>
-                  <a:ext uri="{FF2B5EF4-FFF2-40B4-BE49-F238E27FC236}">
-                    <a16:creationId xmlns:a16="http://schemas.microsoft.com/office/drawing/2014/main" id="{D8BA15F5-90A8-E0CD-B5CC-165601EF2662}"/>
-                  </a:ext>
-                </a:extLst>
-              </p:cNvPr>
-              <p:cNvCxnSpPr>
-                <a:cxnSpLocks/>
-              </p:cNvCxnSpPr>
-              <p:nvPr/>
-            </p:nvCxnSpPr>
-            <p:spPr>
-              <a:xfrm>
-                <a:off x="2342318" y="1909454"/>
-                <a:ext cx="249991" cy="249991"/>
-              </a:xfrm>
-              <a:prstGeom prst="line">
-                <a:avLst/>
-              </a:prstGeom>
-              <a:ln>
-                <a:solidFill>
-                  <a:schemeClr val="bg2">
-                    <a:lumMod val="50000"/>
-                  </a:schemeClr>
-                </a:solidFill>
-              </a:ln>
-            </p:spPr>
-            <p:style>
-              <a:lnRef idx="1">
-                <a:schemeClr val="accent1"/>
-              </a:lnRef>
-              <a:fillRef idx="0">
-                <a:schemeClr val="accent1"/>
-              </a:fillRef>
-              <a:effectRef idx="0">
-                <a:schemeClr val="accent1"/>
-              </a:effectRef>
-              <a:fontRef idx="minor">
-                <a:schemeClr val="tx1"/>
-              </a:fontRef>
-            </p:style>
-          </p:cxnSp>
-          <p:cxnSp>
-            <p:nvCxnSpPr>
-              <p:cNvPr id="72" name="直接连接符 71">
-                <a:extLst>
-                  <a:ext uri="{FF2B5EF4-FFF2-40B4-BE49-F238E27FC236}">
-                    <a16:creationId xmlns:a16="http://schemas.microsoft.com/office/drawing/2014/main" id="{8ED56E2D-E55D-9D6F-7687-F9B51D441603}"/>
-                  </a:ext>
-                </a:extLst>
-              </p:cNvPr>
-              <p:cNvCxnSpPr>
-                <a:cxnSpLocks/>
-              </p:cNvCxnSpPr>
-              <p:nvPr/>
-            </p:nvCxnSpPr>
-            <p:spPr>
-              <a:xfrm>
-                <a:off x="2429429" y="1909453"/>
-                <a:ext cx="228046" cy="228046"/>
-              </a:xfrm>
-              <a:prstGeom prst="line">
-                <a:avLst/>
-              </a:prstGeom>
-              <a:ln>
-                <a:solidFill>
-                  <a:schemeClr val="bg2">
-                    <a:lumMod val="50000"/>
-                  </a:schemeClr>
-                </a:solidFill>
-              </a:ln>
-            </p:spPr>
-            <p:style>
-              <a:lnRef idx="1">
-                <a:schemeClr val="accent1"/>
-              </a:lnRef>
-              <a:fillRef idx="0">
-                <a:schemeClr val="accent1"/>
-              </a:fillRef>
-              <a:effectRef idx="0">
-                <a:schemeClr val="accent1"/>
-              </a:effectRef>
-              <a:fontRef idx="minor">
-                <a:schemeClr val="tx1"/>
-              </a:fontRef>
-            </p:style>
-          </p:cxnSp>
-          <p:cxnSp>
-            <p:nvCxnSpPr>
-              <p:cNvPr id="73" name="直接连接符 72">
-                <a:extLst>
-                  <a:ext uri="{FF2B5EF4-FFF2-40B4-BE49-F238E27FC236}">
-                    <a16:creationId xmlns:a16="http://schemas.microsoft.com/office/drawing/2014/main" id="{B7E5037F-5E4A-4BE2-9507-72398CF61A22}"/>
-                  </a:ext>
-                </a:extLst>
-              </p:cNvPr>
-              <p:cNvCxnSpPr>
-                <a:cxnSpLocks/>
-              </p:cNvCxnSpPr>
-              <p:nvPr/>
-            </p:nvCxnSpPr>
-            <p:spPr>
-              <a:xfrm flipV="1">
-                <a:off x="2509451" y="1908699"/>
-                <a:ext cx="68002" cy="75696"/>
-              </a:xfrm>
-              <a:prstGeom prst="line">
-                <a:avLst/>
-              </a:prstGeom>
-              <a:ln>
-                <a:solidFill>
-                  <a:schemeClr val="bg2">
-                    <a:lumMod val="50000"/>
-                  </a:schemeClr>
-                </a:solidFill>
-              </a:ln>
-            </p:spPr>
-            <p:style>
-              <a:lnRef idx="1">
-                <a:schemeClr val="accent1"/>
-              </a:lnRef>
-              <a:fillRef idx="0">
-                <a:schemeClr val="accent1"/>
-              </a:fillRef>
-              <a:effectRef idx="0">
-                <a:schemeClr val="accent1"/>
-              </a:effectRef>
-              <a:fontRef idx="minor">
-                <a:schemeClr val="tx1"/>
-              </a:fontRef>
-            </p:style>
-          </p:cxnSp>
-          <p:cxnSp>
-            <p:nvCxnSpPr>
-              <p:cNvPr id="74" name="直接连接符 73">
-                <a:extLst>
-                  <a:ext uri="{FF2B5EF4-FFF2-40B4-BE49-F238E27FC236}">
-                    <a16:creationId xmlns:a16="http://schemas.microsoft.com/office/drawing/2014/main" id="{70990089-8DFD-474A-3E6D-688C61612CBC}"/>
-                  </a:ext>
-                </a:extLst>
-              </p:cNvPr>
-              <p:cNvCxnSpPr>
-                <a:cxnSpLocks/>
-              </p:cNvCxnSpPr>
-              <p:nvPr/>
-            </p:nvCxnSpPr>
-            <p:spPr>
-              <a:xfrm flipV="1">
-                <a:off x="2556699" y="1907945"/>
-                <a:ext cx="115632" cy="126127"/>
-              </a:xfrm>
-              <a:prstGeom prst="line">
-                <a:avLst/>
-              </a:prstGeom>
-              <a:ln>
-                <a:solidFill>
-                  <a:schemeClr val="bg2">
-                    <a:lumMod val="50000"/>
-                  </a:schemeClr>
-                </a:solidFill>
-              </a:ln>
-            </p:spPr>
-            <p:style>
-              <a:lnRef idx="1">
-                <a:schemeClr val="accent1"/>
-              </a:lnRef>
-              <a:fillRef idx="0">
-                <a:schemeClr val="accent1"/>
-              </a:fillRef>
-              <a:effectRef idx="0">
-                <a:schemeClr val="accent1"/>
-              </a:effectRef>
-              <a:fontRef idx="minor">
-                <a:schemeClr val="tx1"/>
-              </a:fontRef>
-            </p:style>
-          </p:cxnSp>
-          <p:cxnSp>
-            <p:nvCxnSpPr>
-              <p:cNvPr id="75" name="直接连接符 74">
-                <a:extLst>
-                  <a:ext uri="{FF2B5EF4-FFF2-40B4-BE49-F238E27FC236}">
-                    <a16:creationId xmlns:a16="http://schemas.microsoft.com/office/drawing/2014/main" id="{CBE94453-47FD-DE3C-F2C1-8786BB33A15B}"/>
-                  </a:ext>
-                </a:extLst>
-              </p:cNvPr>
-              <p:cNvCxnSpPr>
-                <a:cxnSpLocks/>
-              </p:cNvCxnSpPr>
-              <p:nvPr/>
-            </p:nvCxnSpPr>
-            <p:spPr>
-              <a:xfrm flipV="1">
-                <a:off x="2607937" y="1907191"/>
-                <a:ext cx="160441" cy="178595"/>
-              </a:xfrm>
-              <a:prstGeom prst="line">
-                <a:avLst/>
-              </a:prstGeom>
-              <a:ln>
-                <a:solidFill>
-                  <a:schemeClr val="bg2">
-                    <a:lumMod val="50000"/>
-                  </a:schemeClr>
-                </a:solidFill>
-              </a:ln>
-            </p:spPr>
-            <p:style>
-              <a:lnRef idx="1">
-                <a:schemeClr val="accent1"/>
-              </a:lnRef>
-              <a:fillRef idx="0">
-                <a:schemeClr val="accent1"/>
-              </a:fillRef>
-              <a:effectRef idx="0">
-                <a:schemeClr val="accent1"/>
-              </a:effectRef>
-              <a:fontRef idx="minor">
-                <a:schemeClr val="tx1"/>
-              </a:fontRef>
-            </p:style>
-          </p:cxnSp>
-        </p:grpSp>
-        <p:sp>
-          <p:nvSpPr>
-            <p:cNvPr id="86" name="文本框 85">
-              <a:extLst>
-                <a:ext uri="{FF2B5EF4-FFF2-40B4-BE49-F238E27FC236}">
-                  <a16:creationId xmlns:a16="http://schemas.microsoft.com/office/drawing/2014/main" id="{42911BE8-2C6F-3667-8437-992F6DEE7BD8}"/>
+                  <a16:creationId xmlns:a16="http://schemas.microsoft.com/office/drawing/2014/main" id="{0158D063-976E-A0CB-7A04-0243D09960C9}"/>
                 </a:ext>
               </a:extLst>
             </p:cNvPr>
@@ -7708,868 +9977,8 @@
           </p:nvSpPr>
           <p:spPr>
             <a:xfrm>
-              <a:off x="4020140" y="2724155"/>
-              <a:ext cx="537115" cy="738664"/>
-            </a:xfrm>
-            <a:prstGeom prst="rect">
-              <a:avLst/>
-            </a:prstGeom>
-            <a:noFill/>
-          </p:spPr>
-          <p:txBody>
-            <a:bodyPr wrap="square" rtlCol="0">
-              <a:spAutoFit/>
-            </a:bodyPr>
-            <a:lstStyle/>
-            <a:p>
-              <a:r>
-                <a:rPr lang="zh-CN" altLang="en-US" sz="1400" b="1" dirty="0">
-                  <a:solidFill>
-                    <a:srgbClr val="FF0000"/>
-                  </a:solidFill>
-                  <a:latin typeface="宋体" panose="02010600030101010101" pitchFamily="2" charset="-122"/>
-                  <a:ea typeface="宋体" panose="02010600030101010101" pitchFamily="2" charset="-122"/>
-                </a:rPr>
-                <a:t>桩埋深</a:t>
-              </a:r>
-            </a:p>
-          </p:txBody>
-        </p:sp>
-        <p:grpSp>
-          <p:nvGrpSpPr>
-            <p:cNvPr id="90" name="组合 89">
-              <a:extLst>
-                <a:ext uri="{FF2B5EF4-FFF2-40B4-BE49-F238E27FC236}">
-                  <a16:creationId xmlns:a16="http://schemas.microsoft.com/office/drawing/2014/main" id="{CB76C59F-9E77-B873-13CF-034B8364FFDB}"/>
-                </a:ext>
-              </a:extLst>
-            </p:cNvPr>
-            <p:cNvGrpSpPr/>
-            <p:nvPr/>
-          </p:nvGrpSpPr>
-          <p:grpSpPr>
-            <a:xfrm>
-              <a:off x="3775042" y="1874953"/>
-              <a:ext cx="300338" cy="2426865"/>
-              <a:chOff x="6003751" y="727071"/>
-              <a:chExt cx="300338" cy="2065094"/>
-            </a:xfrm>
-          </p:grpSpPr>
-          <p:cxnSp>
-            <p:nvCxnSpPr>
-              <p:cNvPr id="87" name="直接箭头连接符 86">
-                <a:extLst>
-                  <a:ext uri="{FF2B5EF4-FFF2-40B4-BE49-F238E27FC236}">
-                    <a16:creationId xmlns:a16="http://schemas.microsoft.com/office/drawing/2014/main" id="{EB6569C3-D609-2D4D-8DC5-A0D6C8D6D86F}"/>
-                  </a:ext>
-                </a:extLst>
-              </p:cNvPr>
-              <p:cNvCxnSpPr/>
-              <p:nvPr/>
-            </p:nvCxnSpPr>
-            <p:spPr>
-              <a:xfrm>
-                <a:off x="6153920" y="727662"/>
-                <a:ext cx="0" cy="2061563"/>
-              </a:xfrm>
-              <a:prstGeom prst="straightConnector1">
-                <a:avLst/>
-              </a:prstGeom>
-              <a:ln w="12700">
-                <a:solidFill>
-                  <a:srgbClr val="FF0000"/>
-                </a:solidFill>
-                <a:headEnd type="triangle" w="med" len="med"/>
-                <a:tailEnd type="triangle" w="med" len="med"/>
-              </a:ln>
-            </p:spPr>
-            <p:style>
-              <a:lnRef idx="1">
-                <a:schemeClr val="accent1"/>
-              </a:lnRef>
-              <a:fillRef idx="0">
-                <a:schemeClr val="accent1"/>
-              </a:fillRef>
-              <a:effectRef idx="0">
-                <a:schemeClr val="accent1"/>
-              </a:effectRef>
-              <a:fontRef idx="minor">
-                <a:schemeClr val="tx1"/>
-              </a:fontRef>
-            </p:style>
-          </p:cxnSp>
-          <p:cxnSp>
-            <p:nvCxnSpPr>
-              <p:cNvPr id="88" name="直接连接符 87">
-                <a:extLst>
-                  <a:ext uri="{FF2B5EF4-FFF2-40B4-BE49-F238E27FC236}">
-                    <a16:creationId xmlns:a16="http://schemas.microsoft.com/office/drawing/2014/main" id="{136693F1-FA36-B36F-35BA-FE42ACE0567B}"/>
-                  </a:ext>
-                </a:extLst>
-              </p:cNvPr>
-              <p:cNvCxnSpPr/>
-              <p:nvPr/>
-            </p:nvCxnSpPr>
-            <p:spPr>
-              <a:xfrm>
-                <a:off x="6003751" y="727071"/>
-                <a:ext cx="300338" cy="0"/>
-              </a:xfrm>
-              <a:prstGeom prst="line">
-                <a:avLst/>
-              </a:prstGeom>
-              <a:ln w="12700">
-                <a:solidFill>
-                  <a:srgbClr val="FF0000"/>
-                </a:solidFill>
-              </a:ln>
-            </p:spPr>
-            <p:style>
-              <a:lnRef idx="1">
-                <a:schemeClr val="accent1"/>
-              </a:lnRef>
-              <a:fillRef idx="0">
-                <a:schemeClr val="accent1"/>
-              </a:fillRef>
-              <a:effectRef idx="0">
-                <a:schemeClr val="accent1"/>
-              </a:effectRef>
-              <a:fontRef idx="minor">
-                <a:schemeClr val="tx1"/>
-              </a:fontRef>
-            </p:style>
-          </p:cxnSp>
-          <p:cxnSp>
-            <p:nvCxnSpPr>
-              <p:cNvPr id="89" name="直接连接符 88">
-                <a:extLst>
-                  <a:ext uri="{FF2B5EF4-FFF2-40B4-BE49-F238E27FC236}">
-                    <a16:creationId xmlns:a16="http://schemas.microsoft.com/office/drawing/2014/main" id="{F7956746-BE02-3A2D-ACAE-52AFE9F85974}"/>
-                  </a:ext>
-                </a:extLst>
-              </p:cNvPr>
-              <p:cNvCxnSpPr/>
-              <p:nvPr/>
-            </p:nvCxnSpPr>
-            <p:spPr>
-              <a:xfrm>
-                <a:off x="6003751" y="2792165"/>
-                <a:ext cx="300338" cy="0"/>
-              </a:xfrm>
-              <a:prstGeom prst="line">
-                <a:avLst/>
-              </a:prstGeom>
-              <a:ln w="12700">
-                <a:solidFill>
-                  <a:srgbClr val="FF0000"/>
-                </a:solidFill>
-              </a:ln>
-            </p:spPr>
-            <p:style>
-              <a:lnRef idx="1">
-                <a:schemeClr val="accent1"/>
-              </a:lnRef>
-              <a:fillRef idx="0">
-                <a:schemeClr val="accent1"/>
-              </a:fillRef>
-              <a:effectRef idx="0">
-                <a:schemeClr val="accent1"/>
-              </a:effectRef>
-              <a:fontRef idx="minor">
-                <a:schemeClr val="tx1"/>
-              </a:fontRef>
-            </p:style>
-          </p:cxnSp>
-        </p:grpSp>
-        <p:sp>
-          <p:nvSpPr>
-            <p:cNvPr id="92" name="文本框 91">
-              <a:extLst>
-                <a:ext uri="{FF2B5EF4-FFF2-40B4-BE49-F238E27FC236}">
-                  <a16:creationId xmlns:a16="http://schemas.microsoft.com/office/drawing/2014/main" id="{1884CFA0-B35E-FF9D-7FFA-31854BF4CD5C}"/>
-                </a:ext>
-              </a:extLst>
-            </p:cNvPr>
-            <p:cNvSpPr txBox="1"/>
-            <p:nvPr/>
-          </p:nvSpPr>
-          <p:spPr>
-            <a:xfrm>
-              <a:off x="4049767" y="756728"/>
-              <a:ext cx="537115" cy="1169551"/>
-            </a:xfrm>
-            <a:prstGeom prst="rect">
-              <a:avLst/>
-            </a:prstGeom>
-            <a:noFill/>
-          </p:spPr>
-          <p:txBody>
-            <a:bodyPr wrap="square" rtlCol="0">
-              <a:spAutoFit/>
-            </a:bodyPr>
-            <a:lstStyle/>
-            <a:p>
-              <a:r>
-                <a:rPr lang="zh-CN" altLang="en-US" sz="1400" b="1" dirty="0">
-                  <a:solidFill>
-                    <a:srgbClr val="FF0000"/>
-                  </a:solidFill>
-                  <a:latin typeface="宋体" panose="02010600030101010101" pitchFamily="2" charset="-122"/>
-                  <a:ea typeface="宋体" panose="02010600030101010101" pitchFamily="2" charset="-122"/>
-                </a:rPr>
-                <a:t>桩伸出地面</a:t>
-              </a:r>
-            </a:p>
-          </p:txBody>
-        </p:sp>
-        <p:grpSp>
-          <p:nvGrpSpPr>
-            <p:cNvPr id="93" name="组合 92">
-              <a:extLst>
-                <a:ext uri="{FF2B5EF4-FFF2-40B4-BE49-F238E27FC236}">
-                  <a16:creationId xmlns:a16="http://schemas.microsoft.com/office/drawing/2014/main" id="{DE19001C-0010-AF55-1A8D-4F2BF9C051F9}"/>
-                </a:ext>
-              </a:extLst>
-            </p:cNvPr>
-            <p:cNvGrpSpPr/>
-            <p:nvPr/>
-          </p:nvGrpSpPr>
-          <p:grpSpPr>
-            <a:xfrm>
-              <a:off x="3776337" y="848410"/>
-              <a:ext cx="300338" cy="1023950"/>
-              <a:chOff x="6003751" y="727071"/>
-              <a:chExt cx="300338" cy="2065094"/>
-            </a:xfrm>
-          </p:grpSpPr>
-          <p:cxnSp>
-            <p:nvCxnSpPr>
-              <p:cNvPr id="94" name="直接箭头连接符 93">
-                <a:extLst>
-                  <a:ext uri="{FF2B5EF4-FFF2-40B4-BE49-F238E27FC236}">
-                    <a16:creationId xmlns:a16="http://schemas.microsoft.com/office/drawing/2014/main" id="{3DA76D69-8961-9DE0-2238-8B5821CF9185}"/>
-                  </a:ext>
-                </a:extLst>
-              </p:cNvPr>
-              <p:cNvCxnSpPr/>
-              <p:nvPr/>
-            </p:nvCxnSpPr>
-            <p:spPr>
-              <a:xfrm>
-                <a:off x="6153920" y="727662"/>
-                <a:ext cx="0" cy="2061563"/>
-              </a:xfrm>
-              <a:prstGeom prst="straightConnector1">
-                <a:avLst/>
-              </a:prstGeom>
-              <a:ln w="12700">
-                <a:solidFill>
-                  <a:srgbClr val="FF0000"/>
-                </a:solidFill>
-                <a:headEnd type="triangle" w="med" len="med"/>
-                <a:tailEnd type="triangle" w="med" len="med"/>
-              </a:ln>
-            </p:spPr>
-            <p:style>
-              <a:lnRef idx="1">
-                <a:schemeClr val="accent1"/>
-              </a:lnRef>
-              <a:fillRef idx="0">
-                <a:schemeClr val="accent1"/>
-              </a:fillRef>
-              <a:effectRef idx="0">
-                <a:schemeClr val="accent1"/>
-              </a:effectRef>
-              <a:fontRef idx="minor">
-                <a:schemeClr val="tx1"/>
-              </a:fontRef>
-            </p:style>
-          </p:cxnSp>
-          <p:cxnSp>
-            <p:nvCxnSpPr>
-              <p:cNvPr id="95" name="直接连接符 94">
-                <a:extLst>
-                  <a:ext uri="{FF2B5EF4-FFF2-40B4-BE49-F238E27FC236}">
-                    <a16:creationId xmlns:a16="http://schemas.microsoft.com/office/drawing/2014/main" id="{BAFF1449-B3D0-A729-4243-8CE5B88A73FD}"/>
-                  </a:ext>
-                </a:extLst>
-              </p:cNvPr>
-              <p:cNvCxnSpPr/>
-              <p:nvPr/>
-            </p:nvCxnSpPr>
-            <p:spPr>
-              <a:xfrm>
-                <a:off x="6003751" y="727071"/>
-                <a:ext cx="300338" cy="0"/>
-              </a:xfrm>
-              <a:prstGeom prst="line">
-                <a:avLst/>
-              </a:prstGeom>
-              <a:ln w="12700">
-                <a:solidFill>
-                  <a:srgbClr val="FF0000"/>
-                </a:solidFill>
-              </a:ln>
-            </p:spPr>
-            <p:style>
-              <a:lnRef idx="1">
-                <a:schemeClr val="accent1"/>
-              </a:lnRef>
-              <a:fillRef idx="0">
-                <a:schemeClr val="accent1"/>
-              </a:fillRef>
-              <a:effectRef idx="0">
-                <a:schemeClr val="accent1"/>
-              </a:effectRef>
-              <a:fontRef idx="minor">
-                <a:schemeClr val="tx1"/>
-              </a:fontRef>
-            </p:style>
-          </p:cxnSp>
-          <p:cxnSp>
-            <p:nvCxnSpPr>
-              <p:cNvPr id="96" name="直接连接符 95">
-                <a:extLst>
-                  <a:ext uri="{FF2B5EF4-FFF2-40B4-BE49-F238E27FC236}">
-                    <a16:creationId xmlns:a16="http://schemas.microsoft.com/office/drawing/2014/main" id="{DF570DD2-2984-5D73-358D-F2E993BDD77C}"/>
-                  </a:ext>
-                </a:extLst>
-              </p:cNvPr>
-              <p:cNvCxnSpPr/>
-              <p:nvPr/>
-            </p:nvCxnSpPr>
-            <p:spPr>
-              <a:xfrm>
-                <a:off x="6003751" y="2792165"/>
-                <a:ext cx="300338" cy="0"/>
-              </a:xfrm>
-              <a:prstGeom prst="line">
-                <a:avLst/>
-              </a:prstGeom>
-              <a:ln w="12700">
-                <a:solidFill>
-                  <a:srgbClr val="FF0000"/>
-                </a:solidFill>
-              </a:ln>
-            </p:spPr>
-            <p:style>
-              <a:lnRef idx="1">
-                <a:schemeClr val="accent1"/>
-              </a:lnRef>
-              <a:fillRef idx="0">
-                <a:schemeClr val="accent1"/>
-              </a:fillRef>
-              <a:effectRef idx="0">
-                <a:schemeClr val="accent1"/>
-              </a:effectRef>
-              <a:fontRef idx="minor">
-                <a:schemeClr val="tx1"/>
-              </a:fontRef>
-            </p:style>
-          </p:cxnSp>
-        </p:grpSp>
-        <p:sp>
-          <p:nvSpPr>
-            <p:cNvPr id="99" name="文本框 98">
-              <a:extLst>
-                <a:ext uri="{FF2B5EF4-FFF2-40B4-BE49-F238E27FC236}">
-                  <a16:creationId xmlns:a16="http://schemas.microsoft.com/office/drawing/2014/main" id="{692CF673-7BCE-90A9-695B-FB0B33769E16}"/>
-                </a:ext>
-              </a:extLst>
-            </p:cNvPr>
-            <p:cNvSpPr txBox="1"/>
-            <p:nvPr/>
-          </p:nvSpPr>
-          <p:spPr>
-            <a:xfrm>
-              <a:off x="5404900" y="2172386"/>
-              <a:ext cx="1311864" cy="338554"/>
-            </a:xfrm>
-            <a:prstGeom prst="rect">
-              <a:avLst/>
-            </a:prstGeom>
-            <a:noFill/>
-          </p:spPr>
-          <p:txBody>
-            <a:bodyPr wrap="square" rtlCol="0">
-              <a:spAutoFit/>
-            </a:bodyPr>
-            <a:lstStyle/>
-            <a:p>
-              <a:r>
-                <a:rPr lang="zh-CN" altLang="en-US" sz="800" dirty="0">
-                  <a:solidFill>
-                    <a:srgbClr val="FF0000"/>
-                  </a:solidFill>
-                  <a:latin typeface="宋体" panose="02010600030101010101" pitchFamily="2" charset="-122"/>
-                  <a:ea typeface="宋体" panose="02010600030101010101" pitchFamily="2" charset="-122"/>
-                </a:rPr>
-                <a:t>土层</a:t>
-              </a:r>
-              <a:r>
-                <a:rPr lang="en-US" altLang="zh-CN" sz="800" dirty="0">
-                  <a:solidFill>
-                    <a:srgbClr val="FF0000"/>
-                  </a:solidFill>
-                  <a:latin typeface="宋体" panose="02010600030101010101" pitchFamily="2" charset="-122"/>
-                  <a:ea typeface="宋体" panose="02010600030101010101" pitchFamily="2" charset="-122"/>
-                </a:rPr>
-                <a:t>1   </a:t>
-              </a:r>
-              <a:r>
-                <a:rPr lang="zh-CN" altLang="en-US" sz="800" dirty="0">
-                  <a:solidFill>
-                    <a:srgbClr val="FF0000"/>
-                  </a:solidFill>
-                  <a:latin typeface="宋体" panose="02010600030101010101" pitchFamily="2" charset="-122"/>
-                  <a:ea typeface="宋体" panose="02010600030101010101" pitchFamily="2" charset="-122"/>
-                </a:rPr>
-                <a:t>内摩擦角</a:t>
-              </a:r>
-              <a:r>
-                <a:rPr lang="en-US" altLang="zh-CN" sz="800" dirty="0">
-                  <a:solidFill>
-                    <a:srgbClr val="FF0000"/>
-                  </a:solidFill>
-                  <a:latin typeface="宋体" panose="02010600030101010101" pitchFamily="2" charset="-122"/>
-                  <a:ea typeface="宋体" panose="02010600030101010101" pitchFamily="2" charset="-122"/>
-                </a:rPr>
-                <a:t>1</a:t>
-              </a:r>
-            </a:p>
-            <a:p>
-              <a:r>
-                <a:rPr lang="zh-CN" altLang="en-US" sz="800" dirty="0">
-                  <a:solidFill>
-                    <a:srgbClr val="FF0000"/>
-                  </a:solidFill>
-                  <a:latin typeface="宋体" panose="02010600030101010101" pitchFamily="2" charset="-122"/>
-                  <a:ea typeface="宋体" panose="02010600030101010101" pitchFamily="2" charset="-122"/>
-                </a:rPr>
-                <a:t>重度</a:t>
-              </a:r>
-              <a:r>
-                <a:rPr lang="en-US" altLang="zh-CN" sz="800" dirty="0">
-                  <a:solidFill>
-                    <a:srgbClr val="FF0000"/>
-                  </a:solidFill>
-                  <a:latin typeface="宋体" panose="02010600030101010101" pitchFamily="2" charset="-122"/>
-                  <a:ea typeface="宋体" panose="02010600030101010101" pitchFamily="2" charset="-122"/>
-                </a:rPr>
-                <a:t>1   </a:t>
-              </a:r>
-              <a:r>
-                <a:rPr lang="zh-CN" altLang="en-US" sz="800" dirty="0">
-                  <a:solidFill>
-                    <a:srgbClr val="FF0000"/>
-                  </a:solidFill>
-                  <a:latin typeface="宋体" panose="02010600030101010101" pitchFamily="2" charset="-122"/>
-                  <a:ea typeface="宋体" panose="02010600030101010101" pitchFamily="2" charset="-122"/>
-                </a:rPr>
-                <a:t>侧压力系数</a:t>
-              </a:r>
-              <a:r>
-                <a:rPr lang="en-US" altLang="zh-CN" sz="800" dirty="0">
-                  <a:solidFill>
-                    <a:srgbClr val="FF0000"/>
-                  </a:solidFill>
-                  <a:latin typeface="宋体" panose="02010600030101010101" pitchFamily="2" charset="-122"/>
-                  <a:ea typeface="宋体" panose="02010600030101010101" pitchFamily="2" charset="-122"/>
-                </a:rPr>
-                <a:t>1</a:t>
-              </a:r>
-            </a:p>
-          </p:txBody>
-        </p:sp>
-        <p:cxnSp>
-          <p:nvCxnSpPr>
-            <p:cNvPr id="103" name="直接箭头连接符 102">
-              <a:extLst>
-                <a:ext uri="{FF2B5EF4-FFF2-40B4-BE49-F238E27FC236}">
-                  <a16:creationId xmlns:a16="http://schemas.microsoft.com/office/drawing/2014/main" id="{E646A64B-4559-2D29-2299-D3D42E5D7CDA}"/>
-                </a:ext>
-              </a:extLst>
-            </p:cNvPr>
-            <p:cNvCxnSpPr>
-              <a:cxnSpLocks/>
-            </p:cNvCxnSpPr>
-            <p:nvPr/>
-          </p:nvCxnSpPr>
-          <p:spPr>
-            <a:xfrm flipH="1">
-              <a:off x="5159298" y="848410"/>
-              <a:ext cx="405418" cy="0"/>
-            </a:xfrm>
-            <a:prstGeom prst="straightConnector1">
-              <a:avLst/>
-            </a:prstGeom>
-            <a:ln w="28575">
-              <a:solidFill>
-                <a:schemeClr val="tx1"/>
-              </a:solidFill>
-              <a:headEnd w="lg" len="lg"/>
-              <a:tailEnd type="triangle"/>
-            </a:ln>
-          </p:spPr>
-          <p:style>
-            <a:lnRef idx="1">
-              <a:schemeClr val="accent1"/>
-            </a:lnRef>
-            <a:fillRef idx="0">
-              <a:schemeClr val="accent1"/>
-            </a:fillRef>
-            <a:effectRef idx="0">
-              <a:schemeClr val="accent1"/>
-            </a:effectRef>
-            <a:fontRef idx="minor">
-              <a:schemeClr val="tx1"/>
-            </a:fontRef>
-          </p:style>
-        </p:cxnSp>
-        <p:sp>
-          <p:nvSpPr>
-            <p:cNvPr id="105" name="文本框 104">
-              <a:extLst>
-                <a:ext uri="{FF2B5EF4-FFF2-40B4-BE49-F238E27FC236}">
-                  <a16:creationId xmlns:a16="http://schemas.microsoft.com/office/drawing/2014/main" id="{83170B2D-D9F0-819D-B7B3-762DE34EDFAF}"/>
-                </a:ext>
-              </a:extLst>
-            </p:cNvPr>
-            <p:cNvSpPr txBox="1"/>
-            <p:nvPr/>
-          </p:nvSpPr>
-          <p:spPr>
-            <a:xfrm>
-              <a:off x="5525682" y="694521"/>
-              <a:ext cx="335731" cy="307777"/>
-            </a:xfrm>
-            <a:prstGeom prst="rect">
-              <a:avLst/>
-            </a:prstGeom>
-            <a:noFill/>
-          </p:spPr>
-          <p:txBody>
-            <a:bodyPr wrap="square" rtlCol="0">
-              <a:spAutoFit/>
-            </a:bodyPr>
-            <a:lstStyle/>
-            <a:p>
-              <a:r>
-                <a:rPr lang="en-US" altLang="zh-CN" sz="1400" b="1" dirty="0">
-                  <a:latin typeface="Times New Roman" panose="02020603050405020304" pitchFamily="18" charset="0"/>
-                  <a:ea typeface="宋体" panose="02010600030101010101" pitchFamily="2" charset="-122"/>
-                  <a:cs typeface="Times New Roman" panose="02020603050405020304" pitchFamily="18" charset="0"/>
-                </a:rPr>
-                <a:t>F</a:t>
-              </a:r>
-              <a:endParaRPr lang="zh-CN" altLang="en-US" sz="1400" b="1" dirty="0">
-                <a:latin typeface="Times New Roman" panose="02020603050405020304" pitchFamily="18" charset="0"/>
-                <a:ea typeface="宋体" panose="02010600030101010101" pitchFamily="2" charset="-122"/>
-                <a:cs typeface="Times New Roman" panose="02020603050405020304" pitchFamily="18" charset="0"/>
-              </a:endParaRPr>
-            </a:p>
-          </p:txBody>
-        </p:sp>
-        <p:sp>
-          <p:nvSpPr>
-            <p:cNvPr id="106" name="文本框 105">
-              <a:extLst>
-                <a:ext uri="{FF2B5EF4-FFF2-40B4-BE49-F238E27FC236}">
-                  <a16:creationId xmlns:a16="http://schemas.microsoft.com/office/drawing/2014/main" id="{8EEA1DE3-C094-D69B-3D24-15ACDA3B59E2}"/>
-                </a:ext>
-              </a:extLst>
-            </p:cNvPr>
-            <p:cNvSpPr txBox="1"/>
-            <p:nvPr/>
-          </p:nvSpPr>
-          <p:spPr>
-            <a:xfrm>
-              <a:off x="5404900" y="2899214"/>
-              <a:ext cx="1311864" cy="338554"/>
-            </a:xfrm>
-            <a:prstGeom prst="rect">
-              <a:avLst/>
-            </a:prstGeom>
-            <a:noFill/>
-          </p:spPr>
-          <p:txBody>
-            <a:bodyPr wrap="square" rtlCol="0">
-              <a:spAutoFit/>
-            </a:bodyPr>
-            <a:lstStyle/>
-            <a:p>
-              <a:r>
-                <a:rPr lang="zh-CN" altLang="en-US" sz="800" dirty="0">
-                  <a:solidFill>
-                    <a:srgbClr val="FF0000"/>
-                  </a:solidFill>
-                  <a:latin typeface="宋体" panose="02010600030101010101" pitchFamily="2" charset="-122"/>
-                  <a:ea typeface="宋体" panose="02010600030101010101" pitchFamily="2" charset="-122"/>
-                </a:rPr>
-                <a:t>土层</a:t>
-              </a:r>
-              <a:r>
-                <a:rPr lang="en-US" altLang="zh-CN" sz="800" dirty="0">
-                  <a:solidFill>
-                    <a:srgbClr val="FF0000"/>
-                  </a:solidFill>
-                  <a:latin typeface="宋体" panose="02010600030101010101" pitchFamily="2" charset="-122"/>
-                  <a:ea typeface="宋体" panose="02010600030101010101" pitchFamily="2" charset="-122"/>
-                </a:rPr>
-                <a:t>2   </a:t>
-              </a:r>
-              <a:r>
-                <a:rPr lang="zh-CN" altLang="en-US" sz="800" dirty="0">
-                  <a:solidFill>
-                    <a:srgbClr val="FF0000"/>
-                  </a:solidFill>
-                  <a:latin typeface="宋体" panose="02010600030101010101" pitchFamily="2" charset="-122"/>
-                  <a:ea typeface="宋体" panose="02010600030101010101" pitchFamily="2" charset="-122"/>
-                </a:rPr>
-                <a:t>内摩擦角</a:t>
-              </a:r>
-              <a:r>
-                <a:rPr lang="en-US" altLang="zh-CN" sz="800" dirty="0">
-                  <a:solidFill>
-                    <a:srgbClr val="FF0000"/>
-                  </a:solidFill>
-                  <a:latin typeface="宋体" panose="02010600030101010101" pitchFamily="2" charset="-122"/>
-                  <a:ea typeface="宋体" panose="02010600030101010101" pitchFamily="2" charset="-122"/>
-                </a:rPr>
-                <a:t>2</a:t>
-              </a:r>
-            </a:p>
-            <a:p>
-              <a:r>
-                <a:rPr lang="zh-CN" altLang="en-US" sz="800" dirty="0">
-                  <a:solidFill>
-                    <a:srgbClr val="FF0000"/>
-                  </a:solidFill>
-                  <a:latin typeface="宋体" panose="02010600030101010101" pitchFamily="2" charset="-122"/>
-                  <a:ea typeface="宋体" panose="02010600030101010101" pitchFamily="2" charset="-122"/>
-                </a:rPr>
-                <a:t>重度</a:t>
-              </a:r>
-              <a:r>
-                <a:rPr lang="en-US" altLang="zh-CN" sz="800" dirty="0">
-                  <a:solidFill>
-                    <a:srgbClr val="FF0000"/>
-                  </a:solidFill>
-                  <a:latin typeface="宋体" panose="02010600030101010101" pitchFamily="2" charset="-122"/>
-                  <a:ea typeface="宋体" panose="02010600030101010101" pitchFamily="2" charset="-122"/>
-                </a:rPr>
-                <a:t>2   </a:t>
-              </a:r>
-              <a:r>
-                <a:rPr lang="zh-CN" altLang="en-US" sz="800" dirty="0">
-                  <a:solidFill>
-                    <a:srgbClr val="FF0000"/>
-                  </a:solidFill>
-                  <a:latin typeface="宋体" panose="02010600030101010101" pitchFamily="2" charset="-122"/>
-                  <a:ea typeface="宋体" panose="02010600030101010101" pitchFamily="2" charset="-122"/>
-                </a:rPr>
-                <a:t>侧压力系数</a:t>
-              </a:r>
-              <a:r>
-                <a:rPr lang="en-US" altLang="zh-CN" sz="800" dirty="0">
-                  <a:solidFill>
-                    <a:srgbClr val="FF0000"/>
-                  </a:solidFill>
-                  <a:latin typeface="宋体" panose="02010600030101010101" pitchFamily="2" charset="-122"/>
-                  <a:ea typeface="宋体" panose="02010600030101010101" pitchFamily="2" charset="-122"/>
-                </a:rPr>
-                <a:t>2</a:t>
-              </a:r>
-            </a:p>
-          </p:txBody>
-        </p:sp>
-        <p:sp>
-          <p:nvSpPr>
-            <p:cNvPr id="107" name="文本框 106">
-              <a:extLst>
-                <a:ext uri="{FF2B5EF4-FFF2-40B4-BE49-F238E27FC236}">
-                  <a16:creationId xmlns:a16="http://schemas.microsoft.com/office/drawing/2014/main" id="{BB578661-8923-F34C-256B-DAF165C7C269}"/>
-                </a:ext>
-              </a:extLst>
-            </p:cNvPr>
-            <p:cNvSpPr txBox="1"/>
-            <p:nvPr/>
-          </p:nvSpPr>
-          <p:spPr>
-            <a:xfrm>
-              <a:off x="5404900" y="3803794"/>
-              <a:ext cx="1311864" cy="338554"/>
-            </a:xfrm>
-            <a:prstGeom prst="rect">
-              <a:avLst/>
-            </a:prstGeom>
-            <a:noFill/>
-          </p:spPr>
-          <p:txBody>
-            <a:bodyPr wrap="square" rtlCol="0">
-              <a:spAutoFit/>
-            </a:bodyPr>
-            <a:lstStyle/>
-            <a:p>
-              <a:r>
-                <a:rPr lang="zh-CN" altLang="en-US" sz="800" dirty="0">
-                  <a:solidFill>
-                    <a:srgbClr val="FF0000"/>
-                  </a:solidFill>
-                  <a:latin typeface="宋体" panose="02010600030101010101" pitchFamily="2" charset="-122"/>
-                  <a:ea typeface="宋体" panose="02010600030101010101" pitchFamily="2" charset="-122"/>
-                </a:rPr>
-                <a:t>土层</a:t>
-              </a:r>
-              <a:r>
-                <a:rPr lang="en-US" altLang="zh-CN" sz="800" dirty="0" err="1">
-                  <a:solidFill>
-                    <a:srgbClr val="FF0000"/>
-                  </a:solidFill>
-                  <a:latin typeface="宋体" panose="02010600030101010101" pitchFamily="2" charset="-122"/>
-                  <a:ea typeface="宋体" panose="02010600030101010101" pitchFamily="2" charset="-122"/>
-                </a:rPr>
-                <a:t>i</a:t>
-              </a:r>
-              <a:r>
-                <a:rPr lang="en-US" altLang="zh-CN" sz="800" dirty="0">
-                  <a:solidFill>
-                    <a:srgbClr val="FF0000"/>
-                  </a:solidFill>
-                  <a:latin typeface="宋体" panose="02010600030101010101" pitchFamily="2" charset="-122"/>
-                  <a:ea typeface="宋体" panose="02010600030101010101" pitchFamily="2" charset="-122"/>
-                </a:rPr>
-                <a:t>   </a:t>
-              </a:r>
-              <a:r>
-                <a:rPr lang="zh-CN" altLang="en-US" sz="800" dirty="0">
-                  <a:solidFill>
-                    <a:srgbClr val="FF0000"/>
-                  </a:solidFill>
-                  <a:latin typeface="宋体" panose="02010600030101010101" pitchFamily="2" charset="-122"/>
-                  <a:ea typeface="宋体" panose="02010600030101010101" pitchFamily="2" charset="-122"/>
-                </a:rPr>
-                <a:t>内摩擦角</a:t>
-              </a:r>
-              <a:r>
-                <a:rPr lang="en-US" altLang="zh-CN" sz="800" dirty="0">
-                  <a:solidFill>
-                    <a:srgbClr val="FF0000"/>
-                  </a:solidFill>
-                  <a:latin typeface="宋体" panose="02010600030101010101" pitchFamily="2" charset="-122"/>
-                  <a:ea typeface="宋体" panose="02010600030101010101" pitchFamily="2" charset="-122"/>
-                </a:rPr>
-                <a:t>i</a:t>
-              </a:r>
-            </a:p>
-            <a:p>
-              <a:r>
-                <a:rPr lang="zh-CN" altLang="en-US" sz="800" dirty="0">
-                  <a:solidFill>
-                    <a:srgbClr val="FF0000"/>
-                  </a:solidFill>
-                  <a:latin typeface="宋体" panose="02010600030101010101" pitchFamily="2" charset="-122"/>
-                  <a:ea typeface="宋体" panose="02010600030101010101" pitchFamily="2" charset="-122"/>
-                </a:rPr>
-                <a:t>重度</a:t>
-              </a:r>
-              <a:r>
-                <a:rPr lang="en-US" altLang="zh-CN" sz="800" dirty="0" err="1">
-                  <a:solidFill>
-                    <a:srgbClr val="FF0000"/>
-                  </a:solidFill>
-                  <a:latin typeface="宋体" panose="02010600030101010101" pitchFamily="2" charset="-122"/>
-                  <a:ea typeface="宋体" panose="02010600030101010101" pitchFamily="2" charset="-122"/>
-                </a:rPr>
-                <a:t>i</a:t>
-              </a:r>
-              <a:r>
-                <a:rPr lang="en-US" altLang="zh-CN" sz="800" dirty="0">
-                  <a:solidFill>
-                    <a:srgbClr val="FF0000"/>
-                  </a:solidFill>
-                  <a:latin typeface="宋体" panose="02010600030101010101" pitchFamily="2" charset="-122"/>
-                  <a:ea typeface="宋体" panose="02010600030101010101" pitchFamily="2" charset="-122"/>
-                </a:rPr>
-                <a:t>   </a:t>
-              </a:r>
-              <a:r>
-                <a:rPr lang="zh-CN" altLang="en-US" sz="800" dirty="0">
-                  <a:solidFill>
-                    <a:srgbClr val="FF0000"/>
-                  </a:solidFill>
-                  <a:latin typeface="宋体" panose="02010600030101010101" pitchFamily="2" charset="-122"/>
-                  <a:ea typeface="宋体" panose="02010600030101010101" pitchFamily="2" charset="-122"/>
-                </a:rPr>
-                <a:t>侧压力系数</a:t>
-              </a:r>
-              <a:r>
-                <a:rPr lang="en-US" altLang="zh-CN" sz="800" dirty="0">
-                  <a:solidFill>
-                    <a:srgbClr val="FF0000"/>
-                  </a:solidFill>
-                  <a:latin typeface="宋体" panose="02010600030101010101" pitchFamily="2" charset="-122"/>
-                  <a:ea typeface="宋体" panose="02010600030101010101" pitchFamily="2" charset="-122"/>
-                </a:rPr>
-                <a:t>i</a:t>
-              </a:r>
-            </a:p>
-          </p:txBody>
-        </p:sp>
-        <p:sp>
-          <p:nvSpPr>
-            <p:cNvPr id="108" name="文本框 107">
-              <a:extLst>
-                <a:ext uri="{FF2B5EF4-FFF2-40B4-BE49-F238E27FC236}">
-                  <a16:creationId xmlns:a16="http://schemas.microsoft.com/office/drawing/2014/main" id="{9F5D23A7-A769-E4F3-F8DC-FF92276C9726}"/>
-                </a:ext>
-              </a:extLst>
-            </p:cNvPr>
-            <p:cNvSpPr txBox="1"/>
-            <p:nvPr/>
-          </p:nvSpPr>
-          <p:spPr>
-            <a:xfrm>
-              <a:off x="4766120" y="2385085"/>
-              <a:ext cx="380293" cy="523220"/>
-            </a:xfrm>
-            <a:prstGeom prst="rect">
-              <a:avLst/>
-            </a:prstGeom>
-            <a:noFill/>
-          </p:spPr>
-          <p:txBody>
-            <a:bodyPr wrap="square" rtlCol="0">
-              <a:spAutoFit/>
-            </a:bodyPr>
-            <a:lstStyle/>
-            <a:p>
-              <a:r>
-                <a:rPr lang="zh-CN" altLang="en-US" sz="1400" b="1" dirty="0">
-                  <a:latin typeface="宋体" panose="02010600030101010101" pitchFamily="2" charset="-122"/>
-                  <a:ea typeface="宋体" panose="02010600030101010101" pitchFamily="2" charset="-122"/>
-                </a:rPr>
-                <a:t>桩身</a:t>
-              </a:r>
-            </a:p>
-          </p:txBody>
-        </p:sp>
-        <p:sp>
-          <p:nvSpPr>
-            <p:cNvPr id="110" name="文本框 109">
-              <a:extLst>
-                <a:ext uri="{FF2B5EF4-FFF2-40B4-BE49-F238E27FC236}">
-                  <a16:creationId xmlns:a16="http://schemas.microsoft.com/office/drawing/2014/main" id="{6BB91069-3E48-7659-3B6F-909695D03E1A}"/>
-                </a:ext>
-              </a:extLst>
-            </p:cNvPr>
-            <p:cNvSpPr txBox="1"/>
-            <p:nvPr/>
-          </p:nvSpPr>
-          <p:spPr>
-            <a:xfrm>
-              <a:off x="3385739" y="4437404"/>
-              <a:ext cx="2973891" cy="369332"/>
+              <a:off x="5310240" y="1103867"/>
+              <a:ext cx="649537" cy="369332"/>
             </a:xfrm>
             <a:prstGeom prst="rect">
               <a:avLst/>
@@ -8584,10 +9993,13 @@
             <a:p>
               <a:r>
                 <a:rPr lang="zh-CN" altLang="en-US" b="1" dirty="0">
+                  <a:solidFill>
+                    <a:srgbClr val="FF0000"/>
+                  </a:solidFill>
                   <a:latin typeface="宋体" panose="02010600030101010101" pitchFamily="2" charset="-122"/>
                   <a:ea typeface="宋体" panose="02010600030101010101" pitchFamily="2" charset="-122"/>
                 </a:rPr>
-                <a:t>桩基抗倾覆计算参数示意图</a:t>
+                <a:t>桩径</a:t>
               </a:r>
             </a:p>
           </p:txBody>
@@ -8606,7 +10018,7 @@
 </p:sld>
 </file>
 
-<file path=ppt/slides/slide5.xml><?xml version="1.0" encoding="utf-8"?>
+<file path=ppt/slides/slide6.xml><?xml version="1.0" encoding="utf-8"?>
 <p:sld xmlns:a="http://schemas.openxmlformats.org/drawingml/2006/main" xmlns:r="http://schemas.openxmlformats.org/officeDocument/2006/relationships" xmlns:p="http://schemas.openxmlformats.org/presentationml/2006/main">
   <p:cSld>
     <p:spTree>
@@ -10301,7 +11713,7 @@
                     <a:latin typeface="宋体" panose="02010600030101010101" pitchFamily="2" charset="-122"/>
                     <a:ea typeface="宋体" panose="02010600030101010101" pitchFamily="2" charset="-122"/>
                   </a:rPr>
-                  <a:t>交界土层厚度</a:t>
+                  <a:t>交界土层深度</a:t>
                 </a:r>
               </a:p>
             </p:txBody>
@@ -10467,7 +11879,7 @@
 </p:sld>
 </file>
 
-<file path=ppt/slides/slide6.xml><?xml version="1.0" encoding="utf-8"?>
+<file path=ppt/slides/slide7.xml><?xml version="1.0" encoding="utf-8"?>
 <p:sld xmlns:a="http://schemas.openxmlformats.org/drawingml/2006/main" xmlns:r="http://schemas.openxmlformats.org/officeDocument/2006/relationships" xmlns:p="http://schemas.openxmlformats.org/presentationml/2006/main">
   <p:cSld>
     <p:spTree>
@@ -12269,6 +13681,307 @@
 </p:sld>
 </file>
 
+<file path=ppt/slides/slide8.xml><?xml version="1.0" encoding="utf-8"?>
+<p:sld xmlns:a="http://schemas.openxmlformats.org/drawingml/2006/main" xmlns:r="http://schemas.openxmlformats.org/officeDocument/2006/relationships" xmlns:p="http://schemas.openxmlformats.org/presentationml/2006/main">
+  <p:cSld>
+    <p:spTree>
+      <p:nvGrpSpPr>
+        <p:cNvPr id="1" name=""/>
+        <p:cNvGrpSpPr/>
+        <p:nvPr/>
+      </p:nvGrpSpPr>
+      <p:grpSpPr>
+        <a:xfrm>
+          <a:off x="0" y="0"/>
+          <a:ext cx="0" cy="0"/>
+          <a:chOff x="0" y="0"/>
+          <a:chExt cx="0" cy="0"/>
+        </a:xfrm>
+      </p:grpSpPr>
+      <p:grpSp>
+        <p:nvGrpSpPr>
+          <p:cNvPr id="7" name="组合 6">
+            <a:extLst>
+              <a:ext uri="{FF2B5EF4-FFF2-40B4-BE49-F238E27FC236}">
+                <a16:creationId xmlns:a16="http://schemas.microsoft.com/office/drawing/2014/main" id="{138FC50B-CCD3-6A21-4BF0-5EB27D81C509}"/>
+              </a:ext>
+            </a:extLst>
+          </p:cNvPr>
+          <p:cNvGrpSpPr/>
+          <p:nvPr/>
+        </p:nvGrpSpPr>
+        <p:grpSpPr>
+          <a:xfrm>
+            <a:off x="3084740" y="1688971"/>
+            <a:ext cx="4898570" cy="2972058"/>
+            <a:chOff x="3084740" y="1688971"/>
+            <a:chExt cx="4898570" cy="2972058"/>
+          </a:xfrm>
+        </p:grpSpPr>
+        <p:pic>
+          <p:nvPicPr>
+            <p:cNvPr id="3" name="图片 2">
+              <a:extLst>
+                <a:ext uri="{FF2B5EF4-FFF2-40B4-BE49-F238E27FC236}">
+                  <a16:creationId xmlns:a16="http://schemas.microsoft.com/office/drawing/2014/main" id="{C2A0677B-19A9-4884-AD66-9D7D9956693E}"/>
+                </a:ext>
+              </a:extLst>
+            </p:cNvPr>
+            <p:cNvPicPr>
+              <a:picLocks noChangeAspect="1"/>
+            </p:cNvPicPr>
+            <p:nvPr/>
+          </p:nvPicPr>
+          <p:blipFill>
+            <a:blip r:embed="rId2"/>
+            <a:stretch>
+              <a:fillRect/>
+            </a:stretch>
+          </p:blipFill>
+          <p:spPr>
+            <a:xfrm>
+              <a:off x="3084740" y="1688971"/>
+              <a:ext cx="2080440" cy="2972058"/>
+            </a:xfrm>
+            <a:prstGeom prst="rect">
+              <a:avLst/>
+            </a:prstGeom>
+          </p:spPr>
+        </p:pic>
+        <p:pic>
+          <p:nvPicPr>
+            <p:cNvPr id="5" name="图片 4">
+              <a:extLst>
+                <a:ext uri="{FF2B5EF4-FFF2-40B4-BE49-F238E27FC236}">
+                  <a16:creationId xmlns:a16="http://schemas.microsoft.com/office/drawing/2014/main" id="{D8F4B099-4031-2330-4308-C032BB72D9B9}"/>
+                </a:ext>
+              </a:extLst>
+            </p:cNvPr>
+            <p:cNvPicPr>
+              <a:picLocks noChangeAspect="1"/>
+            </p:cNvPicPr>
+            <p:nvPr/>
+          </p:nvPicPr>
+          <p:blipFill>
+            <a:blip r:embed="rId3"/>
+            <a:stretch>
+              <a:fillRect/>
+            </a:stretch>
+          </p:blipFill>
+          <p:spPr>
+            <a:xfrm>
+              <a:off x="5895249" y="1688971"/>
+              <a:ext cx="2088061" cy="2972058"/>
+            </a:xfrm>
+            <a:prstGeom prst="rect">
+              <a:avLst/>
+            </a:prstGeom>
+          </p:spPr>
+        </p:pic>
+        <p:sp>
+          <p:nvSpPr>
+            <p:cNvPr id="6" name="箭头: 右 5">
+              <a:extLst>
+                <a:ext uri="{FF2B5EF4-FFF2-40B4-BE49-F238E27FC236}">
+                  <a16:creationId xmlns:a16="http://schemas.microsoft.com/office/drawing/2014/main" id="{A1AC1A44-07A2-EE01-51D8-731C891199DB}"/>
+                </a:ext>
+              </a:extLst>
+            </p:cNvPr>
+            <p:cNvSpPr/>
+            <p:nvPr/>
+          </p:nvSpPr>
+          <p:spPr>
+            <a:xfrm>
+              <a:off x="5354320" y="3048000"/>
+              <a:ext cx="467360" cy="254000"/>
+            </a:xfrm>
+            <a:prstGeom prst="rightArrow">
+              <a:avLst/>
+            </a:prstGeom>
+            <a:solidFill>
+              <a:schemeClr val="bg2"/>
+            </a:solidFill>
+          </p:spPr>
+          <p:style>
+            <a:lnRef idx="2">
+              <a:schemeClr val="accent1">
+                <a:shade val="15000"/>
+              </a:schemeClr>
+            </a:lnRef>
+            <a:fillRef idx="1">
+              <a:schemeClr val="accent1"/>
+            </a:fillRef>
+            <a:effectRef idx="0">
+              <a:schemeClr val="accent1"/>
+            </a:effectRef>
+            <a:fontRef idx="minor">
+              <a:schemeClr val="lt1"/>
+            </a:fontRef>
+          </p:style>
+          <p:txBody>
+            <a:bodyPr rtlCol="0" anchor="ctr"/>
+            <a:lstStyle/>
+            <a:p>
+              <a:pPr algn="ctr"/>
+              <a:endParaRPr lang="zh-CN" altLang="en-US"/>
+            </a:p>
+          </p:txBody>
+        </p:sp>
+      </p:grpSp>
+    </p:spTree>
+    <p:extLst>
+      <p:ext uri="{BB962C8B-B14F-4D97-AF65-F5344CB8AC3E}">
+        <p14:creationId xmlns:p14="http://schemas.microsoft.com/office/powerpoint/2010/main" val="1577564407"/>
+      </p:ext>
+    </p:extLst>
+  </p:cSld>
+  <p:clrMapOvr>
+    <a:masterClrMapping/>
+  </p:clrMapOvr>
+</p:sld>
+</file>
+
+<file path=ppt/slides/slide9.xml><?xml version="1.0" encoding="utf-8"?>
+<p:sld xmlns:a="http://schemas.openxmlformats.org/drawingml/2006/main" xmlns:r="http://schemas.openxmlformats.org/officeDocument/2006/relationships" xmlns:p="http://schemas.openxmlformats.org/presentationml/2006/main">
+  <p:cSld>
+    <p:spTree>
+      <p:nvGrpSpPr>
+        <p:cNvPr id="1" name=""/>
+        <p:cNvGrpSpPr/>
+        <p:nvPr/>
+      </p:nvGrpSpPr>
+      <p:grpSpPr>
+        <a:xfrm>
+          <a:off x="0" y="0"/>
+          <a:ext cx="0" cy="0"/>
+          <a:chOff x="0" y="0"/>
+          <a:chExt cx="0" cy="0"/>
+        </a:xfrm>
+      </p:grpSpPr>
+      <p:grpSp>
+        <p:nvGrpSpPr>
+          <p:cNvPr id="8" name="组合 7">
+            <a:extLst>
+              <a:ext uri="{FF2B5EF4-FFF2-40B4-BE49-F238E27FC236}">
+                <a16:creationId xmlns:a16="http://schemas.microsoft.com/office/drawing/2014/main" id="{FA024D6E-7B38-CE2D-3EC9-DBB3DE9949A0}"/>
+              </a:ext>
+            </a:extLst>
+          </p:cNvPr>
+          <p:cNvGrpSpPr/>
+          <p:nvPr/>
+        </p:nvGrpSpPr>
+        <p:grpSpPr>
+          <a:xfrm>
+            <a:off x="1937931" y="1555616"/>
+            <a:ext cx="6911515" cy="3040642"/>
+            <a:chOff x="1937931" y="1555616"/>
+            <a:chExt cx="6911515" cy="3040642"/>
+          </a:xfrm>
+        </p:grpSpPr>
+        <p:pic>
+          <p:nvPicPr>
+            <p:cNvPr id="3" name="图片 2">
+              <a:extLst>
+                <a:ext uri="{FF2B5EF4-FFF2-40B4-BE49-F238E27FC236}">
+                  <a16:creationId xmlns:a16="http://schemas.microsoft.com/office/drawing/2014/main" id="{4C6C3838-C643-8D04-5863-93AB79D178B4}"/>
+                </a:ext>
+              </a:extLst>
+            </p:cNvPr>
+            <p:cNvPicPr>
+              <a:picLocks noChangeAspect="1"/>
+            </p:cNvPicPr>
+            <p:nvPr/>
+          </p:nvPicPr>
+          <p:blipFill>
+            <a:blip r:embed="rId2"/>
+            <a:stretch>
+              <a:fillRect/>
+            </a:stretch>
+          </p:blipFill>
+          <p:spPr>
+            <a:xfrm>
+              <a:off x="1937931" y="1631821"/>
+              <a:ext cx="2057578" cy="2964437"/>
+            </a:xfrm>
+            <a:prstGeom prst="rect">
+              <a:avLst/>
+            </a:prstGeom>
+          </p:spPr>
+        </p:pic>
+        <p:pic>
+          <p:nvPicPr>
+            <p:cNvPr id="5" name="图片 4">
+              <a:extLst>
+                <a:ext uri="{FF2B5EF4-FFF2-40B4-BE49-F238E27FC236}">
+                  <a16:creationId xmlns:a16="http://schemas.microsoft.com/office/drawing/2014/main" id="{A7DD563E-D1AC-2DE2-C27D-938953804D6D}"/>
+                </a:ext>
+              </a:extLst>
+            </p:cNvPr>
+            <p:cNvPicPr>
+              <a:picLocks noChangeAspect="1"/>
+            </p:cNvPicPr>
+            <p:nvPr/>
+          </p:nvPicPr>
+          <p:blipFill>
+            <a:blip r:embed="rId3"/>
+            <a:stretch>
+              <a:fillRect/>
+            </a:stretch>
+          </p:blipFill>
+          <p:spPr>
+            <a:xfrm>
+              <a:off x="4383951" y="1555616"/>
+              <a:ext cx="2042337" cy="3025402"/>
+            </a:xfrm>
+            <a:prstGeom prst="rect">
+              <a:avLst/>
+            </a:prstGeom>
+          </p:spPr>
+        </p:pic>
+        <p:pic>
+          <p:nvPicPr>
+            <p:cNvPr id="7" name="图片 6">
+              <a:extLst>
+                <a:ext uri="{FF2B5EF4-FFF2-40B4-BE49-F238E27FC236}">
+                  <a16:creationId xmlns:a16="http://schemas.microsoft.com/office/drawing/2014/main" id="{89D4B837-C248-28A1-F894-A37A0A3D59A2}"/>
+                </a:ext>
+              </a:extLst>
+            </p:cNvPr>
+            <p:cNvPicPr>
+              <a:picLocks noChangeAspect="1"/>
+            </p:cNvPicPr>
+            <p:nvPr/>
+          </p:nvPicPr>
+          <p:blipFill>
+            <a:blip r:embed="rId4"/>
+            <a:stretch>
+              <a:fillRect/>
+            </a:stretch>
+          </p:blipFill>
+          <p:spPr>
+            <a:xfrm>
+              <a:off x="6814730" y="1555616"/>
+              <a:ext cx="2034716" cy="2972058"/>
+            </a:xfrm>
+            <a:prstGeom prst="rect">
+              <a:avLst/>
+            </a:prstGeom>
+          </p:spPr>
+        </p:pic>
+      </p:grpSp>
+    </p:spTree>
+    <p:extLst>
+      <p:ext uri="{BB962C8B-B14F-4D97-AF65-F5344CB8AC3E}">
+        <p14:creationId xmlns:p14="http://schemas.microsoft.com/office/powerpoint/2010/main" val="2578772125"/>
+      </p:ext>
+    </p:extLst>
+  </p:cSld>
+  <p:clrMapOvr>
+    <a:masterClrMapping/>
+  </p:clrMapOvr>
+</p:sld>
+</file>
+
 <file path=ppt/theme/theme1.xml><?xml version="1.0" encoding="utf-8"?>
 <a:theme xmlns:a="http://schemas.openxmlformats.org/drawingml/2006/main" name="Office 主题​​">
   <a:themeElements>
